--- a/exp_c/slide/exp_C_refine.pptx
+++ b/exp_c/slide/exp_C_refine.pptx
@@ -264,7 +264,7 @@
   </p:defaultTextStyle>
   <p:extLst>
     <p:ext uri="{EFAFB233-063F-42B5-8137-9DF3F51BA10A}">
-      <p15:sldGuideLst xmlns="" xmlns:p15="http://schemas.microsoft.com/office/powerpoint/2012/main">
+      <p15:sldGuideLst xmlns:p15="http://schemas.microsoft.com/office/powerpoint/2012/main">
         <p15:guide id="1" orient="horz" pos="2160">
           <p15:clr>
             <a:srgbClr val="000000"/>
@@ -287,13 +287,25 @@
 </file>
 
 <file path=ppt/charts/chart1.xml><?xml version="1.0" encoding="utf-8"?>
-<c:chartSpace xmlns:c="http://schemas.openxmlformats.org/drawingml/2006/chart" xmlns:a="http://schemas.openxmlformats.org/drawingml/2006/main" xmlns:r="http://schemas.openxmlformats.org/officeDocument/2006/relationships">
+<c:chartSpace xmlns:c="http://schemas.openxmlformats.org/drawingml/2006/chart" xmlns:a="http://schemas.openxmlformats.org/drawingml/2006/main" xmlns:r="http://schemas.openxmlformats.org/officeDocument/2006/relationships" xmlns:c16r2="http://schemas.microsoft.com/office/drawing/2015/06/chart">
+  <c:date1904 val="0"/>
   <c:lang val="ja-JP"/>
+  <c:roundedCorners val="0"/>
+  <mc:AlternateContent xmlns:mc="http://schemas.openxmlformats.org/markup-compatibility/2006">
+    <mc:Choice xmlns:c14="http://schemas.microsoft.com/office/drawing/2007/8/2/chart" Requires="c14">
+      <c14:style val="102"/>
+    </mc:Choice>
+    <mc:Fallback>
+      <c:style val="2"/>
+    </mc:Fallback>
+  </mc:AlternateContent>
   <c:chart>
+    <c:autoTitleDeleted val="0"/>
     <c:plotArea>
       <c:layout/>
       <c:lineChart>
         <c:grouping val="standard"/>
+        <c:varyColors val="0"/>
         <c:ser>
           <c:idx val="0"/>
           <c:order val="0"/>
@@ -339,6 +351,12 @@
               </c:numCache>
             </c:numRef>
           </c:val>
+          <c:smooth val="0"/>
+          <c:extLst>
+            <c:ext xmlns:c16="http://schemas.microsoft.com/office/drawing/2014/chart" uri="{C3380CC4-5D6E-409C-BE32-E72D297353CC}">
+              <c16:uniqueId val="{00000000-7684-46B9-A699-5E0D87A0D0AA}"/>
+            </c:ext>
+          </c:extLst>
         </c:ser>
         <c:ser>
           <c:idx val="1"/>
@@ -385,6 +403,12 @@
               </c:numCache>
             </c:numRef>
           </c:val>
+          <c:smooth val="0"/>
+          <c:extLst>
+            <c:ext xmlns:c16="http://schemas.microsoft.com/office/drawing/2014/chart" uri="{C3380CC4-5D6E-409C-BE32-E72D297353CC}">
+              <c16:uniqueId val="{00000001-7684-46B9-A699-5E0D87A0D0AA}"/>
+            </c:ext>
+          </c:extLst>
         </c:ser>
         <c:ser>
           <c:idx val="2"/>
@@ -431,6 +455,12 @@
               </c:numCache>
             </c:numRef>
           </c:val>
+          <c:smooth val="0"/>
+          <c:extLst>
+            <c:ext xmlns:c16="http://schemas.microsoft.com/office/drawing/2014/chart" uri="{C3380CC4-5D6E-409C-BE32-E72D297353CC}">
+              <c16:uniqueId val="{00000002-7684-46B9-A699-5E0D87A0D0AA}"/>
+            </c:ext>
+          </c:extLst>
         </c:ser>
         <c:ser>
           <c:idx val="3"/>
@@ -477,6 +507,12 @@
               </c:numCache>
             </c:numRef>
           </c:val>
+          <c:smooth val="0"/>
+          <c:extLst>
+            <c:ext xmlns:c16="http://schemas.microsoft.com/office/drawing/2014/chart" uri="{C3380CC4-5D6E-409C-BE32-E72D297353CC}">
+              <c16:uniqueId val="{00000003-7684-46B9-A699-5E0D87A0D0AA}"/>
+            </c:ext>
+          </c:extLst>
         </c:ser>
         <c:ser>
           <c:idx val="4"/>
@@ -523,6 +559,12 @@
               </c:numCache>
             </c:numRef>
           </c:val>
+          <c:smooth val="0"/>
+          <c:extLst>
+            <c:ext xmlns:c16="http://schemas.microsoft.com/office/drawing/2014/chart" uri="{C3380CC4-5D6E-409C-BE32-E72D297353CC}">
+              <c16:uniqueId val="{00000004-7684-46B9-A699-5E0D87A0D0AA}"/>
+            </c:ext>
+          </c:extLst>
         </c:ser>
         <c:ser>
           <c:idx val="5"/>
@@ -569,6 +611,12 @@
               </c:numCache>
             </c:numRef>
           </c:val>
+          <c:smooth val="0"/>
+          <c:extLst>
+            <c:ext xmlns:c16="http://schemas.microsoft.com/office/drawing/2014/chart" uri="{C3380CC4-5D6E-409C-BE32-E72D297353CC}">
+              <c16:uniqueId val="{00000005-7684-46B9-A699-5E0D87A0D0AA}"/>
+            </c:ext>
+          </c:extLst>
         </c:ser>
         <c:ser>
           <c:idx val="6"/>
@@ -615,6 +663,12 @@
               </c:numCache>
             </c:numRef>
           </c:val>
+          <c:smooth val="0"/>
+          <c:extLst>
+            <c:ext xmlns:c16="http://schemas.microsoft.com/office/drawing/2014/chart" uri="{C3380CC4-5D6E-409C-BE32-E72D297353CC}">
+              <c16:uniqueId val="{00000006-7684-46B9-A699-5E0D87A0D0AA}"/>
+            </c:ext>
+          </c:extLst>
         </c:ser>
         <c:ser>
           <c:idx val="7"/>
@@ -661,6 +715,12 @@
               </c:numCache>
             </c:numRef>
           </c:val>
+          <c:smooth val="0"/>
+          <c:extLst>
+            <c:ext xmlns:c16="http://schemas.microsoft.com/office/drawing/2014/chart" uri="{C3380CC4-5D6E-409C-BE32-E72D297353CC}">
+              <c16:uniqueId val="{00000007-7684-46B9-A699-5E0D87A0D0AA}"/>
+            </c:ext>
+          </c:extLst>
         </c:ser>
         <c:ser>
           <c:idx val="8"/>
@@ -707,6 +767,12 @@
               </c:numCache>
             </c:numRef>
           </c:val>
+          <c:smooth val="0"/>
+          <c:extLst>
+            <c:ext xmlns:c16="http://schemas.microsoft.com/office/drawing/2014/chart" uri="{C3380CC4-5D6E-409C-BE32-E72D297353CC}">
+              <c16:uniqueId val="{00000008-7684-46B9-A699-5E0D87A0D0AA}"/>
+            </c:ext>
+          </c:extLst>
         </c:ser>
         <c:ser>
           <c:idx val="9"/>
@@ -760,8 +826,22 @@
               </c:numCache>
             </c:numRef>
           </c:val>
+          <c:smooth val="0"/>
+          <c:extLst>
+            <c:ext xmlns:c16="http://schemas.microsoft.com/office/drawing/2014/chart" uri="{C3380CC4-5D6E-409C-BE32-E72D297353CC}">
+              <c16:uniqueId val="{00000009-7684-46B9-A699-5E0D87A0D0AA}"/>
+            </c:ext>
+          </c:extLst>
         </c:ser>
-        <c:marker val="1"/>
+        <c:dLbls>
+          <c:showLegendKey val="0"/>
+          <c:showVal val="0"/>
+          <c:showCatName val="0"/>
+          <c:showSerName val="0"/>
+          <c:showPercent val="0"/>
+          <c:showBubbleSize val="0"/>
+        </c:dLbls>
+        <c:smooth val="0"/>
         <c:axId val="66076032"/>
         <c:axId val="66090112"/>
       </c:lineChart>
@@ -770,22 +850,29 @@
         <c:scaling>
           <c:orientation val="minMax"/>
         </c:scaling>
+        <c:delete val="0"/>
         <c:axPos val="b"/>
+        <c:majorTickMark val="out"/>
+        <c:minorTickMark val="none"/>
         <c:tickLblPos val="nextTo"/>
         <c:crossAx val="66090112"/>
         <c:crosses val="autoZero"/>
         <c:auto val="1"/>
         <c:lblAlgn val="ctr"/>
         <c:lblOffset val="100"/>
+        <c:noMultiLvlLbl val="0"/>
       </c:catAx>
       <c:valAx>
         <c:axId val="66090112"/>
         <c:scaling>
           <c:orientation val="minMax"/>
         </c:scaling>
+        <c:delete val="0"/>
         <c:axPos val="l"/>
         <c:majorGridlines/>
         <c:numFmt formatCode="General" sourceLinked="1"/>
+        <c:majorTickMark val="out"/>
+        <c:minorTickMark val="none"/>
         <c:tickLblPos val="nextTo"/>
         <c:crossAx val="66076032"/>
         <c:crosses val="autoZero"/>
@@ -794,6 +881,7 @@
     </c:plotArea>
     <c:plotVisOnly val="1"/>
     <c:dispBlanksAs val="gap"/>
+    <c:showDLblsOverMax val="0"/>
   </c:chart>
   <c:spPr>
     <a:gradFill>
@@ -820,18 +908,32 @@
       <a:lin ang="5400000" scaled="0"/>
     </a:gradFill>
   </c:spPr>
-  <c:externalData r:id="rId1"/>
+  <c:externalData r:id="rId1">
+    <c:autoUpdate val="0"/>
+  </c:externalData>
 </c:chartSpace>
 </file>
 
 <file path=ppt/charts/chart10.xml><?xml version="1.0" encoding="utf-8"?>
-<c:chartSpace xmlns:c="http://schemas.openxmlformats.org/drawingml/2006/chart" xmlns:a="http://schemas.openxmlformats.org/drawingml/2006/main" xmlns:r="http://schemas.openxmlformats.org/officeDocument/2006/relationships">
+<c:chartSpace xmlns:c="http://schemas.openxmlformats.org/drawingml/2006/chart" xmlns:a="http://schemas.openxmlformats.org/drawingml/2006/main" xmlns:r="http://schemas.openxmlformats.org/officeDocument/2006/relationships" xmlns:c16r2="http://schemas.microsoft.com/office/drawing/2015/06/chart">
+  <c:date1904 val="0"/>
   <c:lang val="ja-JP"/>
+  <c:roundedCorners val="0"/>
+  <mc:AlternateContent xmlns:mc="http://schemas.openxmlformats.org/markup-compatibility/2006">
+    <mc:Choice xmlns:c14="http://schemas.microsoft.com/office/drawing/2007/8/2/chart" Requires="c14">
+      <c14:style val="102"/>
+    </mc:Choice>
+    <mc:Fallback>
+      <c:style val="2"/>
+    </mc:Fallback>
+  </mc:AlternateContent>
   <c:chart>
+    <c:autoTitleDeleted val="0"/>
     <c:plotArea>
       <c:layout/>
       <c:lineChart>
         <c:grouping val="standard"/>
+        <c:varyColors val="0"/>
         <c:ser>
           <c:idx val="0"/>
           <c:order val="0"/>
@@ -877,6 +979,12 @@
               </c:numCache>
             </c:numRef>
           </c:val>
+          <c:smooth val="0"/>
+          <c:extLst>
+            <c:ext xmlns:c16="http://schemas.microsoft.com/office/drawing/2014/chart" uri="{C3380CC4-5D6E-409C-BE32-E72D297353CC}">
+              <c16:uniqueId val="{00000000-B964-49AC-A35A-934090267A82}"/>
+            </c:ext>
+          </c:extLst>
         </c:ser>
         <c:ser>
           <c:idx val="1"/>
@@ -923,6 +1031,12 @@
               </c:numCache>
             </c:numRef>
           </c:val>
+          <c:smooth val="0"/>
+          <c:extLst>
+            <c:ext xmlns:c16="http://schemas.microsoft.com/office/drawing/2014/chart" uri="{C3380CC4-5D6E-409C-BE32-E72D297353CC}">
+              <c16:uniqueId val="{00000001-B964-49AC-A35A-934090267A82}"/>
+            </c:ext>
+          </c:extLst>
         </c:ser>
         <c:ser>
           <c:idx val="2"/>
@@ -969,6 +1083,12 @@
               </c:numCache>
             </c:numRef>
           </c:val>
+          <c:smooth val="0"/>
+          <c:extLst>
+            <c:ext xmlns:c16="http://schemas.microsoft.com/office/drawing/2014/chart" uri="{C3380CC4-5D6E-409C-BE32-E72D297353CC}">
+              <c16:uniqueId val="{00000002-B964-49AC-A35A-934090267A82}"/>
+            </c:ext>
+          </c:extLst>
         </c:ser>
         <c:ser>
           <c:idx val="3"/>
@@ -1015,6 +1135,12 @@
               </c:numCache>
             </c:numRef>
           </c:val>
+          <c:smooth val="0"/>
+          <c:extLst>
+            <c:ext xmlns:c16="http://schemas.microsoft.com/office/drawing/2014/chart" uri="{C3380CC4-5D6E-409C-BE32-E72D297353CC}">
+              <c16:uniqueId val="{00000003-B964-49AC-A35A-934090267A82}"/>
+            </c:ext>
+          </c:extLst>
         </c:ser>
         <c:ser>
           <c:idx val="4"/>
@@ -1061,6 +1187,12 @@
               </c:numCache>
             </c:numRef>
           </c:val>
+          <c:smooth val="0"/>
+          <c:extLst>
+            <c:ext xmlns:c16="http://schemas.microsoft.com/office/drawing/2014/chart" uri="{C3380CC4-5D6E-409C-BE32-E72D297353CC}">
+              <c16:uniqueId val="{00000004-B964-49AC-A35A-934090267A82}"/>
+            </c:ext>
+          </c:extLst>
         </c:ser>
         <c:ser>
           <c:idx val="5"/>
@@ -1110,6 +1242,12 @@
               </c:numCache>
             </c:numRef>
           </c:val>
+          <c:smooth val="0"/>
+          <c:extLst>
+            <c:ext xmlns:c16="http://schemas.microsoft.com/office/drawing/2014/chart" uri="{C3380CC4-5D6E-409C-BE32-E72D297353CC}">
+              <c16:uniqueId val="{00000005-B964-49AC-A35A-934090267A82}"/>
+            </c:ext>
+          </c:extLst>
         </c:ser>
         <c:ser>
           <c:idx val="6"/>
@@ -1163,6 +1301,12 @@
               </c:numCache>
             </c:numRef>
           </c:val>
+          <c:smooth val="0"/>
+          <c:extLst>
+            <c:ext xmlns:c16="http://schemas.microsoft.com/office/drawing/2014/chart" uri="{C3380CC4-5D6E-409C-BE32-E72D297353CC}">
+              <c16:uniqueId val="{00000006-B964-49AC-A35A-934090267A82}"/>
+            </c:ext>
+          </c:extLst>
         </c:ser>
         <c:ser>
           <c:idx val="7"/>
@@ -1209,6 +1353,12 @@
               </c:numCache>
             </c:numRef>
           </c:val>
+          <c:smooth val="0"/>
+          <c:extLst>
+            <c:ext xmlns:c16="http://schemas.microsoft.com/office/drawing/2014/chart" uri="{C3380CC4-5D6E-409C-BE32-E72D297353CC}">
+              <c16:uniqueId val="{00000007-B964-49AC-A35A-934090267A82}"/>
+            </c:ext>
+          </c:extLst>
         </c:ser>
         <c:ser>
           <c:idx val="8"/>
@@ -1262,6 +1412,12 @@
               </c:numCache>
             </c:numRef>
           </c:val>
+          <c:smooth val="0"/>
+          <c:extLst>
+            <c:ext xmlns:c16="http://schemas.microsoft.com/office/drawing/2014/chart" uri="{C3380CC4-5D6E-409C-BE32-E72D297353CC}">
+              <c16:uniqueId val="{00000008-B964-49AC-A35A-934090267A82}"/>
+            </c:ext>
+          </c:extLst>
         </c:ser>
         <c:ser>
           <c:idx val="9"/>
@@ -1311,8 +1467,22 @@
               </c:numCache>
             </c:numRef>
           </c:val>
+          <c:smooth val="0"/>
+          <c:extLst>
+            <c:ext xmlns:c16="http://schemas.microsoft.com/office/drawing/2014/chart" uri="{C3380CC4-5D6E-409C-BE32-E72D297353CC}">
+              <c16:uniqueId val="{00000009-B964-49AC-A35A-934090267A82}"/>
+            </c:ext>
+          </c:extLst>
         </c:ser>
-        <c:marker val="1"/>
+        <c:dLbls>
+          <c:showLegendKey val="0"/>
+          <c:showVal val="0"/>
+          <c:showCatName val="0"/>
+          <c:showSerName val="0"/>
+          <c:showPercent val="0"/>
+          <c:showBubbleSize val="0"/>
+        </c:dLbls>
+        <c:smooth val="0"/>
         <c:axId val="103732736"/>
         <c:axId val="103734272"/>
       </c:lineChart>
@@ -1321,22 +1491,29 @@
         <c:scaling>
           <c:orientation val="minMax"/>
         </c:scaling>
+        <c:delete val="0"/>
         <c:axPos val="b"/>
+        <c:majorTickMark val="out"/>
+        <c:minorTickMark val="none"/>
         <c:tickLblPos val="nextTo"/>
         <c:crossAx val="103734272"/>
         <c:crosses val="autoZero"/>
         <c:auto val="1"/>
         <c:lblAlgn val="ctr"/>
         <c:lblOffset val="100"/>
+        <c:noMultiLvlLbl val="0"/>
       </c:catAx>
       <c:valAx>
         <c:axId val="103734272"/>
         <c:scaling>
           <c:orientation val="minMax"/>
         </c:scaling>
+        <c:delete val="0"/>
         <c:axPos val="l"/>
         <c:majorGridlines/>
         <c:numFmt formatCode="General" sourceLinked="1"/>
+        <c:majorTickMark val="out"/>
+        <c:minorTickMark val="none"/>
         <c:tickLblPos val="nextTo"/>
         <c:crossAx val="103732736"/>
         <c:crosses val="autoZero"/>
@@ -1348,6 +1525,7 @@
     </c:plotArea>
     <c:plotVisOnly val="1"/>
     <c:dispBlanksAs val="zero"/>
+    <c:showDLblsOverMax val="0"/>
   </c:chart>
   <c:spPr>
     <a:gradFill>
@@ -1374,22 +1552,45 @@
       <a:lin ang="5400000" scaled="0"/>
     </a:gradFill>
   </c:spPr>
-  <c:externalData r:id="rId1"/>
+  <c:externalData r:id="rId1">
+    <c:autoUpdate val="0"/>
+  </c:externalData>
 </c:chartSpace>
 </file>
 
 <file path=ppt/charts/chart11.xml><?xml version="1.0" encoding="utf-8"?>
-<c:chartSpace xmlns:c="http://schemas.openxmlformats.org/drawingml/2006/chart" xmlns:a="http://schemas.openxmlformats.org/drawingml/2006/main" xmlns:r="http://schemas.openxmlformats.org/officeDocument/2006/relationships">
+<c:chartSpace xmlns:c="http://schemas.openxmlformats.org/drawingml/2006/chart" xmlns:a="http://schemas.openxmlformats.org/drawingml/2006/main" xmlns:r="http://schemas.openxmlformats.org/officeDocument/2006/relationships" xmlns:c16r2="http://schemas.microsoft.com/office/drawing/2015/06/chart">
+  <c:date1904 val="0"/>
   <c:lang val="ja-JP"/>
+  <c:roundedCorners val="0"/>
+  <mc:AlternateContent xmlns:mc="http://schemas.openxmlformats.org/markup-compatibility/2006">
+    <mc:Choice xmlns:c14="http://schemas.microsoft.com/office/drawing/2007/8/2/chart" Requires="c14">
+      <c14:style val="102"/>
+    </mc:Choice>
+    <mc:Fallback>
+      <c:style val="2"/>
+    </mc:Fallback>
+  </mc:AlternateContent>
   <c:chart>
+    <c:autoTitleDeleted val="0"/>
     <c:view3D>
       <c:rotX val="50"/>
       <c:rotY val="0"/>
-      <c:perspective val="30"/>
+      <c:rAngAx val="0"/>
     </c:view3D>
+    <c:floor>
+      <c:thickness val="0"/>
+    </c:floor>
+    <c:sideWall>
+      <c:thickness val="0"/>
+    </c:sideWall>
+    <c:backWall>
+      <c:thickness val="0"/>
+    </c:backWall>
     <c:plotArea>
       <c:layout/>
       <c:surface3DChart>
+        <c:wireframe val="0"/>
         <c:ser>
           <c:idx val="0"/>
           <c:order val="0"/>
@@ -1432,6 +1633,11 @@
               </c:numCache>
             </c:numRef>
           </c:val>
+          <c:extLst>
+            <c:ext xmlns:c16="http://schemas.microsoft.com/office/drawing/2014/chart" uri="{C3380CC4-5D6E-409C-BE32-E72D297353CC}">
+              <c16:uniqueId val="{00000000-4966-4F3C-841E-93FE55E0C70F}"/>
+            </c:ext>
+          </c:extLst>
         </c:ser>
         <c:ser>
           <c:idx val="1"/>
@@ -1475,6 +1681,11 @@
               </c:numCache>
             </c:numRef>
           </c:val>
+          <c:extLst>
+            <c:ext xmlns:c16="http://schemas.microsoft.com/office/drawing/2014/chart" uri="{C3380CC4-5D6E-409C-BE32-E72D297353CC}">
+              <c16:uniqueId val="{00000001-4966-4F3C-841E-93FE55E0C70F}"/>
+            </c:ext>
+          </c:extLst>
         </c:ser>
         <c:ser>
           <c:idx val="2"/>
@@ -1518,6 +1729,11 @@
               </c:numCache>
             </c:numRef>
           </c:val>
+          <c:extLst>
+            <c:ext xmlns:c16="http://schemas.microsoft.com/office/drawing/2014/chart" uri="{C3380CC4-5D6E-409C-BE32-E72D297353CC}">
+              <c16:uniqueId val="{00000002-4966-4F3C-841E-93FE55E0C70F}"/>
+            </c:ext>
+          </c:extLst>
         </c:ser>
         <c:ser>
           <c:idx val="3"/>
@@ -1561,6 +1777,11 @@
               </c:numCache>
             </c:numRef>
           </c:val>
+          <c:extLst>
+            <c:ext xmlns:c16="http://schemas.microsoft.com/office/drawing/2014/chart" uri="{C3380CC4-5D6E-409C-BE32-E72D297353CC}">
+              <c16:uniqueId val="{00000003-4966-4F3C-841E-93FE55E0C70F}"/>
+            </c:ext>
+          </c:extLst>
         </c:ser>
         <c:ser>
           <c:idx val="4"/>
@@ -1604,6 +1825,11 @@
               </c:numCache>
             </c:numRef>
           </c:val>
+          <c:extLst>
+            <c:ext xmlns:c16="http://schemas.microsoft.com/office/drawing/2014/chart" uri="{C3380CC4-5D6E-409C-BE32-E72D297353CC}">
+              <c16:uniqueId val="{00000004-4966-4F3C-841E-93FE55E0C70F}"/>
+            </c:ext>
+          </c:extLst>
         </c:ser>
         <c:ser>
           <c:idx val="5"/>
@@ -1647,6 +1873,11 @@
               </c:numCache>
             </c:numRef>
           </c:val>
+          <c:extLst>
+            <c:ext xmlns:c16="http://schemas.microsoft.com/office/drawing/2014/chart" uri="{C3380CC4-5D6E-409C-BE32-E72D297353CC}">
+              <c16:uniqueId val="{00000005-4966-4F3C-841E-93FE55E0C70F}"/>
+            </c:ext>
+          </c:extLst>
         </c:ser>
         <c:ser>
           <c:idx val="6"/>
@@ -1690,6 +1921,11 @@
               </c:numCache>
             </c:numRef>
           </c:val>
+          <c:extLst>
+            <c:ext xmlns:c16="http://schemas.microsoft.com/office/drawing/2014/chart" uri="{C3380CC4-5D6E-409C-BE32-E72D297353CC}">
+              <c16:uniqueId val="{00000006-4966-4F3C-841E-93FE55E0C70F}"/>
+            </c:ext>
+          </c:extLst>
         </c:ser>
         <c:ser>
           <c:idx val="7"/>
@@ -1733,6 +1969,11 @@
               </c:numCache>
             </c:numRef>
           </c:val>
+          <c:extLst>
+            <c:ext xmlns:c16="http://schemas.microsoft.com/office/drawing/2014/chart" uri="{C3380CC4-5D6E-409C-BE32-E72D297353CC}">
+              <c16:uniqueId val="{00000007-4966-4F3C-841E-93FE55E0C70F}"/>
+            </c:ext>
+          </c:extLst>
         </c:ser>
         <c:ser>
           <c:idx val="8"/>
@@ -1776,6 +2017,11 @@
               </c:numCache>
             </c:numRef>
           </c:val>
+          <c:extLst>
+            <c:ext xmlns:c16="http://schemas.microsoft.com/office/drawing/2014/chart" uri="{C3380CC4-5D6E-409C-BE32-E72D297353CC}">
+              <c16:uniqueId val="{00000008-4966-4F3C-841E-93FE55E0C70F}"/>
+            </c:ext>
+          </c:extLst>
         </c:ser>
         <c:ser>
           <c:idx val="9"/>
@@ -1819,6 +2065,11 @@
               </c:numCache>
             </c:numRef>
           </c:val>
+          <c:extLst>
+            <c:ext xmlns:c16="http://schemas.microsoft.com/office/drawing/2014/chart" uri="{C3380CC4-5D6E-409C-BE32-E72D297353CC}">
+              <c16:uniqueId val="{00000009-4966-4F3C-841E-93FE55E0C70F}"/>
+            </c:ext>
+          </c:extLst>
         </c:ser>
         <c:bandFmts/>
         <c:axId val="103803904"/>
@@ -1830,22 +2081,29 @@
         <c:scaling>
           <c:orientation val="minMax"/>
         </c:scaling>
+        <c:delete val="0"/>
         <c:axPos val="b"/>
+        <c:majorTickMark val="out"/>
+        <c:minorTickMark val="none"/>
         <c:tickLblPos val="nextTo"/>
         <c:crossAx val="103822080"/>
         <c:crosses val="autoZero"/>
         <c:auto val="1"/>
         <c:lblAlgn val="ctr"/>
         <c:lblOffset val="100"/>
+        <c:noMultiLvlLbl val="0"/>
       </c:catAx>
       <c:valAx>
         <c:axId val="103822080"/>
         <c:scaling>
           <c:orientation val="minMax"/>
         </c:scaling>
+        <c:delete val="0"/>
         <c:axPos val="l"/>
         <c:majorGridlines/>
         <c:numFmt formatCode="General" sourceLinked="1"/>
+        <c:majorTickMark val="out"/>
+        <c:minorTickMark val="none"/>
         <c:tickLblPos val="nextTo"/>
         <c:crossAx val="103803904"/>
         <c:crosses val="autoZero"/>
@@ -1858,6 +2116,8 @@
         </c:scaling>
         <c:delete val="1"/>
         <c:axPos val="b"/>
+        <c:majorTickMark val="out"/>
+        <c:minorTickMark val="none"/>
         <c:tickLblPos val="none"/>
         <c:crossAx val="103822080"/>
         <c:crosses val="autoZero"/>
@@ -1865,7 +2125,7 @@
     </c:plotArea>
     <c:legend>
       <c:legendPos val="r"/>
-      <c:layout/>
+      <c:overlay val="0"/>
       <c:txPr>
         <a:bodyPr/>
         <a:lstStyle/>
@@ -1879,6 +2139,7 @@
     </c:legend>
     <c:plotVisOnly val="1"/>
     <c:dispBlanksAs val="zero"/>
+    <c:showDLblsOverMax val="0"/>
   </c:chart>
   <c:spPr>
     <a:gradFill>
@@ -1905,22 +2166,46 @@
       <a:lin ang="5400000" scaled="0"/>
     </a:gradFill>
   </c:spPr>
-  <c:externalData r:id="rId1"/>
+  <c:externalData r:id="rId1">
+    <c:autoUpdate val="0"/>
+  </c:externalData>
 </c:chartSpace>
 </file>
 
 <file path=ppt/charts/chart12.xml><?xml version="1.0" encoding="utf-8"?>
-<c:chartSpace xmlns:c="http://schemas.openxmlformats.org/drawingml/2006/chart" xmlns:a="http://schemas.openxmlformats.org/drawingml/2006/main" xmlns:r="http://schemas.openxmlformats.org/officeDocument/2006/relationships">
+<c:chartSpace xmlns:c="http://schemas.openxmlformats.org/drawingml/2006/chart" xmlns:a="http://schemas.openxmlformats.org/drawingml/2006/main" xmlns:r="http://schemas.openxmlformats.org/officeDocument/2006/relationships" xmlns:c16r2="http://schemas.microsoft.com/office/drawing/2015/06/chart">
+  <c:date1904 val="0"/>
   <c:lang val="ja-JP"/>
+  <c:roundedCorners val="0"/>
+  <mc:AlternateContent xmlns:mc="http://schemas.openxmlformats.org/markup-compatibility/2006">
+    <mc:Choice xmlns:c14="http://schemas.microsoft.com/office/drawing/2007/8/2/chart" Requires="c14">
+      <c14:style val="102"/>
+    </mc:Choice>
+    <mc:Fallback>
+      <c:style val="2"/>
+    </mc:Fallback>
+  </mc:AlternateContent>
   <c:chart>
+    <c:autoTitleDeleted val="0"/>
     <c:view3D>
       <c:rotX val="50"/>
       <c:rotY val="0"/>
+      <c:rAngAx val="0"/>
       <c:perspective val="20"/>
     </c:view3D>
+    <c:floor>
+      <c:thickness val="0"/>
+    </c:floor>
+    <c:sideWall>
+      <c:thickness val="0"/>
+    </c:sideWall>
+    <c:backWall>
+      <c:thickness val="0"/>
+    </c:backWall>
     <c:plotArea>
       <c:layout/>
       <c:surface3DChart>
+        <c:wireframe val="0"/>
         <c:ser>
           <c:idx val="0"/>
           <c:order val="0"/>
@@ -1963,6 +2248,11 @@
               </c:numCache>
             </c:numRef>
           </c:val>
+          <c:extLst>
+            <c:ext xmlns:c16="http://schemas.microsoft.com/office/drawing/2014/chart" uri="{C3380CC4-5D6E-409C-BE32-E72D297353CC}">
+              <c16:uniqueId val="{00000000-B3A0-4CB6-9804-41F60212C3AD}"/>
+            </c:ext>
+          </c:extLst>
         </c:ser>
         <c:ser>
           <c:idx val="1"/>
@@ -2006,6 +2296,11 @@
               </c:numCache>
             </c:numRef>
           </c:val>
+          <c:extLst>
+            <c:ext xmlns:c16="http://schemas.microsoft.com/office/drawing/2014/chart" uri="{C3380CC4-5D6E-409C-BE32-E72D297353CC}">
+              <c16:uniqueId val="{00000001-B3A0-4CB6-9804-41F60212C3AD}"/>
+            </c:ext>
+          </c:extLst>
         </c:ser>
         <c:ser>
           <c:idx val="2"/>
@@ -2049,6 +2344,11 @@
               </c:numCache>
             </c:numRef>
           </c:val>
+          <c:extLst>
+            <c:ext xmlns:c16="http://schemas.microsoft.com/office/drawing/2014/chart" uri="{C3380CC4-5D6E-409C-BE32-E72D297353CC}">
+              <c16:uniqueId val="{00000002-B3A0-4CB6-9804-41F60212C3AD}"/>
+            </c:ext>
+          </c:extLst>
         </c:ser>
         <c:ser>
           <c:idx val="3"/>
@@ -2092,6 +2392,11 @@
               </c:numCache>
             </c:numRef>
           </c:val>
+          <c:extLst>
+            <c:ext xmlns:c16="http://schemas.microsoft.com/office/drawing/2014/chart" uri="{C3380CC4-5D6E-409C-BE32-E72D297353CC}">
+              <c16:uniqueId val="{00000003-B3A0-4CB6-9804-41F60212C3AD}"/>
+            </c:ext>
+          </c:extLst>
         </c:ser>
         <c:ser>
           <c:idx val="4"/>
@@ -2135,6 +2440,11 @@
               </c:numCache>
             </c:numRef>
           </c:val>
+          <c:extLst>
+            <c:ext xmlns:c16="http://schemas.microsoft.com/office/drawing/2014/chart" uri="{C3380CC4-5D6E-409C-BE32-E72D297353CC}">
+              <c16:uniqueId val="{00000004-B3A0-4CB6-9804-41F60212C3AD}"/>
+            </c:ext>
+          </c:extLst>
         </c:ser>
         <c:ser>
           <c:idx val="5"/>
@@ -2178,6 +2488,11 @@
               </c:numCache>
             </c:numRef>
           </c:val>
+          <c:extLst>
+            <c:ext xmlns:c16="http://schemas.microsoft.com/office/drawing/2014/chart" uri="{C3380CC4-5D6E-409C-BE32-E72D297353CC}">
+              <c16:uniqueId val="{00000005-B3A0-4CB6-9804-41F60212C3AD}"/>
+            </c:ext>
+          </c:extLst>
         </c:ser>
         <c:ser>
           <c:idx val="6"/>
@@ -2221,6 +2536,11 @@
               </c:numCache>
             </c:numRef>
           </c:val>
+          <c:extLst>
+            <c:ext xmlns:c16="http://schemas.microsoft.com/office/drawing/2014/chart" uri="{C3380CC4-5D6E-409C-BE32-E72D297353CC}">
+              <c16:uniqueId val="{00000006-B3A0-4CB6-9804-41F60212C3AD}"/>
+            </c:ext>
+          </c:extLst>
         </c:ser>
         <c:ser>
           <c:idx val="7"/>
@@ -2264,6 +2584,11 @@
               </c:numCache>
             </c:numRef>
           </c:val>
+          <c:extLst>
+            <c:ext xmlns:c16="http://schemas.microsoft.com/office/drawing/2014/chart" uri="{C3380CC4-5D6E-409C-BE32-E72D297353CC}">
+              <c16:uniqueId val="{00000007-B3A0-4CB6-9804-41F60212C3AD}"/>
+            </c:ext>
+          </c:extLst>
         </c:ser>
         <c:ser>
           <c:idx val="8"/>
@@ -2307,6 +2632,11 @@
               </c:numCache>
             </c:numRef>
           </c:val>
+          <c:extLst>
+            <c:ext xmlns:c16="http://schemas.microsoft.com/office/drawing/2014/chart" uri="{C3380CC4-5D6E-409C-BE32-E72D297353CC}">
+              <c16:uniqueId val="{00000008-B3A0-4CB6-9804-41F60212C3AD}"/>
+            </c:ext>
+          </c:extLst>
         </c:ser>
         <c:ser>
           <c:idx val="9"/>
@@ -2350,6 +2680,11 @@
               </c:numCache>
             </c:numRef>
           </c:val>
+          <c:extLst>
+            <c:ext xmlns:c16="http://schemas.microsoft.com/office/drawing/2014/chart" uri="{C3380CC4-5D6E-409C-BE32-E72D297353CC}">
+              <c16:uniqueId val="{00000009-B3A0-4CB6-9804-41F60212C3AD}"/>
+            </c:ext>
+          </c:extLst>
         </c:ser>
         <c:bandFmts/>
         <c:axId val="103871232"/>
@@ -2361,22 +2696,29 @@
         <c:scaling>
           <c:orientation val="minMax"/>
         </c:scaling>
+        <c:delete val="0"/>
         <c:axPos val="b"/>
+        <c:majorTickMark val="out"/>
+        <c:minorTickMark val="none"/>
         <c:tickLblPos val="nextTo"/>
         <c:crossAx val="103872768"/>
         <c:crosses val="autoZero"/>
         <c:auto val="1"/>
         <c:lblAlgn val="ctr"/>
         <c:lblOffset val="100"/>
+        <c:noMultiLvlLbl val="0"/>
       </c:catAx>
       <c:valAx>
         <c:axId val="103872768"/>
         <c:scaling>
           <c:orientation val="minMax"/>
         </c:scaling>
+        <c:delete val="0"/>
         <c:axPos val="l"/>
         <c:majorGridlines/>
         <c:numFmt formatCode="General" sourceLinked="1"/>
+        <c:majorTickMark val="out"/>
+        <c:minorTickMark val="none"/>
         <c:tickLblPos val="nextTo"/>
         <c:crossAx val="103871232"/>
         <c:crosses val="autoZero"/>
@@ -2389,6 +2731,8 @@
         </c:scaling>
         <c:delete val="1"/>
         <c:axPos val="b"/>
+        <c:majorTickMark val="out"/>
+        <c:minorTickMark val="none"/>
         <c:tickLblPos val="none"/>
         <c:crossAx val="103872768"/>
         <c:crosses val="autoZero"/>
@@ -2396,7 +2740,7 @@
     </c:plotArea>
     <c:legend>
       <c:legendPos val="r"/>
-      <c:layout/>
+      <c:overlay val="0"/>
       <c:txPr>
         <a:bodyPr/>
         <a:lstStyle/>
@@ -2410,6 +2754,7 @@
     </c:legend>
     <c:plotVisOnly val="1"/>
     <c:dispBlanksAs val="zero"/>
+    <c:showDLblsOverMax val="0"/>
   </c:chart>
   <c:spPr>
     <a:gradFill>
@@ -2436,18 +2781,32 @@
       <a:lin ang="5400000" scaled="0"/>
     </a:gradFill>
   </c:spPr>
-  <c:externalData r:id="rId1"/>
+  <c:externalData r:id="rId1">
+    <c:autoUpdate val="0"/>
+  </c:externalData>
 </c:chartSpace>
 </file>
 
 <file path=ppt/charts/chart2.xml><?xml version="1.0" encoding="utf-8"?>
-<c:chartSpace xmlns:c="http://schemas.openxmlformats.org/drawingml/2006/chart" xmlns:a="http://schemas.openxmlformats.org/drawingml/2006/main" xmlns:r="http://schemas.openxmlformats.org/officeDocument/2006/relationships">
+<c:chartSpace xmlns:c="http://schemas.openxmlformats.org/drawingml/2006/chart" xmlns:a="http://schemas.openxmlformats.org/drawingml/2006/main" xmlns:r="http://schemas.openxmlformats.org/officeDocument/2006/relationships" xmlns:c16r2="http://schemas.microsoft.com/office/drawing/2015/06/chart">
+  <c:date1904 val="0"/>
   <c:lang val="ja-JP"/>
+  <c:roundedCorners val="0"/>
+  <mc:AlternateContent xmlns:mc="http://schemas.openxmlformats.org/markup-compatibility/2006">
+    <mc:Choice xmlns:c14="http://schemas.microsoft.com/office/drawing/2007/8/2/chart" Requires="c14">
+      <c14:style val="102"/>
+    </mc:Choice>
+    <mc:Fallback>
+      <c:style val="2"/>
+    </mc:Fallback>
+  </mc:AlternateContent>
   <c:chart>
+    <c:autoTitleDeleted val="0"/>
     <c:plotArea>
       <c:layout/>
       <c:lineChart>
         <c:grouping val="standard"/>
+        <c:varyColors val="0"/>
         <c:ser>
           <c:idx val="0"/>
           <c:order val="0"/>
@@ -2493,6 +2852,12 @@
               </c:numCache>
             </c:numRef>
           </c:val>
+          <c:smooth val="0"/>
+          <c:extLst>
+            <c:ext xmlns:c16="http://schemas.microsoft.com/office/drawing/2014/chart" uri="{C3380CC4-5D6E-409C-BE32-E72D297353CC}">
+              <c16:uniqueId val="{00000000-C477-42FE-8F4E-5E5CC21E2B2C}"/>
+            </c:ext>
+          </c:extLst>
         </c:ser>
         <c:ser>
           <c:idx val="1"/>
@@ -2539,6 +2904,12 @@
               </c:numCache>
             </c:numRef>
           </c:val>
+          <c:smooth val="0"/>
+          <c:extLst>
+            <c:ext xmlns:c16="http://schemas.microsoft.com/office/drawing/2014/chart" uri="{C3380CC4-5D6E-409C-BE32-E72D297353CC}">
+              <c16:uniqueId val="{00000001-C477-42FE-8F4E-5E5CC21E2B2C}"/>
+            </c:ext>
+          </c:extLst>
         </c:ser>
         <c:ser>
           <c:idx val="2"/>
@@ -2585,6 +2956,12 @@
               </c:numCache>
             </c:numRef>
           </c:val>
+          <c:smooth val="0"/>
+          <c:extLst>
+            <c:ext xmlns:c16="http://schemas.microsoft.com/office/drawing/2014/chart" uri="{C3380CC4-5D6E-409C-BE32-E72D297353CC}">
+              <c16:uniqueId val="{00000002-C477-42FE-8F4E-5E5CC21E2B2C}"/>
+            </c:ext>
+          </c:extLst>
         </c:ser>
         <c:ser>
           <c:idx val="3"/>
@@ -2631,6 +3008,12 @@
               </c:numCache>
             </c:numRef>
           </c:val>
+          <c:smooth val="0"/>
+          <c:extLst>
+            <c:ext xmlns:c16="http://schemas.microsoft.com/office/drawing/2014/chart" uri="{C3380CC4-5D6E-409C-BE32-E72D297353CC}">
+              <c16:uniqueId val="{00000003-C477-42FE-8F4E-5E5CC21E2B2C}"/>
+            </c:ext>
+          </c:extLst>
         </c:ser>
         <c:ser>
           <c:idx val="4"/>
@@ -2677,6 +3060,12 @@
               </c:numCache>
             </c:numRef>
           </c:val>
+          <c:smooth val="0"/>
+          <c:extLst>
+            <c:ext xmlns:c16="http://schemas.microsoft.com/office/drawing/2014/chart" uri="{C3380CC4-5D6E-409C-BE32-E72D297353CC}">
+              <c16:uniqueId val="{00000004-C477-42FE-8F4E-5E5CC21E2B2C}"/>
+            </c:ext>
+          </c:extLst>
         </c:ser>
         <c:ser>
           <c:idx val="5"/>
@@ -2723,6 +3112,12 @@
               </c:numCache>
             </c:numRef>
           </c:val>
+          <c:smooth val="0"/>
+          <c:extLst>
+            <c:ext xmlns:c16="http://schemas.microsoft.com/office/drawing/2014/chart" uri="{C3380CC4-5D6E-409C-BE32-E72D297353CC}">
+              <c16:uniqueId val="{00000005-C477-42FE-8F4E-5E5CC21E2B2C}"/>
+            </c:ext>
+          </c:extLst>
         </c:ser>
         <c:ser>
           <c:idx val="6"/>
@@ -2769,6 +3164,12 @@
               </c:numCache>
             </c:numRef>
           </c:val>
+          <c:smooth val="0"/>
+          <c:extLst>
+            <c:ext xmlns:c16="http://schemas.microsoft.com/office/drawing/2014/chart" uri="{C3380CC4-5D6E-409C-BE32-E72D297353CC}">
+              <c16:uniqueId val="{00000006-C477-42FE-8F4E-5E5CC21E2B2C}"/>
+            </c:ext>
+          </c:extLst>
         </c:ser>
         <c:ser>
           <c:idx val="7"/>
@@ -2818,6 +3219,12 @@
               </c:numCache>
             </c:numRef>
           </c:val>
+          <c:smooth val="0"/>
+          <c:extLst>
+            <c:ext xmlns:c16="http://schemas.microsoft.com/office/drawing/2014/chart" uri="{C3380CC4-5D6E-409C-BE32-E72D297353CC}">
+              <c16:uniqueId val="{00000007-C477-42FE-8F4E-5E5CC21E2B2C}"/>
+            </c:ext>
+          </c:extLst>
         </c:ser>
         <c:ser>
           <c:idx val="8"/>
@@ -2869,6 +3276,12 @@
               </c:numCache>
             </c:numRef>
           </c:val>
+          <c:smooth val="0"/>
+          <c:extLst>
+            <c:ext xmlns:c16="http://schemas.microsoft.com/office/drawing/2014/chart" uri="{C3380CC4-5D6E-409C-BE32-E72D297353CC}">
+              <c16:uniqueId val="{00000008-C477-42FE-8F4E-5E5CC21E2B2C}"/>
+            </c:ext>
+          </c:extLst>
         </c:ser>
         <c:ser>
           <c:idx val="9"/>
@@ -2918,8 +3331,22 @@
               </c:numCache>
             </c:numRef>
           </c:val>
+          <c:smooth val="0"/>
+          <c:extLst>
+            <c:ext xmlns:c16="http://schemas.microsoft.com/office/drawing/2014/chart" uri="{C3380CC4-5D6E-409C-BE32-E72D297353CC}">
+              <c16:uniqueId val="{00000009-C477-42FE-8F4E-5E5CC21E2B2C}"/>
+            </c:ext>
+          </c:extLst>
         </c:ser>
-        <c:marker val="1"/>
+        <c:dLbls>
+          <c:showLegendKey val="0"/>
+          <c:showVal val="0"/>
+          <c:showCatName val="0"/>
+          <c:showSerName val="0"/>
+          <c:showPercent val="0"/>
+          <c:showBubbleSize val="0"/>
+        </c:dLbls>
+        <c:smooth val="0"/>
         <c:axId val="65997824"/>
         <c:axId val="66007808"/>
       </c:lineChart>
@@ -2928,22 +3355,29 @@
         <c:scaling>
           <c:orientation val="minMax"/>
         </c:scaling>
+        <c:delete val="0"/>
         <c:axPos val="b"/>
+        <c:majorTickMark val="out"/>
+        <c:minorTickMark val="none"/>
         <c:tickLblPos val="nextTo"/>
         <c:crossAx val="66007808"/>
         <c:crosses val="autoZero"/>
         <c:auto val="1"/>
         <c:lblAlgn val="ctr"/>
         <c:lblOffset val="100"/>
+        <c:noMultiLvlLbl val="0"/>
       </c:catAx>
       <c:valAx>
         <c:axId val="66007808"/>
         <c:scaling>
           <c:orientation val="minMax"/>
         </c:scaling>
+        <c:delete val="0"/>
         <c:axPos val="l"/>
         <c:majorGridlines/>
         <c:numFmt formatCode="General" sourceLinked="1"/>
+        <c:majorTickMark val="out"/>
+        <c:minorTickMark val="none"/>
         <c:tickLblPos val="nextTo"/>
         <c:crossAx val="65997824"/>
         <c:crosses val="autoZero"/>
@@ -2952,6 +3386,7 @@
     </c:plotArea>
     <c:plotVisOnly val="1"/>
     <c:dispBlanksAs val="gap"/>
+    <c:showDLblsOverMax val="0"/>
   </c:chart>
   <c:spPr>
     <a:gradFill>
@@ -2978,19 +3413,32 @@
       <a:lin ang="5400000" scaled="0"/>
     </a:gradFill>
   </c:spPr>
-  <c:externalData r:id="rId1"/>
+  <c:externalData r:id="rId1">
+    <c:autoUpdate val="0"/>
+  </c:externalData>
 </c:chartSpace>
 </file>
 
 <file path=ppt/charts/chart3.xml><?xml version="1.0" encoding="utf-8"?>
-<c:chartSpace xmlns:c="http://schemas.openxmlformats.org/drawingml/2006/chart" xmlns:a="http://schemas.openxmlformats.org/drawingml/2006/main" xmlns:r="http://schemas.openxmlformats.org/officeDocument/2006/relationships">
-  <c:date1904 val="1"/>
+<c:chartSpace xmlns:c="http://schemas.openxmlformats.org/drawingml/2006/chart" xmlns:a="http://schemas.openxmlformats.org/drawingml/2006/main" xmlns:r="http://schemas.openxmlformats.org/officeDocument/2006/relationships" xmlns:c16r2="http://schemas.microsoft.com/office/drawing/2015/06/chart">
+  <c:date1904 val="0"/>
   <c:lang val="ja-JP"/>
+  <c:roundedCorners val="0"/>
+  <mc:AlternateContent xmlns:mc="http://schemas.openxmlformats.org/markup-compatibility/2006">
+    <mc:Choice xmlns:c14="http://schemas.microsoft.com/office/drawing/2007/8/2/chart" Requires="c14">
+      <c14:style val="102"/>
+    </mc:Choice>
+    <mc:Fallback>
+      <c:style val="2"/>
+    </mc:Fallback>
+  </mc:AlternateContent>
   <c:chart>
+    <c:autoTitleDeleted val="0"/>
     <c:plotArea>
       <c:layout/>
       <c:lineChart>
         <c:grouping val="standard"/>
+        <c:varyColors val="0"/>
         <c:ser>
           <c:idx val="0"/>
           <c:order val="0"/>
@@ -3036,6 +3484,12 @@
               </c:numCache>
             </c:numRef>
           </c:val>
+          <c:smooth val="0"/>
+          <c:extLst>
+            <c:ext xmlns:c16="http://schemas.microsoft.com/office/drawing/2014/chart" uri="{C3380CC4-5D6E-409C-BE32-E72D297353CC}">
+              <c16:uniqueId val="{00000000-E3FB-4464-92EE-3000F29BCEF7}"/>
+            </c:ext>
+          </c:extLst>
         </c:ser>
         <c:ser>
           <c:idx val="1"/>
@@ -3082,6 +3536,12 @@
               </c:numCache>
             </c:numRef>
           </c:val>
+          <c:smooth val="0"/>
+          <c:extLst>
+            <c:ext xmlns:c16="http://schemas.microsoft.com/office/drawing/2014/chart" uri="{C3380CC4-5D6E-409C-BE32-E72D297353CC}">
+              <c16:uniqueId val="{00000001-E3FB-4464-92EE-3000F29BCEF7}"/>
+            </c:ext>
+          </c:extLst>
         </c:ser>
         <c:ser>
           <c:idx val="2"/>
@@ -3128,6 +3588,12 @@
               </c:numCache>
             </c:numRef>
           </c:val>
+          <c:smooth val="0"/>
+          <c:extLst>
+            <c:ext xmlns:c16="http://schemas.microsoft.com/office/drawing/2014/chart" uri="{C3380CC4-5D6E-409C-BE32-E72D297353CC}">
+              <c16:uniqueId val="{00000002-E3FB-4464-92EE-3000F29BCEF7}"/>
+            </c:ext>
+          </c:extLst>
         </c:ser>
         <c:ser>
           <c:idx val="3"/>
@@ -3174,6 +3640,12 @@
               </c:numCache>
             </c:numRef>
           </c:val>
+          <c:smooth val="0"/>
+          <c:extLst>
+            <c:ext xmlns:c16="http://schemas.microsoft.com/office/drawing/2014/chart" uri="{C3380CC4-5D6E-409C-BE32-E72D297353CC}">
+              <c16:uniqueId val="{00000003-E3FB-4464-92EE-3000F29BCEF7}"/>
+            </c:ext>
+          </c:extLst>
         </c:ser>
         <c:ser>
           <c:idx val="4"/>
@@ -3220,6 +3692,12 @@
               </c:numCache>
             </c:numRef>
           </c:val>
+          <c:smooth val="0"/>
+          <c:extLst>
+            <c:ext xmlns:c16="http://schemas.microsoft.com/office/drawing/2014/chart" uri="{C3380CC4-5D6E-409C-BE32-E72D297353CC}">
+              <c16:uniqueId val="{00000004-E3FB-4464-92EE-3000F29BCEF7}"/>
+            </c:ext>
+          </c:extLst>
         </c:ser>
         <c:ser>
           <c:idx val="5"/>
@@ -3266,6 +3744,12 @@
               </c:numCache>
             </c:numRef>
           </c:val>
+          <c:smooth val="0"/>
+          <c:extLst>
+            <c:ext xmlns:c16="http://schemas.microsoft.com/office/drawing/2014/chart" uri="{C3380CC4-5D6E-409C-BE32-E72D297353CC}">
+              <c16:uniqueId val="{00000005-E3FB-4464-92EE-3000F29BCEF7}"/>
+            </c:ext>
+          </c:extLst>
         </c:ser>
         <c:ser>
           <c:idx val="6"/>
@@ -3312,6 +3796,12 @@
               </c:numCache>
             </c:numRef>
           </c:val>
+          <c:smooth val="0"/>
+          <c:extLst>
+            <c:ext xmlns:c16="http://schemas.microsoft.com/office/drawing/2014/chart" uri="{C3380CC4-5D6E-409C-BE32-E72D297353CC}">
+              <c16:uniqueId val="{00000006-E3FB-4464-92EE-3000F29BCEF7}"/>
+            </c:ext>
+          </c:extLst>
         </c:ser>
         <c:ser>
           <c:idx val="7"/>
@@ -3361,6 +3851,12 @@
               </c:numCache>
             </c:numRef>
           </c:val>
+          <c:smooth val="0"/>
+          <c:extLst>
+            <c:ext xmlns:c16="http://schemas.microsoft.com/office/drawing/2014/chart" uri="{C3380CC4-5D6E-409C-BE32-E72D297353CC}">
+              <c16:uniqueId val="{00000007-E3FB-4464-92EE-3000F29BCEF7}"/>
+            </c:ext>
+          </c:extLst>
         </c:ser>
         <c:ser>
           <c:idx val="8"/>
@@ -3412,6 +3908,12 @@
               </c:numCache>
             </c:numRef>
           </c:val>
+          <c:smooth val="0"/>
+          <c:extLst>
+            <c:ext xmlns:c16="http://schemas.microsoft.com/office/drawing/2014/chart" uri="{C3380CC4-5D6E-409C-BE32-E72D297353CC}">
+              <c16:uniqueId val="{00000008-E3FB-4464-92EE-3000F29BCEF7}"/>
+            </c:ext>
+          </c:extLst>
         </c:ser>
         <c:ser>
           <c:idx val="9"/>
@@ -3461,8 +3963,22 @@
               </c:numCache>
             </c:numRef>
           </c:val>
+          <c:smooth val="0"/>
+          <c:extLst>
+            <c:ext xmlns:c16="http://schemas.microsoft.com/office/drawing/2014/chart" uri="{C3380CC4-5D6E-409C-BE32-E72D297353CC}">
+              <c16:uniqueId val="{00000009-E3FB-4464-92EE-3000F29BCEF7}"/>
+            </c:ext>
+          </c:extLst>
         </c:ser>
-        <c:marker val="1"/>
+        <c:dLbls>
+          <c:showLegendKey val="0"/>
+          <c:showVal val="0"/>
+          <c:showCatName val="0"/>
+          <c:showSerName val="0"/>
+          <c:showPercent val="0"/>
+          <c:showBubbleSize val="0"/>
+        </c:dLbls>
+        <c:smooth val="0"/>
         <c:axId val="100883456"/>
         <c:axId val="100905728"/>
       </c:lineChart>
@@ -3471,22 +3987,29 @@
         <c:scaling>
           <c:orientation val="minMax"/>
         </c:scaling>
+        <c:delete val="0"/>
         <c:axPos val="b"/>
+        <c:majorTickMark val="out"/>
+        <c:minorTickMark val="none"/>
         <c:tickLblPos val="nextTo"/>
         <c:crossAx val="100905728"/>
         <c:crosses val="autoZero"/>
         <c:auto val="1"/>
         <c:lblAlgn val="ctr"/>
         <c:lblOffset val="100"/>
+        <c:noMultiLvlLbl val="0"/>
       </c:catAx>
       <c:valAx>
         <c:axId val="100905728"/>
         <c:scaling>
           <c:orientation val="minMax"/>
         </c:scaling>
+        <c:delete val="0"/>
         <c:axPos val="l"/>
         <c:majorGridlines/>
         <c:numFmt formatCode="General" sourceLinked="1"/>
+        <c:majorTickMark val="out"/>
+        <c:minorTickMark val="none"/>
         <c:tickLblPos val="nextTo"/>
         <c:crossAx val="100883456"/>
         <c:crosses val="autoZero"/>
@@ -3495,6 +4018,7 @@
     </c:plotArea>
     <c:plotVisOnly val="1"/>
     <c:dispBlanksAs val="gap"/>
+    <c:showDLblsOverMax val="0"/>
   </c:chart>
   <c:spPr>
     <a:gradFill>
@@ -3521,18 +4045,32 @@
       <a:lin ang="5400000" scaled="0"/>
     </a:gradFill>
   </c:spPr>
-  <c:externalData r:id="rId1"/>
+  <c:externalData r:id="rId1">
+    <c:autoUpdate val="0"/>
+  </c:externalData>
 </c:chartSpace>
 </file>
 
 <file path=ppt/charts/chart4.xml><?xml version="1.0" encoding="utf-8"?>
-<c:chartSpace xmlns:c="http://schemas.openxmlformats.org/drawingml/2006/chart" xmlns:a="http://schemas.openxmlformats.org/drawingml/2006/main" xmlns:r="http://schemas.openxmlformats.org/officeDocument/2006/relationships">
+<c:chartSpace xmlns:c="http://schemas.openxmlformats.org/drawingml/2006/chart" xmlns:a="http://schemas.openxmlformats.org/drawingml/2006/main" xmlns:r="http://schemas.openxmlformats.org/officeDocument/2006/relationships" xmlns:c16r2="http://schemas.microsoft.com/office/drawing/2015/06/chart">
+  <c:date1904 val="0"/>
   <c:lang val="ja-JP"/>
+  <c:roundedCorners val="0"/>
+  <mc:AlternateContent xmlns:mc="http://schemas.openxmlformats.org/markup-compatibility/2006">
+    <mc:Choice xmlns:c14="http://schemas.microsoft.com/office/drawing/2007/8/2/chart" Requires="c14">
+      <c14:style val="102"/>
+    </mc:Choice>
+    <mc:Fallback>
+      <c:style val="2"/>
+    </mc:Fallback>
+  </mc:AlternateContent>
   <c:chart>
+    <c:autoTitleDeleted val="0"/>
     <c:plotArea>
       <c:layout/>
       <c:lineChart>
         <c:grouping val="standard"/>
+        <c:varyColors val="0"/>
         <c:ser>
           <c:idx val="0"/>
           <c:order val="0"/>
@@ -3578,6 +4116,12 @@
               </c:numCache>
             </c:numRef>
           </c:val>
+          <c:smooth val="0"/>
+          <c:extLst>
+            <c:ext xmlns:c16="http://schemas.microsoft.com/office/drawing/2014/chart" uri="{C3380CC4-5D6E-409C-BE32-E72D297353CC}">
+              <c16:uniqueId val="{00000000-2CC2-4637-AEDD-C011B8C43AC3}"/>
+            </c:ext>
+          </c:extLst>
         </c:ser>
         <c:ser>
           <c:idx val="1"/>
@@ -3624,6 +4168,12 @@
               </c:numCache>
             </c:numRef>
           </c:val>
+          <c:smooth val="0"/>
+          <c:extLst>
+            <c:ext xmlns:c16="http://schemas.microsoft.com/office/drawing/2014/chart" uri="{C3380CC4-5D6E-409C-BE32-E72D297353CC}">
+              <c16:uniqueId val="{00000001-2CC2-4637-AEDD-C011B8C43AC3}"/>
+            </c:ext>
+          </c:extLst>
         </c:ser>
         <c:ser>
           <c:idx val="2"/>
@@ -3670,6 +4220,12 @@
               </c:numCache>
             </c:numRef>
           </c:val>
+          <c:smooth val="0"/>
+          <c:extLst>
+            <c:ext xmlns:c16="http://schemas.microsoft.com/office/drawing/2014/chart" uri="{C3380CC4-5D6E-409C-BE32-E72D297353CC}">
+              <c16:uniqueId val="{00000002-2CC2-4637-AEDD-C011B8C43AC3}"/>
+            </c:ext>
+          </c:extLst>
         </c:ser>
         <c:ser>
           <c:idx val="3"/>
@@ -3716,6 +4272,12 @@
               </c:numCache>
             </c:numRef>
           </c:val>
+          <c:smooth val="0"/>
+          <c:extLst>
+            <c:ext xmlns:c16="http://schemas.microsoft.com/office/drawing/2014/chart" uri="{C3380CC4-5D6E-409C-BE32-E72D297353CC}">
+              <c16:uniqueId val="{00000003-2CC2-4637-AEDD-C011B8C43AC3}"/>
+            </c:ext>
+          </c:extLst>
         </c:ser>
         <c:ser>
           <c:idx val="4"/>
@@ -3762,6 +4324,12 @@
               </c:numCache>
             </c:numRef>
           </c:val>
+          <c:smooth val="0"/>
+          <c:extLst>
+            <c:ext xmlns:c16="http://schemas.microsoft.com/office/drawing/2014/chart" uri="{C3380CC4-5D6E-409C-BE32-E72D297353CC}">
+              <c16:uniqueId val="{00000004-2CC2-4637-AEDD-C011B8C43AC3}"/>
+            </c:ext>
+          </c:extLst>
         </c:ser>
         <c:ser>
           <c:idx val="5"/>
@@ -3808,6 +4376,12 @@
               </c:numCache>
             </c:numRef>
           </c:val>
+          <c:smooth val="0"/>
+          <c:extLst>
+            <c:ext xmlns:c16="http://schemas.microsoft.com/office/drawing/2014/chart" uri="{C3380CC4-5D6E-409C-BE32-E72D297353CC}">
+              <c16:uniqueId val="{00000005-2CC2-4637-AEDD-C011B8C43AC3}"/>
+            </c:ext>
+          </c:extLst>
         </c:ser>
         <c:ser>
           <c:idx val="6"/>
@@ -3854,6 +4428,12 @@
               </c:numCache>
             </c:numRef>
           </c:val>
+          <c:smooth val="0"/>
+          <c:extLst>
+            <c:ext xmlns:c16="http://schemas.microsoft.com/office/drawing/2014/chart" uri="{C3380CC4-5D6E-409C-BE32-E72D297353CC}">
+              <c16:uniqueId val="{00000006-2CC2-4637-AEDD-C011B8C43AC3}"/>
+            </c:ext>
+          </c:extLst>
         </c:ser>
         <c:ser>
           <c:idx val="7"/>
@@ -3900,6 +4480,12 @@
               </c:numCache>
             </c:numRef>
           </c:val>
+          <c:smooth val="0"/>
+          <c:extLst>
+            <c:ext xmlns:c16="http://schemas.microsoft.com/office/drawing/2014/chart" uri="{C3380CC4-5D6E-409C-BE32-E72D297353CC}">
+              <c16:uniqueId val="{00000007-2CC2-4637-AEDD-C011B8C43AC3}"/>
+            </c:ext>
+          </c:extLst>
         </c:ser>
         <c:ser>
           <c:idx val="8"/>
@@ -3946,6 +4532,12 @@
               </c:numCache>
             </c:numRef>
           </c:val>
+          <c:smooth val="0"/>
+          <c:extLst>
+            <c:ext xmlns:c16="http://schemas.microsoft.com/office/drawing/2014/chart" uri="{C3380CC4-5D6E-409C-BE32-E72D297353CC}">
+              <c16:uniqueId val="{00000008-2CC2-4637-AEDD-C011B8C43AC3}"/>
+            </c:ext>
+          </c:extLst>
         </c:ser>
         <c:ser>
           <c:idx val="9"/>
@@ -3999,8 +4591,22 @@
               </c:numCache>
             </c:numRef>
           </c:val>
+          <c:smooth val="0"/>
+          <c:extLst>
+            <c:ext xmlns:c16="http://schemas.microsoft.com/office/drawing/2014/chart" uri="{C3380CC4-5D6E-409C-BE32-E72D297353CC}">
+              <c16:uniqueId val="{00000009-2CC2-4637-AEDD-C011B8C43AC3}"/>
+            </c:ext>
+          </c:extLst>
         </c:ser>
-        <c:marker val="1"/>
+        <c:dLbls>
+          <c:showLegendKey val="0"/>
+          <c:showVal val="0"/>
+          <c:showCatName val="0"/>
+          <c:showSerName val="0"/>
+          <c:showPercent val="0"/>
+          <c:showBubbleSize val="0"/>
+        </c:dLbls>
+        <c:smooth val="0"/>
         <c:axId val="100956800"/>
         <c:axId val="100974976"/>
       </c:lineChart>
@@ -4009,22 +4615,29 @@
         <c:scaling>
           <c:orientation val="minMax"/>
         </c:scaling>
+        <c:delete val="0"/>
         <c:axPos val="b"/>
+        <c:majorTickMark val="out"/>
+        <c:minorTickMark val="none"/>
         <c:tickLblPos val="nextTo"/>
         <c:crossAx val="100974976"/>
         <c:crosses val="autoZero"/>
         <c:auto val="1"/>
         <c:lblAlgn val="ctr"/>
         <c:lblOffset val="100"/>
+        <c:noMultiLvlLbl val="0"/>
       </c:catAx>
       <c:valAx>
         <c:axId val="100974976"/>
         <c:scaling>
           <c:orientation val="minMax"/>
         </c:scaling>
+        <c:delete val="0"/>
         <c:axPos val="l"/>
         <c:majorGridlines/>
         <c:numFmt formatCode="General" sourceLinked="1"/>
+        <c:majorTickMark val="out"/>
+        <c:minorTickMark val="none"/>
         <c:tickLblPos val="nextTo"/>
         <c:crossAx val="100956800"/>
         <c:crosses val="autoZero"/>
@@ -4033,6 +4646,7 @@
     </c:plotArea>
     <c:plotVisOnly val="1"/>
     <c:dispBlanksAs val="gap"/>
+    <c:showDLblsOverMax val="0"/>
   </c:chart>
   <c:spPr>
     <a:gradFill>
@@ -4059,18 +4673,32 @@
       <a:lin ang="5400000" scaled="0"/>
     </a:gradFill>
   </c:spPr>
-  <c:externalData r:id="rId1"/>
+  <c:externalData r:id="rId1">
+    <c:autoUpdate val="0"/>
+  </c:externalData>
 </c:chartSpace>
 </file>
 
 <file path=ppt/charts/chart5.xml><?xml version="1.0" encoding="utf-8"?>
-<c:chartSpace xmlns:c="http://schemas.openxmlformats.org/drawingml/2006/chart" xmlns:a="http://schemas.openxmlformats.org/drawingml/2006/main" xmlns:r="http://schemas.openxmlformats.org/officeDocument/2006/relationships">
+<c:chartSpace xmlns:c="http://schemas.openxmlformats.org/drawingml/2006/chart" xmlns:a="http://schemas.openxmlformats.org/drawingml/2006/main" xmlns:r="http://schemas.openxmlformats.org/officeDocument/2006/relationships" xmlns:c16r2="http://schemas.microsoft.com/office/drawing/2015/06/chart">
+  <c:date1904 val="0"/>
   <c:lang val="ja-JP"/>
+  <c:roundedCorners val="0"/>
+  <mc:AlternateContent xmlns:mc="http://schemas.openxmlformats.org/markup-compatibility/2006">
+    <mc:Choice xmlns:c14="http://schemas.microsoft.com/office/drawing/2007/8/2/chart" Requires="c14">
+      <c14:style val="102"/>
+    </mc:Choice>
+    <mc:Fallback>
+      <c:style val="2"/>
+    </mc:Fallback>
+  </mc:AlternateContent>
   <c:chart>
+    <c:autoTitleDeleted val="0"/>
     <c:plotArea>
       <c:layout/>
       <c:lineChart>
         <c:grouping val="standard"/>
+        <c:varyColors val="0"/>
         <c:ser>
           <c:idx val="0"/>
           <c:order val="0"/>
@@ -4116,6 +4744,12 @@
               </c:numCache>
             </c:numRef>
           </c:val>
+          <c:smooth val="0"/>
+          <c:extLst>
+            <c:ext xmlns:c16="http://schemas.microsoft.com/office/drawing/2014/chart" uri="{C3380CC4-5D6E-409C-BE32-E72D297353CC}">
+              <c16:uniqueId val="{00000000-5AA1-44F1-B7D9-B60BB10E15A5}"/>
+            </c:ext>
+          </c:extLst>
         </c:ser>
         <c:ser>
           <c:idx val="1"/>
@@ -4162,6 +4796,12 @@
               </c:numCache>
             </c:numRef>
           </c:val>
+          <c:smooth val="0"/>
+          <c:extLst>
+            <c:ext xmlns:c16="http://schemas.microsoft.com/office/drawing/2014/chart" uri="{C3380CC4-5D6E-409C-BE32-E72D297353CC}">
+              <c16:uniqueId val="{00000001-5AA1-44F1-B7D9-B60BB10E15A5}"/>
+            </c:ext>
+          </c:extLst>
         </c:ser>
         <c:ser>
           <c:idx val="2"/>
@@ -4208,6 +4848,12 @@
               </c:numCache>
             </c:numRef>
           </c:val>
+          <c:smooth val="0"/>
+          <c:extLst>
+            <c:ext xmlns:c16="http://schemas.microsoft.com/office/drawing/2014/chart" uri="{C3380CC4-5D6E-409C-BE32-E72D297353CC}">
+              <c16:uniqueId val="{00000002-5AA1-44F1-B7D9-B60BB10E15A5}"/>
+            </c:ext>
+          </c:extLst>
         </c:ser>
         <c:ser>
           <c:idx val="3"/>
@@ -4254,6 +4900,12 @@
               </c:numCache>
             </c:numRef>
           </c:val>
+          <c:smooth val="0"/>
+          <c:extLst>
+            <c:ext xmlns:c16="http://schemas.microsoft.com/office/drawing/2014/chart" uri="{C3380CC4-5D6E-409C-BE32-E72D297353CC}">
+              <c16:uniqueId val="{00000003-5AA1-44F1-B7D9-B60BB10E15A5}"/>
+            </c:ext>
+          </c:extLst>
         </c:ser>
         <c:ser>
           <c:idx val="4"/>
@@ -4300,6 +4952,12 @@
               </c:numCache>
             </c:numRef>
           </c:val>
+          <c:smooth val="0"/>
+          <c:extLst>
+            <c:ext xmlns:c16="http://schemas.microsoft.com/office/drawing/2014/chart" uri="{C3380CC4-5D6E-409C-BE32-E72D297353CC}">
+              <c16:uniqueId val="{00000004-5AA1-44F1-B7D9-B60BB10E15A5}"/>
+            </c:ext>
+          </c:extLst>
         </c:ser>
         <c:ser>
           <c:idx val="5"/>
@@ -4346,6 +5004,12 @@
               </c:numCache>
             </c:numRef>
           </c:val>
+          <c:smooth val="0"/>
+          <c:extLst>
+            <c:ext xmlns:c16="http://schemas.microsoft.com/office/drawing/2014/chart" uri="{C3380CC4-5D6E-409C-BE32-E72D297353CC}">
+              <c16:uniqueId val="{00000005-5AA1-44F1-B7D9-B60BB10E15A5}"/>
+            </c:ext>
+          </c:extLst>
         </c:ser>
         <c:ser>
           <c:idx val="6"/>
@@ -4392,6 +5056,12 @@
               </c:numCache>
             </c:numRef>
           </c:val>
+          <c:smooth val="0"/>
+          <c:extLst>
+            <c:ext xmlns:c16="http://schemas.microsoft.com/office/drawing/2014/chart" uri="{C3380CC4-5D6E-409C-BE32-E72D297353CC}">
+              <c16:uniqueId val="{00000006-5AA1-44F1-B7D9-B60BB10E15A5}"/>
+            </c:ext>
+          </c:extLst>
         </c:ser>
         <c:ser>
           <c:idx val="7"/>
@@ -4438,6 +5108,12 @@
               </c:numCache>
             </c:numRef>
           </c:val>
+          <c:smooth val="0"/>
+          <c:extLst>
+            <c:ext xmlns:c16="http://schemas.microsoft.com/office/drawing/2014/chart" uri="{C3380CC4-5D6E-409C-BE32-E72D297353CC}">
+              <c16:uniqueId val="{00000007-5AA1-44F1-B7D9-B60BB10E15A5}"/>
+            </c:ext>
+          </c:extLst>
         </c:ser>
         <c:ser>
           <c:idx val="8"/>
@@ -4491,6 +5167,12 @@
               </c:numCache>
             </c:numRef>
           </c:val>
+          <c:smooth val="0"/>
+          <c:extLst>
+            <c:ext xmlns:c16="http://schemas.microsoft.com/office/drawing/2014/chart" uri="{C3380CC4-5D6E-409C-BE32-E72D297353CC}">
+              <c16:uniqueId val="{00000008-5AA1-44F1-B7D9-B60BB10E15A5}"/>
+            </c:ext>
+          </c:extLst>
         </c:ser>
         <c:ser>
           <c:idx val="9"/>
@@ -4537,8 +5219,22 @@
               </c:numCache>
             </c:numRef>
           </c:val>
+          <c:smooth val="0"/>
+          <c:extLst>
+            <c:ext xmlns:c16="http://schemas.microsoft.com/office/drawing/2014/chart" uri="{C3380CC4-5D6E-409C-BE32-E72D297353CC}">
+              <c16:uniqueId val="{00000009-5AA1-44F1-B7D9-B60BB10E15A5}"/>
+            </c:ext>
+          </c:extLst>
         </c:ser>
-        <c:marker val="1"/>
+        <c:dLbls>
+          <c:showLegendKey val="0"/>
+          <c:showVal val="0"/>
+          <c:showCatName val="0"/>
+          <c:showSerName val="0"/>
+          <c:showPercent val="0"/>
+          <c:showBubbleSize val="0"/>
+        </c:dLbls>
+        <c:smooth val="0"/>
         <c:axId val="103234176"/>
         <c:axId val="103252352"/>
       </c:lineChart>
@@ -4547,22 +5243,29 @@
         <c:scaling>
           <c:orientation val="minMax"/>
         </c:scaling>
+        <c:delete val="0"/>
         <c:axPos val="b"/>
+        <c:majorTickMark val="out"/>
+        <c:minorTickMark val="none"/>
         <c:tickLblPos val="nextTo"/>
         <c:crossAx val="103252352"/>
         <c:crosses val="autoZero"/>
         <c:auto val="1"/>
         <c:lblAlgn val="ctr"/>
         <c:lblOffset val="100"/>
+        <c:noMultiLvlLbl val="0"/>
       </c:catAx>
       <c:valAx>
         <c:axId val="103252352"/>
         <c:scaling>
           <c:orientation val="minMax"/>
         </c:scaling>
+        <c:delete val="0"/>
         <c:axPos val="l"/>
         <c:majorGridlines/>
         <c:numFmt formatCode="General" sourceLinked="1"/>
+        <c:majorTickMark val="out"/>
+        <c:minorTickMark val="none"/>
         <c:tickLblPos val="nextTo"/>
         <c:crossAx val="103234176"/>
         <c:crosses val="autoZero"/>
@@ -4571,6 +5274,7 @@
     </c:plotArea>
     <c:plotVisOnly val="1"/>
     <c:dispBlanksAs val="gap"/>
+    <c:showDLblsOverMax val="0"/>
   </c:chart>
   <c:spPr>
     <a:gradFill>
@@ -4597,18 +5301,32 @@
       <a:lin ang="5400000" scaled="0"/>
     </a:gradFill>
   </c:spPr>
-  <c:externalData r:id="rId1"/>
+  <c:externalData r:id="rId1">
+    <c:autoUpdate val="0"/>
+  </c:externalData>
 </c:chartSpace>
 </file>
 
 <file path=ppt/charts/chart6.xml><?xml version="1.0" encoding="utf-8"?>
-<c:chartSpace xmlns:c="http://schemas.openxmlformats.org/drawingml/2006/chart" xmlns:a="http://schemas.openxmlformats.org/drawingml/2006/main" xmlns:r="http://schemas.openxmlformats.org/officeDocument/2006/relationships">
+<c:chartSpace xmlns:c="http://schemas.openxmlformats.org/drawingml/2006/chart" xmlns:a="http://schemas.openxmlformats.org/drawingml/2006/main" xmlns:r="http://schemas.openxmlformats.org/officeDocument/2006/relationships" xmlns:c16r2="http://schemas.microsoft.com/office/drawing/2015/06/chart">
+  <c:date1904 val="0"/>
   <c:lang val="ja-JP"/>
+  <c:roundedCorners val="0"/>
+  <mc:AlternateContent xmlns:mc="http://schemas.openxmlformats.org/markup-compatibility/2006">
+    <mc:Choice xmlns:c14="http://schemas.microsoft.com/office/drawing/2007/8/2/chart" Requires="c14">
+      <c14:style val="102"/>
+    </mc:Choice>
+    <mc:Fallback>
+      <c:style val="2"/>
+    </mc:Fallback>
+  </mc:AlternateContent>
   <c:chart>
+    <c:autoTitleDeleted val="0"/>
     <c:plotArea>
       <c:layout/>
       <c:lineChart>
         <c:grouping val="standard"/>
+        <c:varyColors val="0"/>
         <c:ser>
           <c:idx val="0"/>
           <c:order val="0"/>
@@ -4654,6 +5372,12 @@
               </c:numCache>
             </c:numRef>
           </c:val>
+          <c:smooth val="0"/>
+          <c:extLst>
+            <c:ext xmlns:c16="http://schemas.microsoft.com/office/drawing/2014/chart" uri="{C3380CC4-5D6E-409C-BE32-E72D297353CC}">
+              <c16:uniqueId val="{00000000-FC27-49BF-AC33-9CB7578503F4}"/>
+            </c:ext>
+          </c:extLst>
         </c:ser>
         <c:ser>
           <c:idx val="1"/>
@@ -4700,6 +5424,12 @@
               </c:numCache>
             </c:numRef>
           </c:val>
+          <c:smooth val="0"/>
+          <c:extLst>
+            <c:ext xmlns:c16="http://schemas.microsoft.com/office/drawing/2014/chart" uri="{C3380CC4-5D6E-409C-BE32-E72D297353CC}">
+              <c16:uniqueId val="{00000001-FC27-49BF-AC33-9CB7578503F4}"/>
+            </c:ext>
+          </c:extLst>
         </c:ser>
         <c:ser>
           <c:idx val="2"/>
@@ -4746,6 +5476,12 @@
               </c:numCache>
             </c:numRef>
           </c:val>
+          <c:smooth val="0"/>
+          <c:extLst>
+            <c:ext xmlns:c16="http://schemas.microsoft.com/office/drawing/2014/chart" uri="{C3380CC4-5D6E-409C-BE32-E72D297353CC}">
+              <c16:uniqueId val="{00000002-FC27-49BF-AC33-9CB7578503F4}"/>
+            </c:ext>
+          </c:extLst>
         </c:ser>
         <c:ser>
           <c:idx val="3"/>
@@ -4792,6 +5528,12 @@
               </c:numCache>
             </c:numRef>
           </c:val>
+          <c:smooth val="0"/>
+          <c:extLst>
+            <c:ext xmlns:c16="http://schemas.microsoft.com/office/drawing/2014/chart" uri="{C3380CC4-5D6E-409C-BE32-E72D297353CC}">
+              <c16:uniqueId val="{00000003-FC27-49BF-AC33-9CB7578503F4}"/>
+            </c:ext>
+          </c:extLst>
         </c:ser>
         <c:ser>
           <c:idx val="4"/>
@@ -4838,6 +5580,12 @@
               </c:numCache>
             </c:numRef>
           </c:val>
+          <c:smooth val="0"/>
+          <c:extLst>
+            <c:ext xmlns:c16="http://schemas.microsoft.com/office/drawing/2014/chart" uri="{C3380CC4-5D6E-409C-BE32-E72D297353CC}">
+              <c16:uniqueId val="{00000004-FC27-49BF-AC33-9CB7578503F4}"/>
+            </c:ext>
+          </c:extLst>
         </c:ser>
         <c:ser>
           <c:idx val="5"/>
@@ -4884,6 +5632,12 @@
               </c:numCache>
             </c:numRef>
           </c:val>
+          <c:smooth val="0"/>
+          <c:extLst>
+            <c:ext xmlns:c16="http://schemas.microsoft.com/office/drawing/2014/chart" uri="{C3380CC4-5D6E-409C-BE32-E72D297353CC}">
+              <c16:uniqueId val="{00000005-FC27-49BF-AC33-9CB7578503F4}"/>
+            </c:ext>
+          </c:extLst>
         </c:ser>
         <c:ser>
           <c:idx val="6"/>
@@ -4930,6 +5684,12 @@
               </c:numCache>
             </c:numRef>
           </c:val>
+          <c:smooth val="0"/>
+          <c:extLst>
+            <c:ext xmlns:c16="http://schemas.microsoft.com/office/drawing/2014/chart" uri="{C3380CC4-5D6E-409C-BE32-E72D297353CC}">
+              <c16:uniqueId val="{00000006-FC27-49BF-AC33-9CB7578503F4}"/>
+            </c:ext>
+          </c:extLst>
         </c:ser>
         <c:ser>
           <c:idx val="7"/>
@@ -4976,6 +5736,12 @@
               </c:numCache>
             </c:numRef>
           </c:val>
+          <c:smooth val="0"/>
+          <c:extLst>
+            <c:ext xmlns:c16="http://schemas.microsoft.com/office/drawing/2014/chart" uri="{C3380CC4-5D6E-409C-BE32-E72D297353CC}">
+              <c16:uniqueId val="{00000007-FC27-49BF-AC33-9CB7578503F4}"/>
+            </c:ext>
+          </c:extLst>
         </c:ser>
         <c:ser>
           <c:idx val="8"/>
@@ -5022,6 +5788,12 @@
               </c:numCache>
             </c:numRef>
           </c:val>
+          <c:smooth val="0"/>
+          <c:extLst>
+            <c:ext xmlns:c16="http://schemas.microsoft.com/office/drawing/2014/chart" uri="{C3380CC4-5D6E-409C-BE32-E72D297353CC}">
+              <c16:uniqueId val="{00000008-FC27-49BF-AC33-9CB7578503F4}"/>
+            </c:ext>
+          </c:extLst>
         </c:ser>
         <c:ser>
           <c:idx val="9"/>
@@ -5075,8 +5847,22 @@
               </c:numCache>
             </c:numRef>
           </c:val>
+          <c:smooth val="0"/>
+          <c:extLst>
+            <c:ext xmlns:c16="http://schemas.microsoft.com/office/drawing/2014/chart" uri="{C3380CC4-5D6E-409C-BE32-E72D297353CC}">
+              <c16:uniqueId val="{00000009-FC27-49BF-AC33-9CB7578503F4}"/>
+            </c:ext>
+          </c:extLst>
         </c:ser>
-        <c:marker val="1"/>
+        <c:dLbls>
+          <c:showLegendKey val="0"/>
+          <c:showVal val="0"/>
+          <c:showCatName val="0"/>
+          <c:showSerName val="0"/>
+          <c:showPercent val="0"/>
+          <c:showBubbleSize val="0"/>
+        </c:dLbls>
+        <c:smooth val="0"/>
         <c:axId val="103340288"/>
         <c:axId val="103350272"/>
       </c:lineChart>
@@ -5085,22 +5871,29 @@
         <c:scaling>
           <c:orientation val="minMax"/>
         </c:scaling>
+        <c:delete val="0"/>
         <c:axPos val="b"/>
+        <c:majorTickMark val="out"/>
+        <c:minorTickMark val="none"/>
         <c:tickLblPos val="nextTo"/>
         <c:crossAx val="103350272"/>
         <c:crosses val="autoZero"/>
         <c:auto val="1"/>
         <c:lblAlgn val="ctr"/>
         <c:lblOffset val="100"/>
+        <c:noMultiLvlLbl val="0"/>
       </c:catAx>
       <c:valAx>
         <c:axId val="103350272"/>
         <c:scaling>
           <c:orientation val="minMax"/>
         </c:scaling>
+        <c:delete val="0"/>
         <c:axPos val="l"/>
         <c:majorGridlines/>
         <c:numFmt formatCode="General" sourceLinked="1"/>
+        <c:majorTickMark val="out"/>
+        <c:minorTickMark val="none"/>
         <c:tickLblPos val="nextTo"/>
         <c:crossAx val="103340288"/>
         <c:crosses val="autoZero"/>
@@ -5109,6 +5902,7 @@
     </c:plotArea>
     <c:plotVisOnly val="1"/>
     <c:dispBlanksAs val="gap"/>
+    <c:showDLblsOverMax val="0"/>
   </c:chart>
   <c:spPr>
     <a:gradFill>
@@ -5135,18 +5929,32 @@
       <a:lin ang="5400000" scaled="0"/>
     </a:gradFill>
   </c:spPr>
-  <c:externalData r:id="rId1"/>
+  <c:externalData r:id="rId1">
+    <c:autoUpdate val="0"/>
+  </c:externalData>
 </c:chartSpace>
 </file>
 
 <file path=ppt/charts/chart7.xml><?xml version="1.0" encoding="utf-8"?>
-<c:chartSpace xmlns:c="http://schemas.openxmlformats.org/drawingml/2006/chart" xmlns:a="http://schemas.openxmlformats.org/drawingml/2006/main" xmlns:r="http://schemas.openxmlformats.org/officeDocument/2006/relationships">
+<c:chartSpace xmlns:c="http://schemas.openxmlformats.org/drawingml/2006/chart" xmlns:a="http://schemas.openxmlformats.org/drawingml/2006/main" xmlns:r="http://schemas.openxmlformats.org/officeDocument/2006/relationships" xmlns:c16r2="http://schemas.microsoft.com/office/drawing/2015/06/chart">
+  <c:date1904 val="0"/>
   <c:lang val="ja-JP"/>
+  <c:roundedCorners val="0"/>
+  <mc:AlternateContent xmlns:mc="http://schemas.openxmlformats.org/markup-compatibility/2006">
+    <mc:Choice xmlns:c14="http://schemas.microsoft.com/office/drawing/2007/8/2/chart" Requires="c14">
+      <c14:style val="102"/>
+    </mc:Choice>
+    <mc:Fallback>
+      <c:style val="2"/>
+    </mc:Fallback>
+  </mc:AlternateContent>
   <c:chart>
+    <c:autoTitleDeleted val="0"/>
     <c:plotArea>
       <c:layout/>
       <c:lineChart>
         <c:grouping val="standard"/>
+        <c:varyColors val="0"/>
         <c:ser>
           <c:idx val="0"/>
           <c:order val="0"/>
@@ -5192,6 +6000,12 @@
               </c:numCache>
             </c:numRef>
           </c:val>
+          <c:smooth val="0"/>
+          <c:extLst>
+            <c:ext xmlns:c16="http://schemas.microsoft.com/office/drawing/2014/chart" uri="{C3380CC4-5D6E-409C-BE32-E72D297353CC}">
+              <c16:uniqueId val="{00000000-0A20-4DCF-8920-8759B3502004}"/>
+            </c:ext>
+          </c:extLst>
         </c:ser>
         <c:ser>
           <c:idx val="1"/>
@@ -5238,6 +6052,12 @@
               </c:numCache>
             </c:numRef>
           </c:val>
+          <c:smooth val="0"/>
+          <c:extLst>
+            <c:ext xmlns:c16="http://schemas.microsoft.com/office/drawing/2014/chart" uri="{C3380CC4-5D6E-409C-BE32-E72D297353CC}">
+              <c16:uniqueId val="{00000001-0A20-4DCF-8920-8759B3502004}"/>
+            </c:ext>
+          </c:extLst>
         </c:ser>
         <c:ser>
           <c:idx val="2"/>
@@ -5284,6 +6104,12 @@
               </c:numCache>
             </c:numRef>
           </c:val>
+          <c:smooth val="0"/>
+          <c:extLst>
+            <c:ext xmlns:c16="http://schemas.microsoft.com/office/drawing/2014/chart" uri="{C3380CC4-5D6E-409C-BE32-E72D297353CC}">
+              <c16:uniqueId val="{00000002-0A20-4DCF-8920-8759B3502004}"/>
+            </c:ext>
+          </c:extLst>
         </c:ser>
         <c:ser>
           <c:idx val="3"/>
@@ -5330,6 +6156,12 @@
               </c:numCache>
             </c:numRef>
           </c:val>
+          <c:smooth val="0"/>
+          <c:extLst>
+            <c:ext xmlns:c16="http://schemas.microsoft.com/office/drawing/2014/chart" uri="{C3380CC4-5D6E-409C-BE32-E72D297353CC}">
+              <c16:uniqueId val="{00000003-0A20-4DCF-8920-8759B3502004}"/>
+            </c:ext>
+          </c:extLst>
         </c:ser>
         <c:ser>
           <c:idx val="4"/>
@@ -5376,6 +6208,12 @@
               </c:numCache>
             </c:numRef>
           </c:val>
+          <c:smooth val="0"/>
+          <c:extLst>
+            <c:ext xmlns:c16="http://schemas.microsoft.com/office/drawing/2014/chart" uri="{C3380CC4-5D6E-409C-BE32-E72D297353CC}">
+              <c16:uniqueId val="{00000004-0A20-4DCF-8920-8759B3502004}"/>
+            </c:ext>
+          </c:extLst>
         </c:ser>
         <c:ser>
           <c:idx val="5"/>
@@ -5425,6 +6263,12 @@
               </c:numCache>
             </c:numRef>
           </c:val>
+          <c:smooth val="0"/>
+          <c:extLst>
+            <c:ext xmlns:c16="http://schemas.microsoft.com/office/drawing/2014/chart" uri="{C3380CC4-5D6E-409C-BE32-E72D297353CC}">
+              <c16:uniqueId val="{00000005-0A20-4DCF-8920-8759B3502004}"/>
+            </c:ext>
+          </c:extLst>
         </c:ser>
         <c:ser>
           <c:idx val="6"/>
@@ -5478,6 +6322,12 @@
               </c:numCache>
             </c:numRef>
           </c:val>
+          <c:smooth val="0"/>
+          <c:extLst>
+            <c:ext xmlns:c16="http://schemas.microsoft.com/office/drawing/2014/chart" uri="{C3380CC4-5D6E-409C-BE32-E72D297353CC}">
+              <c16:uniqueId val="{00000006-0A20-4DCF-8920-8759B3502004}"/>
+            </c:ext>
+          </c:extLst>
         </c:ser>
         <c:ser>
           <c:idx val="7"/>
@@ -5524,6 +6374,12 @@
               </c:numCache>
             </c:numRef>
           </c:val>
+          <c:smooth val="0"/>
+          <c:extLst>
+            <c:ext xmlns:c16="http://schemas.microsoft.com/office/drawing/2014/chart" uri="{C3380CC4-5D6E-409C-BE32-E72D297353CC}">
+              <c16:uniqueId val="{00000007-0A20-4DCF-8920-8759B3502004}"/>
+            </c:ext>
+          </c:extLst>
         </c:ser>
         <c:ser>
           <c:idx val="8"/>
@@ -5577,6 +6433,12 @@
               </c:numCache>
             </c:numRef>
           </c:val>
+          <c:smooth val="0"/>
+          <c:extLst>
+            <c:ext xmlns:c16="http://schemas.microsoft.com/office/drawing/2014/chart" uri="{C3380CC4-5D6E-409C-BE32-E72D297353CC}">
+              <c16:uniqueId val="{00000008-0A20-4DCF-8920-8759B3502004}"/>
+            </c:ext>
+          </c:extLst>
         </c:ser>
         <c:ser>
           <c:idx val="9"/>
@@ -5626,8 +6488,22 @@
               </c:numCache>
             </c:numRef>
           </c:val>
+          <c:smooth val="0"/>
+          <c:extLst>
+            <c:ext xmlns:c16="http://schemas.microsoft.com/office/drawing/2014/chart" uri="{C3380CC4-5D6E-409C-BE32-E72D297353CC}">
+              <c16:uniqueId val="{00000009-0A20-4DCF-8920-8759B3502004}"/>
+            </c:ext>
+          </c:extLst>
         </c:ser>
-        <c:marker val="1"/>
+        <c:dLbls>
+          <c:showLegendKey val="0"/>
+          <c:showVal val="0"/>
+          <c:showCatName val="0"/>
+          <c:showSerName val="0"/>
+          <c:showPercent val="0"/>
+          <c:showBubbleSize val="0"/>
+        </c:dLbls>
+        <c:smooth val="0"/>
         <c:axId val="103430400"/>
         <c:axId val="103448576"/>
       </c:lineChart>
@@ -5636,22 +6512,29 @@
         <c:scaling>
           <c:orientation val="minMax"/>
         </c:scaling>
+        <c:delete val="0"/>
         <c:axPos val="b"/>
+        <c:majorTickMark val="out"/>
+        <c:minorTickMark val="none"/>
         <c:tickLblPos val="nextTo"/>
         <c:crossAx val="103448576"/>
         <c:crosses val="autoZero"/>
         <c:auto val="1"/>
         <c:lblAlgn val="ctr"/>
         <c:lblOffset val="100"/>
+        <c:noMultiLvlLbl val="0"/>
       </c:catAx>
       <c:valAx>
         <c:axId val="103448576"/>
         <c:scaling>
           <c:orientation val="minMax"/>
         </c:scaling>
+        <c:delete val="0"/>
         <c:axPos val="l"/>
         <c:majorGridlines/>
         <c:numFmt formatCode="General" sourceLinked="1"/>
+        <c:majorTickMark val="out"/>
+        <c:minorTickMark val="none"/>
         <c:tickLblPos val="nextTo"/>
         <c:crossAx val="103430400"/>
         <c:crosses val="autoZero"/>
@@ -5660,6 +6543,7 @@
     </c:plotArea>
     <c:plotVisOnly val="1"/>
     <c:dispBlanksAs val="zero"/>
+    <c:showDLblsOverMax val="0"/>
   </c:chart>
   <c:spPr>
     <a:gradFill>
@@ -5686,18 +6570,32 @@
       <a:lin ang="5400000" scaled="0"/>
     </a:gradFill>
   </c:spPr>
-  <c:externalData r:id="rId1"/>
+  <c:externalData r:id="rId1">
+    <c:autoUpdate val="0"/>
+  </c:externalData>
 </c:chartSpace>
 </file>
 
 <file path=ppt/charts/chart8.xml><?xml version="1.0" encoding="utf-8"?>
-<c:chartSpace xmlns:c="http://schemas.openxmlformats.org/drawingml/2006/chart" xmlns:a="http://schemas.openxmlformats.org/drawingml/2006/main" xmlns:r="http://schemas.openxmlformats.org/officeDocument/2006/relationships">
+<c:chartSpace xmlns:c="http://schemas.openxmlformats.org/drawingml/2006/chart" xmlns:a="http://schemas.openxmlformats.org/drawingml/2006/main" xmlns:r="http://schemas.openxmlformats.org/officeDocument/2006/relationships" xmlns:c16r2="http://schemas.microsoft.com/office/drawing/2015/06/chart">
+  <c:date1904 val="0"/>
   <c:lang val="ja-JP"/>
+  <c:roundedCorners val="0"/>
+  <mc:AlternateContent xmlns:mc="http://schemas.openxmlformats.org/markup-compatibility/2006">
+    <mc:Choice xmlns:c14="http://schemas.microsoft.com/office/drawing/2007/8/2/chart" Requires="c14">
+      <c14:style val="102"/>
+    </mc:Choice>
+    <mc:Fallback>
+      <c:style val="2"/>
+    </mc:Fallback>
+  </mc:AlternateContent>
   <c:chart>
+    <c:autoTitleDeleted val="0"/>
     <c:plotArea>
       <c:layout/>
       <c:lineChart>
         <c:grouping val="standard"/>
+        <c:varyColors val="0"/>
         <c:ser>
           <c:idx val="0"/>
           <c:order val="0"/>
@@ -5743,6 +6641,12 @@
               </c:numCache>
             </c:numRef>
           </c:val>
+          <c:smooth val="0"/>
+          <c:extLst>
+            <c:ext xmlns:c16="http://schemas.microsoft.com/office/drawing/2014/chart" uri="{C3380CC4-5D6E-409C-BE32-E72D297353CC}">
+              <c16:uniqueId val="{00000000-11EB-4D02-9D76-61B1C45FD108}"/>
+            </c:ext>
+          </c:extLst>
         </c:ser>
         <c:ser>
           <c:idx val="1"/>
@@ -5789,6 +6693,12 @@
               </c:numCache>
             </c:numRef>
           </c:val>
+          <c:smooth val="0"/>
+          <c:extLst>
+            <c:ext xmlns:c16="http://schemas.microsoft.com/office/drawing/2014/chart" uri="{C3380CC4-5D6E-409C-BE32-E72D297353CC}">
+              <c16:uniqueId val="{00000001-11EB-4D02-9D76-61B1C45FD108}"/>
+            </c:ext>
+          </c:extLst>
         </c:ser>
         <c:ser>
           <c:idx val="2"/>
@@ -5835,6 +6745,12 @@
               </c:numCache>
             </c:numRef>
           </c:val>
+          <c:smooth val="0"/>
+          <c:extLst>
+            <c:ext xmlns:c16="http://schemas.microsoft.com/office/drawing/2014/chart" uri="{C3380CC4-5D6E-409C-BE32-E72D297353CC}">
+              <c16:uniqueId val="{00000002-11EB-4D02-9D76-61B1C45FD108}"/>
+            </c:ext>
+          </c:extLst>
         </c:ser>
         <c:ser>
           <c:idx val="3"/>
@@ -5881,6 +6797,12 @@
               </c:numCache>
             </c:numRef>
           </c:val>
+          <c:smooth val="0"/>
+          <c:extLst>
+            <c:ext xmlns:c16="http://schemas.microsoft.com/office/drawing/2014/chart" uri="{C3380CC4-5D6E-409C-BE32-E72D297353CC}">
+              <c16:uniqueId val="{00000003-11EB-4D02-9D76-61B1C45FD108}"/>
+            </c:ext>
+          </c:extLst>
         </c:ser>
         <c:ser>
           <c:idx val="4"/>
@@ -5927,6 +6849,12 @@
               </c:numCache>
             </c:numRef>
           </c:val>
+          <c:smooth val="0"/>
+          <c:extLst>
+            <c:ext xmlns:c16="http://schemas.microsoft.com/office/drawing/2014/chart" uri="{C3380CC4-5D6E-409C-BE32-E72D297353CC}">
+              <c16:uniqueId val="{00000004-11EB-4D02-9D76-61B1C45FD108}"/>
+            </c:ext>
+          </c:extLst>
         </c:ser>
         <c:ser>
           <c:idx val="5"/>
@@ -5976,6 +6904,12 @@
               </c:numCache>
             </c:numRef>
           </c:val>
+          <c:smooth val="0"/>
+          <c:extLst>
+            <c:ext xmlns:c16="http://schemas.microsoft.com/office/drawing/2014/chart" uri="{C3380CC4-5D6E-409C-BE32-E72D297353CC}">
+              <c16:uniqueId val="{00000005-11EB-4D02-9D76-61B1C45FD108}"/>
+            </c:ext>
+          </c:extLst>
         </c:ser>
         <c:ser>
           <c:idx val="6"/>
@@ -6022,6 +6956,12 @@
               </c:numCache>
             </c:numRef>
           </c:val>
+          <c:smooth val="0"/>
+          <c:extLst>
+            <c:ext xmlns:c16="http://schemas.microsoft.com/office/drawing/2014/chart" uri="{C3380CC4-5D6E-409C-BE32-E72D297353CC}">
+              <c16:uniqueId val="{00000006-11EB-4D02-9D76-61B1C45FD108}"/>
+            </c:ext>
+          </c:extLst>
         </c:ser>
         <c:ser>
           <c:idx val="7"/>
@@ -6068,6 +7008,12 @@
               </c:numCache>
             </c:numRef>
           </c:val>
+          <c:smooth val="0"/>
+          <c:extLst>
+            <c:ext xmlns:c16="http://schemas.microsoft.com/office/drawing/2014/chart" uri="{C3380CC4-5D6E-409C-BE32-E72D297353CC}">
+              <c16:uniqueId val="{00000007-11EB-4D02-9D76-61B1C45FD108}"/>
+            </c:ext>
+          </c:extLst>
         </c:ser>
         <c:ser>
           <c:idx val="8"/>
@@ -6114,6 +7060,12 @@
               </c:numCache>
             </c:numRef>
           </c:val>
+          <c:smooth val="0"/>
+          <c:extLst>
+            <c:ext xmlns:c16="http://schemas.microsoft.com/office/drawing/2014/chart" uri="{C3380CC4-5D6E-409C-BE32-E72D297353CC}">
+              <c16:uniqueId val="{00000008-11EB-4D02-9D76-61B1C45FD108}"/>
+            </c:ext>
+          </c:extLst>
         </c:ser>
         <c:ser>
           <c:idx val="9"/>
@@ -6163,8 +7115,22 @@
               </c:numCache>
             </c:numRef>
           </c:val>
+          <c:smooth val="0"/>
+          <c:extLst>
+            <c:ext xmlns:c16="http://schemas.microsoft.com/office/drawing/2014/chart" uri="{C3380CC4-5D6E-409C-BE32-E72D297353CC}">
+              <c16:uniqueId val="{00000009-11EB-4D02-9D76-61B1C45FD108}"/>
+            </c:ext>
+          </c:extLst>
         </c:ser>
-        <c:marker val="1"/>
+        <c:dLbls>
+          <c:showLegendKey val="0"/>
+          <c:showVal val="0"/>
+          <c:showCatName val="0"/>
+          <c:showSerName val="0"/>
+          <c:showPercent val="0"/>
+          <c:showBubbleSize val="0"/>
+        </c:dLbls>
+        <c:smooth val="0"/>
         <c:axId val="103581568"/>
         <c:axId val="103583104"/>
       </c:lineChart>
@@ -6173,13 +7139,17 @@
         <c:scaling>
           <c:orientation val="minMax"/>
         </c:scaling>
+        <c:delete val="0"/>
         <c:axPos val="b"/>
+        <c:majorTickMark val="out"/>
+        <c:minorTickMark val="none"/>
         <c:tickLblPos val="nextTo"/>
         <c:crossAx val="103583104"/>
         <c:crosses val="autoZero"/>
         <c:auto val="1"/>
         <c:lblAlgn val="ctr"/>
         <c:lblOffset val="100"/>
+        <c:noMultiLvlLbl val="0"/>
       </c:catAx>
       <c:valAx>
         <c:axId val="103583104"/>
@@ -6187,9 +7157,12 @@
           <c:orientation val="minMax"/>
           <c:max val="300"/>
         </c:scaling>
+        <c:delete val="0"/>
         <c:axPos val="l"/>
         <c:majorGridlines/>
         <c:numFmt formatCode="General" sourceLinked="1"/>
+        <c:majorTickMark val="out"/>
+        <c:minorTickMark val="none"/>
         <c:tickLblPos val="nextTo"/>
         <c:crossAx val="103581568"/>
         <c:crosses val="autoZero"/>
@@ -6198,6 +7171,7 @@
     </c:plotArea>
     <c:plotVisOnly val="1"/>
     <c:dispBlanksAs val="gap"/>
+    <c:showDLblsOverMax val="0"/>
   </c:chart>
   <c:spPr>
     <a:gradFill>
@@ -6224,18 +7198,32 @@
       <a:lin ang="5400000" scaled="0"/>
     </a:gradFill>
   </c:spPr>
-  <c:externalData r:id="rId1"/>
+  <c:externalData r:id="rId1">
+    <c:autoUpdate val="0"/>
+  </c:externalData>
 </c:chartSpace>
 </file>
 
 <file path=ppt/charts/chart9.xml><?xml version="1.0" encoding="utf-8"?>
-<c:chartSpace xmlns:c="http://schemas.openxmlformats.org/drawingml/2006/chart" xmlns:a="http://schemas.openxmlformats.org/drawingml/2006/main" xmlns:r="http://schemas.openxmlformats.org/officeDocument/2006/relationships">
+<c:chartSpace xmlns:c="http://schemas.openxmlformats.org/drawingml/2006/chart" xmlns:a="http://schemas.openxmlformats.org/drawingml/2006/main" xmlns:r="http://schemas.openxmlformats.org/officeDocument/2006/relationships" xmlns:c16r2="http://schemas.microsoft.com/office/drawing/2015/06/chart">
+  <c:date1904 val="0"/>
   <c:lang val="ja-JP"/>
+  <c:roundedCorners val="0"/>
+  <mc:AlternateContent xmlns:mc="http://schemas.openxmlformats.org/markup-compatibility/2006">
+    <mc:Choice xmlns:c14="http://schemas.microsoft.com/office/drawing/2007/8/2/chart" Requires="c14">
+      <c14:style val="102"/>
+    </mc:Choice>
+    <mc:Fallback>
+      <c:style val="2"/>
+    </mc:Fallback>
+  </mc:AlternateContent>
   <c:chart>
+    <c:autoTitleDeleted val="0"/>
     <c:plotArea>
       <c:layout/>
       <c:lineChart>
         <c:grouping val="standard"/>
+        <c:varyColors val="0"/>
         <c:ser>
           <c:idx val="0"/>
           <c:order val="0"/>
@@ -6281,6 +7269,12 @@
               </c:numCache>
             </c:numRef>
           </c:val>
+          <c:smooth val="0"/>
+          <c:extLst>
+            <c:ext xmlns:c16="http://schemas.microsoft.com/office/drawing/2014/chart" uri="{C3380CC4-5D6E-409C-BE32-E72D297353CC}">
+              <c16:uniqueId val="{00000000-952C-45CC-9024-920BB1D8D85B}"/>
+            </c:ext>
+          </c:extLst>
         </c:ser>
         <c:ser>
           <c:idx val="1"/>
@@ -6327,6 +7321,12 @@
               </c:numCache>
             </c:numRef>
           </c:val>
+          <c:smooth val="0"/>
+          <c:extLst>
+            <c:ext xmlns:c16="http://schemas.microsoft.com/office/drawing/2014/chart" uri="{C3380CC4-5D6E-409C-BE32-E72D297353CC}">
+              <c16:uniqueId val="{00000001-952C-45CC-9024-920BB1D8D85B}"/>
+            </c:ext>
+          </c:extLst>
         </c:ser>
         <c:ser>
           <c:idx val="2"/>
@@ -6373,6 +7373,12 @@
               </c:numCache>
             </c:numRef>
           </c:val>
+          <c:smooth val="0"/>
+          <c:extLst>
+            <c:ext xmlns:c16="http://schemas.microsoft.com/office/drawing/2014/chart" uri="{C3380CC4-5D6E-409C-BE32-E72D297353CC}">
+              <c16:uniqueId val="{00000002-952C-45CC-9024-920BB1D8D85B}"/>
+            </c:ext>
+          </c:extLst>
         </c:ser>
         <c:ser>
           <c:idx val="3"/>
@@ -6419,6 +7425,12 @@
               </c:numCache>
             </c:numRef>
           </c:val>
+          <c:smooth val="0"/>
+          <c:extLst>
+            <c:ext xmlns:c16="http://schemas.microsoft.com/office/drawing/2014/chart" uri="{C3380CC4-5D6E-409C-BE32-E72D297353CC}">
+              <c16:uniqueId val="{00000003-952C-45CC-9024-920BB1D8D85B}"/>
+            </c:ext>
+          </c:extLst>
         </c:ser>
         <c:ser>
           <c:idx val="4"/>
@@ -6465,6 +7477,12 @@
               </c:numCache>
             </c:numRef>
           </c:val>
+          <c:smooth val="0"/>
+          <c:extLst>
+            <c:ext xmlns:c16="http://schemas.microsoft.com/office/drawing/2014/chart" uri="{C3380CC4-5D6E-409C-BE32-E72D297353CC}">
+              <c16:uniqueId val="{00000004-952C-45CC-9024-920BB1D8D85B}"/>
+            </c:ext>
+          </c:extLst>
         </c:ser>
         <c:ser>
           <c:idx val="5"/>
@@ -6514,6 +7532,12 @@
               </c:numCache>
             </c:numRef>
           </c:val>
+          <c:smooth val="0"/>
+          <c:extLst>
+            <c:ext xmlns:c16="http://schemas.microsoft.com/office/drawing/2014/chart" uri="{C3380CC4-5D6E-409C-BE32-E72D297353CC}">
+              <c16:uniqueId val="{00000005-952C-45CC-9024-920BB1D8D85B}"/>
+            </c:ext>
+          </c:extLst>
         </c:ser>
         <c:ser>
           <c:idx val="6"/>
@@ -6567,6 +7591,12 @@
               </c:numCache>
             </c:numRef>
           </c:val>
+          <c:smooth val="0"/>
+          <c:extLst>
+            <c:ext xmlns:c16="http://schemas.microsoft.com/office/drawing/2014/chart" uri="{C3380CC4-5D6E-409C-BE32-E72D297353CC}">
+              <c16:uniqueId val="{00000006-952C-45CC-9024-920BB1D8D85B}"/>
+            </c:ext>
+          </c:extLst>
         </c:ser>
         <c:ser>
           <c:idx val="7"/>
@@ -6613,6 +7643,12 @@
               </c:numCache>
             </c:numRef>
           </c:val>
+          <c:smooth val="0"/>
+          <c:extLst>
+            <c:ext xmlns:c16="http://schemas.microsoft.com/office/drawing/2014/chart" uri="{C3380CC4-5D6E-409C-BE32-E72D297353CC}">
+              <c16:uniqueId val="{00000007-952C-45CC-9024-920BB1D8D85B}"/>
+            </c:ext>
+          </c:extLst>
         </c:ser>
         <c:ser>
           <c:idx val="8"/>
@@ -6666,6 +7702,12 @@
               </c:numCache>
             </c:numRef>
           </c:val>
+          <c:smooth val="0"/>
+          <c:extLst>
+            <c:ext xmlns:c16="http://schemas.microsoft.com/office/drawing/2014/chart" uri="{C3380CC4-5D6E-409C-BE32-E72D297353CC}">
+              <c16:uniqueId val="{00000008-952C-45CC-9024-920BB1D8D85B}"/>
+            </c:ext>
+          </c:extLst>
         </c:ser>
         <c:ser>
           <c:idx val="9"/>
@@ -6715,8 +7757,22 @@
               </c:numCache>
             </c:numRef>
           </c:val>
+          <c:smooth val="0"/>
+          <c:extLst>
+            <c:ext xmlns:c16="http://schemas.microsoft.com/office/drawing/2014/chart" uri="{C3380CC4-5D6E-409C-BE32-E72D297353CC}">
+              <c16:uniqueId val="{00000009-952C-45CC-9024-920BB1D8D85B}"/>
+            </c:ext>
+          </c:extLst>
         </c:ser>
-        <c:marker val="1"/>
+        <c:dLbls>
+          <c:showLegendKey val="0"/>
+          <c:showVal val="0"/>
+          <c:showCatName val="0"/>
+          <c:showSerName val="0"/>
+          <c:showPercent val="0"/>
+          <c:showBubbleSize val="0"/>
+        </c:dLbls>
+        <c:smooth val="0"/>
         <c:axId val="103643008"/>
         <c:axId val="103644544"/>
       </c:lineChart>
@@ -6725,22 +7781,29 @@
         <c:scaling>
           <c:orientation val="minMax"/>
         </c:scaling>
+        <c:delete val="0"/>
         <c:axPos val="b"/>
+        <c:majorTickMark val="out"/>
+        <c:minorTickMark val="none"/>
         <c:tickLblPos val="nextTo"/>
         <c:crossAx val="103644544"/>
         <c:crosses val="autoZero"/>
         <c:auto val="1"/>
         <c:lblAlgn val="ctr"/>
         <c:lblOffset val="100"/>
+        <c:noMultiLvlLbl val="0"/>
       </c:catAx>
       <c:valAx>
         <c:axId val="103644544"/>
         <c:scaling>
           <c:orientation val="minMax"/>
         </c:scaling>
+        <c:delete val="0"/>
         <c:axPos val="l"/>
         <c:majorGridlines/>
         <c:numFmt formatCode="General" sourceLinked="1"/>
+        <c:majorTickMark val="out"/>
+        <c:minorTickMark val="none"/>
         <c:tickLblPos val="nextTo"/>
         <c:crossAx val="103643008"/>
         <c:crosses val="autoZero"/>
@@ -6749,6 +7812,7 @@
     </c:plotArea>
     <c:plotVisOnly val="1"/>
     <c:dispBlanksAs val="zero"/>
+    <c:showDLblsOverMax val="0"/>
   </c:chart>
   <c:spPr>
     <a:gradFill>
@@ -6775,7 +7839,9 @@
       <a:lin ang="5400000" scaled="0"/>
     </a:gradFill>
   </c:spPr>
-  <c:externalData r:id="rId1"/>
+  <c:externalData r:id="rId1">
+    <c:autoUpdate val="0"/>
+  </c:externalData>
 </c:chartSpace>
 </file>
 
@@ -7724,7 +8790,7 @@
                 </a:spcAft>
                 <a:buNone/>
               </a:pPr>
-              <a:t>&lt;#&gt;</a:t>
+              <a:t>‹#›</a:t>
             </a:fld>
             <a:endParaRPr sz="1200" b="0" i="0" u="none" strike="noStrike" cap="none">
               <a:solidFill>
@@ -7741,7 +8807,7 @@
     </p:spTree>
     <p:extLst>
       <p:ext uri="{BB962C8B-B14F-4D97-AF65-F5344CB8AC3E}">
-        <p14:creationId xmlns="" xmlns:p14="http://schemas.microsoft.com/office/powerpoint/2010/main" val="2147378307"/>
+        <p14:creationId xmlns:p14="http://schemas.microsoft.com/office/powerpoint/2010/main" val="2147378307"/>
       </p:ext>
     </p:extLst>
   </p:cSld>
@@ -8077,7 +9143,7 @@
     </p:spTree>
     <p:extLst>
       <p:ext uri="{BB962C8B-B14F-4D97-AF65-F5344CB8AC3E}">
-        <p14:creationId xmlns="" xmlns:p14="http://schemas.microsoft.com/office/powerpoint/2010/main" val="377034267"/>
+        <p14:creationId xmlns:p14="http://schemas.microsoft.com/office/powerpoint/2010/main" val="377034267"/>
       </p:ext>
     </p:extLst>
   </p:cSld>
@@ -8186,7 +9252,7 @@
     </p:spTree>
     <p:extLst>
       <p:ext uri="{BB962C8B-B14F-4D97-AF65-F5344CB8AC3E}">
-        <p14:creationId xmlns="" xmlns:p14="http://schemas.microsoft.com/office/powerpoint/2010/main" val="1913745553"/>
+        <p14:creationId xmlns:p14="http://schemas.microsoft.com/office/powerpoint/2010/main" val="1913745553"/>
       </p:ext>
     </p:extLst>
   </p:cSld>
@@ -8295,7 +9361,7 @@
     </p:spTree>
     <p:extLst>
       <p:ext uri="{BB962C8B-B14F-4D97-AF65-F5344CB8AC3E}">
-        <p14:creationId xmlns="" xmlns:p14="http://schemas.microsoft.com/office/powerpoint/2010/main" val="1458928152"/>
+        <p14:creationId xmlns:p14="http://schemas.microsoft.com/office/powerpoint/2010/main" val="1458928152"/>
       </p:ext>
     </p:extLst>
   </p:cSld>
@@ -8404,7 +9470,7 @@
     </p:spTree>
     <p:extLst>
       <p:ext uri="{BB962C8B-B14F-4D97-AF65-F5344CB8AC3E}">
-        <p14:creationId xmlns="" xmlns:p14="http://schemas.microsoft.com/office/powerpoint/2010/main" val="237169218"/>
+        <p14:creationId xmlns:p14="http://schemas.microsoft.com/office/powerpoint/2010/main" val="237169218"/>
       </p:ext>
     </p:extLst>
   </p:cSld>
@@ -8513,7 +9579,7 @@
     </p:spTree>
     <p:extLst>
       <p:ext uri="{BB962C8B-B14F-4D97-AF65-F5344CB8AC3E}">
-        <p14:creationId xmlns="" xmlns:p14="http://schemas.microsoft.com/office/powerpoint/2010/main" val="373398094"/>
+        <p14:creationId xmlns:p14="http://schemas.microsoft.com/office/powerpoint/2010/main" val="373398094"/>
       </p:ext>
     </p:extLst>
   </p:cSld>
@@ -8622,7 +9688,7 @@
     </p:spTree>
     <p:extLst>
       <p:ext uri="{BB962C8B-B14F-4D97-AF65-F5344CB8AC3E}">
-        <p14:creationId xmlns="" xmlns:p14="http://schemas.microsoft.com/office/powerpoint/2010/main" val="754549324"/>
+        <p14:creationId xmlns:p14="http://schemas.microsoft.com/office/powerpoint/2010/main" val="754549324"/>
       </p:ext>
     </p:extLst>
   </p:cSld>
@@ -8731,7 +9797,7 @@
     </p:spTree>
     <p:extLst>
       <p:ext uri="{BB962C8B-B14F-4D97-AF65-F5344CB8AC3E}">
-        <p14:creationId xmlns="" xmlns:p14="http://schemas.microsoft.com/office/powerpoint/2010/main" val="819552933"/>
+        <p14:creationId xmlns:p14="http://schemas.microsoft.com/office/powerpoint/2010/main" val="819552933"/>
       </p:ext>
     </p:extLst>
   </p:cSld>
@@ -8840,7 +9906,7 @@
     </p:spTree>
     <p:extLst>
       <p:ext uri="{BB962C8B-B14F-4D97-AF65-F5344CB8AC3E}">
-        <p14:creationId xmlns="" xmlns:p14="http://schemas.microsoft.com/office/powerpoint/2010/main" val="266033073"/>
+        <p14:creationId xmlns:p14="http://schemas.microsoft.com/office/powerpoint/2010/main" val="266033073"/>
       </p:ext>
     </p:extLst>
   </p:cSld>
@@ -8949,7 +10015,7 @@
     </p:spTree>
     <p:extLst>
       <p:ext uri="{BB962C8B-B14F-4D97-AF65-F5344CB8AC3E}">
-        <p14:creationId xmlns="" xmlns:p14="http://schemas.microsoft.com/office/powerpoint/2010/main" val="156904857"/>
+        <p14:creationId xmlns:p14="http://schemas.microsoft.com/office/powerpoint/2010/main" val="156904857"/>
       </p:ext>
     </p:extLst>
   </p:cSld>
@@ -9058,7 +10124,7 @@
     </p:spTree>
     <p:extLst>
       <p:ext uri="{BB962C8B-B14F-4D97-AF65-F5344CB8AC3E}">
-        <p14:creationId xmlns="" xmlns:p14="http://schemas.microsoft.com/office/powerpoint/2010/main" val="2137496730"/>
+        <p14:creationId xmlns:p14="http://schemas.microsoft.com/office/powerpoint/2010/main" val="2137496730"/>
       </p:ext>
     </p:extLst>
   </p:cSld>
@@ -9167,7 +10233,7 @@
     </p:spTree>
     <p:extLst>
       <p:ext uri="{BB962C8B-B14F-4D97-AF65-F5344CB8AC3E}">
-        <p14:creationId xmlns="" xmlns:p14="http://schemas.microsoft.com/office/powerpoint/2010/main" val="1801094094"/>
+        <p14:creationId xmlns:p14="http://schemas.microsoft.com/office/powerpoint/2010/main" val="1801094094"/>
       </p:ext>
     </p:extLst>
   </p:cSld>
@@ -9276,7 +10342,7 @@
     </p:spTree>
     <p:extLst>
       <p:ext uri="{BB962C8B-B14F-4D97-AF65-F5344CB8AC3E}">
-        <p14:creationId xmlns="" xmlns:p14="http://schemas.microsoft.com/office/powerpoint/2010/main" val="1738166819"/>
+        <p14:creationId xmlns:p14="http://schemas.microsoft.com/office/powerpoint/2010/main" val="1738166819"/>
       </p:ext>
     </p:extLst>
   </p:cSld>
@@ -9385,7 +10451,7 @@
     </p:spTree>
     <p:extLst>
       <p:ext uri="{BB962C8B-B14F-4D97-AF65-F5344CB8AC3E}">
-        <p14:creationId xmlns="" xmlns:p14="http://schemas.microsoft.com/office/powerpoint/2010/main" val="58949746"/>
+        <p14:creationId xmlns:p14="http://schemas.microsoft.com/office/powerpoint/2010/main" val="58949746"/>
       </p:ext>
     </p:extLst>
   </p:cSld>
@@ -9494,7 +10560,7 @@
     </p:spTree>
     <p:extLst>
       <p:ext uri="{BB962C8B-B14F-4D97-AF65-F5344CB8AC3E}">
-        <p14:creationId xmlns="" xmlns:p14="http://schemas.microsoft.com/office/powerpoint/2010/main" val="1760175031"/>
+        <p14:creationId xmlns:p14="http://schemas.microsoft.com/office/powerpoint/2010/main" val="1760175031"/>
       </p:ext>
     </p:extLst>
   </p:cSld>
@@ -9603,7 +10669,7 @@
     </p:spTree>
     <p:extLst>
       <p:ext uri="{BB962C8B-B14F-4D97-AF65-F5344CB8AC3E}">
-        <p14:creationId xmlns="" xmlns:p14="http://schemas.microsoft.com/office/powerpoint/2010/main" val="1149676792"/>
+        <p14:creationId xmlns:p14="http://schemas.microsoft.com/office/powerpoint/2010/main" val="1149676792"/>
       </p:ext>
     </p:extLst>
   </p:cSld>
@@ -9712,7 +10778,7 @@
     </p:spTree>
     <p:extLst>
       <p:ext uri="{BB962C8B-B14F-4D97-AF65-F5344CB8AC3E}">
-        <p14:creationId xmlns="" xmlns:p14="http://schemas.microsoft.com/office/powerpoint/2010/main" val="1707471085"/>
+        <p14:creationId xmlns:p14="http://schemas.microsoft.com/office/powerpoint/2010/main" val="1707471085"/>
       </p:ext>
     </p:extLst>
   </p:cSld>
@@ -9821,7 +10887,7 @@
     </p:spTree>
     <p:extLst>
       <p:ext uri="{BB962C8B-B14F-4D97-AF65-F5344CB8AC3E}">
-        <p14:creationId xmlns="" xmlns:p14="http://schemas.microsoft.com/office/powerpoint/2010/main" val="642550734"/>
+        <p14:creationId xmlns:p14="http://schemas.microsoft.com/office/powerpoint/2010/main" val="642550734"/>
       </p:ext>
     </p:extLst>
   </p:cSld>
@@ -9930,7 +10996,7 @@
     </p:spTree>
     <p:extLst>
       <p:ext uri="{BB962C8B-B14F-4D97-AF65-F5344CB8AC3E}">
-        <p14:creationId xmlns="" xmlns:p14="http://schemas.microsoft.com/office/powerpoint/2010/main" val="1802409222"/>
+        <p14:creationId xmlns:p14="http://schemas.microsoft.com/office/powerpoint/2010/main" val="1802409222"/>
       </p:ext>
     </p:extLst>
   </p:cSld>
@@ -10039,7 +11105,7 @@
     </p:spTree>
     <p:extLst>
       <p:ext uri="{BB962C8B-B14F-4D97-AF65-F5344CB8AC3E}">
-        <p14:creationId xmlns="" xmlns:p14="http://schemas.microsoft.com/office/powerpoint/2010/main" val="839075744"/>
+        <p14:creationId xmlns:p14="http://schemas.microsoft.com/office/powerpoint/2010/main" val="839075744"/>
       </p:ext>
     </p:extLst>
   </p:cSld>
@@ -10148,7 +11214,7 @@
     </p:spTree>
     <p:extLst>
       <p:ext uri="{BB962C8B-B14F-4D97-AF65-F5344CB8AC3E}">
-        <p14:creationId xmlns="" xmlns:p14="http://schemas.microsoft.com/office/powerpoint/2010/main" val="1968403206"/>
+        <p14:creationId xmlns:p14="http://schemas.microsoft.com/office/powerpoint/2010/main" val="1968403206"/>
       </p:ext>
     </p:extLst>
   </p:cSld>
@@ -10257,7 +11323,7 @@
     </p:spTree>
     <p:extLst>
       <p:ext uri="{BB962C8B-B14F-4D97-AF65-F5344CB8AC3E}">
-        <p14:creationId xmlns="" xmlns:p14="http://schemas.microsoft.com/office/powerpoint/2010/main" val="967101207"/>
+        <p14:creationId xmlns:p14="http://schemas.microsoft.com/office/powerpoint/2010/main" val="967101207"/>
       </p:ext>
     </p:extLst>
   </p:cSld>
@@ -10982,7 +12048,7 @@
                 </a:spcAft>
                 <a:buNone/>
               </a:pPr>
-              <a:t>&lt;#&gt;</a:t>
+              <a:t>‹#›</a:t>
             </a:fld>
             <a:endParaRPr/>
           </a:p>
@@ -10993,13 +12059,6 @@
   <p:clrMapOvr>
     <a:masterClrMapping/>
   </p:clrMapOvr>
-  <p:timing>
-    <p:tnLst>
-      <p:par>
-        <p:cTn id="1" dur="indefinite" restart="never" nodeType="tmRoot"/>
-      </p:par>
-    </p:tnLst>
-  </p:timing>
 </p:sldLayout>
 </file>
 
@@ -11717,7 +12776,7 @@
                 </a:spcAft>
                 <a:buNone/>
               </a:pPr>
-              <a:t>&lt;#&gt;</a:t>
+              <a:t>‹#›</a:t>
             </a:fld>
             <a:endParaRPr/>
           </a:p>
@@ -12445,7 +13504,7 @@
                 </a:spcAft>
                 <a:buNone/>
               </a:pPr>
-              <a:t>&lt;#&gt;</a:t>
+              <a:t>‹#›</a:t>
             </a:fld>
             <a:endParaRPr/>
           </a:p>
@@ -13173,7 +14232,7 @@
                 </a:spcAft>
                 <a:buNone/>
               </a:pPr>
-              <a:t>&lt;#&gt;</a:t>
+              <a:t>‹#›</a:t>
             </a:fld>
             <a:endParaRPr/>
           </a:p>
@@ -13184,13 +14243,6 @@
   <p:clrMapOvr>
     <a:masterClrMapping/>
   </p:clrMapOvr>
-  <p:timing>
-    <p:tnLst>
-      <p:par>
-        <p:cTn id="1" dur="indefinite" restart="never" nodeType="tmRoot"/>
-      </p:par>
-    </p:tnLst>
-  </p:timing>
 </p:sldLayout>
 </file>
 
@@ -14093,7 +15145,7 @@
                 </a:spcAft>
                 <a:buNone/>
               </a:pPr>
-              <a:t>&lt;#&gt;</a:t>
+              <a:t>‹#›</a:t>
             </a:fld>
             <a:endParaRPr/>
           </a:p>
@@ -14858,7 +15910,7 @@
                 </a:spcAft>
                 <a:buNone/>
               </a:pPr>
-              <a:t>&lt;#&gt;</a:t>
+              <a:t>‹#›</a:t>
             </a:fld>
             <a:endParaRPr/>
           </a:p>
@@ -16141,7 +17193,7 @@
                 </a:spcAft>
                 <a:buNone/>
               </a:pPr>
-              <a:t>&lt;#&gt;</a:t>
+              <a:t>‹#›</a:t>
             </a:fld>
             <a:endParaRPr/>
           </a:p>
@@ -16684,7 +17736,7 @@
                 </a:spcAft>
                 <a:buNone/>
               </a:pPr>
-              <a:t>&lt;#&gt;</a:t>
+              <a:t>‹#›</a:t>
             </a:fld>
             <a:endParaRPr/>
           </a:p>
@@ -17090,7 +18142,7 @@
                 </a:spcAft>
                 <a:buNone/>
               </a:pPr>
-              <a:t>&lt;#&gt;</a:t>
+              <a:t>‹#›</a:t>
             </a:fld>
             <a:endParaRPr/>
           </a:p>
@@ -18004,7 +19056,7 @@
                 </a:spcAft>
                 <a:buNone/>
               </a:pPr>
-              <a:t>&lt;#&gt;</a:t>
+              <a:t>‹#›</a:t>
             </a:fld>
             <a:endParaRPr/>
           </a:p>
@@ -18999,7 +20051,7 @@
                 </a:spcAft>
                 <a:buNone/>
               </a:pPr>
-              <a:t>&lt;#&gt;</a:t>
+              <a:t>‹#›</a:t>
             </a:fld>
             <a:endParaRPr/>
           </a:p>
@@ -20041,7 +21093,7 @@
                 </a:spcAft>
                 <a:buNone/>
               </a:pPr>
-              <a:t>&lt;#&gt;</a:t>
+              <a:t>‹#›</a:t>
             </a:fld>
             <a:endParaRPr/>
           </a:p>
@@ -20063,13 +21115,6 @@
     <p:sldLayoutId id="2147483657" r:id="rId10"/>
     <p:sldLayoutId id="2147483658" r:id="rId11"/>
   </p:sldLayoutIdLst>
-  <p:timing>
-    <p:tnLst>
-      <p:par>
-        <p:cTn id="1" dur="indefinite" restart="never" nodeType="tmRoot"/>
-      </p:par>
-    </p:tnLst>
-  </p:timing>
   <p:hf hdr="0" ftr="0" dt="0"/>
   <p:txStyles>
     <p:titleStyle>
@@ -20827,38 +21872,24 @@
               <a:buNone/>
             </a:pPr>
             <a:r>
-              <a:rPr lang="ja-JP" dirty="0" smtClean="0">
+              <a:rPr lang="ja-JP" dirty="0">
                 <a:latin typeface="+mj-ea"/>
                 <a:ea typeface="+mj-ea"/>
               </a:rPr>
               <a:t>ソフトウェア</a:t>
             </a:r>
-            <a:r>
-              <a:rPr lang="en-US" altLang="ja-JP" dirty="0" smtClean="0">
-                <a:latin typeface="+mj-ea"/>
-                <a:ea typeface="+mj-ea"/>
-              </a:rPr>
-              <a:t/>
-            </a:r>
             <a:br>
-              <a:rPr lang="en-US" altLang="ja-JP" dirty="0" smtClean="0">
+              <a:rPr lang="en-US" altLang="ja-JP" dirty="0">
                 <a:latin typeface="+mj-ea"/>
                 <a:ea typeface="+mj-ea"/>
               </a:rPr>
             </a:br>
             <a:r>
-              <a:rPr lang="ja-JP" dirty="0" smtClean="0">
-                <a:latin typeface="+mj-ea"/>
-                <a:ea typeface="+mj-ea"/>
-              </a:rPr>
-              <a:t>基礎</a:t>
-            </a:r>
-            <a:r>
               <a:rPr lang="ja-JP" dirty="0">
                 <a:latin typeface="+mj-ea"/>
                 <a:ea typeface="+mj-ea"/>
               </a:rPr>
-              <a:t>実験</a:t>
+              <a:t>基礎実験</a:t>
             </a:r>
             <a:endParaRPr dirty="0">
               <a:latin typeface="+mj-ea"/>
@@ -20917,42 +21948,28 @@
                 <a:latin typeface="+mn-ea"/>
                 <a:ea typeface="+mn-ea"/>
               </a:rPr>
-              <a:t>3班　</a:t>
+              <a:t>3班　J</a:t>
             </a:r>
             <a:r>
-              <a:rPr lang="ja-JP" dirty="0" smtClean="0">
-                <a:latin typeface="+mn-ea"/>
-                <a:ea typeface="+mn-ea"/>
-              </a:rPr>
-              <a:t>J</a:t>
-            </a:r>
-            <a:r>
-              <a:rPr lang="ja-JP" altLang="en-US" dirty="0" smtClean="0">
+              <a:rPr lang="ja-JP" altLang="en-US" dirty="0">
                 <a:latin typeface="+mn-ea"/>
                 <a:ea typeface="+mn-ea"/>
               </a:rPr>
               <a:t>班</a:t>
             </a:r>
             <a:r>
-              <a:rPr lang="en-US" altLang="ja-JP" dirty="0" smtClean="0">
+              <a:rPr lang="en-US" altLang="ja-JP" dirty="0">
                 <a:latin typeface="+mn-ea"/>
                 <a:ea typeface="+mn-ea"/>
               </a:rPr>
               <a:t>	</a:t>
             </a:r>
             <a:r>
-              <a:rPr lang="ja-JP" dirty="0" smtClean="0">
-                <a:latin typeface="+mn-ea"/>
-                <a:ea typeface="+mn-ea"/>
-              </a:rPr>
-              <a:t>20番</a:t>
-            </a:r>
-            <a:r>
               <a:rPr lang="ja-JP" dirty="0">
                 <a:latin typeface="+mn-ea"/>
                 <a:ea typeface="+mn-ea"/>
               </a:rPr>
-              <a:t>　高橋涼介</a:t>
+              <a:t>20番　高橋涼介</a:t>
             </a:r>
             <a:endParaRPr dirty="0">
               <a:latin typeface="+mn-ea"/>
@@ -20984,25 +22001,18 @@
               <a:t>　　　　　　</a:t>
             </a:r>
             <a:r>
-              <a:rPr lang="en-US" altLang="ja-JP" dirty="0" smtClean="0">
+              <a:rPr lang="en-US" altLang="ja-JP" dirty="0">
                 <a:latin typeface="+mn-ea"/>
                 <a:ea typeface="+mn-ea"/>
               </a:rPr>
               <a:t>	</a:t>
             </a:r>
             <a:r>
-              <a:rPr lang="ja-JP" dirty="0" smtClean="0">
-                <a:latin typeface="+mn-ea"/>
-                <a:ea typeface="+mn-ea"/>
-              </a:rPr>
-              <a:t>21番</a:t>
-            </a:r>
-            <a:r>
               <a:rPr lang="ja-JP" dirty="0">
                 <a:latin typeface="+mn-ea"/>
                 <a:ea typeface="+mn-ea"/>
               </a:rPr>
-              <a:t>　田村千津</a:t>
+              <a:t>21番　田村千津</a:t>
             </a:r>
             <a:endParaRPr dirty="0">
               <a:latin typeface="+mn-ea"/>
@@ -21034,30 +22044,70 @@
               <a:t>　　　　　</a:t>
             </a:r>
             <a:r>
-              <a:rPr lang="en-US" altLang="ja-JP" dirty="0" smtClean="0">
+              <a:rPr lang="en-US" altLang="ja-JP" dirty="0">
                 <a:latin typeface="+mn-ea"/>
                 <a:ea typeface="+mn-ea"/>
               </a:rPr>
               <a:t>	</a:t>
             </a:r>
             <a:r>
-              <a:rPr lang="ja-JP" dirty="0" smtClean="0">
-                <a:latin typeface="+mn-ea"/>
-                <a:ea typeface="+mn-ea"/>
-              </a:rPr>
-              <a:t>22番</a:t>
-            </a:r>
-            <a:r>
               <a:rPr lang="ja-JP" dirty="0">
                 <a:latin typeface="+mn-ea"/>
                 <a:ea typeface="+mn-ea"/>
               </a:rPr>
-              <a:t>　千葉圭祐</a:t>
+              <a:t>22番　千葉圭祐</a:t>
             </a:r>
             <a:endParaRPr dirty="0">
               <a:latin typeface="+mn-ea"/>
               <a:ea typeface="+mn-ea"/>
             </a:endParaRPr>
+          </a:p>
+        </p:txBody>
+      </p:sp>
+      <p:sp>
+        <p:nvSpPr>
+          <p:cNvPr id="2" name="スライド番号プレースホルダー 1">
+            <a:extLst>
+              <a:ext uri="{FF2B5EF4-FFF2-40B4-BE49-F238E27FC236}">
+                <a16:creationId xmlns:a16="http://schemas.microsoft.com/office/drawing/2014/main" id="{AD30DB93-31E8-4A95-AC1B-212273E0C74C}"/>
+              </a:ext>
+            </a:extLst>
+          </p:cNvPr>
+          <p:cNvSpPr>
+            <a:spLocks noGrp="1"/>
+          </p:cNvSpPr>
+          <p:nvPr>
+            <p:ph type="sldNum" idx="12"/>
+          </p:nvPr>
+        </p:nvSpPr>
+        <p:spPr/>
+        <p:txBody>
+          <a:bodyPr/>
+          <a:lstStyle/>
+          <a:p>
+            <a:pPr marL="0" lvl="0" indent="0" algn="r" rtl="0">
+              <a:spcBef>
+                <a:spcPts val="0"/>
+              </a:spcBef>
+              <a:spcAft>
+                <a:spcPts val="0"/>
+              </a:spcAft>
+              <a:buNone/>
+            </a:pPr>
+            <a:fld id="{00000000-1234-1234-1234-123412341234}" type="slidenum">
+              <a:rPr lang="en-US" altLang="ja-JP" smtClean="0"/>
+              <a:pPr marL="0" lvl="0" indent="0" algn="r" rtl="0">
+                <a:spcBef>
+                  <a:spcPts val="0"/>
+                </a:spcBef>
+                <a:spcAft>
+                  <a:spcPts val="0"/>
+                </a:spcAft>
+                <a:buNone/>
+              </a:pPr>
+              <a:t>1</a:t>
+            </a:fld>
+            <a:endParaRPr lang="en-US"/>
           </a:p>
         </p:txBody>
       </p:sp>
@@ -21265,13 +22315,6 @@
   <p:clrMapOvr>
     <a:masterClrMapping/>
   </p:clrMapOvr>
-  <p:timing>
-    <p:tnLst>
-      <p:par>
-        <p:cTn id="1" dur="indefinite" restart="never" nodeType="tmRoot"/>
-      </p:par>
-    </p:tnLst>
-  </p:timing>
 </p:sld>
 </file>
 
@@ -21496,13 +22539,6 @@
   <p:clrMapOvr>
     <a:masterClrMapping/>
   </p:clrMapOvr>
-  <p:timing>
-    <p:tnLst>
-      <p:par>
-        <p:cTn id="1" dur="indefinite" restart="never" nodeType="tmRoot"/>
-      </p:par>
-    </p:tnLst>
-  </p:timing>
 </p:sld>
 </file>
 
@@ -21649,7 +22685,7 @@
           <p:nvPr>
             <p:extLst>
               <p:ext uri="{D42A27DB-BD31-4B8C-83A1-F6EECF244321}">
-                <p14:modId xmlns="" xmlns:p14="http://schemas.microsoft.com/office/powerpoint/2010/main" val="160719230"/>
+                <p14:modId xmlns:p14="http://schemas.microsoft.com/office/powerpoint/2010/main" val="160719230"/>
               </p:ext>
             </p:extLst>
           </p:nvPr>
@@ -21671,7 +22707,7 @@
           <p:nvPr>
             <p:extLst>
               <p:ext uri="{D42A27DB-BD31-4B8C-83A1-F6EECF244321}">
-                <p14:modId xmlns="" xmlns:p14="http://schemas.microsoft.com/office/powerpoint/2010/main" val="592282748"/>
+                <p14:modId xmlns:p14="http://schemas.microsoft.com/office/powerpoint/2010/main" val="592282748"/>
               </p:ext>
             </p:extLst>
           </p:nvPr>
@@ -21691,13 +22727,6 @@
   <p:clrMapOvr>
     <a:masterClrMapping/>
   </p:clrMapOvr>
-  <p:timing>
-    <p:tnLst>
-      <p:par>
-        <p:cTn id="1" dur="indefinite" restart="never" nodeType="tmRoot"/>
-      </p:par>
-    </p:tnLst>
-  </p:timing>
 </p:sld>
 </file>
 
@@ -21897,13 +22926,6 @@
   <p:clrMapOvr>
     <a:masterClrMapping/>
   </p:clrMapOvr>
-  <p:timing>
-    <p:tnLst>
-      <p:par>
-        <p:cTn id="1" dur="indefinite" restart="never" nodeType="tmRoot"/>
-      </p:par>
-    </p:tnLst>
-  </p:timing>
 </p:sld>
 </file>
 
@@ -22109,13 +23131,6 @@
   <p:clrMapOvr>
     <a:masterClrMapping/>
   </p:clrMapOvr>
-  <p:timing>
-    <p:tnLst>
-      <p:par>
-        <p:cTn id="1" dur="indefinite" restart="never" nodeType="tmRoot"/>
-      </p:par>
-    </p:tnLst>
-  </p:timing>
 </p:sld>
 </file>
 
@@ -22262,7 +23277,7 @@
           <p:nvPr>
             <p:extLst>
               <p:ext uri="{D42A27DB-BD31-4B8C-83A1-F6EECF244321}">
-                <p14:modId xmlns="" xmlns:p14="http://schemas.microsoft.com/office/powerpoint/2010/main" val="1657351773"/>
+                <p14:modId xmlns:p14="http://schemas.microsoft.com/office/powerpoint/2010/main" val="1657351773"/>
               </p:ext>
             </p:extLst>
           </p:nvPr>
@@ -22284,7 +23299,7 @@
           <p:nvPr>
             <p:extLst>
               <p:ext uri="{D42A27DB-BD31-4B8C-83A1-F6EECF244321}">
-                <p14:modId xmlns="" xmlns:p14="http://schemas.microsoft.com/office/powerpoint/2010/main" val="890856753"/>
+                <p14:modId xmlns:p14="http://schemas.microsoft.com/office/powerpoint/2010/main" val="890856753"/>
               </p:ext>
             </p:extLst>
           </p:nvPr>
@@ -22304,13 +23319,6 @@
   <p:clrMapOvr>
     <a:masterClrMapping/>
   </p:clrMapOvr>
-  <p:timing>
-    <p:tnLst>
-      <p:par>
-        <p:cTn id="1" dur="indefinite" restart="never" nodeType="tmRoot"/>
-      </p:par>
-    </p:tnLst>
-  </p:timing>
 </p:sld>
 </file>
 
@@ -22447,42 +23455,7 @@
                 <a:cs typeface="MS PGothic"/>
                 <a:sym typeface="MS PGothic"/>
               </a:rPr>
-              <a:t>画像のエッジや輪郭を強調する</a:t>
-            </a:r>
-            <a:r>
-              <a:rPr lang="ja-JP" dirty="0" smtClean="0">
-                <a:latin typeface="MS PGothic"/>
-                <a:ea typeface="MS PGothic"/>
-                <a:cs typeface="MS PGothic"/>
-                <a:sym typeface="MS PGothic"/>
-              </a:rPr>
-              <a:t>フィルタ</a:t>
-            </a:r>
-            <a:r>
-              <a:rPr lang="en-US" altLang="ja-JP" dirty="0" smtClean="0">
-                <a:latin typeface="MS PGothic"/>
-                <a:ea typeface="MS PGothic"/>
-                <a:cs typeface="MS PGothic"/>
-                <a:sym typeface="MS PGothic"/>
-              </a:rPr>
-              <a:t/>
-            </a:r>
-            <a:br>
-              <a:rPr lang="en-US" altLang="ja-JP" dirty="0" smtClean="0">
-                <a:latin typeface="MS PGothic"/>
-                <a:ea typeface="MS PGothic"/>
-                <a:cs typeface="MS PGothic"/>
-                <a:sym typeface="MS PGothic"/>
-              </a:rPr>
-            </a:br>
-            <a:r>
-              <a:rPr lang="en-US" altLang="ja-JP" dirty="0">
-                <a:latin typeface="MS PGothic"/>
-                <a:ea typeface="MS PGothic"/>
-                <a:cs typeface="MS PGothic"/>
-                <a:sym typeface="MS PGothic"/>
-              </a:rPr>
-              <a:t/>
+              <a:t>画像のエッジや輪郭を強調するフィルタ</a:t>
             </a:r>
             <a:br>
               <a:rPr lang="en-US" altLang="ja-JP" dirty="0">
@@ -22492,15 +23465,14 @@
                 <a:sym typeface="MS PGothic"/>
               </a:rPr>
             </a:br>
-            <a:r>
-              <a:rPr lang="ja-JP" dirty="0">
+            <a:br>
+              <a:rPr lang="en-US" altLang="ja-JP" dirty="0">
                 <a:latin typeface="MS PGothic"/>
                 <a:ea typeface="MS PGothic"/>
                 <a:cs typeface="MS PGothic"/>
                 <a:sym typeface="MS PGothic"/>
               </a:rPr>
-              <a:t/>
-            </a:r>
+            </a:br>
             <a:br>
               <a:rPr lang="ja-JP" dirty="0">
                 <a:latin typeface="MS PGothic"/>
@@ -22509,15 +23481,6 @@
                 <a:sym typeface="MS PGothic"/>
               </a:rPr>
             </a:br>
-            <a:r>
-              <a:rPr lang="ja-JP" dirty="0">
-                <a:latin typeface="MS PGothic"/>
-                <a:ea typeface="MS PGothic"/>
-                <a:cs typeface="MS PGothic"/>
-                <a:sym typeface="MS PGothic"/>
-              </a:rPr>
-              <a:t/>
-            </a:r>
             <a:br>
               <a:rPr lang="ja-JP" dirty="0">
                 <a:latin typeface="MS PGothic"/>
@@ -22595,13 +23558,6 @@
   <p:clrMapOvr>
     <a:masterClrMapping/>
   </p:clrMapOvr>
-  <p:timing>
-    <p:tnLst>
-      <p:par>
-        <p:cTn id="1" dur="indefinite" restart="never" nodeType="tmRoot"/>
-      </p:par>
-    </p:tnLst>
-  </p:timing>
 </p:sld>
 </file>
 
@@ -22801,13 +23757,6 @@
   <p:clrMapOvr>
     <a:masterClrMapping/>
   </p:clrMapOvr>
-  <p:timing>
-    <p:tnLst>
-      <p:par>
-        <p:cTn id="1" dur="indefinite" restart="never" nodeType="tmRoot"/>
-      </p:par>
-    </p:tnLst>
-  </p:timing>
 </p:sld>
 </file>
 
@@ -23006,13 +23955,6 @@
   <p:clrMapOvr>
     <a:masterClrMapping/>
   </p:clrMapOvr>
-  <p:timing>
-    <p:tnLst>
-      <p:par>
-        <p:cTn id="1" dur="indefinite" restart="never" nodeType="tmRoot"/>
-      </p:par>
-    </p:tnLst>
-  </p:timing>
 </p:sld>
 </file>
 
@@ -23159,7 +24101,7 @@
           <p:nvPr>
             <p:extLst>
               <p:ext uri="{D42A27DB-BD31-4B8C-83A1-F6EECF244321}">
-                <p14:modId xmlns="" xmlns:p14="http://schemas.microsoft.com/office/powerpoint/2010/main" val="373251895"/>
+                <p14:modId xmlns:p14="http://schemas.microsoft.com/office/powerpoint/2010/main" val="373251895"/>
               </p:ext>
             </p:extLst>
           </p:nvPr>
@@ -23181,7 +24123,7 @@
           <p:nvPr>
             <p:extLst>
               <p:ext uri="{D42A27DB-BD31-4B8C-83A1-F6EECF244321}">
-                <p14:modId xmlns="" xmlns:p14="http://schemas.microsoft.com/office/powerpoint/2010/main" val="1681444403"/>
+                <p14:modId xmlns:p14="http://schemas.microsoft.com/office/powerpoint/2010/main" val="1681444403"/>
               </p:ext>
             </p:extLst>
           </p:nvPr>
@@ -23201,13 +24143,6 @@
   <p:clrMapOvr>
     <a:masterClrMapping/>
   </p:clrMapOvr>
-  <p:timing>
-    <p:tnLst>
-      <p:par>
-        <p:cTn id="1" dur="indefinite" restart="never" nodeType="tmRoot"/>
-      </p:par>
-    </p:tnLst>
-  </p:timing>
 </p:sld>
 </file>
 
@@ -23559,18 +24494,58 @@
           </a:p>
         </p:txBody>
       </p:sp>
+      <p:sp>
+        <p:nvSpPr>
+          <p:cNvPr id="2" name="スライド番号プレースホルダー 1">
+            <a:extLst>
+              <a:ext uri="{FF2B5EF4-FFF2-40B4-BE49-F238E27FC236}">
+                <a16:creationId xmlns:a16="http://schemas.microsoft.com/office/drawing/2014/main" id="{1B9E2C00-AD86-46DF-B086-2DFDCB9E2A90}"/>
+              </a:ext>
+            </a:extLst>
+          </p:cNvPr>
+          <p:cNvSpPr>
+            <a:spLocks noGrp="1"/>
+          </p:cNvSpPr>
+          <p:nvPr>
+            <p:ph type="sldNum" idx="12"/>
+          </p:nvPr>
+        </p:nvSpPr>
+        <p:spPr/>
+        <p:txBody>
+          <a:bodyPr/>
+          <a:lstStyle/>
+          <a:p>
+            <a:pPr marL="0" lvl="0" indent="0" algn="r" rtl="0">
+              <a:spcBef>
+                <a:spcPts val="0"/>
+              </a:spcBef>
+              <a:spcAft>
+                <a:spcPts val="0"/>
+              </a:spcAft>
+              <a:buNone/>
+            </a:pPr>
+            <a:fld id="{00000000-1234-1234-1234-123412341234}" type="slidenum">
+              <a:rPr lang="en-US" altLang="ja-JP" smtClean="0"/>
+              <a:pPr marL="0" lvl="0" indent="0" algn="r" rtl="0">
+                <a:spcBef>
+                  <a:spcPts val="0"/>
+                </a:spcBef>
+                <a:spcAft>
+                  <a:spcPts val="0"/>
+                </a:spcAft>
+                <a:buNone/>
+              </a:pPr>
+              <a:t>2</a:t>
+            </a:fld>
+            <a:endParaRPr lang="en-US"/>
+          </a:p>
+        </p:txBody>
+      </p:sp>
     </p:spTree>
   </p:cSld>
   <p:clrMapOvr>
     <a:masterClrMapping/>
   </p:clrMapOvr>
-  <p:timing>
-    <p:tnLst>
-      <p:par>
-        <p:cTn id="1" dur="indefinite" restart="never" nodeType="tmRoot"/>
-      </p:par>
-    </p:tnLst>
-  </p:timing>
 </p:sld>
 </file>
 
@@ -23624,39 +24599,11 @@
               <a:buSzPts val="4400"/>
             </a:pPr>
             <a:r>
-              <a:rPr kumimoji="1" lang="ja-JP" altLang="en-US" dirty="0" smtClean="0">
+              <a:rPr kumimoji="1" lang="ja-JP" altLang="en-US" dirty="0">
                 <a:latin typeface="+mj-ea"/>
                 <a:ea typeface="+mj-ea"/>
               </a:rPr>
-              <a:t>ラプラシアン</a:t>
-            </a:r>
-            <a:r>
-              <a:rPr kumimoji="1" lang="ja-JP" altLang="en-US" dirty="0" smtClean="0">
-                <a:latin typeface="+mj-ea"/>
-                <a:ea typeface="+mj-ea"/>
-              </a:rPr>
-              <a:t>と</a:t>
-            </a:r>
-            <a:r>
-              <a:rPr kumimoji="1" lang="ja-JP" altLang="en-US" dirty="0" smtClean="0">
-                <a:latin typeface="+mj-ea"/>
-                <a:ea typeface="+mj-ea"/>
-              </a:rPr>
-              <a:t>鮮鋭</a:t>
-            </a:r>
-            <a:r>
-              <a:rPr kumimoji="1" lang="ja-JP" altLang="en-US" dirty="0" smtClean="0">
-                <a:latin typeface="+mj-ea"/>
-                <a:ea typeface="+mj-ea"/>
-              </a:rPr>
-              <a:t>化</a:t>
-            </a:r>
-            <a:r>
-              <a:rPr kumimoji="1" lang="ja-JP" altLang="en-US" dirty="0" smtClean="0">
-                <a:latin typeface="+mj-ea"/>
-                <a:ea typeface="+mj-ea"/>
-              </a:rPr>
-              <a:t>比較</a:t>
+              <a:t>ラプラシアンと鮮鋭化比較</a:t>
             </a:r>
             <a:endParaRPr dirty="0">
               <a:latin typeface="+mj-ea"/>
@@ -23729,7 +24676,7 @@
           <p:nvPr>
             <p:extLst>
               <p:ext uri="{D42A27DB-BD31-4B8C-83A1-F6EECF244321}">
-                <p14:modId xmlns="" xmlns:p14="http://schemas.microsoft.com/office/powerpoint/2010/main" val="1402203137"/>
+                <p14:modId xmlns:p14="http://schemas.microsoft.com/office/powerpoint/2010/main" val="1402203137"/>
               </p:ext>
             </p:extLst>
           </p:nvPr>
@@ -23753,7 +24700,7 @@
           <p:nvPr>
             <p:extLst>
               <p:ext uri="{D42A27DB-BD31-4B8C-83A1-F6EECF244321}">
-                <p14:modId xmlns="" xmlns:p14="http://schemas.microsoft.com/office/powerpoint/2010/main" val="556686192"/>
+                <p14:modId xmlns:p14="http://schemas.microsoft.com/office/powerpoint/2010/main" val="556686192"/>
               </p:ext>
             </p:extLst>
           </p:nvPr>
@@ -23773,13 +24720,6 @@
   <p:clrMapOvr>
     <a:masterClrMapping/>
   </p:clrMapOvr>
-  <p:timing>
-    <p:tnLst>
-      <p:par>
-        <p:cTn id="1" dur="indefinite" restart="never" nodeType="tmRoot"/>
-      </p:par>
-    </p:tnLst>
-  </p:timing>
 </p:sld>
 </file>
 
@@ -23821,44 +24761,12 @@
           <a:lstStyle/>
           <a:p>
             <a:r>
-              <a:rPr kumimoji="1" lang="ja-JP" altLang="en-US" dirty="0" smtClean="0">
+              <a:rPr kumimoji="1" lang="ja-JP" altLang="en-US" dirty="0">
                 <a:latin typeface="+mj-ea"/>
                 <a:ea typeface="+mj-ea"/>
               </a:rPr>
-              <a:t>ラプラシアン</a:t>
+              <a:t>ラプラシアンと鮮鋭化比較</a:t>
             </a:r>
-            <a:r>
-              <a:rPr kumimoji="1" lang="ja-JP" altLang="en-US" dirty="0" smtClean="0">
-                <a:latin typeface="+mj-ea"/>
-                <a:ea typeface="+mj-ea"/>
-              </a:rPr>
-              <a:t>と</a:t>
-            </a:r>
-            <a:r>
-              <a:rPr kumimoji="1" lang="ja-JP" altLang="en-US" dirty="0" smtClean="0">
-                <a:latin typeface="+mj-ea"/>
-                <a:ea typeface="+mj-ea"/>
-              </a:rPr>
-              <a:t>鮮鋭</a:t>
-            </a:r>
-            <a:r>
-              <a:rPr kumimoji="1" lang="ja-JP" altLang="en-US" dirty="0" smtClean="0">
-                <a:latin typeface="+mj-ea"/>
-                <a:ea typeface="+mj-ea"/>
-              </a:rPr>
-              <a:t>化</a:t>
-            </a:r>
-            <a:r>
-              <a:rPr kumimoji="1" lang="ja-JP" altLang="en-US" dirty="0" smtClean="0">
-                <a:latin typeface="+mj-ea"/>
-                <a:ea typeface="+mj-ea"/>
-              </a:rPr>
-              <a:t>比較</a:t>
-            </a:r>
-            <a:endParaRPr kumimoji="1" lang="ja-JP" altLang="en-US" dirty="0">
-              <a:latin typeface="+mj-ea"/>
-              <a:ea typeface="+mj-ea"/>
-            </a:endParaRPr>
           </a:p>
         </p:txBody>
       </p:sp>
@@ -23910,7 +24818,7 @@
           <p:nvPr>
             <p:extLst>
               <p:ext uri="{D42A27DB-BD31-4B8C-83A1-F6EECF244321}">
-                <p14:modId xmlns="" xmlns:p14="http://schemas.microsoft.com/office/powerpoint/2010/main" val="1428061558"/>
+                <p14:modId xmlns:p14="http://schemas.microsoft.com/office/powerpoint/2010/main" val="1428061558"/>
               </p:ext>
             </p:extLst>
           </p:nvPr>
@@ -23932,7 +24840,7 @@
           <p:nvPr>
             <p:extLst>
               <p:ext uri="{D42A27DB-BD31-4B8C-83A1-F6EECF244321}">
-                <p14:modId xmlns="" xmlns:p14="http://schemas.microsoft.com/office/powerpoint/2010/main" val="1035266957"/>
+                <p14:modId xmlns:p14="http://schemas.microsoft.com/office/powerpoint/2010/main" val="1035266957"/>
               </p:ext>
             </p:extLst>
           </p:nvPr>
@@ -23952,13 +24860,6 @@
   <p:clrMapOvr>
     <a:masterClrMapping/>
   </p:clrMapOvr>
-  <p:timing>
-    <p:tnLst>
-      <p:par>
-        <p:cTn id="1" dur="indefinite" restart="never" nodeType="tmRoot"/>
-      </p:par>
-    </p:tnLst>
-  </p:timing>
 </p:sld>
 </file>
 
@@ -24078,18 +24979,11 @@
               <a:buSzPts val="2800"/>
             </a:pPr>
             <a:r>
-              <a:rPr lang="ja-JP" altLang="en-US" dirty="0" smtClean="0">
+              <a:rPr lang="ja-JP" altLang="en-US" dirty="0">
                 <a:latin typeface="+mn-ea"/>
                 <a:ea typeface="+mn-ea"/>
               </a:rPr>
               <a:t>端の部分の処理や、フィルタサイズの変更などの機能を実装することができなかった。</a:t>
-            </a:r>
-            <a:r>
-              <a:rPr lang="en-US" altLang="ja-JP" dirty="0">
-                <a:latin typeface="+mn-ea"/>
-                <a:ea typeface="+mn-ea"/>
-              </a:rPr>
-              <a:t/>
             </a:r>
             <a:br>
               <a:rPr lang="en-US" altLang="ja-JP" dirty="0">
@@ -24098,28 +24992,13 @@
               </a:rPr>
             </a:br>
             <a:r>
-              <a:rPr lang="ja-JP" altLang="en-US" dirty="0" smtClean="0">
+              <a:rPr lang="ja-JP" altLang="en-US" dirty="0">
                 <a:latin typeface="+mn-ea"/>
                 <a:ea typeface="+mn-ea"/>
               </a:rPr>
               <a:t>レポート提出までに未完成の部分を実装したい</a:t>
             </a:r>
-            <a:endParaRPr lang="en-US" altLang="ja-JP" dirty="0" smtClean="0">
-              <a:latin typeface="+mn-ea"/>
-              <a:ea typeface="+mn-ea"/>
-            </a:endParaRPr>
-          </a:p>
-          <a:p>
-            <a:pPr marL="635000" indent="-457200">
-              <a:lnSpc>
-                <a:spcPct val="100000"/>
-              </a:lnSpc>
-              <a:spcBef>
-                <a:spcPts val="0"/>
-              </a:spcBef>
-              <a:buSzPts val="2800"/>
-            </a:pPr>
-            <a:endParaRPr lang="en-US" altLang="ja-JP" dirty="0" smtClean="0">
+            <a:endParaRPr lang="en-US" altLang="ja-JP" dirty="0">
               <a:latin typeface="+mn-ea"/>
               <a:ea typeface="+mn-ea"/>
             </a:endParaRPr>
@@ -24149,10 +25028,72 @@
               </a:spcBef>
               <a:buSzPts val="2800"/>
             </a:pPr>
-            <a:endParaRPr lang="en-US" altLang="ja-JP" dirty="0" smtClean="0">
+            <a:endParaRPr lang="en-US" altLang="ja-JP" dirty="0">
               <a:latin typeface="+mn-ea"/>
               <a:ea typeface="+mn-ea"/>
             </a:endParaRPr>
+          </a:p>
+          <a:p>
+            <a:pPr marL="635000" indent="-457200">
+              <a:lnSpc>
+                <a:spcPct val="100000"/>
+              </a:lnSpc>
+              <a:spcBef>
+                <a:spcPts val="0"/>
+              </a:spcBef>
+              <a:buSzPts val="2800"/>
+            </a:pPr>
+            <a:endParaRPr lang="en-US" altLang="ja-JP" dirty="0">
+              <a:latin typeface="+mn-ea"/>
+              <a:ea typeface="+mn-ea"/>
+            </a:endParaRPr>
+          </a:p>
+        </p:txBody>
+      </p:sp>
+      <p:sp>
+        <p:nvSpPr>
+          <p:cNvPr id="2" name="スライド番号プレースホルダー 1">
+            <a:extLst>
+              <a:ext uri="{FF2B5EF4-FFF2-40B4-BE49-F238E27FC236}">
+                <a16:creationId xmlns:a16="http://schemas.microsoft.com/office/drawing/2014/main" id="{37F2D9D0-2DAA-41EB-B509-4B12A9E5041B}"/>
+              </a:ext>
+            </a:extLst>
+          </p:cNvPr>
+          <p:cNvSpPr>
+            <a:spLocks noGrp="1"/>
+          </p:cNvSpPr>
+          <p:nvPr>
+            <p:ph type="sldNum" idx="12"/>
+          </p:nvPr>
+        </p:nvSpPr>
+        <p:spPr/>
+        <p:txBody>
+          <a:bodyPr/>
+          <a:lstStyle/>
+          <a:p>
+            <a:pPr marL="0" lvl="0" indent="0" algn="r" rtl="0">
+              <a:spcBef>
+                <a:spcPts val="0"/>
+              </a:spcBef>
+              <a:spcAft>
+                <a:spcPts val="0"/>
+              </a:spcAft>
+              <a:buNone/>
+            </a:pPr>
+            <a:fld id="{00000000-1234-1234-1234-123412341234}" type="slidenum">
+              <a:rPr lang="en-US" altLang="ja-JP" smtClean="0"/>
+              <a:pPr marL="0" lvl="0" indent="0" algn="r" rtl="0">
+                <a:spcBef>
+                  <a:spcPts val="0"/>
+                </a:spcBef>
+                <a:spcAft>
+                  <a:spcPts val="0"/>
+                </a:spcAft>
+                <a:buNone/>
+              </a:pPr>
+              <a:t>22</a:t>
+            </a:fld>
+            <a:endParaRPr lang="en-US"/>
           </a:p>
         </p:txBody>
       </p:sp>
@@ -24161,13 +25102,6 @@
   <p:clrMapOvr>
     <a:masterClrMapping/>
   </p:clrMapOvr>
-  <p:timing>
-    <p:tnLst>
-      <p:par>
-        <p:cTn id="1" dur="indefinite" restart="never" nodeType="tmRoot"/>
-      </p:par>
-    </p:tnLst>
-  </p:timing>
 </p:sld>
 </file>
 
@@ -24356,21 +25290,7 @@
                 <a:latin typeface="+mn-ea"/>
                 <a:ea typeface="+mn-ea"/>
               </a:rPr>
-              <a:t>どのフィルタ処理を行うかは実行後</a:t>
-            </a:r>
-            <a:r>
-              <a:rPr lang="ja-JP" sz="2800" dirty="0" smtClean="0">
-                <a:latin typeface="+mn-ea"/>
-                <a:ea typeface="+mn-ea"/>
-              </a:rPr>
-              <a:t>に選択</a:t>
-            </a:r>
-            <a:r>
-              <a:rPr lang="ja-JP" sz="2800" dirty="0">
-                <a:latin typeface="+mn-ea"/>
-                <a:ea typeface="+mn-ea"/>
-              </a:rPr>
-              <a:t>できるようにする。</a:t>
+              <a:t>どのフィルタ処理を行うかは実行後に選択できるようにする。</a:t>
             </a:r>
             <a:endParaRPr sz="2800" dirty="0">
               <a:latin typeface="+mn-ea"/>
@@ -24399,21 +25319,20 @@
                 <a:latin typeface="+mn-ea"/>
                 <a:ea typeface="+mn-ea"/>
               </a:rPr>
-              <a:t>実装するフィルタの数、種類は</a:t>
+              <a:t>実装するフィルタの数、種類は、次ページの</a:t>
             </a:r>
-            <a:r>
-              <a:rPr lang="ja-JP" sz="2800" dirty="0" smtClean="0">
+            <a:br>
+              <a:rPr lang="en-US" altLang="ja-JP" sz="2800" dirty="0">
                 <a:latin typeface="+mn-ea"/>
                 <a:ea typeface="+mn-ea"/>
               </a:rPr>
-              <a:t>、次</a:t>
-            </a:r>
+            </a:br>
             <a:r>
               <a:rPr lang="ja-JP" sz="2800" dirty="0">
                 <a:latin typeface="+mn-ea"/>
                 <a:ea typeface="+mn-ea"/>
               </a:rPr>
-              <a:t>ページの考察課題を踏まえて決定する。</a:t>
+              <a:t>考察課題を踏まえて決定する。</a:t>
             </a:r>
             <a:endParaRPr sz="2800" dirty="0">
               <a:latin typeface="+mn-ea"/>
@@ -24442,21 +25361,7 @@
                 <a:latin typeface="+mn-ea"/>
                 <a:ea typeface="+mn-ea"/>
               </a:rPr>
-              <a:t>結果は、画面に表示する</a:t>
-            </a:r>
-            <a:r>
-              <a:rPr lang="ja-JP" sz="2800" dirty="0" smtClean="0">
-                <a:latin typeface="+mn-ea"/>
-                <a:ea typeface="+mn-ea"/>
-              </a:rPr>
-              <a:t>かファイルに保存</a:t>
-            </a:r>
-            <a:r>
-              <a:rPr lang="ja-JP" sz="2800" dirty="0">
-                <a:latin typeface="+mn-ea"/>
-                <a:ea typeface="+mn-ea"/>
-              </a:rPr>
-              <a:t>するか選択できるようにする。</a:t>
+              <a:t>結果は、画面に表示するかファイルに保存するか選択できるようにする。</a:t>
             </a:r>
             <a:endParaRPr sz="2800" dirty="0">
               <a:latin typeface="+mn-ea"/>
@@ -24465,18 +25370,58 @@
           </a:p>
         </p:txBody>
       </p:sp>
+      <p:sp>
+        <p:nvSpPr>
+          <p:cNvPr id="2" name="スライド番号プレースホルダー 1">
+            <a:extLst>
+              <a:ext uri="{FF2B5EF4-FFF2-40B4-BE49-F238E27FC236}">
+                <a16:creationId xmlns:a16="http://schemas.microsoft.com/office/drawing/2014/main" id="{76AF289B-C377-4F9A-B2E8-F92C531004E2}"/>
+              </a:ext>
+            </a:extLst>
+          </p:cNvPr>
+          <p:cNvSpPr>
+            <a:spLocks noGrp="1"/>
+          </p:cNvSpPr>
+          <p:nvPr>
+            <p:ph type="sldNum" idx="12"/>
+          </p:nvPr>
+        </p:nvSpPr>
+        <p:spPr/>
+        <p:txBody>
+          <a:bodyPr/>
+          <a:lstStyle/>
+          <a:p>
+            <a:pPr marL="0" lvl="0" indent="0" algn="r" rtl="0">
+              <a:spcBef>
+                <a:spcPts val="0"/>
+              </a:spcBef>
+              <a:spcAft>
+                <a:spcPts val="0"/>
+              </a:spcAft>
+              <a:buNone/>
+            </a:pPr>
+            <a:fld id="{00000000-1234-1234-1234-123412341234}" type="slidenum">
+              <a:rPr lang="en-US" altLang="ja-JP" smtClean="0"/>
+              <a:pPr marL="0" lvl="0" indent="0" algn="r" rtl="0">
+                <a:spcBef>
+                  <a:spcPts val="0"/>
+                </a:spcBef>
+                <a:spcAft>
+                  <a:spcPts val="0"/>
+                </a:spcAft>
+                <a:buNone/>
+              </a:pPr>
+              <a:t>3</a:t>
+            </a:fld>
+            <a:endParaRPr lang="en-US"/>
+          </a:p>
+        </p:txBody>
+      </p:sp>
     </p:spTree>
   </p:cSld>
   <p:clrMapOvr>
     <a:masterClrMapping/>
   </p:clrMapOvr>
-  <p:timing>
-    <p:tnLst>
-      <p:par>
-        <p:cTn id="1" dur="indefinite" restart="never" nodeType="tmRoot"/>
-      </p:par>
-    </p:tnLst>
-  </p:timing>
 </p:sld>
 </file>
 
@@ -24519,16 +25464,12 @@
           <a:p>
             <a:pPr lvl="0"/>
             <a:r>
-              <a:rPr lang="ja-JP" altLang="en-US" dirty="0" smtClean="0">
+              <a:rPr lang="ja-JP" altLang="en-US" dirty="0">
                 <a:latin typeface="+mj-ea"/>
                 <a:ea typeface="+mj-ea"/>
               </a:rPr>
               <a:t>課題概要</a:t>
             </a:r>
-            <a:endParaRPr lang="ja-JP" altLang="en-US" dirty="0">
-              <a:latin typeface="+mj-ea"/>
-              <a:ea typeface="+mj-ea"/>
-            </a:endParaRPr>
           </a:p>
         </p:txBody>
       </p:sp>
@@ -24553,11 +25494,24 @@
               </a:lnSpc>
             </a:pPr>
             <a:r>
-              <a:rPr lang="ja-JP" altLang="en-US" dirty="0" smtClean="0">
+              <a:rPr lang="ja-JP" altLang="en-US" dirty="0">
                 <a:latin typeface="+mn-ea"/>
                 <a:ea typeface="+mn-ea"/>
               </a:rPr>
-              <a:t>平滑化フィルタ、微分フィルタ、鮮鋭化フィルタについて、講義で学習したそれぞれの処理方法、または異なる重み係数行列を用いた場合について処理結果の違いを比較・検討・考察せよ。</a:t>
+              <a:t>平滑化フィルタ、微分フィルタ、鮮鋭化フィルタについて、講義で学習したそれぞれの処理方法、または異なる重み係数行列を用いた場合に</a:t>
+            </a:r>
+            <a:br>
+              <a:rPr lang="en-US" altLang="ja-JP" dirty="0">
+                <a:latin typeface="+mn-ea"/>
+                <a:ea typeface="+mn-ea"/>
+              </a:rPr>
+            </a:br>
+            <a:r>
+              <a:rPr lang="ja-JP" altLang="en-US" dirty="0">
+                <a:latin typeface="+mn-ea"/>
+                <a:ea typeface="+mn-ea"/>
+              </a:rPr>
+              <a:t>ついて処理結果の違いを比較・検討・考察せよ。</a:t>
             </a:r>
           </a:p>
           <a:p>
@@ -24566,18 +25520,58 @@
           </a:p>
         </p:txBody>
       </p:sp>
+      <p:sp>
+        <p:nvSpPr>
+          <p:cNvPr id="2" name="スライド番号プレースホルダー 1">
+            <a:extLst>
+              <a:ext uri="{FF2B5EF4-FFF2-40B4-BE49-F238E27FC236}">
+                <a16:creationId xmlns:a16="http://schemas.microsoft.com/office/drawing/2014/main" id="{F63289F1-3D75-4097-BA0F-C11233735730}"/>
+              </a:ext>
+            </a:extLst>
+          </p:cNvPr>
+          <p:cNvSpPr>
+            <a:spLocks noGrp="1"/>
+          </p:cNvSpPr>
+          <p:nvPr>
+            <p:ph type="sldNum" idx="12"/>
+          </p:nvPr>
+        </p:nvSpPr>
+        <p:spPr/>
+        <p:txBody>
+          <a:bodyPr/>
+          <a:lstStyle/>
+          <a:p>
+            <a:pPr marL="0" lvl="0" indent="0" algn="r" rtl="0">
+              <a:spcBef>
+                <a:spcPts val="0"/>
+              </a:spcBef>
+              <a:spcAft>
+                <a:spcPts val="0"/>
+              </a:spcAft>
+              <a:buNone/>
+            </a:pPr>
+            <a:fld id="{00000000-1234-1234-1234-123412341234}" type="slidenum">
+              <a:rPr lang="en-US" altLang="ja-JP" smtClean="0"/>
+              <a:pPr marL="0" lvl="0" indent="0" algn="r" rtl="0">
+                <a:spcBef>
+                  <a:spcPts val="0"/>
+                </a:spcBef>
+                <a:spcAft>
+                  <a:spcPts val="0"/>
+                </a:spcAft>
+                <a:buNone/>
+              </a:pPr>
+              <a:t>4</a:t>
+            </a:fld>
+            <a:endParaRPr lang="en-US"/>
+          </a:p>
+        </p:txBody>
+      </p:sp>
     </p:spTree>
   </p:cSld>
   <p:clrMapOvr>
     <a:masterClrMapping/>
   </p:clrMapOvr>
-  <p:timing>
-    <p:tnLst>
-      <p:par>
-        <p:cTn id="1" dur="indefinite" restart="never" nodeType="tmRoot"/>
-      </p:par>
-    </p:tnLst>
-  </p:timing>
 </p:sld>
 </file>
 
@@ -24725,7 +25719,7 @@
               </a:rPr>
             </a:br>
             <a:r>
-              <a:rPr lang="ja-JP" dirty="0" smtClean="0">
+              <a:rPr lang="ja-JP" dirty="0">
                 <a:latin typeface="MS PGothic"/>
                 <a:ea typeface="MS PGothic"/>
                 <a:cs typeface="MS PGothic"/>
@@ -24734,7 +25728,7 @@
               <a:t>→</a:t>
             </a:r>
             <a:r>
-              <a:rPr lang="en-US" altLang="ja-JP" dirty="0" smtClean="0">
+              <a:rPr lang="en-US" altLang="ja-JP" dirty="0">
                 <a:latin typeface="MS PGothic"/>
                 <a:ea typeface="MS PGothic"/>
                 <a:cs typeface="MS PGothic"/>
@@ -24743,33 +25737,15 @@
               <a:t>	</a:t>
             </a:r>
             <a:r>
-              <a:rPr lang="ja-JP" dirty="0" smtClean="0">
-                <a:latin typeface="MS PGothic"/>
-                <a:ea typeface="MS PGothic"/>
-                <a:cs typeface="MS PGothic"/>
-                <a:sym typeface="MS PGothic"/>
-              </a:rPr>
-              <a:t>平均値</a:t>
-            </a:r>
-            <a:r>
               <a:rPr lang="ja-JP" dirty="0">
                 <a:latin typeface="MS PGothic"/>
                 <a:ea typeface="MS PGothic"/>
                 <a:cs typeface="MS PGothic"/>
                 <a:sym typeface="MS PGothic"/>
               </a:rPr>
-              <a:t>フィルタ、局所加重平均フィルタ</a:t>
+              <a:t>平均値フィルタ、局所加重平均フィルタ、</a:t>
             </a:r>
-            <a:r>
-              <a:rPr lang="ja-JP" dirty="0" smtClean="0">
-                <a:latin typeface="MS PGothic"/>
-                <a:ea typeface="MS PGothic"/>
-                <a:cs typeface="MS PGothic"/>
-                <a:sym typeface="MS PGothic"/>
-              </a:rPr>
-              <a:t>、</a:t>
-            </a:r>
-            <a:endParaRPr lang="en-US" altLang="ja-JP" dirty="0" smtClean="0">
+            <a:endParaRPr lang="en-US" altLang="ja-JP" dirty="0">
               <a:latin typeface="MS PGothic"/>
               <a:ea typeface="MS PGothic"/>
               <a:cs typeface="MS PGothic"/>
@@ -24794,7 +25770,7 @@
               <a:buNone/>
             </a:pPr>
             <a:r>
-              <a:rPr lang="en-US" altLang="ja-JP" dirty="0" smtClean="0">
+              <a:rPr lang="en-US" altLang="ja-JP" dirty="0">
                 <a:latin typeface="MS PGothic"/>
                 <a:ea typeface="MS PGothic"/>
                 <a:cs typeface="MS PGothic"/>
@@ -24803,22 +25779,13 @@
               <a:t>		</a:t>
             </a:r>
             <a:r>
-              <a:rPr lang="ja-JP" dirty="0" smtClean="0">
-                <a:latin typeface="MS PGothic"/>
-                <a:ea typeface="MS PGothic"/>
-                <a:cs typeface="MS PGothic"/>
-                <a:sym typeface="MS PGothic"/>
-              </a:rPr>
-              <a:t>メディアンフィルタ</a:t>
-            </a:r>
-            <a:r>
               <a:rPr lang="ja-JP" dirty="0">
                 <a:latin typeface="MS PGothic"/>
                 <a:ea typeface="MS PGothic"/>
                 <a:cs typeface="MS PGothic"/>
                 <a:sym typeface="MS PGothic"/>
               </a:rPr>
-              <a:t>など</a:t>
+              <a:t>メディアンフィルタなど</a:t>
             </a:r>
             <a:br>
               <a:rPr lang="ja-JP" dirty="0">
@@ -24828,15 +25795,6 @@
                 <a:sym typeface="MS PGothic"/>
               </a:rPr>
             </a:br>
-            <a:r>
-              <a:rPr lang="ja-JP" dirty="0">
-                <a:latin typeface="MS PGothic"/>
-                <a:ea typeface="MS PGothic"/>
-                <a:cs typeface="MS PGothic"/>
-                <a:sym typeface="MS PGothic"/>
-              </a:rPr>
-              <a:t/>
-            </a:r>
             <a:br>
               <a:rPr lang="ja-JP" dirty="0">
                 <a:latin typeface="MS PGothic"/>
@@ -24942,13 +25900,6 @@
   <p:clrMapOvr>
     <a:masterClrMapping/>
   </p:clrMapOvr>
-  <p:timing>
-    <p:tnLst>
-      <p:par>
-        <p:cTn id="1" dur="indefinite" restart="never" nodeType="tmRoot"/>
-      </p:par>
-    </p:tnLst>
-  </p:timing>
 </p:sld>
 </file>
 
@@ -25174,13 +26125,6 @@
   <p:clrMapOvr>
     <a:masterClrMapping/>
   </p:clrMapOvr>
-  <p:timing>
-    <p:tnLst>
-      <p:par>
-        <p:cTn id="1" dur="indefinite" restart="never" nodeType="tmRoot"/>
-      </p:par>
-    </p:tnLst>
-  </p:timing>
 </p:sld>
 </file>
 
@@ -25405,13 +26349,6 @@
   <p:clrMapOvr>
     <a:masterClrMapping/>
   </p:clrMapOvr>
-  <p:timing>
-    <p:tnLst>
-      <p:par>
-        <p:cTn id="1" dur="indefinite" restart="never" nodeType="tmRoot"/>
-      </p:par>
-    </p:tnLst>
-  </p:timing>
 </p:sld>
 </file>
 
@@ -25545,7 +26482,7 @@
           <p:nvPr>
             <p:extLst>
               <p:ext uri="{D42A27DB-BD31-4B8C-83A1-F6EECF244321}">
-                <p14:modId xmlns="" xmlns:p14="http://schemas.microsoft.com/office/powerpoint/2010/main" val="922535448"/>
+                <p14:modId xmlns:p14="http://schemas.microsoft.com/office/powerpoint/2010/main" val="922535448"/>
               </p:ext>
             </p:extLst>
           </p:nvPr>
@@ -25567,7 +26504,7 @@
           <p:nvPr>
             <p:extLst>
               <p:ext uri="{D42A27DB-BD31-4B8C-83A1-F6EECF244321}">
-                <p14:modId xmlns="" xmlns:p14="http://schemas.microsoft.com/office/powerpoint/2010/main" val="1829283508"/>
+                <p14:modId xmlns:p14="http://schemas.microsoft.com/office/powerpoint/2010/main" val="1829283508"/>
               </p:ext>
             </p:extLst>
           </p:nvPr>
@@ -25587,13 +26524,6 @@
   <p:clrMapOvr>
     <a:masterClrMapping/>
   </p:clrMapOvr>
-  <p:timing>
-    <p:tnLst>
-      <p:par>
-        <p:cTn id="1" dur="indefinite" restart="never" nodeType="tmRoot"/>
-      </p:par>
-    </p:tnLst>
-  </p:timing>
 </p:sld>
 </file>
 
@@ -25730,28 +26660,10 @@
                 <a:cs typeface="MS PGothic"/>
                 <a:sym typeface="MS PGothic"/>
               </a:rPr>
-              <a:t>輪郭線や濃度が急激に変化するエッジ部など</a:t>
-            </a:r>
-            <a:r>
-              <a:rPr lang="ja-JP" dirty="0" smtClean="0">
-                <a:latin typeface="MS PGothic"/>
-                <a:ea typeface="MS PGothic"/>
-                <a:cs typeface="MS PGothic"/>
-                <a:sym typeface="MS PGothic"/>
-              </a:rPr>
-              <a:t>を</a:t>
-            </a:r>
-            <a:r>
-              <a:rPr lang="en-US" altLang="ja-JP" dirty="0" smtClean="0">
-                <a:latin typeface="MS PGothic"/>
-                <a:ea typeface="MS PGothic"/>
-                <a:cs typeface="MS PGothic"/>
-                <a:sym typeface="MS PGothic"/>
-              </a:rPr>
-              <a:t/>
+              <a:t>輪郭線や濃度が急激に変化するエッジ部などを</a:t>
             </a:r>
             <a:br>
-              <a:rPr lang="en-US" altLang="ja-JP" dirty="0" smtClean="0">
+              <a:rPr lang="en-US" altLang="ja-JP" dirty="0">
                 <a:latin typeface="MS PGothic"/>
                 <a:ea typeface="MS PGothic"/>
                 <a:cs typeface="MS PGothic"/>
@@ -25759,43 +26671,24 @@
               </a:rPr>
             </a:br>
             <a:r>
-              <a:rPr lang="ja-JP" dirty="0" smtClean="0">
-                <a:latin typeface="MS PGothic"/>
-                <a:ea typeface="MS PGothic"/>
-                <a:cs typeface="MS PGothic"/>
-                <a:sym typeface="MS PGothic"/>
-              </a:rPr>
-              <a:t>強調</a:t>
-            </a:r>
-            <a:r>
               <a:rPr lang="ja-JP" dirty="0">
                 <a:latin typeface="MS PGothic"/>
                 <a:ea typeface="MS PGothic"/>
                 <a:cs typeface="MS PGothic"/>
                 <a:sym typeface="MS PGothic"/>
               </a:rPr>
-              <a:t>する</a:t>
+              <a:t>強調するフィルタ</a:t>
             </a:r>
-            <a:r>
-              <a:rPr lang="ja-JP" dirty="0" smtClean="0">
+            <a:br>
+              <a:rPr lang="en-US" altLang="ja-JP" dirty="0">
                 <a:latin typeface="MS PGothic"/>
                 <a:ea typeface="MS PGothic"/>
                 <a:cs typeface="MS PGothic"/>
                 <a:sym typeface="MS PGothic"/>
               </a:rPr>
-              <a:t>フィルタ</a:t>
-            </a:r>
-            <a:r>
-              <a:rPr lang="en-US" altLang="ja-JP" dirty="0" smtClean="0">
-                <a:latin typeface="MS PGothic"/>
-                <a:ea typeface="MS PGothic"/>
-                <a:cs typeface="MS PGothic"/>
-                <a:sym typeface="MS PGothic"/>
-              </a:rPr>
-              <a:t/>
-            </a:r>
+            </a:br>
             <a:br>
-              <a:rPr lang="en-US" altLang="ja-JP" dirty="0" smtClean="0">
+              <a:rPr lang="en-US" altLang="ja-JP" dirty="0">
                 <a:latin typeface="MS PGothic"/>
                 <a:ea typeface="MS PGothic"/>
                 <a:cs typeface="MS PGothic"/>
@@ -25803,24 +26696,7 @@
               </a:rPr>
             </a:br>
             <a:r>
-              <a:rPr lang="en-US" altLang="ja-JP" dirty="0" smtClean="0">
-                <a:latin typeface="MS PGothic"/>
-                <a:ea typeface="MS PGothic"/>
-                <a:cs typeface="MS PGothic"/>
-                <a:sym typeface="MS PGothic"/>
-              </a:rPr>
-              <a:t/>
-            </a:r>
-            <a:br>
-              <a:rPr lang="en-US" altLang="ja-JP" dirty="0" smtClean="0">
-                <a:latin typeface="MS PGothic"/>
-                <a:ea typeface="MS PGothic"/>
-                <a:cs typeface="MS PGothic"/>
-                <a:sym typeface="MS PGothic"/>
-              </a:rPr>
-            </a:br>
-            <a:r>
-              <a:rPr lang="ja-JP" altLang="en-US" dirty="0" smtClean="0">
+              <a:rPr lang="ja-JP" altLang="en-US" dirty="0">
                 <a:latin typeface="MS PGothic"/>
                 <a:ea typeface="MS PGothic"/>
                 <a:cs typeface="MS PGothic"/>
@@ -25829,7 +26705,7 @@
               <a:t>今回はラプラシアンフィルタ、</a:t>
             </a:r>
             <a:r>
-              <a:rPr lang="en-US" altLang="ja-JP" dirty="0" smtClean="0">
+              <a:rPr lang="en-US" altLang="ja-JP" dirty="0">
                 <a:latin typeface="MS PGothic"/>
                 <a:ea typeface="MS PGothic"/>
                 <a:cs typeface="MS PGothic"/>
@@ -25838,22 +26714,13 @@
               <a:t>Prewitt</a:t>
             </a:r>
             <a:r>
-              <a:rPr lang="ja-JP" altLang="en-US" dirty="0" smtClean="0">
+              <a:rPr lang="ja-JP" altLang="en-US" dirty="0">
                 <a:latin typeface="MS PGothic"/>
                 <a:ea typeface="MS PGothic"/>
                 <a:cs typeface="MS PGothic"/>
                 <a:sym typeface="MS PGothic"/>
               </a:rPr>
               <a:t>のオペレータを使用</a:t>
-            </a:r>
-            <a:r>
-              <a:rPr lang="ja-JP" dirty="0">
-                <a:latin typeface="MS PGothic"/>
-                <a:ea typeface="MS PGothic"/>
-                <a:cs typeface="MS PGothic"/>
-                <a:sym typeface="MS PGothic"/>
-              </a:rPr>
-              <a:t/>
             </a:r>
             <a:br>
               <a:rPr lang="ja-JP" dirty="0">
@@ -25932,13 +26799,6 @@
   <p:clrMapOvr>
     <a:masterClrMapping/>
   </p:clrMapOvr>
-  <p:timing>
-    <p:tnLst>
-      <p:par>
-        <p:cTn id="1" dur="indefinite" restart="never" nodeType="tmRoot"/>
-      </p:par>
-    </p:tnLst>
-  </p:timing>
 </p:sld>
 </file>
 

--- a/exp_c/slide/exp_C_refine.pptx
+++ b/exp_c/slide/exp_C_refine.pptx
@@ -929,1264 +929,6 @@
   </mc:AlternateContent>
   <c:chart>
     <c:autoTitleDeleted val="0"/>
-    <c:plotArea>
-      <c:layout/>
-      <c:lineChart>
-        <c:grouping val="standard"/>
-        <c:varyColors val="0"/>
-        <c:ser>
-          <c:idx val="0"/>
-          <c:order val="0"/>
-          <c:marker>
-            <c:symbol val="none"/>
-          </c:marker>
-          <c:val>
-            <c:numRef>
-              <c:f>Sheet1!$A$61:$J$61</c:f>
-              <c:numCache>
-                <c:formatCode>General</c:formatCode>
-                <c:ptCount val="10"/>
-                <c:pt idx="0">
-                  <c:v>0</c:v>
-                </c:pt>
-                <c:pt idx="1">
-                  <c:v>0</c:v>
-                </c:pt>
-                <c:pt idx="2">
-                  <c:v>0</c:v>
-                </c:pt>
-                <c:pt idx="3">
-                  <c:v>0</c:v>
-                </c:pt>
-                <c:pt idx="4">
-                  <c:v>0</c:v>
-                </c:pt>
-                <c:pt idx="5">
-                  <c:v>0</c:v>
-                </c:pt>
-                <c:pt idx="6">
-                  <c:v>0</c:v>
-                </c:pt>
-                <c:pt idx="7">
-                  <c:v>0</c:v>
-                </c:pt>
-                <c:pt idx="8">
-                  <c:v>0</c:v>
-                </c:pt>
-                <c:pt idx="9">
-                  <c:v>0</c:v>
-                </c:pt>
-              </c:numCache>
-            </c:numRef>
-          </c:val>
-          <c:smooth val="0"/>
-          <c:extLst>
-            <c:ext xmlns:c16="http://schemas.microsoft.com/office/drawing/2014/chart" uri="{C3380CC4-5D6E-409C-BE32-E72D297353CC}">
-              <c16:uniqueId val="{00000000-B964-49AC-A35A-934090267A82}"/>
-            </c:ext>
-          </c:extLst>
-        </c:ser>
-        <c:ser>
-          <c:idx val="1"/>
-          <c:order val="1"/>
-          <c:marker>
-            <c:symbol val="none"/>
-          </c:marker>
-          <c:val>
-            <c:numRef>
-              <c:f>Sheet1!$A$62:$J$62</c:f>
-              <c:numCache>
-                <c:formatCode>General</c:formatCode>
-                <c:ptCount val="10"/>
-                <c:pt idx="0">
-                  <c:v>0</c:v>
-                </c:pt>
-                <c:pt idx="1">
-                  <c:v>170</c:v>
-                </c:pt>
-                <c:pt idx="2">
-                  <c:v>170</c:v>
-                </c:pt>
-                <c:pt idx="3">
-                  <c:v>170</c:v>
-                </c:pt>
-                <c:pt idx="4">
-                  <c:v>170</c:v>
-                </c:pt>
-                <c:pt idx="5">
-                  <c:v>170</c:v>
-                </c:pt>
-                <c:pt idx="6">
-                  <c:v>170</c:v>
-                </c:pt>
-                <c:pt idx="7">
-                  <c:v>170</c:v>
-                </c:pt>
-                <c:pt idx="8">
-                  <c:v>170</c:v>
-                </c:pt>
-                <c:pt idx="9">
-                  <c:v>0</c:v>
-                </c:pt>
-              </c:numCache>
-            </c:numRef>
-          </c:val>
-          <c:smooth val="0"/>
-          <c:extLst>
-            <c:ext xmlns:c16="http://schemas.microsoft.com/office/drawing/2014/chart" uri="{C3380CC4-5D6E-409C-BE32-E72D297353CC}">
-              <c16:uniqueId val="{00000001-B964-49AC-A35A-934090267A82}"/>
-            </c:ext>
-          </c:extLst>
-        </c:ser>
-        <c:ser>
-          <c:idx val="2"/>
-          <c:order val="2"/>
-          <c:marker>
-            <c:symbol val="none"/>
-          </c:marker>
-          <c:val>
-            <c:numRef>
-              <c:f>Sheet1!$A$63:$J$63</c:f>
-              <c:numCache>
-                <c:formatCode>General</c:formatCode>
-                <c:ptCount val="10"/>
-                <c:pt idx="0">
-                  <c:v>0</c:v>
-                </c:pt>
-                <c:pt idx="1">
-                  <c:v>170</c:v>
-                </c:pt>
-                <c:pt idx="2">
-                  <c:v>170</c:v>
-                </c:pt>
-                <c:pt idx="3">
-                  <c:v>170</c:v>
-                </c:pt>
-                <c:pt idx="4">
-                  <c:v>170</c:v>
-                </c:pt>
-                <c:pt idx="5">
-                  <c:v>170</c:v>
-                </c:pt>
-                <c:pt idx="6">
-                  <c:v>170</c:v>
-                </c:pt>
-                <c:pt idx="7">
-                  <c:v>170</c:v>
-                </c:pt>
-                <c:pt idx="8">
-                  <c:v>170</c:v>
-                </c:pt>
-                <c:pt idx="9">
-                  <c:v>0</c:v>
-                </c:pt>
-              </c:numCache>
-            </c:numRef>
-          </c:val>
-          <c:smooth val="0"/>
-          <c:extLst>
-            <c:ext xmlns:c16="http://schemas.microsoft.com/office/drawing/2014/chart" uri="{C3380CC4-5D6E-409C-BE32-E72D297353CC}">
-              <c16:uniqueId val="{00000002-B964-49AC-A35A-934090267A82}"/>
-            </c:ext>
-          </c:extLst>
-        </c:ser>
-        <c:ser>
-          <c:idx val="3"/>
-          <c:order val="3"/>
-          <c:marker>
-            <c:symbol val="none"/>
-          </c:marker>
-          <c:val>
-            <c:numRef>
-              <c:f>Sheet1!$A$64:$J$64</c:f>
-              <c:numCache>
-                <c:formatCode>General</c:formatCode>
-                <c:ptCount val="10"/>
-                <c:pt idx="0">
-                  <c:v>0</c:v>
-                </c:pt>
-                <c:pt idx="1">
-                  <c:v>170</c:v>
-                </c:pt>
-                <c:pt idx="2">
-                  <c:v>170</c:v>
-                </c:pt>
-                <c:pt idx="3">
-                  <c:v>170</c:v>
-                </c:pt>
-                <c:pt idx="4">
-                  <c:v>255</c:v>
-                </c:pt>
-                <c:pt idx="5">
-                  <c:v>255</c:v>
-                </c:pt>
-                <c:pt idx="6">
-                  <c:v>170</c:v>
-                </c:pt>
-                <c:pt idx="7">
-                  <c:v>170</c:v>
-                </c:pt>
-                <c:pt idx="8">
-                  <c:v>170</c:v>
-                </c:pt>
-                <c:pt idx="9">
-                  <c:v>0</c:v>
-                </c:pt>
-              </c:numCache>
-            </c:numRef>
-          </c:val>
-          <c:smooth val="0"/>
-          <c:extLst>
-            <c:ext xmlns:c16="http://schemas.microsoft.com/office/drawing/2014/chart" uri="{C3380CC4-5D6E-409C-BE32-E72D297353CC}">
-              <c16:uniqueId val="{00000003-B964-49AC-A35A-934090267A82}"/>
-            </c:ext>
-          </c:extLst>
-        </c:ser>
-        <c:ser>
-          <c:idx val="4"/>
-          <c:order val="4"/>
-          <c:marker>
-            <c:symbol val="none"/>
-          </c:marker>
-          <c:val>
-            <c:numRef>
-              <c:f>Sheet1!$A$65:$J$65</c:f>
-              <c:numCache>
-                <c:formatCode>General</c:formatCode>
-                <c:ptCount val="10"/>
-                <c:pt idx="0">
-                  <c:v>0</c:v>
-                </c:pt>
-                <c:pt idx="1">
-                  <c:v>170</c:v>
-                </c:pt>
-                <c:pt idx="2">
-                  <c:v>170</c:v>
-                </c:pt>
-                <c:pt idx="3">
-                  <c:v>255</c:v>
-                </c:pt>
-                <c:pt idx="4">
-                  <c:v>0</c:v>
-                </c:pt>
-                <c:pt idx="5">
-                  <c:v>0</c:v>
-                </c:pt>
-                <c:pt idx="6">
-                  <c:v>255</c:v>
-                </c:pt>
-                <c:pt idx="7">
-                  <c:v>170</c:v>
-                </c:pt>
-                <c:pt idx="8">
-                  <c:v>170</c:v>
-                </c:pt>
-                <c:pt idx="9">
-                  <c:v>0</c:v>
-                </c:pt>
-              </c:numCache>
-            </c:numRef>
-          </c:val>
-          <c:smooth val="0"/>
-          <c:extLst>
-            <c:ext xmlns:c16="http://schemas.microsoft.com/office/drawing/2014/chart" uri="{C3380CC4-5D6E-409C-BE32-E72D297353CC}">
-              <c16:uniqueId val="{00000004-B964-49AC-A35A-934090267A82}"/>
-            </c:ext>
-          </c:extLst>
-        </c:ser>
-        <c:ser>
-          <c:idx val="5"/>
-          <c:order val="5"/>
-          <c:spPr>
-            <a:ln w="50800"/>
-          </c:spPr>
-          <c:marker>
-            <c:symbol val="none"/>
-          </c:marker>
-          <c:val>
-            <c:numRef>
-              <c:f>Sheet1!$A$66:$J$66</c:f>
-              <c:numCache>
-                <c:formatCode>General</c:formatCode>
-                <c:ptCount val="10"/>
-                <c:pt idx="0">
-                  <c:v>0</c:v>
-                </c:pt>
-                <c:pt idx="1">
-                  <c:v>170</c:v>
-                </c:pt>
-                <c:pt idx="2">
-                  <c:v>170</c:v>
-                </c:pt>
-                <c:pt idx="3">
-                  <c:v>255</c:v>
-                </c:pt>
-                <c:pt idx="4">
-                  <c:v>0</c:v>
-                </c:pt>
-                <c:pt idx="5">
-                  <c:v>0</c:v>
-                </c:pt>
-                <c:pt idx="6">
-                  <c:v>255</c:v>
-                </c:pt>
-                <c:pt idx="7">
-                  <c:v>170</c:v>
-                </c:pt>
-                <c:pt idx="8">
-                  <c:v>170</c:v>
-                </c:pt>
-                <c:pt idx="9">
-                  <c:v>0</c:v>
-                </c:pt>
-              </c:numCache>
-            </c:numRef>
-          </c:val>
-          <c:smooth val="0"/>
-          <c:extLst>
-            <c:ext xmlns:c16="http://schemas.microsoft.com/office/drawing/2014/chart" uri="{C3380CC4-5D6E-409C-BE32-E72D297353CC}">
-              <c16:uniqueId val="{00000005-B964-49AC-A35A-934090267A82}"/>
-            </c:ext>
-          </c:extLst>
-        </c:ser>
-        <c:ser>
-          <c:idx val="6"/>
-          <c:order val="6"/>
-          <c:spPr>
-            <a:ln w="50800">
-              <a:solidFill>
-                <a:schemeClr val="accent2"/>
-              </a:solidFill>
-            </a:ln>
-          </c:spPr>
-          <c:marker>
-            <c:symbol val="none"/>
-          </c:marker>
-          <c:val>
-            <c:numRef>
-              <c:f>Sheet1!$A$67:$J$67</c:f>
-              <c:numCache>
-                <c:formatCode>General</c:formatCode>
-                <c:ptCount val="10"/>
-                <c:pt idx="0">
-                  <c:v>0</c:v>
-                </c:pt>
-                <c:pt idx="1">
-                  <c:v>170</c:v>
-                </c:pt>
-                <c:pt idx="2">
-                  <c:v>170</c:v>
-                </c:pt>
-                <c:pt idx="3">
-                  <c:v>170</c:v>
-                </c:pt>
-                <c:pt idx="4">
-                  <c:v>255</c:v>
-                </c:pt>
-                <c:pt idx="5">
-                  <c:v>255</c:v>
-                </c:pt>
-                <c:pt idx="6">
-                  <c:v>170</c:v>
-                </c:pt>
-                <c:pt idx="7">
-                  <c:v>170</c:v>
-                </c:pt>
-                <c:pt idx="8">
-                  <c:v>170</c:v>
-                </c:pt>
-                <c:pt idx="9">
-                  <c:v>0</c:v>
-                </c:pt>
-              </c:numCache>
-            </c:numRef>
-          </c:val>
-          <c:smooth val="0"/>
-          <c:extLst>
-            <c:ext xmlns:c16="http://schemas.microsoft.com/office/drawing/2014/chart" uri="{C3380CC4-5D6E-409C-BE32-E72D297353CC}">
-              <c16:uniqueId val="{00000006-B964-49AC-A35A-934090267A82}"/>
-            </c:ext>
-          </c:extLst>
-        </c:ser>
-        <c:ser>
-          <c:idx val="7"/>
-          <c:order val="7"/>
-          <c:marker>
-            <c:symbol val="none"/>
-          </c:marker>
-          <c:val>
-            <c:numRef>
-              <c:f>Sheet1!$A$68:$J$68</c:f>
-              <c:numCache>
-                <c:formatCode>General</c:formatCode>
-                <c:ptCount val="10"/>
-                <c:pt idx="0">
-                  <c:v>0</c:v>
-                </c:pt>
-                <c:pt idx="1">
-                  <c:v>170</c:v>
-                </c:pt>
-                <c:pt idx="2">
-                  <c:v>170</c:v>
-                </c:pt>
-                <c:pt idx="3">
-                  <c:v>170</c:v>
-                </c:pt>
-                <c:pt idx="4">
-                  <c:v>170</c:v>
-                </c:pt>
-                <c:pt idx="5">
-                  <c:v>170</c:v>
-                </c:pt>
-                <c:pt idx="6">
-                  <c:v>170</c:v>
-                </c:pt>
-                <c:pt idx="7">
-                  <c:v>170</c:v>
-                </c:pt>
-                <c:pt idx="8">
-                  <c:v>170</c:v>
-                </c:pt>
-                <c:pt idx="9">
-                  <c:v>0</c:v>
-                </c:pt>
-              </c:numCache>
-            </c:numRef>
-          </c:val>
-          <c:smooth val="0"/>
-          <c:extLst>
-            <c:ext xmlns:c16="http://schemas.microsoft.com/office/drawing/2014/chart" uri="{C3380CC4-5D6E-409C-BE32-E72D297353CC}">
-              <c16:uniqueId val="{00000007-B964-49AC-A35A-934090267A82}"/>
-            </c:ext>
-          </c:extLst>
-        </c:ser>
-        <c:ser>
-          <c:idx val="8"/>
-          <c:order val="8"/>
-          <c:spPr>
-            <a:ln w="50800">
-              <a:solidFill>
-                <a:srgbClr val="FF0000"/>
-              </a:solidFill>
-            </a:ln>
-          </c:spPr>
-          <c:marker>
-            <c:symbol val="none"/>
-          </c:marker>
-          <c:val>
-            <c:numRef>
-              <c:f>Sheet1!$A$69:$J$69</c:f>
-              <c:numCache>
-                <c:formatCode>General</c:formatCode>
-                <c:ptCount val="10"/>
-                <c:pt idx="0">
-                  <c:v>0</c:v>
-                </c:pt>
-                <c:pt idx="1">
-                  <c:v>170</c:v>
-                </c:pt>
-                <c:pt idx="2">
-                  <c:v>170</c:v>
-                </c:pt>
-                <c:pt idx="3">
-                  <c:v>170</c:v>
-                </c:pt>
-                <c:pt idx="4">
-                  <c:v>170</c:v>
-                </c:pt>
-                <c:pt idx="5">
-                  <c:v>170</c:v>
-                </c:pt>
-                <c:pt idx="6">
-                  <c:v>170</c:v>
-                </c:pt>
-                <c:pt idx="7">
-                  <c:v>170</c:v>
-                </c:pt>
-                <c:pt idx="8">
-                  <c:v>170</c:v>
-                </c:pt>
-                <c:pt idx="9">
-                  <c:v>0</c:v>
-                </c:pt>
-              </c:numCache>
-            </c:numRef>
-          </c:val>
-          <c:smooth val="0"/>
-          <c:extLst>
-            <c:ext xmlns:c16="http://schemas.microsoft.com/office/drawing/2014/chart" uri="{C3380CC4-5D6E-409C-BE32-E72D297353CC}">
-              <c16:uniqueId val="{00000008-B964-49AC-A35A-934090267A82}"/>
-            </c:ext>
-          </c:extLst>
-        </c:ser>
-        <c:ser>
-          <c:idx val="9"/>
-          <c:order val="9"/>
-          <c:spPr>
-            <a:ln w="50800"/>
-          </c:spPr>
-          <c:marker>
-            <c:symbol val="none"/>
-          </c:marker>
-          <c:val>
-            <c:numRef>
-              <c:f>Sheet1!$A$70:$J$70</c:f>
-              <c:numCache>
-                <c:formatCode>General</c:formatCode>
-                <c:ptCount val="10"/>
-                <c:pt idx="0">
-                  <c:v>0</c:v>
-                </c:pt>
-                <c:pt idx="1">
-                  <c:v>0</c:v>
-                </c:pt>
-                <c:pt idx="2">
-                  <c:v>0</c:v>
-                </c:pt>
-                <c:pt idx="3">
-                  <c:v>0</c:v>
-                </c:pt>
-                <c:pt idx="4">
-                  <c:v>0</c:v>
-                </c:pt>
-                <c:pt idx="5">
-                  <c:v>0</c:v>
-                </c:pt>
-                <c:pt idx="6">
-                  <c:v>0</c:v>
-                </c:pt>
-                <c:pt idx="7">
-                  <c:v>0</c:v>
-                </c:pt>
-                <c:pt idx="8">
-                  <c:v>0</c:v>
-                </c:pt>
-                <c:pt idx="9">
-                  <c:v>0</c:v>
-                </c:pt>
-              </c:numCache>
-            </c:numRef>
-          </c:val>
-          <c:smooth val="0"/>
-          <c:extLst>
-            <c:ext xmlns:c16="http://schemas.microsoft.com/office/drawing/2014/chart" uri="{C3380CC4-5D6E-409C-BE32-E72D297353CC}">
-              <c16:uniqueId val="{00000009-B964-49AC-A35A-934090267A82}"/>
-            </c:ext>
-          </c:extLst>
-        </c:ser>
-        <c:dLbls>
-          <c:showLegendKey val="0"/>
-          <c:showVal val="0"/>
-          <c:showCatName val="0"/>
-          <c:showSerName val="0"/>
-          <c:showPercent val="0"/>
-          <c:showBubbleSize val="0"/>
-        </c:dLbls>
-        <c:smooth val="0"/>
-        <c:axId val="103732736"/>
-        <c:axId val="103734272"/>
-      </c:lineChart>
-      <c:catAx>
-        <c:axId val="103732736"/>
-        <c:scaling>
-          <c:orientation val="minMax"/>
-        </c:scaling>
-        <c:delete val="0"/>
-        <c:axPos val="b"/>
-        <c:majorTickMark val="out"/>
-        <c:minorTickMark val="none"/>
-        <c:tickLblPos val="nextTo"/>
-        <c:crossAx val="103734272"/>
-        <c:crosses val="autoZero"/>
-        <c:auto val="1"/>
-        <c:lblAlgn val="ctr"/>
-        <c:lblOffset val="100"/>
-        <c:noMultiLvlLbl val="0"/>
-      </c:catAx>
-      <c:valAx>
-        <c:axId val="103734272"/>
-        <c:scaling>
-          <c:orientation val="minMax"/>
-        </c:scaling>
-        <c:delete val="0"/>
-        <c:axPos val="l"/>
-        <c:majorGridlines/>
-        <c:numFmt formatCode="General" sourceLinked="1"/>
-        <c:majorTickMark val="out"/>
-        <c:minorTickMark val="none"/>
-        <c:tickLblPos val="nextTo"/>
-        <c:crossAx val="103732736"/>
-        <c:crosses val="autoZero"/>
-        <c:crossBetween val="between"/>
-      </c:valAx>
-      <c:spPr>
-        <a:noFill/>
-      </c:spPr>
-    </c:plotArea>
-    <c:plotVisOnly val="1"/>
-    <c:dispBlanksAs val="zero"/>
-    <c:showDLblsOverMax val="0"/>
-  </c:chart>
-  <c:spPr>
-    <a:gradFill>
-      <a:gsLst>
-        <a:gs pos="0">
-          <a:srgbClr val="5B9BD5">
-            <a:tint val="66000"/>
-            <a:satMod val="160000"/>
-          </a:srgbClr>
-        </a:gs>
-        <a:gs pos="50000">
-          <a:srgbClr val="5B9BD5">
-            <a:tint val="44500"/>
-            <a:satMod val="160000"/>
-          </a:srgbClr>
-        </a:gs>
-        <a:gs pos="100000">
-          <a:srgbClr val="5B9BD5">
-            <a:tint val="23500"/>
-            <a:satMod val="160000"/>
-          </a:srgbClr>
-        </a:gs>
-      </a:gsLst>
-      <a:lin ang="5400000" scaled="0"/>
-    </a:gradFill>
-  </c:spPr>
-  <c:externalData r:id="rId1">
-    <c:autoUpdate val="0"/>
-  </c:externalData>
-</c:chartSpace>
-</file>
-
-<file path=ppt/charts/chart11.xml><?xml version="1.0" encoding="utf-8"?>
-<c:chartSpace xmlns:c="http://schemas.openxmlformats.org/drawingml/2006/chart" xmlns:a="http://schemas.openxmlformats.org/drawingml/2006/main" xmlns:r="http://schemas.openxmlformats.org/officeDocument/2006/relationships" xmlns:c16r2="http://schemas.microsoft.com/office/drawing/2015/06/chart">
-  <c:date1904 val="0"/>
-  <c:lang val="ja-JP"/>
-  <c:roundedCorners val="0"/>
-  <mc:AlternateContent xmlns:mc="http://schemas.openxmlformats.org/markup-compatibility/2006">
-    <mc:Choice xmlns:c14="http://schemas.microsoft.com/office/drawing/2007/8/2/chart" Requires="c14">
-      <c14:style val="102"/>
-    </mc:Choice>
-    <mc:Fallback>
-      <c:style val="2"/>
-    </mc:Fallback>
-  </mc:AlternateContent>
-  <c:chart>
-    <c:autoTitleDeleted val="0"/>
-    <c:view3D>
-      <c:rotX val="50"/>
-      <c:rotY val="0"/>
-      <c:rAngAx val="0"/>
-    </c:view3D>
-    <c:floor>
-      <c:thickness val="0"/>
-    </c:floor>
-    <c:sideWall>
-      <c:thickness val="0"/>
-    </c:sideWall>
-    <c:backWall>
-      <c:thickness val="0"/>
-    </c:backWall>
-    <c:plotArea>
-      <c:layout/>
-      <c:surface3DChart>
-        <c:wireframe val="0"/>
-        <c:ser>
-          <c:idx val="0"/>
-          <c:order val="0"/>
-          <c:val>
-            <c:numRef>
-              <c:f>Sheet1!$L$61:$U$61</c:f>
-              <c:numCache>
-                <c:formatCode>General</c:formatCode>
-                <c:ptCount val="10"/>
-                <c:pt idx="0">
-                  <c:v>0</c:v>
-                </c:pt>
-                <c:pt idx="1">
-                  <c:v>0</c:v>
-                </c:pt>
-                <c:pt idx="2">
-                  <c:v>0</c:v>
-                </c:pt>
-                <c:pt idx="3">
-                  <c:v>0</c:v>
-                </c:pt>
-                <c:pt idx="4">
-                  <c:v>0</c:v>
-                </c:pt>
-                <c:pt idx="5">
-                  <c:v>0</c:v>
-                </c:pt>
-                <c:pt idx="6">
-                  <c:v>0</c:v>
-                </c:pt>
-                <c:pt idx="7">
-                  <c:v>0</c:v>
-                </c:pt>
-                <c:pt idx="8">
-                  <c:v>0</c:v>
-                </c:pt>
-                <c:pt idx="9">
-                  <c:v>0</c:v>
-                </c:pt>
-              </c:numCache>
-            </c:numRef>
-          </c:val>
-          <c:extLst>
-            <c:ext xmlns:c16="http://schemas.microsoft.com/office/drawing/2014/chart" uri="{C3380CC4-5D6E-409C-BE32-E72D297353CC}">
-              <c16:uniqueId val="{00000000-4966-4F3C-841E-93FE55E0C70F}"/>
-            </c:ext>
-          </c:extLst>
-        </c:ser>
-        <c:ser>
-          <c:idx val="1"/>
-          <c:order val="1"/>
-          <c:val>
-            <c:numRef>
-              <c:f>Sheet1!$L$62:$U$62</c:f>
-              <c:numCache>
-                <c:formatCode>General</c:formatCode>
-                <c:ptCount val="10"/>
-                <c:pt idx="0">
-                  <c:v>0</c:v>
-                </c:pt>
-                <c:pt idx="1">
-                  <c:v>100</c:v>
-                </c:pt>
-                <c:pt idx="2">
-                  <c:v>100</c:v>
-                </c:pt>
-                <c:pt idx="3">
-                  <c:v>100</c:v>
-                </c:pt>
-                <c:pt idx="4">
-                  <c:v>100</c:v>
-                </c:pt>
-                <c:pt idx="5">
-                  <c:v>100</c:v>
-                </c:pt>
-                <c:pt idx="6">
-                  <c:v>100</c:v>
-                </c:pt>
-                <c:pt idx="7">
-                  <c:v>100</c:v>
-                </c:pt>
-                <c:pt idx="8">
-                  <c:v>100</c:v>
-                </c:pt>
-                <c:pt idx="9">
-                  <c:v>0</c:v>
-                </c:pt>
-              </c:numCache>
-            </c:numRef>
-          </c:val>
-          <c:extLst>
-            <c:ext xmlns:c16="http://schemas.microsoft.com/office/drawing/2014/chart" uri="{C3380CC4-5D6E-409C-BE32-E72D297353CC}">
-              <c16:uniqueId val="{00000001-4966-4F3C-841E-93FE55E0C70F}"/>
-            </c:ext>
-          </c:extLst>
-        </c:ser>
-        <c:ser>
-          <c:idx val="2"/>
-          <c:order val="2"/>
-          <c:val>
-            <c:numRef>
-              <c:f>Sheet1!$L$63:$U$63</c:f>
-              <c:numCache>
-                <c:formatCode>General</c:formatCode>
-                <c:ptCount val="10"/>
-                <c:pt idx="0">
-                  <c:v>0</c:v>
-                </c:pt>
-                <c:pt idx="1">
-                  <c:v>100</c:v>
-                </c:pt>
-                <c:pt idx="2">
-                  <c:v>100</c:v>
-                </c:pt>
-                <c:pt idx="3">
-                  <c:v>100</c:v>
-                </c:pt>
-                <c:pt idx="4">
-                  <c:v>100</c:v>
-                </c:pt>
-                <c:pt idx="5">
-                  <c:v>100</c:v>
-                </c:pt>
-                <c:pt idx="6">
-                  <c:v>100</c:v>
-                </c:pt>
-                <c:pt idx="7">
-                  <c:v>100</c:v>
-                </c:pt>
-                <c:pt idx="8">
-                  <c:v>100</c:v>
-                </c:pt>
-                <c:pt idx="9">
-                  <c:v>0</c:v>
-                </c:pt>
-              </c:numCache>
-            </c:numRef>
-          </c:val>
-          <c:extLst>
-            <c:ext xmlns:c16="http://schemas.microsoft.com/office/drawing/2014/chart" uri="{C3380CC4-5D6E-409C-BE32-E72D297353CC}">
-              <c16:uniqueId val="{00000002-4966-4F3C-841E-93FE55E0C70F}"/>
-            </c:ext>
-          </c:extLst>
-        </c:ser>
-        <c:ser>
-          <c:idx val="3"/>
-          <c:order val="3"/>
-          <c:val>
-            <c:numRef>
-              <c:f>Sheet1!$L$64:$U$64</c:f>
-              <c:numCache>
-                <c:formatCode>General</c:formatCode>
-                <c:ptCount val="10"/>
-                <c:pt idx="0">
-                  <c:v>0</c:v>
-                </c:pt>
-                <c:pt idx="1">
-                  <c:v>100</c:v>
-                </c:pt>
-                <c:pt idx="2">
-                  <c:v>100</c:v>
-                </c:pt>
-                <c:pt idx="3">
-                  <c:v>100</c:v>
-                </c:pt>
-                <c:pt idx="4">
-                  <c:v>0</c:v>
-                </c:pt>
-                <c:pt idx="5">
-                  <c:v>0</c:v>
-                </c:pt>
-                <c:pt idx="6">
-                  <c:v>100</c:v>
-                </c:pt>
-                <c:pt idx="7">
-                  <c:v>100</c:v>
-                </c:pt>
-                <c:pt idx="8">
-                  <c:v>100</c:v>
-                </c:pt>
-                <c:pt idx="9">
-                  <c:v>0</c:v>
-                </c:pt>
-              </c:numCache>
-            </c:numRef>
-          </c:val>
-          <c:extLst>
-            <c:ext xmlns:c16="http://schemas.microsoft.com/office/drawing/2014/chart" uri="{C3380CC4-5D6E-409C-BE32-E72D297353CC}">
-              <c16:uniqueId val="{00000003-4966-4F3C-841E-93FE55E0C70F}"/>
-            </c:ext>
-          </c:extLst>
-        </c:ser>
-        <c:ser>
-          <c:idx val="4"/>
-          <c:order val="4"/>
-          <c:val>
-            <c:numRef>
-              <c:f>Sheet1!$L$65:$U$65</c:f>
-              <c:numCache>
-                <c:formatCode>General</c:formatCode>
-                <c:ptCount val="10"/>
-                <c:pt idx="0">
-                  <c:v>0</c:v>
-                </c:pt>
-                <c:pt idx="1">
-                  <c:v>100</c:v>
-                </c:pt>
-                <c:pt idx="2">
-                  <c:v>100</c:v>
-                </c:pt>
-                <c:pt idx="3">
-                  <c:v>0</c:v>
-                </c:pt>
-                <c:pt idx="4">
-                  <c:v>255</c:v>
-                </c:pt>
-                <c:pt idx="5">
-                  <c:v>255</c:v>
-                </c:pt>
-                <c:pt idx="6">
-                  <c:v>0</c:v>
-                </c:pt>
-                <c:pt idx="7">
-                  <c:v>100</c:v>
-                </c:pt>
-                <c:pt idx="8">
-                  <c:v>100</c:v>
-                </c:pt>
-                <c:pt idx="9">
-                  <c:v>0</c:v>
-                </c:pt>
-              </c:numCache>
-            </c:numRef>
-          </c:val>
-          <c:extLst>
-            <c:ext xmlns:c16="http://schemas.microsoft.com/office/drawing/2014/chart" uri="{C3380CC4-5D6E-409C-BE32-E72D297353CC}">
-              <c16:uniqueId val="{00000004-4966-4F3C-841E-93FE55E0C70F}"/>
-            </c:ext>
-          </c:extLst>
-        </c:ser>
-        <c:ser>
-          <c:idx val="5"/>
-          <c:order val="5"/>
-          <c:val>
-            <c:numRef>
-              <c:f>Sheet1!$L$66:$U$66</c:f>
-              <c:numCache>
-                <c:formatCode>General</c:formatCode>
-                <c:ptCount val="10"/>
-                <c:pt idx="0">
-                  <c:v>0</c:v>
-                </c:pt>
-                <c:pt idx="1">
-                  <c:v>100</c:v>
-                </c:pt>
-                <c:pt idx="2">
-                  <c:v>100</c:v>
-                </c:pt>
-                <c:pt idx="3">
-                  <c:v>0</c:v>
-                </c:pt>
-                <c:pt idx="4">
-                  <c:v>255</c:v>
-                </c:pt>
-                <c:pt idx="5">
-                  <c:v>255</c:v>
-                </c:pt>
-                <c:pt idx="6">
-                  <c:v>0</c:v>
-                </c:pt>
-                <c:pt idx="7">
-                  <c:v>100</c:v>
-                </c:pt>
-                <c:pt idx="8">
-                  <c:v>100</c:v>
-                </c:pt>
-                <c:pt idx="9">
-                  <c:v>0</c:v>
-                </c:pt>
-              </c:numCache>
-            </c:numRef>
-          </c:val>
-          <c:extLst>
-            <c:ext xmlns:c16="http://schemas.microsoft.com/office/drawing/2014/chart" uri="{C3380CC4-5D6E-409C-BE32-E72D297353CC}">
-              <c16:uniqueId val="{00000005-4966-4F3C-841E-93FE55E0C70F}"/>
-            </c:ext>
-          </c:extLst>
-        </c:ser>
-        <c:ser>
-          <c:idx val="6"/>
-          <c:order val="6"/>
-          <c:val>
-            <c:numRef>
-              <c:f>Sheet1!$L$67:$U$67</c:f>
-              <c:numCache>
-                <c:formatCode>General</c:formatCode>
-                <c:ptCount val="10"/>
-                <c:pt idx="0">
-                  <c:v>0</c:v>
-                </c:pt>
-                <c:pt idx="1">
-                  <c:v>100</c:v>
-                </c:pt>
-                <c:pt idx="2">
-                  <c:v>100</c:v>
-                </c:pt>
-                <c:pt idx="3">
-                  <c:v>100</c:v>
-                </c:pt>
-                <c:pt idx="4">
-                  <c:v>0</c:v>
-                </c:pt>
-                <c:pt idx="5">
-                  <c:v>0</c:v>
-                </c:pt>
-                <c:pt idx="6">
-                  <c:v>100</c:v>
-                </c:pt>
-                <c:pt idx="7">
-                  <c:v>100</c:v>
-                </c:pt>
-                <c:pt idx="8">
-                  <c:v>100</c:v>
-                </c:pt>
-                <c:pt idx="9">
-                  <c:v>0</c:v>
-                </c:pt>
-              </c:numCache>
-            </c:numRef>
-          </c:val>
-          <c:extLst>
-            <c:ext xmlns:c16="http://schemas.microsoft.com/office/drawing/2014/chart" uri="{C3380CC4-5D6E-409C-BE32-E72D297353CC}">
-              <c16:uniqueId val="{00000006-4966-4F3C-841E-93FE55E0C70F}"/>
-            </c:ext>
-          </c:extLst>
-        </c:ser>
-        <c:ser>
-          <c:idx val="7"/>
-          <c:order val="7"/>
-          <c:val>
-            <c:numRef>
-              <c:f>Sheet1!$L$68:$U$68</c:f>
-              <c:numCache>
-                <c:formatCode>General</c:formatCode>
-                <c:ptCount val="10"/>
-                <c:pt idx="0">
-                  <c:v>0</c:v>
-                </c:pt>
-                <c:pt idx="1">
-                  <c:v>100</c:v>
-                </c:pt>
-                <c:pt idx="2">
-                  <c:v>100</c:v>
-                </c:pt>
-                <c:pt idx="3">
-                  <c:v>100</c:v>
-                </c:pt>
-                <c:pt idx="4">
-                  <c:v>100</c:v>
-                </c:pt>
-                <c:pt idx="5">
-                  <c:v>100</c:v>
-                </c:pt>
-                <c:pt idx="6">
-                  <c:v>100</c:v>
-                </c:pt>
-                <c:pt idx="7">
-                  <c:v>100</c:v>
-                </c:pt>
-                <c:pt idx="8">
-                  <c:v>100</c:v>
-                </c:pt>
-                <c:pt idx="9">
-                  <c:v>0</c:v>
-                </c:pt>
-              </c:numCache>
-            </c:numRef>
-          </c:val>
-          <c:extLst>
-            <c:ext xmlns:c16="http://schemas.microsoft.com/office/drawing/2014/chart" uri="{C3380CC4-5D6E-409C-BE32-E72D297353CC}">
-              <c16:uniqueId val="{00000007-4966-4F3C-841E-93FE55E0C70F}"/>
-            </c:ext>
-          </c:extLst>
-        </c:ser>
-        <c:ser>
-          <c:idx val="8"/>
-          <c:order val="8"/>
-          <c:val>
-            <c:numRef>
-              <c:f>Sheet1!$L$69:$U$69</c:f>
-              <c:numCache>
-                <c:formatCode>General</c:formatCode>
-                <c:ptCount val="10"/>
-                <c:pt idx="0">
-                  <c:v>0</c:v>
-                </c:pt>
-                <c:pt idx="1">
-                  <c:v>100</c:v>
-                </c:pt>
-                <c:pt idx="2">
-                  <c:v>100</c:v>
-                </c:pt>
-                <c:pt idx="3">
-                  <c:v>100</c:v>
-                </c:pt>
-                <c:pt idx="4">
-                  <c:v>100</c:v>
-                </c:pt>
-                <c:pt idx="5">
-                  <c:v>100</c:v>
-                </c:pt>
-                <c:pt idx="6">
-                  <c:v>100</c:v>
-                </c:pt>
-                <c:pt idx="7">
-                  <c:v>100</c:v>
-                </c:pt>
-                <c:pt idx="8">
-                  <c:v>100</c:v>
-                </c:pt>
-                <c:pt idx="9">
-                  <c:v>0</c:v>
-                </c:pt>
-              </c:numCache>
-            </c:numRef>
-          </c:val>
-          <c:extLst>
-            <c:ext xmlns:c16="http://schemas.microsoft.com/office/drawing/2014/chart" uri="{C3380CC4-5D6E-409C-BE32-E72D297353CC}">
-              <c16:uniqueId val="{00000008-4966-4F3C-841E-93FE55E0C70F}"/>
-            </c:ext>
-          </c:extLst>
-        </c:ser>
-        <c:ser>
-          <c:idx val="9"/>
-          <c:order val="9"/>
-          <c:val>
-            <c:numRef>
-              <c:f>Sheet1!$L$70:$U$70</c:f>
-              <c:numCache>
-                <c:formatCode>General</c:formatCode>
-                <c:ptCount val="10"/>
-                <c:pt idx="0">
-                  <c:v>0</c:v>
-                </c:pt>
-                <c:pt idx="1">
-                  <c:v>0</c:v>
-                </c:pt>
-                <c:pt idx="2">
-                  <c:v>0</c:v>
-                </c:pt>
-                <c:pt idx="3">
-                  <c:v>0</c:v>
-                </c:pt>
-                <c:pt idx="4">
-                  <c:v>0</c:v>
-                </c:pt>
-                <c:pt idx="5">
-                  <c:v>0</c:v>
-                </c:pt>
-                <c:pt idx="6">
-                  <c:v>0</c:v>
-                </c:pt>
-                <c:pt idx="7">
-                  <c:v>0</c:v>
-                </c:pt>
-                <c:pt idx="8">
-                  <c:v>0</c:v>
-                </c:pt>
-                <c:pt idx="9">
-                  <c:v>0</c:v>
-                </c:pt>
-              </c:numCache>
-            </c:numRef>
-          </c:val>
-          <c:extLst>
-            <c:ext xmlns:c16="http://schemas.microsoft.com/office/drawing/2014/chart" uri="{C3380CC4-5D6E-409C-BE32-E72D297353CC}">
-              <c16:uniqueId val="{00000009-4966-4F3C-841E-93FE55E0C70F}"/>
-            </c:ext>
-          </c:extLst>
-        </c:ser>
-        <c:bandFmts/>
-        <c:axId val="103803904"/>
-        <c:axId val="103822080"/>
-        <c:axId val="103809024"/>
-      </c:surface3DChart>
-      <c:catAx>
-        <c:axId val="103803904"/>
-        <c:scaling>
-          <c:orientation val="minMax"/>
-        </c:scaling>
-        <c:delete val="0"/>
-        <c:axPos val="b"/>
-        <c:majorTickMark val="out"/>
-        <c:minorTickMark val="none"/>
-        <c:tickLblPos val="nextTo"/>
-        <c:crossAx val="103822080"/>
-        <c:crosses val="autoZero"/>
-        <c:auto val="1"/>
-        <c:lblAlgn val="ctr"/>
-        <c:lblOffset val="100"/>
-        <c:noMultiLvlLbl val="0"/>
-      </c:catAx>
-      <c:valAx>
-        <c:axId val="103822080"/>
-        <c:scaling>
-          <c:orientation val="minMax"/>
-        </c:scaling>
-        <c:delete val="0"/>
-        <c:axPos val="l"/>
-        <c:majorGridlines/>
-        <c:numFmt formatCode="General" sourceLinked="1"/>
-        <c:majorTickMark val="out"/>
-        <c:minorTickMark val="none"/>
-        <c:tickLblPos val="nextTo"/>
-        <c:crossAx val="103803904"/>
-        <c:crosses val="autoZero"/>
-        <c:crossBetween val="midCat"/>
-      </c:valAx>
-      <c:serAx>
-        <c:axId val="103809024"/>
-        <c:scaling>
-          <c:orientation val="minMax"/>
-        </c:scaling>
-        <c:delete val="1"/>
-        <c:axPos val="b"/>
-        <c:majorTickMark val="out"/>
-        <c:minorTickMark val="none"/>
-        <c:tickLblPos val="none"/>
-        <c:crossAx val="103822080"/>
-        <c:crosses val="autoZero"/>
-      </c:serAx>
-    </c:plotArea>
-    <c:legend>
-      <c:legendPos val="r"/>
-      <c:overlay val="0"/>
-      <c:txPr>
-        <a:bodyPr/>
-        <a:lstStyle/>
-        <a:p>
-          <a:pPr rtl="0">
-            <a:defRPr/>
-          </a:pPr>
-          <a:endParaRPr lang="ja-JP"/>
-        </a:p>
-      </c:txPr>
-    </c:legend>
-    <c:plotVisOnly val="1"/>
-    <c:dispBlanksAs val="zero"/>
-    <c:showDLblsOverMax val="0"/>
-  </c:chart>
-  <c:spPr>
-    <a:gradFill>
-      <a:gsLst>
-        <a:gs pos="0">
-          <a:srgbClr val="5B9BD5">
-            <a:tint val="66000"/>
-            <a:satMod val="160000"/>
-          </a:srgbClr>
-        </a:gs>
-        <a:gs pos="50000">
-          <a:srgbClr val="5B9BD5">
-            <a:tint val="44500"/>
-            <a:satMod val="160000"/>
-          </a:srgbClr>
-        </a:gs>
-        <a:gs pos="100000">
-          <a:srgbClr val="5B9BD5">
-            <a:tint val="23500"/>
-            <a:satMod val="160000"/>
-          </a:srgbClr>
-        </a:gs>
-      </a:gsLst>
-      <a:lin ang="5400000" scaled="0"/>
-    </a:gradFill>
-  </c:spPr>
-  <c:externalData r:id="rId1">
-    <c:autoUpdate val="0"/>
-  </c:externalData>
-</c:chartSpace>
-</file>
-
-<file path=ppt/charts/chart12.xml><?xml version="1.0" encoding="utf-8"?>
-<c:chartSpace xmlns:c="http://schemas.openxmlformats.org/drawingml/2006/chart" xmlns:a="http://schemas.openxmlformats.org/drawingml/2006/main" xmlns:r="http://schemas.openxmlformats.org/officeDocument/2006/relationships" xmlns:c16r2="http://schemas.microsoft.com/office/drawing/2015/06/chart">
-  <c:date1904 val="0"/>
-  <c:lang val="ja-JP"/>
-  <c:roundedCorners val="0"/>
-  <mc:AlternateContent xmlns:mc="http://schemas.openxmlformats.org/markup-compatibility/2006">
-    <mc:Choice xmlns:c14="http://schemas.microsoft.com/office/drawing/2007/8/2/chart" Requires="c14">
-      <c14:style val="102"/>
-    </mc:Choice>
-    <mc:Fallback>
-      <c:style val="2"/>
-    </mc:Fallback>
-  </mc:AlternateContent>
-  <c:chart>
-    <c:autoTitleDeleted val="0"/>
     <c:view3D>
       <c:rotX val="50"/>
       <c:rotY val="0"/>
@@ -6604,634 +5346,6 @@
           </c:marker>
           <c:val>
             <c:numRef>
-              <c:f>Sheet1!$A$108:$J$108</c:f>
-              <c:numCache>
-                <c:formatCode>General</c:formatCode>
-                <c:ptCount val="10"/>
-                <c:pt idx="0">
-                  <c:v>100</c:v>
-                </c:pt>
-                <c:pt idx="1">
-                  <c:v>100</c:v>
-                </c:pt>
-                <c:pt idx="2">
-                  <c:v>100</c:v>
-                </c:pt>
-                <c:pt idx="3">
-                  <c:v>100</c:v>
-                </c:pt>
-                <c:pt idx="4">
-                  <c:v>100</c:v>
-                </c:pt>
-                <c:pt idx="5">
-                  <c:v>100</c:v>
-                </c:pt>
-                <c:pt idx="6">
-                  <c:v>100</c:v>
-                </c:pt>
-                <c:pt idx="7">
-                  <c:v>100</c:v>
-                </c:pt>
-                <c:pt idx="8">
-                  <c:v>100</c:v>
-                </c:pt>
-                <c:pt idx="9">
-                  <c:v>100</c:v>
-                </c:pt>
-              </c:numCache>
-            </c:numRef>
-          </c:val>
-          <c:smooth val="0"/>
-          <c:extLst>
-            <c:ext xmlns:c16="http://schemas.microsoft.com/office/drawing/2014/chart" uri="{C3380CC4-5D6E-409C-BE32-E72D297353CC}">
-              <c16:uniqueId val="{00000000-11EB-4D02-9D76-61B1C45FD108}"/>
-            </c:ext>
-          </c:extLst>
-        </c:ser>
-        <c:ser>
-          <c:idx val="1"/>
-          <c:order val="1"/>
-          <c:marker>
-            <c:symbol val="none"/>
-          </c:marker>
-          <c:val>
-            <c:numRef>
-              <c:f>Sheet1!$A$109:$J$109</c:f>
-              <c:numCache>
-                <c:formatCode>General</c:formatCode>
-                <c:ptCount val="10"/>
-                <c:pt idx="0">
-                  <c:v>100</c:v>
-                </c:pt>
-                <c:pt idx="1">
-                  <c:v>100</c:v>
-                </c:pt>
-                <c:pt idx="2">
-                  <c:v>100</c:v>
-                </c:pt>
-                <c:pt idx="3">
-                  <c:v>100</c:v>
-                </c:pt>
-                <c:pt idx="4">
-                  <c:v>100</c:v>
-                </c:pt>
-                <c:pt idx="5">
-                  <c:v>100</c:v>
-                </c:pt>
-                <c:pt idx="6">
-                  <c:v>100</c:v>
-                </c:pt>
-                <c:pt idx="7">
-                  <c:v>100</c:v>
-                </c:pt>
-                <c:pt idx="8">
-                  <c:v>100</c:v>
-                </c:pt>
-                <c:pt idx="9">
-                  <c:v>100</c:v>
-                </c:pt>
-              </c:numCache>
-            </c:numRef>
-          </c:val>
-          <c:smooth val="0"/>
-          <c:extLst>
-            <c:ext xmlns:c16="http://schemas.microsoft.com/office/drawing/2014/chart" uri="{C3380CC4-5D6E-409C-BE32-E72D297353CC}">
-              <c16:uniqueId val="{00000001-11EB-4D02-9D76-61B1C45FD108}"/>
-            </c:ext>
-          </c:extLst>
-        </c:ser>
-        <c:ser>
-          <c:idx val="2"/>
-          <c:order val="2"/>
-          <c:marker>
-            <c:symbol val="none"/>
-          </c:marker>
-          <c:val>
-            <c:numRef>
-              <c:f>Sheet1!$A$110:$J$110</c:f>
-              <c:numCache>
-                <c:formatCode>General</c:formatCode>
-                <c:ptCount val="10"/>
-                <c:pt idx="0">
-                  <c:v>100</c:v>
-                </c:pt>
-                <c:pt idx="1">
-                  <c:v>100</c:v>
-                </c:pt>
-                <c:pt idx="2">
-                  <c:v>100</c:v>
-                </c:pt>
-                <c:pt idx="3">
-                  <c:v>100</c:v>
-                </c:pt>
-                <c:pt idx="4">
-                  <c:v>100</c:v>
-                </c:pt>
-                <c:pt idx="5">
-                  <c:v>100</c:v>
-                </c:pt>
-                <c:pt idx="6">
-                  <c:v>100</c:v>
-                </c:pt>
-                <c:pt idx="7">
-                  <c:v>100</c:v>
-                </c:pt>
-                <c:pt idx="8">
-                  <c:v>100</c:v>
-                </c:pt>
-                <c:pt idx="9">
-                  <c:v>100</c:v>
-                </c:pt>
-              </c:numCache>
-            </c:numRef>
-          </c:val>
-          <c:smooth val="0"/>
-          <c:extLst>
-            <c:ext xmlns:c16="http://schemas.microsoft.com/office/drawing/2014/chart" uri="{C3380CC4-5D6E-409C-BE32-E72D297353CC}">
-              <c16:uniqueId val="{00000002-11EB-4D02-9D76-61B1C45FD108}"/>
-            </c:ext>
-          </c:extLst>
-        </c:ser>
-        <c:ser>
-          <c:idx val="3"/>
-          <c:order val="3"/>
-          <c:marker>
-            <c:symbol val="none"/>
-          </c:marker>
-          <c:val>
-            <c:numRef>
-              <c:f>Sheet1!$A$111:$J$111</c:f>
-              <c:numCache>
-                <c:formatCode>General</c:formatCode>
-                <c:ptCount val="10"/>
-                <c:pt idx="0">
-                  <c:v>100</c:v>
-                </c:pt>
-                <c:pt idx="1">
-                  <c:v>100</c:v>
-                </c:pt>
-                <c:pt idx="2">
-                  <c:v>100</c:v>
-                </c:pt>
-                <c:pt idx="3">
-                  <c:v>100</c:v>
-                </c:pt>
-                <c:pt idx="4">
-                  <c:v>100</c:v>
-                </c:pt>
-                <c:pt idx="5">
-                  <c:v>100</c:v>
-                </c:pt>
-                <c:pt idx="6">
-                  <c:v>100</c:v>
-                </c:pt>
-                <c:pt idx="7">
-                  <c:v>100</c:v>
-                </c:pt>
-                <c:pt idx="8">
-                  <c:v>100</c:v>
-                </c:pt>
-                <c:pt idx="9">
-                  <c:v>100</c:v>
-                </c:pt>
-              </c:numCache>
-            </c:numRef>
-          </c:val>
-          <c:smooth val="0"/>
-          <c:extLst>
-            <c:ext xmlns:c16="http://schemas.microsoft.com/office/drawing/2014/chart" uri="{C3380CC4-5D6E-409C-BE32-E72D297353CC}">
-              <c16:uniqueId val="{00000003-11EB-4D02-9D76-61B1C45FD108}"/>
-            </c:ext>
-          </c:extLst>
-        </c:ser>
-        <c:ser>
-          <c:idx val="4"/>
-          <c:order val="4"/>
-          <c:marker>
-            <c:symbol val="none"/>
-          </c:marker>
-          <c:val>
-            <c:numRef>
-              <c:f>Sheet1!$A$112:$J$112</c:f>
-              <c:numCache>
-                <c:formatCode>General</c:formatCode>
-                <c:ptCount val="10"/>
-                <c:pt idx="0">
-                  <c:v>100</c:v>
-                </c:pt>
-                <c:pt idx="1">
-                  <c:v>100</c:v>
-                </c:pt>
-                <c:pt idx="2">
-                  <c:v>100</c:v>
-                </c:pt>
-                <c:pt idx="3">
-                  <c:v>100</c:v>
-                </c:pt>
-                <c:pt idx="4">
-                  <c:v>200</c:v>
-                </c:pt>
-                <c:pt idx="5">
-                  <c:v>200</c:v>
-                </c:pt>
-                <c:pt idx="6">
-                  <c:v>100</c:v>
-                </c:pt>
-                <c:pt idx="7">
-                  <c:v>100</c:v>
-                </c:pt>
-                <c:pt idx="8">
-                  <c:v>100</c:v>
-                </c:pt>
-                <c:pt idx="9">
-                  <c:v>100</c:v>
-                </c:pt>
-              </c:numCache>
-            </c:numRef>
-          </c:val>
-          <c:smooth val="0"/>
-          <c:extLst>
-            <c:ext xmlns:c16="http://schemas.microsoft.com/office/drawing/2014/chart" uri="{C3380CC4-5D6E-409C-BE32-E72D297353CC}">
-              <c16:uniqueId val="{00000004-11EB-4D02-9D76-61B1C45FD108}"/>
-            </c:ext>
-          </c:extLst>
-        </c:ser>
-        <c:ser>
-          <c:idx val="5"/>
-          <c:order val="5"/>
-          <c:spPr>
-            <a:ln w="50800"/>
-          </c:spPr>
-          <c:marker>
-            <c:symbol val="none"/>
-          </c:marker>
-          <c:val>
-            <c:numRef>
-              <c:f>Sheet1!$A$113:$J$113</c:f>
-              <c:numCache>
-                <c:formatCode>General</c:formatCode>
-                <c:ptCount val="10"/>
-                <c:pt idx="0">
-                  <c:v>100</c:v>
-                </c:pt>
-                <c:pt idx="1">
-                  <c:v>100</c:v>
-                </c:pt>
-                <c:pt idx="2">
-                  <c:v>100</c:v>
-                </c:pt>
-                <c:pt idx="3">
-                  <c:v>100</c:v>
-                </c:pt>
-                <c:pt idx="4">
-                  <c:v>200</c:v>
-                </c:pt>
-                <c:pt idx="5">
-                  <c:v>200</c:v>
-                </c:pt>
-                <c:pt idx="6">
-                  <c:v>100</c:v>
-                </c:pt>
-                <c:pt idx="7">
-                  <c:v>100</c:v>
-                </c:pt>
-                <c:pt idx="8">
-                  <c:v>100</c:v>
-                </c:pt>
-                <c:pt idx="9">
-                  <c:v>100</c:v>
-                </c:pt>
-              </c:numCache>
-            </c:numRef>
-          </c:val>
-          <c:smooth val="0"/>
-          <c:extLst>
-            <c:ext xmlns:c16="http://schemas.microsoft.com/office/drawing/2014/chart" uri="{C3380CC4-5D6E-409C-BE32-E72D297353CC}">
-              <c16:uniqueId val="{00000005-11EB-4D02-9D76-61B1C45FD108}"/>
-            </c:ext>
-          </c:extLst>
-        </c:ser>
-        <c:ser>
-          <c:idx val="6"/>
-          <c:order val="6"/>
-          <c:marker>
-            <c:symbol val="none"/>
-          </c:marker>
-          <c:val>
-            <c:numRef>
-              <c:f>Sheet1!$A$114:$J$114</c:f>
-              <c:numCache>
-                <c:formatCode>General</c:formatCode>
-                <c:ptCount val="10"/>
-                <c:pt idx="0">
-                  <c:v>100</c:v>
-                </c:pt>
-                <c:pt idx="1">
-                  <c:v>100</c:v>
-                </c:pt>
-                <c:pt idx="2">
-                  <c:v>100</c:v>
-                </c:pt>
-                <c:pt idx="3">
-                  <c:v>100</c:v>
-                </c:pt>
-                <c:pt idx="4">
-                  <c:v>100</c:v>
-                </c:pt>
-                <c:pt idx="5">
-                  <c:v>100</c:v>
-                </c:pt>
-                <c:pt idx="6">
-                  <c:v>100</c:v>
-                </c:pt>
-                <c:pt idx="7">
-                  <c:v>100</c:v>
-                </c:pt>
-                <c:pt idx="8">
-                  <c:v>100</c:v>
-                </c:pt>
-                <c:pt idx="9">
-                  <c:v>100</c:v>
-                </c:pt>
-              </c:numCache>
-            </c:numRef>
-          </c:val>
-          <c:smooth val="0"/>
-          <c:extLst>
-            <c:ext xmlns:c16="http://schemas.microsoft.com/office/drawing/2014/chart" uri="{C3380CC4-5D6E-409C-BE32-E72D297353CC}">
-              <c16:uniqueId val="{00000006-11EB-4D02-9D76-61B1C45FD108}"/>
-            </c:ext>
-          </c:extLst>
-        </c:ser>
-        <c:ser>
-          <c:idx val="7"/>
-          <c:order val="7"/>
-          <c:marker>
-            <c:symbol val="none"/>
-          </c:marker>
-          <c:val>
-            <c:numRef>
-              <c:f>Sheet1!$A$115:$J$115</c:f>
-              <c:numCache>
-                <c:formatCode>General</c:formatCode>
-                <c:ptCount val="10"/>
-                <c:pt idx="0">
-                  <c:v>100</c:v>
-                </c:pt>
-                <c:pt idx="1">
-                  <c:v>100</c:v>
-                </c:pt>
-                <c:pt idx="2">
-                  <c:v>100</c:v>
-                </c:pt>
-                <c:pt idx="3">
-                  <c:v>100</c:v>
-                </c:pt>
-                <c:pt idx="4">
-                  <c:v>100</c:v>
-                </c:pt>
-                <c:pt idx="5">
-                  <c:v>100</c:v>
-                </c:pt>
-                <c:pt idx="6">
-                  <c:v>100</c:v>
-                </c:pt>
-                <c:pt idx="7">
-                  <c:v>100</c:v>
-                </c:pt>
-                <c:pt idx="8">
-                  <c:v>100</c:v>
-                </c:pt>
-                <c:pt idx="9">
-                  <c:v>100</c:v>
-                </c:pt>
-              </c:numCache>
-            </c:numRef>
-          </c:val>
-          <c:smooth val="0"/>
-          <c:extLst>
-            <c:ext xmlns:c16="http://schemas.microsoft.com/office/drawing/2014/chart" uri="{C3380CC4-5D6E-409C-BE32-E72D297353CC}">
-              <c16:uniqueId val="{00000007-11EB-4D02-9D76-61B1C45FD108}"/>
-            </c:ext>
-          </c:extLst>
-        </c:ser>
-        <c:ser>
-          <c:idx val="8"/>
-          <c:order val="8"/>
-          <c:marker>
-            <c:symbol val="none"/>
-          </c:marker>
-          <c:val>
-            <c:numRef>
-              <c:f>Sheet1!$A$116:$J$116</c:f>
-              <c:numCache>
-                <c:formatCode>General</c:formatCode>
-                <c:ptCount val="10"/>
-                <c:pt idx="0">
-                  <c:v>100</c:v>
-                </c:pt>
-                <c:pt idx="1">
-                  <c:v>100</c:v>
-                </c:pt>
-                <c:pt idx="2">
-                  <c:v>100</c:v>
-                </c:pt>
-                <c:pt idx="3">
-                  <c:v>100</c:v>
-                </c:pt>
-                <c:pt idx="4">
-                  <c:v>100</c:v>
-                </c:pt>
-                <c:pt idx="5">
-                  <c:v>100</c:v>
-                </c:pt>
-                <c:pt idx="6">
-                  <c:v>100</c:v>
-                </c:pt>
-                <c:pt idx="7">
-                  <c:v>100</c:v>
-                </c:pt>
-                <c:pt idx="8">
-                  <c:v>100</c:v>
-                </c:pt>
-                <c:pt idx="9">
-                  <c:v>100</c:v>
-                </c:pt>
-              </c:numCache>
-            </c:numRef>
-          </c:val>
-          <c:smooth val="0"/>
-          <c:extLst>
-            <c:ext xmlns:c16="http://schemas.microsoft.com/office/drawing/2014/chart" uri="{C3380CC4-5D6E-409C-BE32-E72D297353CC}">
-              <c16:uniqueId val="{00000008-11EB-4D02-9D76-61B1C45FD108}"/>
-            </c:ext>
-          </c:extLst>
-        </c:ser>
-        <c:ser>
-          <c:idx val="9"/>
-          <c:order val="9"/>
-          <c:spPr>
-            <a:ln w="50800"/>
-          </c:spPr>
-          <c:marker>
-            <c:symbol val="none"/>
-          </c:marker>
-          <c:val>
-            <c:numRef>
-              <c:f>Sheet1!$A$117:$J$117</c:f>
-              <c:numCache>
-                <c:formatCode>General</c:formatCode>
-                <c:ptCount val="10"/>
-                <c:pt idx="0">
-                  <c:v>100</c:v>
-                </c:pt>
-                <c:pt idx="1">
-                  <c:v>100</c:v>
-                </c:pt>
-                <c:pt idx="2">
-                  <c:v>100</c:v>
-                </c:pt>
-                <c:pt idx="3">
-                  <c:v>100</c:v>
-                </c:pt>
-                <c:pt idx="4">
-                  <c:v>100</c:v>
-                </c:pt>
-                <c:pt idx="5">
-                  <c:v>100</c:v>
-                </c:pt>
-                <c:pt idx="6">
-                  <c:v>100</c:v>
-                </c:pt>
-                <c:pt idx="7">
-                  <c:v>100</c:v>
-                </c:pt>
-                <c:pt idx="8">
-                  <c:v>100</c:v>
-                </c:pt>
-                <c:pt idx="9">
-                  <c:v>100</c:v>
-                </c:pt>
-              </c:numCache>
-            </c:numRef>
-          </c:val>
-          <c:smooth val="0"/>
-          <c:extLst>
-            <c:ext xmlns:c16="http://schemas.microsoft.com/office/drawing/2014/chart" uri="{C3380CC4-5D6E-409C-BE32-E72D297353CC}">
-              <c16:uniqueId val="{00000009-11EB-4D02-9D76-61B1C45FD108}"/>
-            </c:ext>
-          </c:extLst>
-        </c:ser>
-        <c:dLbls>
-          <c:showLegendKey val="0"/>
-          <c:showVal val="0"/>
-          <c:showCatName val="0"/>
-          <c:showSerName val="0"/>
-          <c:showPercent val="0"/>
-          <c:showBubbleSize val="0"/>
-        </c:dLbls>
-        <c:smooth val="0"/>
-        <c:axId val="103581568"/>
-        <c:axId val="103583104"/>
-      </c:lineChart>
-      <c:catAx>
-        <c:axId val="103581568"/>
-        <c:scaling>
-          <c:orientation val="minMax"/>
-        </c:scaling>
-        <c:delete val="0"/>
-        <c:axPos val="b"/>
-        <c:majorTickMark val="out"/>
-        <c:minorTickMark val="none"/>
-        <c:tickLblPos val="nextTo"/>
-        <c:crossAx val="103583104"/>
-        <c:crosses val="autoZero"/>
-        <c:auto val="1"/>
-        <c:lblAlgn val="ctr"/>
-        <c:lblOffset val="100"/>
-        <c:noMultiLvlLbl val="0"/>
-      </c:catAx>
-      <c:valAx>
-        <c:axId val="103583104"/>
-        <c:scaling>
-          <c:orientation val="minMax"/>
-          <c:max val="300"/>
-        </c:scaling>
-        <c:delete val="0"/>
-        <c:axPos val="l"/>
-        <c:majorGridlines/>
-        <c:numFmt formatCode="General" sourceLinked="1"/>
-        <c:majorTickMark val="out"/>
-        <c:minorTickMark val="none"/>
-        <c:tickLblPos val="nextTo"/>
-        <c:crossAx val="103581568"/>
-        <c:crosses val="autoZero"/>
-        <c:crossBetween val="between"/>
-      </c:valAx>
-    </c:plotArea>
-    <c:plotVisOnly val="1"/>
-    <c:dispBlanksAs val="gap"/>
-    <c:showDLblsOverMax val="0"/>
-  </c:chart>
-  <c:spPr>
-    <a:gradFill>
-      <a:gsLst>
-        <a:gs pos="0">
-          <a:srgbClr val="5B9BD5">
-            <a:tint val="66000"/>
-            <a:satMod val="160000"/>
-          </a:srgbClr>
-        </a:gs>
-        <a:gs pos="50000">
-          <a:srgbClr val="5B9BD5">
-            <a:tint val="44500"/>
-            <a:satMod val="160000"/>
-          </a:srgbClr>
-        </a:gs>
-        <a:gs pos="100000">
-          <a:srgbClr val="5B9BD5">
-            <a:tint val="23500"/>
-            <a:satMod val="160000"/>
-          </a:srgbClr>
-        </a:gs>
-      </a:gsLst>
-      <a:lin ang="5400000" scaled="0"/>
-    </a:gradFill>
-  </c:spPr>
-  <c:externalData r:id="rId1">
-    <c:autoUpdate val="0"/>
-  </c:externalData>
-</c:chartSpace>
-</file>
-
-<file path=ppt/charts/chart9.xml><?xml version="1.0" encoding="utf-8"?>
-<c:chartSpace xmlns:c="http://schemas.openxmlformats.org/drawingml/2006/chart" xmlns:a="http://schemas.openxmlformats.org/drawingml/2006/main" xmlns:r="http://schemas.openxmlformats.org/officeDocument/2006/relationships" xmlns:c16r2="http://schemas.microsoft.com/office/drawing/2015/06/chart">
-  <c:date1904 val="0"/>
-  <c:lang val="ja-JP"/>
-  <c:roundedCorners val="0"/>
-  <mc:AlternateContent xmlns:mc="http://schemas.openxmlformats.org/markup-compatibility/2006">
-    <mc:Choice xmlns:c14="http://schemas.microsoft.com/office/drawing/2007/8/2/chart" Requires="c14">
-      <c14:style val="102"/>
-    </mc:Choice>
-    <mc:Fallback>
-      <c:style val="2"/>
-    </mc:Fallback>
-  </mc:AlternateContent>
-  <c:chart>
-    <c:autoTitleDeleted val="0"/>
-    <c:plotArea>
-      <c:layout/>
-      <c:lineChart>
-        <c:grouping val="standard"/>
-        <c:varyColors val="0"/>
-        <c:ser>
-          <c:idx val="0"/>
-          <c:order val="0"/>
-          <c:marker>
-            <c:symbol val="none"/>
-          </c:marker>
-          <c:val>
-            <c:numRef>
               <c:f>Sheet1!$L$61:$U$61</c:f>
               <c:numCache>
                 <c:formatCode>General</c:formatCode>
@@ -7810,6 +5924,620 @@
         <c:crossBetween val="between"/>
       </c:valAx>
     </c:plotArea>
+    <c:plotVisOnly val="1"/>
+    <c:dispBlanksAs val="zero"/>
+    <c:showDLblsOverMax val="0"/>
+  </c:chart>
+  <c:spPr>
+    <a:gradFill>
+      <a:gsLst>
+        <a:gs pos="0">
+          <a:srgbClr val="5B9BD5">
+            <a:tint val="66000"/>
+            <a:satMod val="160000"/>
+          </a:srgbClr>
+        </a:gs>
+        <a:gs pos="50000">
+          <a:srgbClr val="5B9BD5">
+            <a:tint val="44500"/>
+            <a:satMod val="160000"/>
+          </a:srgbClr>
+        </a:gs>
+        <a:gs pos="100000">
+          <a:srgbClr val="5B9BD5">
+            <a:tint val="23500"/>
+            <a:satMod val="160000"/>
+          </a:srgbClr>
+        </a:gs>
+      </a:gsLst>
+      <a:lin ang="5400000" scaled="0"/>
+    </a:gradFill>
+  </c:spPr>
+  <c:externalData r:id="rId1">
+    <c:autoUpdate val="0"/>
+  </c:externalData>
+</c:chartSpace>
+</file>
+
+<file path=ppt/charts/chart9.xml><?xml version="1.0" encoding="utf-8"?>
+<c:chartSpace xmlns:c="http://schemas.openxmlformats.org/drawingml/2006/chart" xmlns:a="http://schemas.openxmlformats.org/drawingml/2006/main" xmlns:r="http://schemas.openxmlformats.org/officeDocument/2006/relationships" xmlns:c16r2="http://schemas.microsoft.com/office/drawing/2015/06/chart">
+  <c:date1904 val="0"/>
+  <c:lang val="ja-JP"/>
+  <c:roundedCorners val="0"/>
+  <mc:AlternateContent xmlns:mc="http://schemas.openxmlformats.org/markup-compatibility/2006">
+    <mc:Choice xmlns:c14="http://schemas.microsoft.com/office/drawing/2007/8/2/chart" Requires="c14">
+      <c14:style val="102"/>
+    </mc:Choice>
+    <mc:Fallback>
+      <c:style val="2"/>
+    </mc:Fallback>
+  </mc:AlternateContent>
+  <c:chart>
+    <c:autoTitleDeleted val="0"/>
+    <c:view3D>
+      <c:rotX val="50"/>
+      <c:rotY val="0"/>
+      <c:rAngAx val="0"/>
+    </c:view3D>
+    <c:floor>
+      <c:thickness val="0"/>
+    </c:floor>
+    <c:sideWall>
+      <c:thickness val="0"/>
+    </c:sideWall>
+    <c:backWall>
+      <c:thickness val="0"/>
+    </c:backWall>
+    <c:plotArea>
+      <c:layout/>
+      <c:surface3DChart>
+        <c:wireframe val="0"/>
+        <c:ser>
+          <c:idx val="0"/>
+          <c:order val="0"/>
+          <c:val>
+            <c:numRef>
+              <c:f>Sheet1!$L$61:$U$61</c:f>
+              <c:numCache>
+                <c:formatCode>General</c:formatCode>
+                <c:ptCount val="10"/>
+                <c:pt idx="0">
+                  <c:v>0</c:v>
+                </c:pt>
+                <c:pt idx="1">
+                  <c:v>0</c:v>
+                </c:pt>
+                <c:pt idx="2">
+                  <c:v>0</c:v>
+                </c:pt>
+                <c:pt idx="3">
+                  <c:v>0</c:v>
+                </c:pt>
+                <c:pt idx="4">
+                  <c:v>0</c:v>
+                </c:pt>
+                <c:pt idx="5">
+                  <c:v>0</c:v>
+                </c:pt>
+                <c:pt idx="6">
+                  <c:v>0</c:v>
+                </c:pt>
+                <c:pt idx="7">
+                  <c:v>0</c:v>
+                </c:pt>
+                <c:pt idx="8">
+                  <c:v>0</c:v>
+                </c:pt>
+                <c:pt idx="9">
+                  <c:v>0</c:v>
+                </c:pt>
+              </c:numCache>
+            </c:numRef>
+          </c:val>
+          <c:extLst>
+            <c:ext xmlns:c16="http://schemas.microsoft.com/office/drawing/2014/chart" uri="{C3380CC4-5D6E-409C-BE32-E72D297353CC}">
+              <c16:uniqueId val="{00000000-4966-4F3C-841E-93FE55E0C70F}"/>
+            </c:ext>
+          </c:extLst>
+        </c:ser>
+        <c:ser>
+          <c:idx val="1"/>
+          <c:order val="1"/>
+          <c:val>
+            <c:numRef>
+              <c:f>Sheet1!$L$62:$U$62</c:f>
+              <c:numCache>
+                <c:formatCode>General</c:formatCode>
+                <c:ptCount val="10"/>
+                <c:pt idx="0">
+                  <c:v>0</c:v>
+                </c:pt>
+                <c:pt idx="1">
+                  <c:v>100</c:v>
+                </c:pt>
+                <c:pt idx="2">
+                  <c:v>100</c:v>
+                </c:pt>
+                <c:pt idx="3">
+                  <c:v>100</c:v>
+                </c:pt>
+                <c:pt idx="4">
+                  <c:v>100</c:v>
+                </c:pt>
+                <c:pt idx="5">
+                  <c:v>100</c:v>
+                </c:pt>
+                <c:pt idx="6">
+                  <c:v>100</c:v>
+                </c:pt>
+                <c:pt idx="7">
+                  <c:v>100</c:v>
+                </c:pt>
+                <c:pt idx="8">
+                  <c:v>100</c:v>
+                </c:pt>
+                <c:pt idx="9">
+                  <c:v>0</c:v>
+                </c:pt>
+              </c:numCache>
+            </c:numRef>
+          </c:val>
+          <c:extLst>
+            <c:ext xmlns:c16="http://schemas.microsoft.com/office/drawing/2014/chart" uri="{C3380CC4-5D6E-409C-BE32-E72D297353CC}">
+              <c16:uniqueId val="{00000001-4966-4F3C-841E-93FE55E0C70F}"/>
+            </c:ext>
+          </c:extLst>
+        </c:ser>
+        <c:ser>
+          <c:idx val="2"/>
+          <c:order val="2"/>
+          <c:val>
+            <c:numRef>
+              <c:f>Sheet1!$L$63:$U$63</c:f>
+              <c:numCache>
+                <c:formatCode>General</c:formatCode>
+                <c:ptCount val="10"/>
+                <c:pt idx="0">
+                  <c:v>0</c:v>
+                </c:pt>
+                <c:pt idx="1">
+                  <c:v>100</c:v>
+                </c:pt>
+                <c:pt idx="2">
+                  <c:v>100</c:v>
+                </c:pt>
+                <c:pt idx="3">
+                  <c:v>100</c:v>
+                </c:pt>
+                <c:pt idx="4">
+                  <c:v>100</c:v>
+                </c:pt>
+                <c:pt idx="5">
+                  <c:v>100</c:v>
+                </c:pt>
+                <c:pt idx="6">
+                  <c:v>100</c:v>
+                </c:pt>
+                <c:pt idx="7">
+                  <c:v>100</c:v>
+                </c:pt>
+                <c:pt idx="8">
+                  <c:v>100</c:v>
+                </c:pt>
+                <c:pt idx="9">
+                  <c:v>0</c:v>
+                </c:pt>
+              </c:numCache>
+            </c:numRef>
+          </c:val>
+          <c:extLst>
+            <c:ext xmlns:c16="http://schemas.microsoft.com/office/drawing/2014/chart" uri="{C3380CC4-5D6E-409C-BE32-E72D297353CC}">
+              <c16:uniqueId val="{00000002-4966-4F3C-841E-93FE55E0C70F}"/>
+            </c:ext>
+          </c:extLst>
+        </c:ser>
+        <c:ser>
+          <c:idx val="3"/>
+          <c:order val="3"/>
+          <c:val>
+            <c:numRef>
+              <c:f>Sheet1!$L$64:$U$64</c:f>
+              <c:numCache>
+                <c:formatCode>General</c:formatCode>
+                <c:ptCount val="10"/>
+                <c:pt idx="0">
+                  <c:v>0</c:v>
+                </c:pt>
+                <c:pt idx="1">
+                  <c:v>100</c:v>
+                </c:pt>
+                <c:pt idx="2">
+                  <c:v>100</c:v>
+                </c:pt>
+                <c:pt idx="3">
+                  <c:v>100</c:v>
+                </c:pt>
+                <c:pt idx="4">
+                  <c:v>0</c:v>
+                </c:pt>
+                <c:pt idx="5">
+                  <c:v>0</c:v>
+                </c:pt>
+                <c:pt idx="6">
+                  <c:v>100</c:v>
+                </c:pt>
+                <c:pt idx="7">
+                  <c:v>100</c:v>
+                </c:pt>
+                <c:pt idx="8">
+                  <c:v>100</c:v>
+                </c:pt>
+                <c:pt idx="9">
+                  <c:v>0</c:v>
+                </c:pt>
+              </c:numCache>
+            </c:numRef>
+          </c:val>
+          <c:extLst>
+            <c:ext xmlns:c16="http://schemas.microsoft.com/office/drawing/2014/chart" uri="{C3380CC4-5D6E-409C-BE32-E72D297353CC}">
+              <c16:uniqueId val="{00000003-4966-4F3C-841E-93FE55E0C70F}"/>
+            </c:ext>
+          </c:extLst>
+        </c:ser>
+        <c:ser>
+          <c:idx val="4"/>
+          <c:order val="4"/>
+          <c:val>
+            <c:numRef>
+              <c:f>Sheet1!$L$65:$U$65</c:f>
+              <c:numCache>
+                <c:formatCode>General</c:formatCode>
+                <c:ptCount val="10"/>
+                <c:pt idx="0">
+                  <c:v>0</c:v>
+                </c:pt>
+                <c:pt idx="1">
+                  <c:v>100</c:v>
+                </c:pt>
+                <c:pt idx="2">
+                  <c:v>100</c:v>
+                </c:pt>
+                <c:pt idx="3">
+                  <c:v>0</c:v>
+                </c:pt>
+                <c:pt idx="4">
+                  <c:v>255</c:v>
+                </c:pt>
+                <c:pt idx="5">
+                  <c:v>255</c:v>
+                </c:pt>
+                <c:pt idx="6">
+                  <c:v>0</c:v>
+                </c:pt>
+                <c:pt idx="7">
+                  <c:v>100</c:v>
+                </c:pt>
+                <c:pt idx="8">
+                  <c:v>100</c:v>
+                </c:pt>
+                <c:pt idx="9">
+                  <c:v>0</c:v>
+                </c:pt>
+              </c:numCache>
+            </c:numRef>
+          </c:val>
+          <c:extLst>
+            <c:ext xmlns:c16="http://schemas.microsoft.com/office/drawing/2014/chart" uri="{C3380CC4-5D6E-409C-BE32-E72D297353CC}">
+              <c16:uniqueId val="{00000004-4966-4F3C-841E-93FE55E0C70F}"/>
+            </c:ext>
+          </c:extLst>
+        </c:ser>
+        <c:ser>
+          <c:idx val="5"/>
+          <c:order val="5"/>
+          <c:val>
+            <c:numRef>
+              <c:f>Sheet1!$L$66:$U$66</c:f>
+              <c:numCache>
+                <c:formatCode>General</c:formatCode>
+                <c:ptCount val="10"/>
+                <c:pt idx="0">
+                  <c:v>0</c:v>
+                </c:pt>
+                <c:pt idx="1">
+                  <c:v>100</c:v>
+                </c:pt>
+                <c:pt idx="2">
+                  <c:v>100</c:v>
+                </c:pt>
+                <c:pt idx="3">
+                  <c:v>0</c:v>
+                </c:pt>
+                <c:pt idx="4">
+                  <c:v>255</c:v>
+                </c:pt>
+                <c:pt idx="5">
+                  <c:v>255</c:v>
+                </c:pt>
+                <c:pt idx="6">
+                  <c:v>0</c:v>
+                </c:pt>
+                <c:pt idx="7">
+                  <c:v>100</c:v>
+                </c:pt>
+                <c:pt idx="8">
+                  <c:v>100</c:v>
+                </c:pt>
+                <c:pt idx="9">
+                  <c:v>0</c:v>
+                </c:pt>
+              </c:numCache>
+            </c:numRef>
+          </c:val>
+          <c:extLst>
+            <c:ext xmlns:c16="http://schemas.microsoft.com/office/drawing/2014/chart" uri="{C3380CC4-5D6E-409C-BE32-E72D297353CC}">
+              <c16:uniqueId val="{00000005-4966-4F3C-841E-93FE55E0C70F}"/>
+            </c:ext>
+          </c:extLst>
+        </c:ser>
+        <c:ser>
+          <c:idx val="6"/>
+          <c:order val="6"/>
+          <c:val>
+            <c:numRef>
+              <c:f>Sheet1!$L$67:$U$67</c:f>
+              <c:numCache>
+                <c:formatCode>General</c:formatCode>
+                <c:ptCount val="10"/>
+                <c:pt idx="0">
+                  <c:v>0</c:v>
+                </c:pt>
+                <c:pt idx="1">
+                  <c:v>100</c:v>
+                </c:pt>
+                <c:pt idx="2">
+                  <c:v>100</c:v>
+                </c:pt>
+                <c:pt idx="3">
+                  <c:v>100</c:v>
+                </c:pt>
+                <c:pt idx="4">
+                  <c:v>0</c:v>
+                </c:pt>
+                <c:pt idx="5">
+                  <c:v>0</c:v>
+                </c:pt>
+                <c:pt idx="6">
+                  <c:v>100</c:v>
+                </c:pt>
+                <c:pt idx="7">
+                  <c:v>100</c:v>
+                </c:pt>
+                <c:pt idx="8">
+                  <c:v>100</c:v>
+                </c:pt>
+                <c:pt idx="9">
+                  <c:v>0</c:v>
+                </c:pt>
+              </c:numCache>
+            </c:numRef>
+          </c:val>
+          <c:extLst>
+            <c:ext xmlns:c16="http://schemas.microsoft.com/office/drawing/2014/chart" uri="{C3380CC4-5D6E-409C-BE32-E72D297353CC}">
+              <c16:uniqueId val="{00000006-4966-4F3C-841E-93FE55E0C70F}"/>
+            </c:ext>
+          </c:extLst>
+        </c:ser>
+        <c:ser>
+          <c:idx val="7"/>
+          <c:order val="7"/>
+          <c:val>
+            <c:numRef>
+              <c:f>Sheet1!$L$68:$U$68</c:f>
+              <c:numCache>
+                <c:formatCode>General</c:formatCode>
+                <c:ptCount val="10"/>
+                <c:pt idx="0">
+                  <c:v>0</c:v>
+                </c:pt>
+                <c:pt idx="1">
+                  <c:v>100</c:v>
+                </c:pt>
+                <c:pt idx="2">
+                  <c:v>100</c:v>
+                </c:pt>
+                <c:pt idx="3">
+                  <c:v>100</c:v>
+                </c:pt>
+                <c:pt idx="4">
+                  <c:v>100</c:v>
+                </c:pt>
+                <c:pt idx="5">
+                  <c:v>100</c:v>
+                </c:pt>
+                <c:pt idx="6">
+                  <c:v>100</c:v>
+                </c:pt>
+                <c:pt idx="7">
+                  <c:v>100</c:v>
+                </c:pt>
+                <c:pt idx="8">
+                  <c:v>100</c:v>
+                </c:pt>
+                <c:pt idx="9">
+                  <c:v>0</c:v>
+                </c:pt>
+              </c:numCache>
+            </c:numRef>
+          </c:val>
+          <c:extLst>
+            <c:ext xmlns:c16="http://schemas.microsoft.com/office/drawing/2014/chart" uri="{C3380CC4-5D6E-409C-BE32-E72D297353CC}">
+              <c16:uniqueId val="{00000007-4966-4F3C-841E-93FE55E0C70F}"/>
+            </c:ext>
+          </c:extLst>
+        </c:ser>
+        <c:ser>
+          <c:idx val="8"/>
+          <c:order val="8"/>
+          <c:val>
+            <c:numRef>
+              <c:f>Sheet1!$L$69:$U$69</c:f>
+              <c:numCache>
+                <c:formatCode>General</c:formatCode>
+                <c:ptCount val="10"/>
+                <c:pt idx="0">
+                  <c:v>0</c:v>
+                </c:pt>
+                <c:pt idx="1">
+                  <c:v>100</c:v>
+                </c:pt>
+                <c:pt idx="2">
+                  <c:v>100</c:v>
+                </c:pt>
+                <c:pt idx="3">
+                  <c:v>100</c:v>
+                </c:pt>
+                <c:pt idx="4">
+                  <c:v>100</c:v>
+                </c:pt>
+                <c:pt idx="5">
+                  <c:v>100</c:v>
+                </c:pt>
+                <c:pt idx="6">
+                  <c:v>100</c:v>
+                </c:pt>
+                <c:pt idx="7">
+                  <c:v>100</c:v>
+                </c:pt>
+                <c:pt idx="8">
+                  <c:v>100</c:v>
+                </c:pt>
+                <c:pt idx="9">
+                  <c:v>0</c:v>
+                </c:pt>
+              </c:numCache>
+            </c:numRef>
+          </c:val>
+          <c:extLst>
+            <c:ext xmlns:c16="http://schemas.microsoft.com/office/drawing/2014/chart" uri="{C3380CC4-5D6E-409C-BE32-E72D297353CC}">
+              <c16:uniqueId val="{00000008-4966-4F3C-841E-93FE55E0C70F}"/>
+            </c:ext>
+          </c:extLst>
+        </c:ser>
+        <c:ser>
+          <c:idx val="9"/>
+          <c:order val="9"/>
+          <c:val>
+            <c:numRef>
+              <c:f>Sheet1!$L$70:$U$70</c:f>
+              <c:numCache>
+                <c:formatCode>General</c:formatCode>
+                <c:ptCount val="10"/>
+                <c:pt idx="0">
+                  <c:v>0</c:v>
+                </c:pt>
+                <c:pt idx="1">
+                  <c:v>0</c:v>
+                </c:pt>
+                <c:pt idx="2">
+                  <c:v>0</c:v>
+                </c:pt>
+                <c:pt idx="3">
+                  <c:v>0</c:v>
+                </c:pt>
+                <c:pt idx="4">
+                  <c:v>0</c:v>
+                </c:pt>
+                <c:pt idx="5">
+                  <c:v>0</c:v>
+                </c:pt>
+                <c:pt idx="6">
+                  <c:v>0</c:v>
+                </c:pt>
+                <c:pt idx="7">
+                  <c:v>0</c:v>
+                </c:pt>
+                <c:pt idx="8">
+                  <c:v>0</c:v>
+                </c:pt>
+                <c:pt idx="9">
+                  <c:v>0</c:v>
+                </c:pt>
+              </c:numCache>
+            </c:numRef>
+          </c:val>
+          <c:extLst>
+            <c:ext xmlns:c16="http://schemas.microsoft.com/office/drawing/2014/chart" uri="{C3380CC4-5D6E-409C-BE32-E72D297353CC}">
+              <c16:uniqueId val="{00000009-4966-4F3C-841E-93FE55E0C70F}"/>
+            </c:ext>
+          </c:extLst>
+        </c:ser>
+        <c:bandFmts/>
+        <c:axId val="103803904"/>
+        <c:axId val="103822080"/>
+        <c:axId val="103809024"/>
+      </c:surface3DChart>
+      <c:catAx>
+        <c:axId val="103803904"/>
+        <c:scaling>
+          <c:orientation val="minMax"/>
+        </c:scaling>
+        <c:delete val="0"/>
+        <c:axPos val="b"/>
+        <c:majorTickMark val="out"/>
+        <c:minorTickMark val="none"/>
+        <c:tickLblPos val="nextTo"/>
+        <c:crossAx val="103822080"/>
+        <c:crosses val="autoZero"/>
+        <c:auto val="1"/>
+        <c:lblAlgn val="ctr"/>
+        <c:lblOffset val="100"/>
+        <c:noMultiLvlLbl val="0"/>
+      </c:catAx>
+      <c:valAx>
+        <c:axId val="103822080"/>
+        <c:scaling>
+          <c:orientation val="minMax"/>
+        </c:scaling>
+        <c:delete val="0"/>
+        <c:axPos val="l"/>
+        <c:majorGridlines/>
+        <c:numFmt formatCode="General" sourceLinked="1"/>
+        <c:majorTickMark val="out"/>
+        <c:minorTickMark val="none"/>
+        <c:tickLblPos val="nextTo"/>
+        <c:crossAx val="103803904"/>
+        <c:crosses val="autoZero"/>
+        <c:crossBetween val="midCat"/>
+      </c:valAx>
+      <c:serAx>
+        <c:axId val="103809024"/>
+        <c:scaling>
+          <c:orientation val="minMax"/>
+        </c:scaling>
+        <c:delete val="1"/>
+        <c:axPos val="b"/>
+        <c:majorTickMark val="out"/>
+        <c:minorTickMark val="none"/>
+        <c:tickLblPos val="none"/>
+        <c:crossAx val="103822080"/>
+        <c:crosses val="autoZero"/>
+      </c:serAx>
+    </c:plotArea>
+    <c:legend>
+      <c:legendPos val="r"/>
+      <c:overlay val="0"/>
+      <c:txPr>
+        <a:bodyPr/>
+        <a:lstStyle/>
+        <a:p>
+          <a:pPr rtl="0">
+            <a:defRPr/>
+          </a:pPr>
+          <a:endParaRPr lang="ja-JP"/>
+        </a:p>
+      </c:txPr>
+    </c:legend>
     <c:plotVisOnly val="1"/>
     <c:dispBlanksAs val="zero"/>
     <c:showDLblsOverMax val="0"/>
@@ -22722,6 +21450,66 @@
           </a:graphicData>
         </a:graphic>
       </p:graphicFrame>
+      <p:pic>
+        <p:nvPicPr>
+          <p:cNvPr id="6" name="図 5">
+            <a:extLst>
+              <a:ext uri="{FF2B5EF4-FFF2-40B4-BE49-F238E27FC236}">
+                <a16:creationId xmlns:a16="http://schemas.microsoft.com/office/drawing/2014/main" id="{39D68426-BF31-4EB4-91CB-142B6C428DEF}"/>
+              </a:ext>
+            </a:extLst>
+          </p:cNvPr>
+          <p:cNvPicPr>
+            <a:picLocks noChangeAspect="1"/>
+          </p:cNvPicPr>
+          <p:nvPr/>
+        </p:nvPicPr>
+        <p:blipFill>
+          <a:blip r:embed="rId5"/>
+          <a:stretch>
+            <a:fillRect/>
+          </a:stretch>
+        </p:blipFill>
+        <p:spPr>
+          <a:xfrm>
+            <a:off x="26069" y="2173181"/>
+            <a:ext cx="4517528" cy="3816427"/>
+          </a:xfrm>
+          <a:prstGeom prst="rect">
+            <a:avLst/>
+          </a:prstGeom>
+        </p:spPr>
+      </p:pic>
+      <p:pic>
+        <p:nvPicPr>
+          <p:cNvPr id="2" name="図 1">
+            <a:extLst>
+              <a:ext uri="{FF2B5EF4-FFF2-40B4-BE49-F238E27FC236}">
+                <a16:creationId xmlns:a16="http://schemas.microsoft.com/office/drawing/2014/main" id="{FE7EAB9C-2BD5-412B-A3C1-9FF4828CFFC4}"/>
+              </a:ext>
+            </a:extLst>
+          </p:cNvPr>
+          <p:cNvPicPr>
+            <a:picLocks noChangeAspect="1"/>
+          </p:cNvPicPr>
+          <p:nvPr/>
+        </p:nvPicPr>
+        <p:blipFill>
+          <a:blip r:embed="rId6"/>
+          <a:stretch>
+            <a:fillRect/>
+          </a:stretch>
+        </p:blipFill>
+        <p:spPr>
+          <a:xfrm>
+            <a:off x="4591968" y="2166908"/>
+            <a:ext cx="4517528" cy="3822523"/>
+          </a:xfrm>
+          <a:prstGeom prst="rect">
+            <a:avLst/>
+          </a:prstGeom>
+        </p:spPr>
+      </p:pic>
     </p:spTree>
   </p:cSld>
   <p:clrMapOvr>
@@ -23314,6 +22102,66 @@
           </a:graphicData>
         </a:graphic>
       </p:graphicFrame>
+      <p:pic>
+        <p:nvPicPr>
+          <p:cNvPr id="6" name="図 5">
+            <a:extLst>
+              <a:ext uri="{FF2B5EF4-FFF2-40B4-BE49-F238E27FC236}">
+                <a16:creationId xmlns:a16="http://schemas.microsoft.com/office/drawing/2014/main" id="{9C6357DB-54C9-4AD8-B836-BAE9D8B69435}"/>
+              </a:ext>
+            </a:extLst>
+          </p:cNvPr>
+          <p:cNvPicPr>
+            <a:picLocks noChangeAspect="1"/>
+          </p:cNvPicPr>
+          <p:nvPr/>
+        </p:nvPicPr>
+        <p:blipFill>
+          <a:blip r:embed="rId5"/>
+          <a:stretch>
+            <a:fillRect/>
+          </a:stretch>
+        </p:blipFill>
+        <p:spPr>
+          <a:xfrm>
+            <a:off x="66675" y="1917602"/>
+            <a:ext cx="4517528" cy="3816427"/>
+          </a:xfrm>
+          <a:prstGeom prst="rect">
+            <a:avLst/>
+          </a:prstGeom>
+        </p:spPr>
+      </p:pic>
+      <p:pic>
+        <p:nvPicPr>
+          <p:cNvPr id="2" name="図 1">
+            <a:extLst>
+              <a:ext uri="{FF2B5EF4-FFF2-40B4-BE49-F238E27FC236}">
+                <a16:creationId xmlns:a16="http://schemas.microsoft.com/office/drawing/2014/main" id="{1A1A270A-4F51-4F4D-B0C4-B9823269A49A}"/>
+              </a:ext>
+            </a:extLst>
+          </p:cNvPr>
+          <p:cNvPicPr>
+            <a:picLocks noChangeAspect="1"/>
+          </p:cNvPicPr>
+          <p:nvPr/>
+        </p:nvPicPr>
+        <p:blipFill>
+          <a:blip r:embed="rId6"/>
+          <a:stretch>
+            <a:fillRect/>
+          </a:stretch>
+        </p:blipFill>
+        <p:spPr>
+          <a:xfrm>
+            <a:off x="4730751" y="1920816"/>
+            <a:ext cx="4307232" cy="3822523"/>
+          </a:xfrm>
+          <a:prstGeom prst="rect">
+            <a:avLst/>
+          </a:prstGeom>
+        </p:spPr>
+      </p:pic>
     </p:spTree>
   </p:cSld>
   <p:clrMapOvr>
@@ -24116,28 +22964,96 @@
           </a:graphicData>
         </a:graphic>
       </p:graphicFrame>
-      <p:graphicFrame>
-        <p:nvGraphicFramePr>
-          <p:cNvPr id="10" name="グラフ 9"/>
-          <p:cNvGraphicFramePr/>
-          <p:nvPr>
-            <p:extLst>
-              <p:ext uri="{D42A27DB-BD31-4B8C-83A1-F6EECF244321}">
-                <p14:modId xmlns:p14="http://schemas.microsoft.com/office/powerpoint/2010/main" val="1681444403"/>
-              </p:ext>
-            </p:extLst>
-          </p:nvPr>
-        </p:nvGraphicFramePr>
-        <p:xfrm>
-          <a:off x="26503" y="1941932"/>
-          <a:ext cx="4545497" cy="3809999"/>
-        </p:xfrm>
-        <a:graphic>
-          <a:graphicData uri="http://schemas.openxmlformats.org/drawingml/2006/chart">
-            <c:chart xmlns:c="http://schemas.openxmlformats.org/drawingml/2006/chart" xmlns:r="http://schemas.openxmlformats.org/officeDocument/2006/relationships" r:id="rId4"/>
-          </a:graphicData>
-        </a:graphic>
-      </p:graphicFrame>
+      <p:pic>
+        <p:nvPicPr>
+          <p:cNvPr id="2" name="図 1">
+            <a:extLst>
+              <a:ext uri="{FF2B5EF4-FFF2-40B4-BE49-F238E27FC236}">
+                <a16:creationId xmlns:a16="http://schemas.microsoft.com/office/drawing/2014/main" id="{A8BB3FEB-2AAB-4585-A607-DA1817907815}"/>
+              </a:ext>
+            </a:extLst>
+          </p:cNvPr>
+          <p:cNvPicPr>
+            <a:picLocks noChangeAspect="1"/>
+          </p:cNvPicPr>
+          <p:nvPr/>
+        </p:nvPicPr>
+        <p:blipFill>
+          <a:blip r:embed="rId4"/>
+          <a:stretch>
+            <a:fillRect/>
+          </a:stretch>
+        </p:blipFill>
+        <p:spPr>
+          <a:xfrm>
+            <a:off x="26503" y="1935669"/>
+            <a:ext cx="4517528" cy="3822523"/>
+          </a:xfrm>
+          <a:prstGeom prst="rect">
+            <a:avLst/>
+          </a:prstGeom>
+        </p:spPr>
+      </p:pic>
+      <p:pic>
+        <p:nvPicPr>
+          <p:cNvPr id="3" name="図 2">
+            <a:extLst>
+              <a:ext uri="{FF2B5EF4-FFF2-40B4-BE49-F238E27FC236}">
+                <a16:creationId xmlns:a16="http://schemas.microsoft.com/office/drawing/2014/main" id="{EDDB18F6-AFFA-4095-8FD8-56B88FA0DA44}"/>
+              </a:ext>
+            </a:extLst>
+          </p:cNvPr>
+          <p:cNvPicPr>
+            <a:picLocks noChangeAspect="1"/>
+          </p:cNvPicPr>
+          <p:nvPr/>
+        </p:nvPicPr>
+        <p:blipFill>
+          <a:blip r:embed="rId5"/>
+          <a:stretch>
+            <a:fillRect/>
+          </a:stretch>
+        </p:blipFill>
+        <p:spPr>
+          <a:xfrm>
+            <a:off x="4730750" y="1941931"/>
+            <a:ext cx="4320485" cy="3822523"/>
+          </a:xfrm>
+          <a:prstGeom prst="rect">
+            <a:avLst/>
+          </a:prstGeom>
+        </p:spPr>
+      </p:pic>
+      <p:pic>
+        <p:nvPicPr>
+          <p:cNvPr id="4" name="図 3">
+            <a:extLst>
+              <a:ext uri="{FF2B5EF4-FFF2-40B4-BE49-F238E27FC236}">
+                <a16:creationId xmlns:a16="http://schemas.microsoft.com/office/drawing/2014/main" id="{46211EDF-13FF-4E13-B3C2-BEFC5A8C92DA}"/>
+              </a:ext>
+            </a:extLst>
+          </p:cNvPr>
+          <p:cNvPicPr>
+            <a:picLocks noChangeAspect="1"/>
+          </p:cNvPicPr>
+          <p:nvPr/>
+        </p:nvPicPr>
+        <p:blipFill>
+          <a:blip r:embed="rId6"/>
+          <a:stretch>
+            <a:fillRect/>
+          </a:stretch>
+        </p:blipFill>
+        <p:spPr>
+          <a:xfrm>
+            <a:off x="26503" y="1935669"/>
+            <a:ext cx="4517528" cy="3822523"/>
+          </a:xfrm>
+          <a:prstGeom prst="rect">
+            <a:avLst/>
+          </a:prstGeom>
+        </p:spPr>
+      </p:pic>
     </p:spTree>
   </p:cSld>
   <p:clrMapOvr>
@@ -24691,30 +23607,66 @@
           </a:graphicData>
         </a:graphic>
       </p:graphicFrame>
-      <p:graphicFrame>
-        <p:nvGraphicFramePr>
-          <p:cNvPr id="8" name="グラフ 7"/>
-          <p:cNvGraphicFramePr>
-            <a:graphicFrameLocks/>
-          </p:cNvGraphicFramePr>
-          <p:nvPr>
-            <p:extLst>
-              <p:ext uri="{D42A27DB-BD31-4B8C-83A1-F6EECF244321}">
-                <p14:modId xmlns:p14="http://schemas.microsoft.com/office/powerpoint/2010/main" val="556686192"/>
-              </p:ext>
-            </p:extLst>
-          </p:nvPr>
-        </p:nvGraphicFramePr>
-        <p:xfrm>
-          <a:off x="26504" y="1941931"/>
-          <a:ext cx="4545497" cy="3810000"/>
-        </p:xfrm>
-        <a:graphic>
-          <a:graphicData uri="http://schemas.openxmlformats.org/drawingml/2006/chart">
-            <c:chart xmlns:c="http://schemas.openxmlformats.org/drawingml/2006/chart" xmlns:r="http://schemas.openxmlformats.org/officeDocument/2006/relationships" r:id="rId4"/>
-          </a:graphicData>
-        </a:graphic>
-      </p:graphicFrame>
+      <p:pic>
+        <p:nvPicPr>
+          <p:cNvPr id="6" name="図 5">
+            <a:extLst>
+              <a:ext uri="{FF2B5EF4-FFF2-40B4-BE49-F238E27FC236}">
+                <a16:creationId xmlns:a16="http://schemas.microsoft.com/office/drawing/2014/main" id="{A4A9481E-D1DE-4215-BC25-6F2DD759E85E}"/>
+              </a:ext>
+            </a:extLst>
+          </p:cNvPr>
+          <p:cNvPicPr>
+            <a:picLocks noChangeAspect="1"/>
+          </p:cNvPicPr>
+          <p:nvPr/>
+        </p:nvPicPr>
+        <p:blipFill>
+          <a:blip r:embed="rId4"/>
+          <a:stretch>
+            <a:fillRect/>
+          </a:stretch>
+        </p:blipFill>
+        <p:spPr>
+          <a:xfrm>
+            <a:off x="4730750" y="1941931"/>
+            <a:ext cx="4320485" cy="3822523"/>
+          </a:xfrm>
+          <a:prstGeom prst="rect">
+            <a:avLst/>
+          </a:prstGeom>
+        </p:spPr>
+      </p:pic>
+      <p:pic>
+        <p:nvPicPr>
+          <p:cNvPr id="3" name="図 2">
+            <a:extLst>
+              <a:ext uri="{FF2B5EF4-FFF2-40B4-BE49-F238E27FC236}">
+                <a16:creationId xmlns:a16="http://schemas.microsoft.com/office/drawing/2014/main" id="{726DC929-793F-4D62-8109-89614D610C38}"/>
+              </a:ext>
+            </a:extLst>
+          </p:cNvPr>
+          <p:cNvPicPr>
+            <a:picLocks noChangeAspect="1"/>
+          </p:cNvPicPr>
+          <p:nvPr/>
+        </p:nvPicPr>
+        <p:blipFill>
+          <a:blip r:embed="rId5"/>
+          <a:stretch>
+            <a:fillRect/>
+          </a:stretch>
+        </p:blipFill>
+        <p:spPr>
+          <a:xfrm>
+            <a:off x="26504" y="1928239"/>
+            <a:ext cx="4517528" cy="3822523"/>
+          </a:xfrm>
+          <a:prstGeom prst="rect">
+            <a:avLst/>
+          </a:prstGeom>
+        </p:spPr>
+      </p:pic>
     </p:spTree>
   </p:cSld>
   <p:clrMapOvr>
@@ -24724,7 +23676,7 @@
 </file>
 
 <file path=ppt/slides/slide21.xml><?xml version="1.0" encoding="utf-8"?>
-<p:sld xmlns:a="http://schemas.openxmlformats.org/drawingml/2006/main" xmlns:r="http://schemas.openxmlformats.org/officeDocument/2006/relationships" xmlns:p="http://schemas.openxmlformats.org/presentationml/2006/main">
+<p:sld xmlns:a="http://schemas.openxmlformats.org/drawingml/2006/main" xmlns:r="http://schemas.openxmlformats.org/officeDocument/2006/relationships" xmlns:p="http://schemas.openxmlformats.org/presentationml/2006/main" show="0">
   <p:cSld>
     <p:spTree>
       <p:nvGrpSpPr>
@@ -26519,6 +25471,66 @@
           </a:graphicData>
         </a:graphic>
       </p:graphicFrame>
+      <p:pic>
+        <p:nvPicPr>
+          <p:cNvPr id="2" name="図 1">
+            <a:extLst>
+              <a:ext uri="{FF2B5EF4-FFF2-40B4-BE49-F238E27FC236}">
+                <a16:creationId xmlns:a16="http://schemas.microsoft.com/office/drawing/2014/main" id="{7AFDD117-A68F-4539-8F2A-E5EC0D452EDE}"/>
+              </a:ext>
+            </a:extLst>
+          </p:cNvPr>
+          <p:cNvPicPr>
+            <a:picLocks noChangeAspect="1"/>
+          </p:cNvPicPr>
+          <p:nvPr/>
+        </p:nvPicPr>
+        <p:blipFill>
+          <a:blip r:embed="rId5"/>
+          <a:stretch>
+            <a:fillRect/>
+          </a:stretch>
+        </p:blipFill>
+        <p:spPr>
+          <a:xfrm>
+            <a:off x="66675" y="2257246"/>
+            <a:ext cx="4517528" cy="3816427"/>
+          </a:xfrm>
+          <a:prstGeom prst="rect">
+            <a:avLst/>
+          </a:prstGeom>
+        </p:spPr>
+      </p:pic>
+      <p:pic>
+        <p:nvPicPr>
+          <p:cNvPr id="3" name="図 2">
+            <a:extLst>
+              <a:ext uri="{FF2B5EF4-FFF2-40B4-BE49-F238E27FC236}">
+                <a16:creationId xmlns:a16="http://schemas.microsoft.com/office/drawing/2014/main" id="{72612DB9-33C4-4993-AD81-B4AF4791601A}"/>
+              </a:ext>
+            </a:extLst>
+          </p:cNvPr>
+          <p:cNvPicPr>
+            <a:picLocks noChangeAspect="1"/>
+          </p:cNvPicPr>
+          <p:nvPr/>
+        </p:nvPicPr>
+        <p:blipFill>
+          <a:blip r:embed="rId6"/>
+          <a:stretch>
+            <a:fillRect/>
+          </a:stretch>
+        </p:blipFill>
+        <p:spPr>
+          <a:xfrm>
+            <a:off x="4730752" y="2257246"/>
+            <a:ext cx="4320484" cy="3822523"/>
+          </a:xfrm>
+          <a:prstGeom prst="rect">
+            <a:avLst/>
+          </a:prstGeom>
+        </p:spPr>
+      </p:pic>
     </p:spTree>
   </p:cSld>
   <p:clrMapOvr>

--- a/exp_c/slide/exp_C_refine.pptx
+++ b/exp_c/slide/exp_C_refine.pptx
@@ -5,7 +5,7 @@
     <p:sldMasterId id="2147483659" r:id="rId1"/>
   </p:sldMasterIdLst>
   <p:notesMasterIdLst>
-    <p:notesMasterId r:id="rId24"/>
+    <p:notesMasterId r:id="rId23"/>
   </p:notesMasterIdLst>
   <p:sldIdLst>
     <p:sldId id="269" r:id="rId2"/>
@@ -28,8 +28,7 @@
     <p:sldId id="277" r:id="rId19"/>
     <p:sldId id="274" r:id="rId20"/>
     <p:sldId id="278" r:id="rId21"/>
-    <p:sldId id="267" r:id="rId22"/>
-    <p:sldId id="273" r:id="rId23"/>
+    <p:sldId id="273" r:id="rId22"/>
   </p:sldIdLst>
   <p:sldSz cx="9144000" cy="6858000" type="screen4x3"/>
   <p:notesSz cx="6858000" cy="9144000"/>
@@ -914,621 +913,6 @@
 </c:chartSpace>
 </file>
 
-<file path=ppt/charts/chart10.xml><?xml version="1.0" encoding="utf-8"?>
-<c:chartSpace xmlns:c="http://schemas.openxmlformats.org/drawingml/2006/chart" xmlns:a="http://schemas.openxmlformats.org/drawingml/2006/main" xmlns:r="http://schemas.openxmlformats.org/officeDocument/2006/relationships" xmlns:c16r2="http://schemas.microsoft.com/office/drawing/2015/06/chart">
-  <c:date1904 val="0"/>
-  <c:lang val="ja-JP"/>
-  <c:roundedCorners val="0"/>
-  <mc:AlternateContent xmlns:mc="http://schemas.openxmlformats.org/markup-compatibility/2006">
-    <mc:Choice xmlns:c14="http://schemas.microsoft.com/office/drawing/2007/8/2/chart" Requires="c14">
-      <c14:style val="102"/>
-    </mc:Choice>
-    <mc:Fallback>
-      <c:style val="2"/>
-    </mc:Fallback>
-  </mc:AlternateContent>
-  <c:chart>
-    <c:autoTitleDeleted val="0"/>
-    <c:view3D>
-      <c:rotX val="50"/>
-      <c:rotY val="0"/>
-      <c:rAngAx val="0"/>
-      <c:perspective val="20"/>
-    </c:view3D>
-    <c:floor>
-      <c:thickness val="0"/>
-    </c:floor>
-    <c:sideWall>
-      <c:thickness val="0"/>
-    </c:sideWall>
-    <c:backWall>
-      <c:thickness val="0"/>
-    </c:backWall>
-    <c:plotArea>
-      <c:layout/>
-      <c:surface3DChart>
-        <c:wireframe val="0"/>
-        <c:ser>
-          <c:idx val="0"/>
-          <c:order val="0"/>
-          <c:val>
-            <c:numRef>
-              <c:f>Sheet1!$A$61:$J$61</c:f>
-              <c:numCache>
-                <c:formatCode>General</c:formatCode>
-                <c:ptCount val="10"/>
-                <c:pt idx="0">
-                  <c:v>0</c:v>
-                </c:pt>
-                <c:pt idx="1">
-                  <c:v>0</c:v>
-                </c:pt>
-                <c:pt idx="2">
-                  <c:v>0</c:v>
-                </c:pt>
-                <c:pt idx="3">
-                  <c:v>0</c:v>
-                </c:pt>
-                <c:pt idx="4">
-                  <c:v>0</c:v>
-                </c:pt>
-                <c:pt idx="5">
-                  <c:v>0</c:v>
-                </c:pt>
-                <c:pt idx="6">
-                  <c:v>0</c:v>
-                </c:pt>
-                <c:pt idx="7">
-                  <c:v>0</c:v>
-                </c:pt>
-                <c:pt idx="8">
-                  <c:v>0</c:v>
-                </c:pt>
-                <c:pt idx="9">
-                  <c:v>0</c:v>
-                </c:pt>
-              </c:numCache>
-            </c:numRef>
-          </c:val>
-          <c:extLst>
-            <c:ext xmlns:c16="http://schemas.microsoft.com/office/drawing/2014/chart" uri="{C3380CC4-5D6E-409C-BE32-E72D297353CC}">
-              <c16:uniqueId val="{00000000-B3A0-4CB6-9804-41F60212C3AD}"/>
-            </c:ext>
-          </c:extLst>
-        </c:ser>
-        <c:ser>
-          <c:idx val="1"/>
-          <c:order val="1"/>
-          <c:val>
-            <c:numRef>
-              <c:f>Sheet1!$A$62:$J$62</c:f>
-              <c:numCache>
-                <c:formatCode>General</c:formatCode>
-                <c:ptCount val="10"/>
-                <c:pt idx="0">
-                  <c:v>0</c:v>
-                </c:pt>
-                <c:pt idx="1">
-                  <c:v>170</c:v>
-                </c:pt>
-                <c:pt idx="2">
-                  <c:v>170</c:v>
-                </c:pt>
-                <c:pt idx="3">
-                  <c:v>170</c:v>
-                </c:pt>
-                <c:pt idx="4">
-                  <c:v>170</c:v>
-                </c:pt>
-                <c:pt idx="5">
-                  <c:v>170</c:v>
-                </c:pt>
-                <c:pt idx="6">
-                  <c:v>170</c:v>
-                </c:pt>
-                <c:pt idx="7">
-                  <c:v>170</c:v>
-                </c:pt>
-                <c:pt idx="8">
-                  <c:v>170</c:v>
-                </c:pt>
-                <c:pt idx="9">
-                  <c:v>0</c:v>
-                </c:pt>
-              </c:numCache>
-            </c:numRef>
-          </c:val>
-          <c:extLst>
-            <c:ext xmlns:c16="http://schemas.microsoft.com/office/drawing/2014/chart" uri="{C3380CC4-5D6E-409C-BE32-E72D297353CC}">
-              <c16:uniqueId val="{00000001-B3A0-4CB6-9804-41F60212C3AD}"/>
-            </c:ext>
-          </c:extLst>
-        </c:ser>
-        <c:ser>
-          <c:idx val="2"/>
-          <c:order val="2"/>
-          <c:val>
-            <c:numRef>
-              <c:f>Sheet1!$A$63:$J$63</c:f>
-              <c:numCache>
-                <c:formatCode>General</c:formatCode>
-                <c:ptCount val="10"/>
-                <c:pt idx="0">
-                  <c:v>0</c:v>
-                </c:pt>
-                <c:pt idx="1">
-                  <c:v>170</c:v>
-                </c:pt>
-                <c:pt idx="2">
-                  <c:v>170</c:v>
-                </c:pt>
-                <c:pt idx="3">
-                  <c:v>170</c:v>
-                </c:pt>
-                <c:pt idx="4">
-                  <c:v>170</c:v>
-                </c:pt>
-                <c:pt idx="5">
-                  <c:v>170</c:v>
-                </c:pt>
-                <c:pt idx="6">
-                  <c:v>170</c:v>
-                </c:pt>
-                <c:pt idx="7">
-                  <c:v>170</c:v>
-                </c:pt>
-                <c:pt idx="8">
-                  <c:v>170</c:v>
-                </c:pt>
-                <c:pt idx="9">
-                  <c:v>0</c:v>
-                </c:pt>
-              </c:numCache>
-            </c:numRef>
-          </c:val>
-          <c:extLst>
-            <c:ext xmlns:c16="http://schemas.microsoft.com/office/drawing/2014/chart" uri="{C3380CC4-5D6E-409C-BE32-E72D297353CC}">
-              <c16:uniqueId val="{00000002-B3A0-4CB6-9804-41F60212C3AD}"/>
-            </c:ext>
-          </c:extLst>
-        </c:ser>
-        <c:ser>
-          <c:idx val="3"/>
-          <c:order val="3"/>
-          <c:val>
-            <c:numRef>
-              <c:f>Sheet1!$A$64:$J$64</c:f>
-              <c:numCache>
-                <c:formatCode>General</c:formatCode>
-                <c:ptCount val="10"/>
-                <c:pt idx="0">
-                  <c:v>0</c:v>
-                </c:pt>
-                <c:pt idx="1">
-                  <c:v>170</c:v>
-                </c:pt>
-                <c:pt idx="2">
-                  <c:v>170</c:v>
-                </c:pt>
-                <c:pt idx="3">
-                  <c:v>170</c:v>
-                </c:pt>
-                <c:pt idx="4">
-                  <c:v>255</c:v>
-                </c:pt>
-                <c:pt idx="5">
-                  <c:v>255</c:v>
-                </c:pt>
-                <c:pt idx="6">
-                  <c:v>170</c:v>
-                </c:pt>
-                <c:pt idx="7">
-                  <c:v>170</c:v>
-                </c:pt>
-                <c:pt idx="8">
-                  <c:v>170</c:v>
-                </c:pt>
-                <c:pt idx="9">
-                  <c:v>0</c:v>
-                </c:pt>
-              </c:numCache>
-            </c:numRef>
-          </c:val>
-          <c:extLst>
-            <c:ext xmlns:c16="http://schemas.microsoft.com/office/drawing/2014/chart" uri="{C3380CC4-5D6E-409C-BE32-E72D297353CC}">
-              <c16:uniqueId val="{00000003-B3A0-4CB6-9804-41F60212C3AD}"/>
-            </c:ext>
-          </c:extLst>
-        </c:ser>
-        <c:ser>
-          <c:idx val="4"/>
-          <c:order val="4"/>
-          <c:val>
-            <c:numRef>
-              <c:f>Sheet1!$A$65:$J$65</c:f>
-              <c:numCache>
-                <c:formatCode>General</c:formatCode>
-                <c:ptCount val="10"/>
-                <c:pt idx="0">
-                  <c:v>0</c:v>
-                </c:pt>
-                <c:pt idx="1">
-                  <c:v>170</c:v>
-                </c:pt>
-                <c:pt idx="2">
-                  <c:v>170</c:v>
-                </c:pt>
-                <c:pt idx="3">
-                  <c:v>255</c:v>
-                </c:pt>
-                <c:pt idx="4">
-                  <c:v>0</c:v>
-                </c:pt>
-                <c:pt idx="5">
-                  <c:v>0</c:v>
-                </c:pt>
-                <c:pt idx="6">
-                  <c:v>255</c:v>
-                </c:pt>
-                <c:pt idx="7">
-                  <c:v>170</c:v>
-                </c:pt>
-                <c:pt idx="8">
-                  <c:v>170</c:v>
-                </c:pt>
-                <c:pt idx="9">
-                  <c:v>0</c:v>
-                </c:pt>
-              </c:numCache>
-            </c:numRef>
-          </c:val>
-          <c:extLst>
-            <c:ext xmlns:c16="http://schemas.microsoft.com/office/drawing/2014/chart" uri="{C3380CC4-5D6E-409C-BE32-E72D297353CC}">
-              <c16:uniqueId val="{00000004-B3A0-4CB6-9804-41F60212C3AD}"/>
-            </c:ext>
-          </c:extLst>
-        </c:ser>
-        <c:ser>
-          <c:idx val="5"/>
-          <c:order val="5"/>
-          <c:val>
-            <c:numRef>
-              <c:f>Sheet1!$A$66:$J$66</c:f>
-              <c:numCache>
-                <c:formatCode>General</c:formatCode>
-                <c:ptCount val="10"/>
-                <c:pt idx="0">
-                  <c:v>0</c:v>
-                </c:pt>
-                <c:pt idx="1">
-                  <c:v>170</c:v>
-                </c:pt>
-                <c:pt idx="2">
-                  <c:v>170</c:v>
-                </c:pt>
-                <c:pt idx="3">
-                  <c:v>255</c:v>
-                </c:pt>
-                <c:pt idx="4">
-                  <c:v>0</c:v>
-                </c:pt>
-                <c:pt idx="5">
-                  <c:v>0</c:v>
-                </c:pt>
-                <c:pt idx="6">
-                  <c:v>255</c:v>
-                </c:pt>
-                <c:pt idx="7">
-                  <c:v>170</c:v>
-                </c:pt>
-                <c:pt idx="8">
-                  <c:v>170</c:v>
-                </c:pt>
-                <c:pt idx="9">
-                  <c:v>0</c:v>
-                </c:pt>
-              </c:numCache>
-            </c:numRef>
-          </c:val>
-          <c:extLst>
-            <c:ext xmlns:c16="http://schemas.microsoft.com/office/drawing/2014/chart" uri="{C3380CC4-5D6E-409C-BE32-E72D297353CC}">
-              <c16:uniqueId val="{00000005-B3A0-4CB6-9804-41F60212C3AD}"/>
-            </c:ext>
-          </c:extLst>
-        </c:ser>
-        <c:ser>
-          <c:idx val="6"/>
-          <c:order val="6"/>
-          <c:val>
-            <c:numRef>
-              <c:f>Sheet1!$A$67:$J$67</c:f>
-              <c:numCache>
-                <c:formatCode>General</c:formatCode>
-                <c:ptCount val="10"/>
-                <c:pt idx="0">
-                  <c:v>0</c:v>
-                </c:pt>
-                <c:pt idx="1">
-                  <c:v>170</c:v>
-                </c:pt>
-                <c:pt idx="2">
-                  <c:v>170</c:v>
-                </c:pt>
-                <c:pt idx="3">
-                  <c:v>170</c:v>
-                </c:pt>
-                <c:pt idx="4">
-                  <c:v>255</c:v>
-                </c:pt>
-                <c:pt idx="5">
-                  <c:v>255</c:v>
-                </c:pt>
-                <c:pt idx="6">
-                  <c:v>170</c:v>
-                </c:pt>
-                <c:pt idx="7">
-                  <c:v>170</c:v>
-                </c:pt>
-                <c:pt idx="8">
-                  <c:v>170</c:v>
-                </c:pt>
-                <c:pt idx="9">
-                  <c:v>0</c:v>
-                </c:pt>
-              </c:numCache>
-            </c:numRef>
-          </c:val>
-          <c:extLst>
-            <c:ext xmlns:c16="http://schemas.microsoft.com/office/drawing/2014/chart" uri="{C3380CC4-5D6E-409C-BE32-E72D297353CC}">
-              <c16:uniqueId val="{00000006-B3A0-4CB6-9804-41F60212C3AD}"/>
-            </c:ext>
-          </c:extLst>
-        </c:ser>
-        <c:ser>
-          <c:idx val="7"/>
-          <c:order val="7"/>
-          <c:val>
-            <c:numRef>
-              <c:f>Sheet1!$A$68:$J$68</c:f>
-              <c:numCache>
-                <c:formatCode>General</c:formatCode>
-                <c:ptCount val="10"/>
-                <c:pt idx="0">
-                  <c:v>0</c:v>
-                </c:pt>
-                <c:pt idx="1">
-                  <c:v>170</c:v>
-                </c:pt>
-                <c:pt idx="2">
-                  <c:v>170</c:v>
-                </c:pt>
-                <c:pt idx="3">
-                  <c:v>170</c:v>
-                </c:pt>
-                <c:pt idx="4">
-                  <c:v>170</c:v>
-                </c:pt>
-                <c:pt idx="5">
-                  <c:v>170</c:v>
-                </c:pt>
-                <c:pt idx="6">
-                  <c:v>170</c:v>
-                </c:pt>
-                <c:pt idx="7">
-                  <c:v>170</c:v>
-                </c:pt>
-                <c:pt idx="8">
-                  <c:v>170</c:v>
-                </c:pt>
-                <c:pt idx="9">
-                  <c:v>0</c:v>
-                </c:pt>
-              </c:numCache>
-            </c:numRef>
-          </c:val>
-          <c:extLst>
-            <c:ext xmlns:c16="http://schemas.microsoft.com/office/drawing/2014/chart" uri="{C3380CC4-5D6E-409C-BE32-E72D297353CC}">
-              <c16:uniqueId val="{00000007-B3A0-4CB6-9804-41F60212C3AD}"/>
-            </c:ext>
-          </c:extLst>
-        </c:ser>
-        <c:ser>
-          <c:idx val="8"/>
-          <c:order val="8"/>
-          <c:val>
-            <c:numRef>
-              <c:f>Sheet1!$A$69:$J$69</c:f>
-              <c:numCache>
-                <c:formatCode>General</c:formatCode>
-                <c:ptCount val="10"/>
-                <c:pt idx="0">
-                  <c:v>0</c:v>
-                </c:pt>
-                <c:pt idx="1">
-                  <c:v>170</c:v>
-                </c:pt>
-                <c:pt idx="2">
-                  <c:v>170</c:v>
-                </c:pt>
-                <c:pt idx="3">
-                  <c:v>170</c:v>
-                </c:pt>
-                <c:pt idx="4">
-                  <c:v>170</c:v>
-                </c:pt>
-                <c:pt idx="5">
-                  <c:v>170</c:v>
-                </c:pt>
-                <c:pt idx="6">
-                  <c:v>170</c:v>
-                </c:pt>
-                <c:pt idx="7">
-                  <c:v>170</c:v>
-                </c:pt>
-                <c:pt idx="8">
-                  <c:v>170</c:v>
-                </c:pt>
-                <c:pt idx="9">
-                  <c:v>0</c:v>
-                </c:pt>
-              </c:numCache>
-            </c:numRef>
-          </c:val>
-          <c:extLst>
-            <c:ext xmlns:c16="http://schemas.microsoft.com/office/drawing/2014/chart" uri="{C3380CC4-5D6E-409C-BE32-E72D297353CC}">
-              <c16:uniqueId val="{00000008-B3A0-4CB6-9804-41F60212C3AD}"/>
-            </c:ext>
-          </c:extLst>
-        </c:ser>
-        <c:ser>
-          <c:idx val="9"/>
-          <c:order val="9"/>
-          <c:val>
-            <c:numRef>
-              <c:f>Sheet1!$A$70:$J$70</c:f>
-              <c:numCache>
-                <c:formatCode>General</c:formatCode>
-                <c:ptCount val="10"/>
-                <c:pt idx="0">
-                  <c:v>0</c:v>
-                </c:pt>
-                <c:pt idx="1">
-                  <c:v>0</c:v>
-                </c:pt>
-                <c:pt idx="2">
-                  <c:v>0</c:v>
-                </c:pt>
-                <c:pt idx="3">
-                  <c:v>0</c:v>
-                </c:pt>
-                <c:pt idx="4">
-                  <c:v>0</c:v>
-                </c:pt>
-                <c:pt idx="5">
-                  <c:v>0</c:v>
-                </c:pt>
-                <c:pt idx="6">
-                  <c:v>0</c:v>
-                </c:pt>
-                <c:pt idx="7">
-                  <c:v>0</c:v>
-                </c:pt>
-                <c:pt idx="8">
-                  <c:v>0</c:v>
-                </c:pt>
-                <c:pt idx="9">
-                  <c:v>0</c:v>
-                </c:pt>
-              </c:numCache>
-            </c:numRef>
-          </c:val>
-          <c:extLst>
-            <c:ext xmlns:c16="http://schemas.microsoft.com/office/drawing/2014/chart" uri="{C3380CC4-5D6E-409C-BE32-E72D297353CC}">
-              <c16:uniqueId val="{00000009-B3A0-4CB6-9804-41F60212C3AD}"/>
-            </c:ext>
-          </c:extLst>
-        </c:ser>
-        <c:bandFmts/>
-        <c:axId val="103871232"/>
-        <c:axId val="103872768"/>
-        <c:axId val="103851776"/>
-      </c:surface3DChart>
-      <c:catAx>
-        <c:axId val="103871232"/>
-        <c:scaling>
-          <c:orientation val="minMax"/>
-        </c:scaling>
-        <c:delete val="0"/>
-        <c:axPos val="b"/>
-        <c:majorTickMark val="out"/>
-        <c:minorTickMark val="none"/>
-        <c:tickLblPos val="nextTo"/>
-        <c:crossAx val="103872768"/>
-        <c:crosses val="autoZero"/>
-        <c:auto val="1"/>
-        <c:lblAlgn val="ctr"/>
-        <c:lblOffset val="100"/>
-        <c:noMultiLvlLbl val="0"/>
-      </c:catAx>
-      <c:valAx>
-        <c:axId val="103872768"/>
-        <c:scaling>
-          <c:orientation val="minMax"/>
-        </c:scaling>
-        <c:delete val="0"/>
-        <c:axPos val="l"/>
-        <c:majorGridlines/>
-        <c:numFmt formatCode="General" sourceLinked="1"/>
-        <c:majorTickMark val="out"/>
-        <c:minorTickMark val="none"/>
-        <c:tickLblPos val="nextTo"/>
-        <c:crossAx val="103871232"/>
-        <c:crosses val="autoZero"/>
-        <c:crossBetween val="midCat"/>
-      </c:valAx>
-      <c:serAx>
-        <c:axId val="103851776"/>
-        <c:scaling>
-          <c:orientation val="minMax"/>
-        </c:scaling>
-        <c:delete val="1"/>
-        <c:axPos val="b"/>
-        <c:majorTickMark val="out"/>
-        <c:minorTickMark val="none"/>
-        <c:tickLblPos val="none"/>
-        <c:crossAx val="103872768"/>
-        <c:crosses val="autoZero"/>
-      </c:serAx>
-    </c:plotArea>
-    <c:legend>
-      <c:legendPos val="r"/>
-      <c:overlay val="0"/>
-      <c:txPr>
-        <a:bodyPr/>
-        <a:lstStyle/>
-        <a:p>
-          <a:pPr rtl="0">
-            <a:defRPr/>
-          </a:pPr>
-          <a:endParaRPr lang="ja-JP"/>
-        </a:p>
-      </c:txPr>
-    </c:legend>
-    <c:plotVisOnly val="1"/>
-    <c:dispBlanksAs val="zero"/>
-    <c:showDLblsOverMax val="0"/>
-  </c:chart>
-  <c:spPr>
-    <a:gradFill>
-      <a:gsLst>
-        <a:gs pos="0">
-          <a:srgbClr val="5B9BD5">
-            <a:tint val="66000"/>
-            <a:satMod val="160000"/>
-          </a:srgbClr>
-        </a:gs>
-        <a:gs pos="50000">
-          <a:srgbClr val="5B9BD5">
-            <a:tint val="44500"/>
-            <a:satMod val="160000"/>
-          </a:srgbClr>
-        </a:gs>
-        <a:gs pos="100000">
-          <a:srgbClr val="5B9BD5">
-            <a:tint val="23500"/>
-            <a:satMod val="160000"/>
-          </a:srgbClr>
-        </a:gs>
-      </a:gsLst>
-      <a:lin ang="5400000" scaled="0"/>
-    </a:gradFill>
-  </c:spPr>
-  <c:externalData r:id="rId1">
-    <c:autoUpdate val="0"/>
-  </c:externalData>
-</c:chartSpace>
-</file>
-
 <file path=ppt/charts/chart2.xml><?xml version="1.0" encoding="utf-8"?>
 <c:chartSpace xmlns:c="http://schemas.openxmlformats.org/drawingml/2006/chart" xmlns:a="http://schemas.openxmlformats.org/drawingml/2006/main" xmlns:r="http://schemas.openxmlformats.org/officeDocument/2006/relationships" xmlns:c16r2="http://schemas.microsoft.com/office/drawing/2015/06/chart">
   <c:date1904 val="0"/>
@@ -5924,620 +5308,6 @@
         <c:crossBetween val="between"/>
       </c:valAx>
     </c:plotArea>
-    <c:plotVisOnly val="1"/>
-    <c:dispBlanksAs val="zero"/>
-    <c:showDLblsOverMax val="0"/>
-  </c:chart>
-  <c:spPr>
-    <a:gradFill>
-      <a:gsLst>
-        <a:gs pos="0">
-          <a:srgbClr val="5B9BD5">
-            <a:tint val="66000"/>
-            <a:satMod val="160000"/>
-          </a:srgbClr>
-        </a:gs>
-        <a:gs pos="50000">
-          <a:srgbClr val="5B9BD5">
-            <a:tint val="44500"/>
-            <a:satMod val="160000"/>
-          </a:srgbClr>
-        </a:gs>
-        <a:gs pos="100000">
-          <a:srgbClr val="5B9BD5">
-            <a:tint val="23500"/>
-            <a:satMod val="160000"/>
-          </a:srgbClr>
-        </a:gs>
-      </a:gsLst>
-      <a:lin ang="5400000" scaled="0"/>
-    </a:gradFill>
-  </c:spPr>
-  <c:externalData r:id="rId1">
-    <c:autoUpdate val="0"/>
-  </c:externalData>
-</c:chartSpace>
-</file>
-
-<file path=ppt/charts/chart9.xml><?xml version="1.0" encoding="utf-8"?>
-<c:chartSpace xmlns:c="http://schemas.openxmlformats.org/drawingml/2006/chart" xmlns:a="http://schemas.openxmlformats.org/drawingml/2006/main" xmlns:r="http://schemas.openxmlformats.org/officeDocument/2006/relationships" xmlns:c16r2="http://schemas.microsoft.com/office/drawing/2015/06/chart">
-  <c:date1904 val="0"/>
-  <c:lang val="ja-JP"/>
-  <c:roundedCorners val="0"/>
-  <mc:AlternateContent xmlns:mc="http://schemas.openxmlformats.org/markup-compatibility/2006">
-    <mc:Choice xmlns:c14="http://schemas.microsoft.com/office/drawing/2007/8/2/chart" Requires="c14">
-      <c14:style val="102"/>
-    </mc:Choice>
-    <mc:Fallback>
-      <c:style val="2"/>
-    </mc:Fallback>
-  </mc:AlternateContent>
-  <c:chart>
-    <c:autoTitleDeleted val="0"/>
-    <c:view3D>
-      <c:rotX val="50"/>
-      <c:rotY val="0"/>
-      <c:rAngAx val="0"/>
-    </c:view3D>
-    <c:floor>
-      <c:thickness val="0"/>
-    </c:floor>
-    <c:sideWall>
-      <c:thickness val="0"/>
-    </c:sideWall>
-    <c:backWall>
-      <c:thickness val="0"/>
-    </c:backWall>
-    <c:plotArea>
-      <c:layout/>
-      <c:surface3DChart>
-        <c:wireframe val="0"/>
-        <c:ser>
-          <c:idx val="0"/>
-          <c:order val="0"/>
-          <c:val>
-            <c:numRef>
-              <c:f>Sheet1!$L$61:$U$61</c:f>
-              <c:numCache>
-                <c:formatCode>General</c:formatCode>
-                <c:ptCount val="10"/>
-                <c:pt idx="0">
-                  <c:v>0</c:v>
-                </c:pt>
-                <c:pt idx="1">
-                  <c:v>0</c:v>
-                </c:pt>
-                <c:pt idx="2">
-                  <c:v>0</c:v>
-                </c:pt>
-                <c:pt idx="3">
-                  <c:v>0</c:v>
-                </c:pt>
-                <c:pt idx="4">
-                  <c:v>0</c:v>
-                </c:pt>
-                <c:pt idx="5">
-                  <c:v>0</c:v>
-                </c:pt>
-                <c:pt idx="6">
-                  <c:v>0</c:v>
-                </c:pt>
-                <c:pt idx="7">
-                  <c:v>0</c:v>
-                </c:pt>
-                <c:pt idx="8">
-                  <c:v>0</c:v>
-                </c:pt>
-                <c:pt idx="9">
-                  <c:v>0</c:v>
-                </c:pt>
-              </c:numCache>
-            </c:numRef>
-          </c:val>
-          <c:extLst>
-            <c:ext xmlns:c16="http://schemas.microsoft.com/office/drawing/2014/chart" uri="{C3380CC4-5D6E-409C-BE32-E72D297353CC}">
-              <c16:uniqueId val="{00000000-4966-4F3C-841E-93FE55E0C70F}"/>
-            </c:ext>
-          </c:extLst>
-        </c:ser>
-        <c:ser>
-          <c:idx val="1"/>
-          <c:order val="1"/>
-          <c:val>
-            <c:numRef>
-              <c:f>Sheet1!$L$62:$U$62</c:f>
-              <c:numCache>
-                <c:formatCode>General</c:formatCode>
-                <c:ptCount val="10"/>
-                <c:pt idx="0">
-                  <c:v>0</c:v>
-                </c:pt>
-                <c:pt idx="1">
-                  <c:v>100</c:v>
-                </c:pt>
-                <c:pt idx="2">
-                  <c:v>100</c:v>
-                </c:pt>
-                <c:pt idx="3">
-                  <c:v>100</c:v>
-                </c:pt>
-                <c:pt idx="4">
-                  <c:v>100</c:v>
-                </c:pt>
-                <c:pt idx="5">
-                  <c:v>100</c:v>
-                </c:pt>
-                <c:pt idx="6">
-                  <c:v>100</c:v>
-                </c:pt>
-                <c:pt idx="7">
-                  <c:v>100</c:v>
-                </c:pt>
-                <c:pt idx="8">
-                  <c:v>100</c:v>
-                </c:pt>
-                <c:pt idx="9">
-                  <c:v>0</c:v>
-                </c:pt>
-              </c:numCache>
-            </c:numRef>
-          </c:val>
-          <c:extLst>
-            <c:ext xmlns:c16="http://schemas.microsoft.com/office/drawing/2014/chart" uri="{C3380CC4-5D6E-409C-BE32-E72D297353CC}">
-              <c16:uniqueId val="{00000001-4966-4F3C-841E-93FE55E0C70F}"/>
-            </c:ext>
-          </c:extLst>
-        </c:ser>
-        <c:ser>
-          <c:idx val="2"/>
-          <c:order val="2"/>
-          <c:val>
-            <c:numRef>
-              <c:f>Sheet1!$L$63:$U$63</c:f>
-              <c:numCache>
-                <c:formatCode>General</c:formatCode>
-                <c:ptCount val="10"/>
-                <c:pt idx="0">
-                  <c:v>0</c:v>
-                </c:pt>
-                <c:pt idx="1">
-                  <c:v>100</c:v>
-                </c:pt>
-                <c:pt idx="2">
-                  <c:v>100</c:v>
-                </c:pt>
-                <c:pt idx="3">
-                  <c:v>100</c:v>
-                </c:pt>
-                <c:pt idx="4">
-                  <c:v>100</c:v>
-                </c:pt>
-                <c:pt idx="5">
-                  <c:v>100</c:v>
-                </c:pt>
-                <c:pt idx="6">
-                  <c:v>100</c:v>
-                </c:pt>
-                <c:pt idx="7">
-                  <c:v>100</c:v>
-                </c:pt>
-                <c:pt idx="8">
-                  <c:v>100</c:v>
-                </c:pt>
-                <c:pt idx="9">
-                  <c:v>0</c:v>
-                </c:pt>
-              </c:numCache>
-            </c:numRef>
-          </c:val>
-          <c:extLst>
-            <c:ext xmlns:c16="http://schemas.microsoft.com/office/drawing/2014/chart" uri="{C3380CC4-5D6E-409C-BE32-E72D297353CC}">
-              <c16:uniqueId val="{00000002-4966-4F3C-841E-93FE55E0C70F}"/>
-            </c:ext>
-          </c:extLst>
-        </c:ser>
-        <c:ser>
-          <c:idx val="3"/>
-          <c:order val="3"/>
-          <c:val>
-            <c:numRef>
-              <c:f>Sheet1!$L$64:$U$64</c:f>
-              <c:numCache>
-                <c:formatCode>General</c:formatCode>
-                <c:ptCount val="10"/>
-                <c:pt idx="0">
-                  <c:v>0</c:v>
-                </c:pt>
-                <c:pt idx="1">
-                  <c:v>100</c:v>
-                </c:pt>
-                <c:pt idx="2">
-                  <c:v>100</c:v>
-                </c:pt>
-                <c:pt idx="3">
-                  <c:v>100</c:v>
-                </c:pt>
-                <c:pt idx="4">
-                  <c:v>0</c:v>
-                </c:pt>
-                <c:pt idx="5">
-                  <c:v>0</c:v>
-                </c:pt>
-                <c:pt idx="6">
-                  <c:v>100</c:v>
-                </c:pt>
-                <c:pt idx="7">
-                  <c:v>100</c:v>
-                </c:pt>
-                <c:pt idx="8">
-                  <c:v>100</c:v>
-                </c:pt>
-                <c:pt idx="9">
-                  <c:v>0</c:v>
-                </c:pt>
-              </c:numCache>
-            </c:numRef>
-          </c:val>
-          <c:extLst>
-            <c:ext xmlns:c16="http://schemas.microsoft.com/office/drawing/2014/chart" uri="{C3380CC4-5D6E-409C-BE32-E72D297353CC}">
-              <c16:uniqueId val="{00000003-4966-4F3C-841E-93FE55E0C70F}"/>
-            </c:ext>
-          </c:extLst>
-        </c:ser>
-        <c:ser>
-          <c:idx val="4"/>
-          <c:order val="4"/>
-          <c:val>
-            <c:numRef>
-              <c:f>Sheet1!$L$65:$U$65</c:f>
-              <c:numCache>
-                <c:formatCode>General</c:formatCode>
-                <c:ptCount val="10"/>
-                <c:pt idx="0">
-                  <c:v>0</c:v>
-                </c:pt>
-                <c:pt idx="1">
-                  <c:v>100</c:v>
-                </c:pt>
-                <c:pt idx="2">
-                  <c:v>100</c:v>
-                </c:pt>
-                <c:pt idx="3">
-                  <c:v>0</c:v>
-                </c:pt>
-                <c:pt idx="4">
-                  <c:v>255</c:v>
-                </c:pt>
-                <c:pt idx="5">
-                  <c:v>255</c:v>
-                </c:pt>
-                <c:pt idx="6">
-                  <c:v>0</c:v>
-                </c:pt>
-                <c:pt idx="7">
-                  <c:v>100</c:v>
-                </c:pt>
-                <c:pt idx="8">
-                  <c:v>100</c:v>
-                </c:pt>
-                <c:pt idx="9">
-                  <c:v>0</c:v>
-                </c:pt>
-              </c:numCache>
-            </c:numRef>
-          </c:val>
-          <c:extLst>
-            <c:ext xmlns:c16="http://schemas.microsoft.com/office/drawing/2014/chart" uri="{C3380CC4-5D6E-409C-BE32-E72D297353CC}">
-              <c16:uniqueId val="{00000004-4966-4F3C-841E-93FE55E0C70F}"/>
-            </c:ext>
-          </c:extLst>
-        </c:ser>
-        <c:ser>
-          <c:idx val="5"/>
-          <c:order val="5"/>
-          <c:val>
-            <c:numRef>
-              <c:f>Sheet1!$L$66:$U$66</c:f>
-              <c:numCache>
-                <c:formatCode>General</c:formatCode>
-                <c:ptCount val="10"/>
-                <c:pt idx="0">
-                  <c:v>0</c:v>
-                </c:pt>
-                <c:pt idx="1">
-                  <c:v>100</c:v>
-                </c:pt>
-                <c:pt idx="2">
-                  <c:v>100</c:v>
-                </c:pt>
-                <c:pt idx="3">
-                  <c:v>0</c:v>
-                </c:pt>
-                <c:pt idx="4">
-                  <c:v>255</c:v>
-                </c:pt>
-                <c:pt idx="5">
-                  <c:v>255</c:v>
-                </c:pt>
-                <c:pt idx="6">
-                  <c:v>0</c:v>
-                </c:pt>
-                <c:pt idx="7">
-                  <c:v>100</c:v>
-                </c:pt>
-                <c:pt idx="8">
-                  <c:v>100</c:v>
-                </c:pt>
-                <c:pt idx="9">
-                  <c:v>0</c:v>
-                </c:pt>
-              </c:numCache>
-            </c:numRef>
-          </c:val>
-          <c:extLst>
-            <c:ext xmlns:c16="http://schemas.microsoft.com/office/drawing/2014/chart" uri="{C3380CC4-5D6E-409C-BE32-E72D297353CC}">
-              <c16:uniqueId val="{00000005-4966-4F3C-841E-93FE55E0C70F}"/>
-            </c:ext>
-          </c:extLst>
-        </c:ser>
-        <c:ser>
-          <c:idx val="6"/>
-          <c:order val="6"/>
-          <c:val>
-            <c:numRef>
-              <c:f>Sheet1!$L$67:$U$67</c:f>
-              <c:numCache>
-                <c:formatCode>General</c:formatCode>
-                <c:ptCount val="10"/>
-                <c:pt idx="0">
-                  <c:v>0</c:v>
-                </c:pt>
-                <c:pt idx="1">
-                  <c:v>100</c:v>
-                </c:pt>
-                <c:pt idx="2">
-                  <c:v>100</c:v>
-                </c:pt>
-                <c:pt idx="3">
-                  <c:v>100</c:v>
-                </c:pt>
-                <c:pt idx="4">
-                  <c:v>0</c:v>
-                </c:pt>
-                <c:pt idx="5">
-                  <c:v>0</c:v>
-                </c:pt>
-                <c:pt idx="6">
-                  <c:v>100</c:v>
-                </c:pt>
-                <c:pt idx="7">
-                  <c:v>100</c:v>
-                </c:pt>
-                <c:pt idx="8">
-                  <c:v>100</c:v>
-                </c:pt>
-                <c:pt idx="9">
-                  <c:v>0</c:v>
-                </c:pt>
-              </c:numCache>
-            </c:numRef>
-          </c:val>
-          <c:extLst>
-            <c:ext xmlns:c16="http://schemas.microsoft.com/office/drawing/2014/chart" uri="{C3380CC4-5D6E-409C-BE32-E72D297353CC}">
-              <c16:uniqueId val="{00000006-4966-4F3C-841E-93FE55E0C70F}"/>
-            </c:ext>
-          </c:extLst>
-        </c:ser>
-        <c:ser>
-          <c:idx val="7"/>
-          <c:order val="7"/>
-          <c:val>
-            <c:numRef>
-              <c:f>Sheet1!$L$68:$U$68</c:f>
-              <c:numCache>
-                <c:formatCode>General</c:formatCode>
-                <c:ptCount val="10"/>
-                <c:pt idx="0">
-                  <c:v>0</c:v>
-                </c:pt>
-                <c:pt idx="1">
-                  <c:v>100</c:v>
-                </c:pt>
-                <c:pt idx="2">
-                  <c:v>100</c:v>
-                </c:pt>
-                <c:pt idx="3">
-                  <c:v>100</c:v>
-                </c:pt>
-                <c:pt idx="4">
-                  <c:v>100</c:v>
-                </c:pt>
-                <c:pt idx="5">
-                  <c:v>100</c:v>
-                </c:pt>
-                <c:pt idx="6">
-                  <c:v>100</c:v>
-                </c:pt>
-                <c:pt idx="7">
-                  <c:v>100</c:v>
-                </c:pt>
-                <c:pt idx="8">
-                  <c:v>100</c:v>
-                </c:pt>
-                <c:pt idx="9">
-                  <c:v>0</c:v>
-                </c:pt>
-              </c:numCache>
-            </c:numRef>
-          </c:val>
-          <c:extLst>
-            <c:ext xmlns:c16="http://schemas.microsoft.com/office/drawing/2014/chart" uri="{C3380CC4-5D6E-409C-BE32-E72D297353CC}">
-              <c16:uniqueId val="{00000007-4966-4F3C-841E-93FE55E0C70F}"/>
-            </c:ext>
-          </c:extLst>
-        </c:ser>
-        <c:ser>
-          <c:idx val="8"/>
-          <c:order val="8"/>
-          <c:val>
-            <c:numRef>
-              <c:f>Sheet1!$L$69:$U$69</c:f>
-              <c:numCache>
-                <c:formatCode>General</c:formatCode>
-                <c:ptCount val="10"/>
-                <c:pt idx="0">
-                  <c:v>0</c:v>
-                </c:pt>
-                <c:pt idx="1">
-                  <c:v>100</c:v>
-                </c:pt>
-                <c:pt idx="2">
-                  <c:v>100</c:v>
-                </c:pt>
-                <c:pt idx="3">
-                  <c:v>100</c:v>
-                </c:pt>
-                <c:pt idx="4">
-                  <c:v>100</c:v>
-                </c:pt>
-                <c:pt idx="5">
-                  <c:v>100</c:v>
-                </c:pt>
-                <c:pt idx="6">
-                  <c:v>100</c:v>
-                </c:pt>
-                <c:pt idx="7">
-                  <c:v>100</c:v>
-                </c:pt>
-                <c:pt idx="8">
-                  <c:v>100</c:v>
-                </c:pt>
-                <c:pt idx="9">
-                  <c:v>0</c:v>
-                </c:pt>
-              </c:numCache>
-            </c:numRef>
-          </c:val>
-          <c:extLst>
-            <c:ext xmlns:c16="http://schemas.microsoft.com/office/drawing/2014/chart" uri="{C3380CC4-5D6E-409C-BE32-E72D297353CC}">
-              <c16:uniqueId val="{00000008-4966-4F3C-841E-93FE55E0C70F}"/>
-            </c:ext>
-          </c:extLst>
-        </c:ser>
-        <c:ser>
-          <c:idx val="9"/>
-          <c:order val="9"/>
-          <c:val>
-            <c:numRef>
-              <c:f>Sheet1!$L$70:$U$70</c:f>
-              <c:numCache>
-                <c:formatCode>General</c:formatCode>
-                <c:ptCount val="10"/>
-                <c:pt idx="0">
-                  <c:v>0</c:v>
-                </c:pt>
-                <c:pt idx="1">
-                  <c:v>0</c:v>
-                </c:pt>
-                <c:pt idx="2">
-                  <c:v>0</c:v>
-                </c:pt>
-                <c:pt idx="3">
-                  <c:v>0</c:v>
-                </c:pt>
-                <c:pt idx="4">
-                  <c:v>0</c:v>
-                </c:pt>
-                <c:pt idx="5">
-                  <c:v>0</c:v>
-                </c:pt>
-                <c:pt idx="6">
-                  <c:v>0</c:v>
-                </c:pt>
-                <c:pt idx="7">
-                  <c:v>0</c:v>
-                </c:pt>
-                <c:pt idx="8">
-                  <c:v>0</c:v>
-                </c:pt>
-                <c:pt idx="9">
-                  <c:v>0</c:v>
-                </c:pt>
-              </c:numCache>
-            </c:numRef>
-          </c:val>
-          <c:extLst>
-            <c:ext xmlns:c16="http://schemas.microsoft.com/office/drawing/2014/chart" uri="{C3380CC4-5D6E-409C-BE32-E72D297353CC}">
-              <c16:uniqueId val="{00000009-4966-4F3C-841E-93FE55E0C70F}"/>
-            </c:ext>
-          </c:extLst>
-        </c:ser>
-        <c:bandFmts/>
-        <c:axId val="103803904"/>
-        <c:axId val="103822080"/>
-        <c:axId val="103809024"/>
-      </c:surface3DChart>
-      <c:catAx>
-        <c:axId val="103803904"/>
-        <c:scaling>
-          <c:orientation val="minMax"/>
-        </c:scaling>
-        <c:delete val="0"/>
-        <c:axPos val="b"/>
-        <c:majorTickMark val="out"/>
-        <c:minorTickMark val="none"/>
-        <c:tickLblPos val="nextTo"/>
-        <c:crossAx val="103822080"/>
-        <c:crosses val="autoZero"/>
-        <c:auto val="1"/>
-        <c:lblAlgn val="ctr"/>
-        <c:lblOffset val="100"/>
-        <c:noMultiLvlLbl val="0"/>
-      </c:catAx>
-      <c:valAx>
-        <c:axId val="103822080"/>
-        <c:scaling>
-          <c:orientation val="minMax"/>
-        </c:scaling>
-        <c:delete val="0"/>
-        <c:axPos val="l"/>
-        <c:majorGridlines/>
-        <c:numFmt formatCode="General" sourceLinked="1"/>
-        <c:majorTickMark val="out"/>
-        <c:minorTickMark val="none"/>
-        <c:tickLblPos val="nextTo"/>
-        <c:crossAx val="103803904"/>
-        <c:crosses val="autoZero"/>
-        <c:crossBetween val="midCat"/>
-      </c:valAx>
-      <c:serAx>
-        <c:axId val="103809024"/>
-        <c:scaling>
-          <c:orientation val="minMax"/>
-        </c:scaling>
-        <c:delete val="1"/>
-        <c:axPos val="b"/>
-        <c:majorTickMark val="out"/>
-        <c:minorTickMark val="none"/>
-        <c:tickLblPos val="none"/>
-        <c:crossAx val="103822080"/>
-        <c:crosses val="autoZero"/>
-      </c:serAx>
-    </c:plotArea>
-    <c:legend>
-      <c:legendPos val="r"/>
-      <c:overlay val="0"/>
-      <c:txPr>
-        <a:bodyPr/>
-        <a:lstStyle/>
-        <a:p>
-          <a:pPr rtl="0">
-            <a:defRPr/>
-          </a:pPr>
-          <a:endParaRPr lang="ja-JP"/>
-        </a:p>
-      </c:txPr>
-    </c:legend>
     <c:plotVisOnly val="1"/>
     <c:dispBlanksAs val="zero"/>
     <c:showDLblsOverMax val="0"/>
@@ -8477,7 +7247,7 @@
               </a:spcAft>
               <a:buNone/>
             </a:pPr>
-            <a:endParaRPr/>
+            <a:endParaRPr dirty="0"/>
           </a:p>
         </p:txBody>
       </p:sp>
@@ -21510,6 +20280,151 @@
           </a:prstGeom>
         </p:spPr>
       </p:pic>
+      <p:pic>
+        <p:nvPicPr>
+          <p:cNvPr id="9" name="Google Shape;112;p16" descr="mini.jpg">
+            <a:extLst>
+              <a:ext uri="{FF2B5EF4-FFF2-40B4-BE49-F238E27FC236}">
+                <a16:creationId xmlns:a16="http://schemas.microsoft.com/office/drawing/2014/main" id="{8C7EC7FA-B5BF-4B49-92BD-EDD26F566608}"/>
+              </a:ext>
+            </a:extLst>
+          </p:cNvPr>
+          <p:cNvPicPr preferRelativeResize="0">
+            <a:picLocks/>
+          </p:cNvPicPr>
+          <p:nvPr/>
+        </p:nvPicPr>
+        <p:blipFill rotWithShape="1">
+          <a:blip r:embed="rId7">
+            <a:alphaModFix/>
+          </a:blip>
+          <a:srcRect t="5" b="95825"/>
+          <a:stretch/>
+        </p:blipFill>
+        <p:spPr>
+          <a:xfrm>
+            <a:off x="454728" y="6004464"/>
+            <a:ext cx="3960000" cy="180000"/>
+          </a:xfrm>
+          <a:prstGeom prst="rect">
+            <a:avLst/>
+          </a:prstGeom>
+          <a:noFill/>
+          <a:ln w="9525" cap="flat" cmpd="sng">
+            <a:solidFill>
+              <a:schemeClr val="accent1"/>
+            </a:solidFill>
+            <a:prstDash val="solid"/>
+            <a:round/>
+            <a:headEnd type="none" w="sm" len="sm"/>
+            <a:tailEnd type="none" w="sm" len="sm"/>
+          </a:ln>
+        </p:spPr>
+      </p:pic>
+      <p:pic>
+        <p:nvPicPr>
+          <p:cNvPr id="10" name="図 9" descr="prewitt.jpg">
+            <a:extLst>
+              <a:ext uri="{FF2B5EF4-FFF2-40B4-BE49-F238E27FC236}">
+                <a16:creationId xmlns:a16="http://schemas.microsoft.com/office/drawing/2014/main" id="{4B522BE5-CB01-484D-B620-41E1B26B475B}"/>
+              </a:ext>
+            </a:extLst>
+          </p:cNvPr>
+          <p:cNvPicPr>
+            <a:picLocks noChangeAspect="1"/>
+          </p:cNvPicPr>
+          <p:nvPr/>
+        </p:nvPicPr>
+        <p:blipFill rotWithShape="1">
+          <a:blip r:embed="rId8"/>
+          <a:srcRect l="8047" t="43975" r="8258" b="51861"/>
+          <a:stretch/>
+        </p:blipFill>
+        <p:spPr>
+          <a:xfrm>
+            <a:off x="5036023" y="5989608"/>
+            <a:ext cx="3960000" cy="197000"/>
+          </a:xfrm>
+          <a:prstGeom prst="rect">
+            <a:avLst/>
+          </a:prstGeom>
+          <a:ln>
+            <a:solidFill>
+              <a:srgbClr val="5B9BD5"/>
+            </a:solidFill>
+          </a:ln>
+        </p:spPr>
+      </p:pic>
+      <p:sp>
+        <p:nvSpPr>
+          <p:cNvPr id="11" name="テキスト ボックス 10">
+            <a:extLst>
+              <a:ext uri="{FF2B5EF4-FFF2-40B4-BE49-F238E27FC236}">
+                <a16:creationId xmlns:a16="http://schemas.microsoft.com/office/drawing/2014/main" id="{95ED0AC5-48CC-410F-940D-39077F47F388}"/>
+              </a:ext>
+            </a:extLst>
+          </p:cNvPr>
+          <p:cNvSpPr txBox="1"/>
+          <p:nvPr/>
+        </p:nvSpPr>
+        <p:spPr>
+          <a:xfrm>
+            <a:off x="1817434" y="1637949"/>
+            <a:ext cx="1261884" cy="523220"/>
+          </a:xfrm>
+          <a:prstGeom prst="rect">
+            <a:avLst/>
+          </a:prstGeom>
+          <a:noFill/>
+        </p:spPr>
+        <p:txBody>
+          <a:bodyPr wrap="none" rtlCol="0">
+            <a:spAutoFit/>
+          </a:bodyPr>
+          <a:lstStyle/>
+          <a:p>
+            <a:r>
+              <a:rPr kumimoji="1" lang="ja-JP" altLang="en-US" sz="2800" dirty="0"/>
+              <a:t>元画像</a:t>
+            </a:r>
+          </a:p>
+        </p:txBody>
+      </p:sp>
+      <p:sp>
+        <p:nvSpPr>
+          <p:cNvPr id="12" name="テキスト ボックス 11">
+            <a:extLst>
+              <a:ext uri="{FF2B5EF4-FFF2-40B4-BE49-F238E27FC236}">
+                <a16:creationId xmlns:a16="http://schemas.microsoft.com/office/drawing/2014/main" id="{809934CC-39CE-4F75-A4A5-F06E170D067F}"/>
+              </a:ext>
+            </a:extLst>
+          </p:cNvPr>
+          <p:cNvSpPr txBox="1"/>
+          <p:nvPr/>
+        </p:nvSpPr>
+        <p:spPr>
+          <a:xfrm>
+            <a:off x="6190822" y="1640984"/>
+            <a:ext cx="1620957" cy="523220"/>
+          </a:xfrm>
+          <a:prstGeom prst="rect">
+            <a:avLst/>
+          </a:prstGeom>
+          <a:noFill/>
+        </p:spPr>
+        <p:txBody>
+          <a:bodyPr wrap="none" rtlCol="0">
+            <a:spAutoFit/>
+          </a:bodyPr>
+          <a:lstStyle/>
+          <a:p>
+            <a:r>
+              <a:rPr kumimoji="1" lang="ja-JP" altLang="en-US" sz="2800" dirty="0"/>
+              <a:t>処理画像</a:t>
+            </a:r>
+          </a:p>
+        </p:txBody>
+      </p:sp>
     </p:spTree>
   </p:cSld>
   <p:clrMapOvr>
@@ -22162,6 +21077,151 @@
           </a:prstGeom>
         </p:spPr>
       </p:pic>
+      <p:pic>
+        <p:nvPicPr>
+          <p:cNvPr id="8" name="Google Shape;112;p16" descr="mini.jpg">
+            <a:extLst>
+              <a:ext uri="{FF2B5EF4-FFF2-40B4-BE49-F238E27FC236}">
+                <a16:creationId xmlns:a16="http://schemas.microsoft.com/office/drawing/2014/main" id="{97A7DB4F-63AE-4084-AA57-3330D19B5B6E}"/>
+              </a:ext>
+            </a:extLst>
+          </p:cNvPr>
+          <p:cNvPicPr preferRelativeResize="0">
+            <a:picLocks/>
+          </p:cNvPicPr>
+          <p:nvPr/>
+        </p:nvPicPr>
+        <p:blipFill rotWithShape="1">
+          <a:blip r:embed="rId7">
+            <a:alphaModFix/>
+          </a:blip>
+          <a:srcRect t="5" b="95825"/>
+          <a:stretch/>
+        </p:blipFill>
+        <p:spPr>
+          <a:xfrm>
+            <a:off x="468376" y="5730816"/>
+            <a:ext cx="3960000" cy="180000"/>
+          </a:xfrm>
+          <a:prstGeom prst="rect">
+            <a:avLst/>
+          </a:prstGeom>
+          <a:noFill/>
+          <a:ln w="9525" cap="flat" cmpd="sng">
+            <a:solidFill>
+              <a:schemeClr val="accent1"/>
+            </a:solidFill>
+            <a:prstDash val="solid"/>
+            <a:round/>
+            <a:headEnd type="none" w="sm" len="sm"/>
+            <a:tailEnd type="none" w="sm" len="sm"/>
+          </a:ln>
+        </p:spPr>
+      </p:pic>
+      <p:pic>
+        <p:nvPicPr>
+          <p:cNvPr id="9" name="図 8" descr="laplacian.jpg">
+            <a:extLst>
+              <a:ext uri="{FF2B5EF4-FFF2-40B4-BE49-F238E27FC236}">
+                <a16:creationId xmlns:a16="http://schemas.microsoft.com/office/drawing/2014/main" id="{65615C33-DC5D-4876-B0AA-0A0161290960}"/>
+              </a:ext>
+            </a:extLst>
+          </p:cNvPr>
+          <p:cNvPicPr>
+            <a:picLocks noChangeAspect="1"/>
+          </p:cNvPicPr>
+          <p:nvPr/>
+        </p:nvPicPr>
+        <p:blipFill rotWithShape="1">
+          <a:blip r:embed="rId8"/>
+          <a:srcRect l="10006" t="10122" r="10067" b="85998"/>
+          <a:stretch/>
+        </p:blipFill>
+        <p:spPr>
+          <a:xfrm>
+            <a:off x="5187165" y="5744464"/>
+            <a:ext cx="3708000" cy="180000"/>
+          </a:xfrm>
+          <a:prstGeom prst="rect">
+            <a:avLst/>
+          </a:prstGeom>
+          <a:ln>
+            <a:solidFill>
+              <a:srgbClr val="5B9BD5"/>
+            </a:solidFill>
+          </a:ln>
+        </p:spPr>
+      </p:pic>
+      <p:sp>
+        <p:nvSpPr>
+          <p:cNvPr id="10" name="テキスト ボックス 9">
+            <a:extLst>
+              <a:ext uri="{FF2B5EF4-FFF2-40B4-BE49-F238E27FC236}">
+                <a16:creationId xmlns:a16="http://schemas.microsoft.com/office/drawing/2014/main" id="{117B701F-19B0-4B38-B327-441B8B194CC1}"/>
+              </a:ext>
+            </a:extLst>
+          </p:cNvPr>
+          <p:cNvSpPr txBox="1"/>
+          <p:nvPr/>
+        </p:nvSpPr>
+        <p:spPr>
+          <a:xfrm>
+            <a:off x="1817434" y="1405933"/>
+            <a:ext cx="1261884" cy="523220"/>
+          </a:xfrm>
+          <a:prstGeom prst="rect">
+            <a:avLst/>
+          </a:prstGeom>
+          <a:noFill/>
+        </p:spPr>
+        <p:txBody>
+          <a:bodyPr wrap="none" rtlCol="0">
+            <a:spAutoFit/>
+          </a:bodyPr>
+          <a:lstStyle/>
+          <a:p>
+            <a:r>
+              <a:rPr kumimoji="1" lang="ja-JP" altLang="en-US" sz="2800" dirty="0"/>
+              <a:t>元画像</a:t>
+            </a:r>
+          </a:p>
+        </p:txBody>
+      </p:sp>
+      <p:sp>
+        <p:nvSpPr>
+          <p:cNvPr id="11" name="テキスト ボックス 10">
+            <a:extLst>
+              <a:ext uri="{FF2B5EF4-FFF2-40B4-BE49-F238E27FC236}">
+                <a16:creationId xmlns:a16="http://schemas.microsoft.com/office/drawing/2014/main" id="{4E69662A-FB0B-4892-B789-9A41EE630D67}"/>
+              </a:ext>
+            </a:extLst>
+          </p:cNvPr>
+          <p:cNvSpPr txBox="1"/>
+          <p:nvPr/>
+        </p:nvSpPr>
+        <p:spPr>
+          <a:xfrm>
+            <a:off x="6190822" y="1408968"/>
+            <a:ext cx="1620957" cy="523220"/>
+          </a:xfrm>
+          <a:prstGeom prst="rect">
+            <a:avLst/>
+          </a:prstGeom>
+          <a:noFill/>
+        </p:spPr>
+        <p:txBody>
+          <a:bodyPr wrap="none" rtlCol="0">
+            <a:spAutoFit/>
+          </a:bodyPr>
+          <a:lstStyle/>
+          <a:p>
+            <a:r>
+              <a:rPr kumimoji="1" lang="ja-JP" altLang="en-US" sz="2800" dirty="0"/>
+              <a:t>処理画像</a:t>
+            </a:r>
+          </a:p>
+        </p:txBody>
+      </p:sp>
     </p:spTree>
   </p:cSld>
   <p:clrMapOvr>
@@ -23054,6 +22114,146 @@
           </a:prstGeom>
         </p:spPr>
       </p:pic>
+      <p:pic>
+        <p:nvPicPr>
+          <p:cNvPr id="9" name="Google Shape;165;p23">
+            <a:extLst>
+              <a:ext uri="{FF2B5EF4-FFF2-40B4-BE49-F238E27FC236}">
+                <a16:creationId xmlns:a16="http://schemas.microsoft.com/office/drawing/2014/main" id="{B7ABB714-7433-4B03-A6EC-7A160A1A0F21}"/>
+              </a:ext>
+            </a:extLst>
+          </p:cNvPr>
+          <p:cNvPicPr preferRelativeResize="0">
+            <a:picLocks noGrp="1" noChangeAspect="1"/>
+          </p:cNvPicPr>
+          <p:nvPr>
+            <p:ph type="body" idx="1"/>
+          </p:nvPr>
+        </p:nvPicPr>
+        <p:blipFill rotWithShape="1">
+          <a:blip r:embed="rId7"/>
+          <a:srcRect l="10217" t="44205" r="11002" b="52249"/>
+          <a:stretch/>
+        </p:blipFill>
+        <p:spPr>
+          <a:xfrm>
+            <a:off x="395784" y="5764454"/>
+            <a:ext cx="3998913" cy="180000"/>
+          </a:xfrm>
+          <a:prstGeom prst="rect">
+            <a:avLst/>
+          </a:prstGeom>
+          <a:noFill/>
+          <a:ln>
+            <a:noFill/>
+          </a:ln>
+        </p:spPr>
+      </p:pic>
+      <p:pic>
+        <p:nvPicPr>
+          <p:cNvPr id="10" name="図 9" descr="sharpening.jpg">
+            <a:extLst>
+              <a:ext uri="{FF2B5EF4-FFF2-40B4-BE49-F238E27FC236}">
+                <a16:creationId xmlns:a16="http://schemas.microsoft.com/office/drawing/2014/main" id="{4CABE730-D6EE-4E11-9973-23ADA5F8B0E9}"/>
+              </a:ext>
+            </a:extLst>
+          </p:cNvPr>
+          <p:cNvPicPr>
+            <a:picLocks noChangeAspect="1"/>
+          </p:cNvPicPr>
+          <p:nvPr/>
+        </p:nvPicPr>
+        <p:blipFill rotWithShape="1">
+          <a:blip r:embed="rId8"/>
+          <a:srcRect l="9962" t="46471" r="10510" b="49769"/>
+          <a:stretch/>
+        </p:blipFill>
+        <p:spPr>
+          <a:xfrm>
+            <a:off x="5090615" y="5758192"/>
+            <a:ext cx="3807725" cy="180000"/>
+          </a:xfrm>
+          <a:prstGeom prst="rect">
+            <a:avLst/>
+          </a:prstGeom>
+          <a:noFill/>
+          <a:ln>
+            <a:solidFill>
+              <a:schemeClr val="accent1"/>
+            </a:solidFill>
+          </a:ln>
+        </p:spPr>
+      </p:pic>
+      <p:sp>
+        <p:nvSpPr>
+          <p:cNvPr id="11" name="テキスト ボックス 10">
+            <a:extLst>
+              <a:ext uri="{FF2B5EF4-FFF2-40B4-BE49-F238E27FC236}">
+                <a16:creationId xmlns:a16="http://schemas.microsoft.com/office/drawing/2014/main" id="{A87852C9-B8E9-46A0-8C06-1F60F84EC343}"/>
+              </a:ext>
+            </a:extLst>
+          </p:cNvPr>
+          <p:cNvSpPr txBox="1"/>
+          <p:nvPr/>
+        </p:nvSpPr>
+        <p:spPr>
+          <a:xfrm>
+            <a:off x="1790138" y="1405933"/>
+            <a:ext cx="1261884" cy="523220"/>
+          </a:xfrm>
+          <a:prstGeom prst="rect">
+            <a:avLst/>
+          </a:prstGeom>
+          <a:noFill/>
+        </p:spPr>
+        <p:txBody>
+          <a:bodyPr wrap="none" rtlCol="0">
+            <a:spAutoFit/>
+          </a:bodyPr>
+          <a:lstStyle/>
+          <a:p>
+            <a:r>
+              <a:rPr kumimoji="1" lang="ja-JP" altLang="en-US" sz="2800" dirty="0"/>
+              <a:t>元画像</a:t>
+            </a:r>
+          </a:p>
+        </p:txBody>
+      </p:sp>
+      <p:sp>
+        <p:nvSpPr>
+          <p:cNvPr id="12" name="テキスト ボックス 11">
+            <a:extLst>
+              <a:ext uri="{FF2B5EF4-FFF2-40B4-BE49-F238E27FC236}">
+                <a16:creationId xmlns:a16="http://schemas.microsoft.com/office/drawing/2014/main" id="{944136BF-FB4C-4E36-BD9B-7C1D72E6632C}"/>
+              </a:ext>
+            </a:extLst>
+          </p:cNvPr>
+          <p:cNvSpPr txBox="1"/>
+          <p:nvPr/>
+        </p:nvSpPr>
+        <p:spPr>
+          <a:xfrm>
+            <a:off x="6163526" y="1408968"/>
+            <a:ext cx="1620957" cy="523220"/>
+          </a:xfrm>
+          <a:prstGeom prst="rect">
+            <a:avLst/>
+          </a:prstGeom>
+          <a:noFill/>
+        </p:spPr>
+        <p:txBody>
+          <a:bodyPr wrap="none" rtlCol="0">
+            <a:spAutoFit/>
+          </a:bodyPr>
+          <a:lstStyle/>
+          <a:p>
+            <a:r>
+              <a:rPr kumimoji="1" lang="ja-JP" altLang="en-US" sz="2800" dirty="0"/>
+              <a:t>処理画像</a:t>
+            </a:r>
+          </a:p>
+        </p:txBody>
+      </p:sp>
     </p:spTree>
   </p:cSld>
   <p:clrMapOvr>
@@ -23667,6 +22867,142 @@
           </a:prstGeom>
         </p:spPr>
       </p:pic>
+      <p:pic>
+        <p:nvPicPr>
+          <p:cNvPr id="9" name="図 8" descr="sharpening.jpg">
+            <a:extLst>
+              <a:ext uri="{FF2B5EF4-FFF2-40B4-BE49-F238E27FC236}">
+                <a16:creationId xmlns:a16="http://schemas.microsoft.com/office/drawing/2014/main" id="{147F4F11-3005-4EF2-A49B-779690EB3F95}"/>
+              </a:ext>
+            </a:extLst>
+          </p:cNvPr>
+          <p:cNvPicPr>
+            <a:picLocks noChangeAspect="1"/>
+          </p:cNvPicPr>
+          <p:nvPr/>
+        </p:nvPicPr>
+        <p:blipFill rotWithShape="1">
+          <a:blip r:embed="rId6"/>
+          <a:srcRect l="9962" t="46471" r="10510" b="49769"/>
+          <a:stretch/>
+        </p:blipFill>
+        <p:spPr>
+          <a:xfrm>
+            <a:off x="5090615" y="5758192"/>
+            <a:ext cx="3807725" cy="180000"/>
+          </a:xfrm>
+          <a:prstGeom prst="rect">
+            <a:avLst/>
+          </a:prstGeom>
+          <a:noFill/>
+          <a:ln>
+            <a:solidFill>
+              <a:schemeClr val="accent1"/>
+            </a:solidFill>
+          </a:ln>
+        </p:spPr>
+      </p:pic>
+      <p:pic>
+        <p:nvPicPr>
+          <p:cNvPr id="10" name="図 9">
+            <a:extLst>
+              <a:ext uri="{FF2B5EF4-FFF2-40B4-BE49-F238E27FC236}">
+                <a16:creationId xmlns:a16="http://schemas.microsoft.com/office/drawing/2014/main" id="{F1C61398-7425-4E8E-8BD5-B598C4CDABC6}"/>
+              </a:ext>
+            </a:extLst>
+          </p:cNvPr>
+          <p:cNvPicPr>
+            <a:picLocks noChangeAspect="1"/>
+          </p:cNvPicPr>
+          <p:nvPr/>
+        </p:nvPicPr>
+        <p:blipFill rotWithShape="1">
+          <a:blip r:embed="rId7"/>
+          <a:srcRect l="10561" t="42609" r="10115" b="53816"/>
+          <a:stretch/>
+        </p:blipFill>
+        <p:spPr>
+          <a:xfrm>
+            <a:off x="419478" y="5750762"/>
+            <a:ext cx="3993773" cy="180000"/>
+          </a:xfrm>
+          <a:prstGeom prst="rect">
+            <a:avLst/>
+          </a:prstGeom>
+        </p:spPr>
+      </p:pic>
+      <p:sp>
+        <p:nvSpPr>
+          <p:cNvPr id="15" name="テキスト ボックス 14">
+            <a:extLst>
+              <a:ext uri="{FF2B5EF4-FFF2-40B4-BE49-F238E27FC236}">
+                <a16:creationId xmlns:a16="http://schemas.microsoft.com/office/drawing/2014/main" id="{23FB7975-4C1A-427F-B94D-A4589859E75C}"/>
+              </a:ext>
+            </a:extLst>
+          </p:cNvPr>
+          <p:cNvSpPr txBox="1"/>
+          <p:nvPr/>
+        </p:nvSpPr>
+        <p:spPr>
+          <a:xfrm>
+            <a:off x="1251530" y="1405933"/>
+            <a:ext cx="2339102" cy="523220"/>
+          </a:xfrm>
+          <a:prstGeom prst="rect">
+            <a:avLst/>
+          </a:prstGeom>
+          <a:noFill/>
+        </p:spPr>
+        <p:txBody>
+          <a:bodyPr wrap="none" rtlCol="0">
+            <a:spAutoFit/>
+          </a:bodyPr>
+          <a:lstStyle/>
+          <a:p>
+            <a:pPr algn="ctr"/>
+            <a:r>
+              <a:rPr kumimoji="1" lang="ja-JP" altLang="en-US" sz="2800" dirty="0"/>
+              <a:t>ラプラシアン</a:t>
+            </a:r>
+          </a:p>
+        </p:txBody>
+      </p:sp>
+      <p:sp>
+        <p:nvSpPr>
+          <p:cNvPr id="16" name="テキスト ボックス 15">
+            <a:extLst>
+              <a:ext uri="{FF2B5EF4-FFF2-40B4-BE49-F238E27FC236}">
+                <a16:creationId xmlns:a16="http://schemas.microsoft.com/office/drawing/2014/main" id="{D9A29A67-E3B1-49AF-991A-2D465E92BD2A}"/>
+              </a:ext>
+            </a:extLst>
+          </p:cNvPr>
+          <p:cNvSpPr txBox="1"/>
+          <p:nvPr/>
+        </p:nvSpPr>
+        <p:spPr>
+          <a:xfrm>
+            <a:off x="6343062" y="1408968"/>
+            <a:ext cx="1261885" cy="523220"/>
+          </a:xfrm>
+          <a:prstGeom prst="rect">
+            <a:avLst/>
+          </a:prstGeom>
+          <a:noFill/>
+        </p:spPr>
+        <p:txBody>
+          <a:bodyPr wrap="none" rtlCol="0">
+            <a:spAutoFit/>
+          </a:bodyPr>
+          <a:lstStyle/>
+          <a:p>
+            <a:pPr algn="ctr"/>
+            <a:r>
+              <a:rPr kumimoji="1" lang="ja-JP" altLang="en-US" sz="2800" dirty="0"/>
+              <a:t>鮮鋭化</a:t>
+            </a:r>
+          </a:p>
+        </p:txBody>
+      </p:sp>
     </p:spTree>
   </p:cSld>
   <p:clrMapOvr>
@@ -23676,146 +23012,6 @@
 </file>
 
 <file path=ppt/slides/slide21.xml><?xml version="1.0" encoding="utf-8"?>
-<p:sld xmlns:a="http://schemas.openxmlformats.org/drawingml/2006/main" xmlns:r="http://schemas.openxmlformats.org/officeDocument/2006/relationships" xmlns:p="http://schemas.openxmlformats.org/presentationml/2006/main" show="0">
-  <p:cSld>
-    <p:spTree>
-      <p:nvGrpSpPr>
-        <p:cNvPr id="1" name=""/>
-        <p:cNvGrpSpPr/>
-        <p:nvPr/>
-      </p:nvGrpSpPr>
-      <p:grpSpPr>
-        <a:xfrm>
-          <a:off x="0" y="0"/>
-          <a:ext cx="0" cy="0"/>
-          <a:chOff x="0" y="0"/>
-          <a:chExt cx="0" cy="0"/>
-        </a:xfrm>
-      </p:grpSpPr>
-      <p:sp>
-        <p:nvSpPr>
-          <p:cNvPr id="2" name="タイトル 1"/>
-          <p:cNvSpPr>
-            <a:spLocks noGrp="1"/>
-          </p:cNvSpPr>
-          <p:nvPr>
-            <p:ph type="title"/>
-          </p:nvPr>
-        </p:nvSpPr>
-        <p:spPr>
-          <a:xfrm>
-            <a:off x="628651" y="325371"/>
-            <a:ext cx="7886700" cy="1325700"/>
-          </a:xfrm>
-        </p:spPr>
-        <p:txBody>
-          <a:bodyPr/>
-          <a:lstStyle/>
-          <a:p>
-            <a:r>
-              <a:rPr kumimoji="1" lang="ja-JP" altLang="en-US" dirty="0">
-                <a:latin typeface="+mj-ea"/>
-                <a:ea typeface="+mj-ea"/>
-              </a:rPr>
-              <a:t>ラプラシアンと鮮鋭化比較</a:t>
-            </a:r>
-          </a:p>
-        </p:txBody>
-      </p:sp>
-      <p:sp>
-        <p:nvSpPr>
-          <p:cNvPr id="5" name="スライド番号プレースホルダ 4"/>
-          <p:cNvSpPr>
-            <a:spLocks noGrp="1"/>
-          </p:cNvSpPr>
-          <p:nvPr>
-            <p:ph type="sldNum" idx="12"/>
-          </p:nvPr>
-        </p:nvSpPr>
-        <p:spPr/>
-        <p:txBody>
-          <a:bodyPr/>
-          <a:lstStyle/>
-          <a:p>
-            <a:pPr marL="0" lvl="0" indent="0" algn="r" rtl="0">
-              <a:spcBef>
-                <a:spcPts val="0"/>
-              </a:spcBef>
-              <a:spcAft>
-                <a:spcPts val="0"/>
-              </a:spcAft>
-              <a:buNone/>
-            </a:pPr>
-            <a:fld id="{00000000-1234-1234-1234-123412341234}" type="slidenum">
-              <a:rPr lang="en-US" altLang="ja-JP" smtClean="0"/>
-              <a:pPr marL="0" lvl="0" indent="0" algn="r" rtl="0">
-                <a:spcBef>
-                  <a:spcPts val="0"/>
-                </a:spcBef>
-                <a:spcAft>
-                  <a:spcPts val="0"/>
-                </a:spcAft>
-                <a:buNone/>
-              </a:pPr>
-              <a:t>21</a:t>
-            </a:fld>
-            <a:endParaRPr lang="en-US"/>
-          </a:p>
-        </p:txBody>
-      </p:sp>
-      <p:graphicFrame>
-        <p:nvGraphicFramePr>
-          <p:cNvPr id="6" name="グラフ 5"/>
-          <p:cNvGraphicFramePr/>
-          <p:nvPr>
-            <p:extLst>
-              <p:ext uri="{D42A27DB-BD31-4B8C-83A1-F6EECF244321}">
-                <p14:modId xmlns:p14="http://schemas.microsoft.com/office/powerpoint/2010/main" val="1428061558"/>
-              </p:ext>
-            </p:extLst>
-          </p:nvPr>
-        </p:nvGraphicFramePr>
-        <p:xfrm>
-          <a:off x="4612797" y="1957946"/>
-          <a:ext cx="4505325" cy="3847870"/>
-        </p:xfrm>
-        <a:graphic>
-          <a:graphicData uri="http://schemas.openxmlformats.org/drawingml/2006/chart">
-            <c:chart xmlns:c="http://schemas.openxmlformats.org/drawingml/2006/chart" xmlns:r="http://schemas.openxmlformats.org/officeDocument/2006/relationships" r:id="rId2"/>
-          </a:graphicData>
-        </a:graphic>
-      </p:graphicFrame>
-      <p:graphicFrame>
-        <p:nvGraphicFramePr>
-          <p:cNvPr id="7" name="グラフ 6"/>
-          <p:cNvGraphicFramePr/>
-          <p:nvPr>
-            <p:extLst>
-              <p:ext uri="{D42A27DB-BD31-4B8C-83A1-F6EECF244321}">
-                <p14:modId xmlns:p14="http://schemas.microsoft.com/office/powerpoint/2010/main" val="1035266957"/>
-              </p:ext>
-            </p:extLst>
-          </p:nvPr>
-        </p:nvGraphicFramePr>
-        <p:xfrm>
-          <a:off x="53635" y="1957947"/>
-          <a:ext cx="4492487" cy="3847869"/>
-        </p:xfrm>
-        <a:graphic>
-          <a:graphicData uri="http://schemas.openxmlformats.org/drawingml/2006/chart">
-            <c:chart xmlns:c="http://schemas.openxmlformats.org/drawingml/2006/chart" xmlns:r="http://schemas.openxmlformats.org/officeDocument/2006/relationships" r:id="rId3"/>
-          </a:graphicData>
-        </a:graphic>
-      </p:graphicFrame>
-    </p:spTree>
-  </p:cSld>
-  <p:clrMapOvr>
-    <a:masterClrMapping/>
-  </p:clrMapOvr>
-</p:sld>
-</file>
-
-<file path=ppt/slides/slide22.xml><?xml version="1.0" encoding="utf-8"?>
 <p:sld xmlns:a="http://schemas.openxmlformats.org/drawingml/2006/main" xmlns:r="http://schemas.openxmlformats.org/officeDocument/2006/relationships" xmlns:p="http://schemas.openxmlformats.org/presentationml/2006/main">
   <p:cSld>
     <p:spTree>
@@ -24043,7 +23239,7 @@
                 </a:spcAft>
                 <a:buNone/>
               </a:pPr>
-              <a:t>22</a:t>
+              <a:t>21</a:t>
             </a:fld>
             <a:endParaRPr lang="en-US"/>
           </a:p>
@@ -25364,7 +24560,7 @@
               <a:buNone/>
             </a:pPr>
             <a:r>
-              <a:rPr lang="ja-JP">
+              <a:rPr lang="ja-JP" dirty="0">
                 <a:latin typeface="MS PGothic"/>
                 <a:ea typeface="MS PGothic"/>
                 <a:cs typeface="MS PGothic"/>
@@ -25372,7 +24568,7 @@
               </a:rPr>
               <a:t>実行結果（平均値フィルタ）</a:t>
             </a:r>
-            <a:endParaRPr/>
+            <a:endParaRPr dirty="0"/>
           </a:p>
         </p:txBody>
       </p:sp>
@@ -25531,6 +24727,154 @@
           </a:prstGeom>
         </p:spPr>
       </p:pic>
+      <p:pic>
+        <p:nvPicPr>
+          <p:cNvPr id="9" name="Google Shape;112;p16" descr="mini.jpg">
+            <a:extLst>
+              <a:ext uri="{FF2B5EF4-FFF2-40B4-BE49-F238E27FC236}">
+                <a16:creationId xmlns:a16="http://schemas.microsoft.com/office/drawing/2014/main" id="{E30AFDD9-6676-43AA-B92F-436F67371552}"/>
+              </a:ext>
+            </a:extLst>
+          </p:cNvPr>
+          <p:cNvPicPr preferRelativeResize="0">
+            <a:picLocks/>
+          </p:cNvPicPr>
+          <p:nvPr/>
+        </p:nvPicPr>
+        <p:blipFill rotWithShape="1">
+          <a:blip r:embed="rId7">
+            <a:alphaModFix/>
+          </a:blip>
+          <a:srcRect t="5" b="95825"/>
+          <a:stretch/>
+        </p:blipFill>
+        <p:spPr>
+          <a:xfrm>
+            <a:off x="468376" y="6086352"/>
+            <a:ext cx="3960000" cy="180000"/>
+          </a:xfrm>
+          <a:prstGeom prst="rect">
+            <a:avLst/>
+          </a:prstGeom>
+          <a:noFill/>
+          <a:ln w="9525" cap="flat" cmpd="sng">
+            <a:solidFill>
+              <a:schemeClr val="accent1"/>
+            </a:solidFill>
+            <a:prstDash val="solid"/>
+            <a:round/>
+            <a:headEnd type="none" w="sm" len="sm"/>
+            <a:tailEnd type="none" w="sm" len="sm"/>
+          </a:ln>
+        </p:spPr>
+      </p:pic>
+      <p:pic>
+        <p:nvPicPr>
+          <p:cNvPr id="10" name="Google Shape;111;p16" descr="smooth_mini.jpg">
+            <a:extLst>
+              <a:ext uri="{FF2B5EF4-FFF2-40B4-BE49-F238E27FC236}">
+                <a16:creationId xmlns:a16="http://schemas.microsoft.com/office/drawing/2014/main" id="{BA28FBAA-DFDE-4006-A578-1696F6245C7A}"/>
+              </a:ext>
+            </a:extLst>
+          </p:cNvPr>
+          <p:cNvPicPr preferRelativeResize="0">
+            <a:picLocks/>
+          </p:cNvPicPr>
+          <p:nvPr/>
+        </p:nvPicPr>
+        <p:blipFill rotWithShape="1">
+          <a:blip r:embed="rId8">
+            <a:alphaModFix/>
+          </a:blip>
+          <a:srcRect l="9488" t="14529" r="10609" b="82257"/>
+          <a:stretch/>
+        </p:blipFill>
+        <p:spPr>
+          <a:xfrm>
+            <a:off x="5131558" y="6067246"/>
+            <a:ext cx="3739487" cy="199105"/>
+          </a:xfrm>
+          <a:prstGeom prst="rect">
+            <a:avLst/>
+          </a:prstGeom>
+          <a:noFill/>
+          <a:ln>
+            <a:solidFill>
+              <a:schemeClr val="accent1"/>
+            </a:solidFill>
+          </a:ln>
+        </p:spPr>
+      </p:pic>
+      <p:sp>
+        <p:nvSpPr>
+          <p:cNvPr id="4" name="テキスト ボックス 3">
+            <a:extLst>
+              <a:ext uri="{FF2B5EF4-FFF2-40B4-BE49-F238E27FC236}">
+                <a16:creationId xmlns:a16="http://schemas.microsoft.com/office/drawing/2014/main" id="{D70E0121-6E95-400F-9030-9BD97220BDAC}"/>
+              </a:ext>
+            </a:extLst>
+          </p:cNvPr>
+          <p:cNvSpPr txBox="1"/>
+          <p:nvPr/>
+        </p:nvSpPr>
+        <p:spPr>
+          <a:xfrm>
+            <a:off x="1817434" y="1720378"/>
+            <a:ext cx="1261884" cy="523220"/>
+          </a:xfrm>
+          <a:prstGeom prst="rect">
+            <a:avLst/>
+          </a:prstGeom>
+          <a:noFill/>
+        </p:spPr>
+        <p:txBody>
+          <a:bodyPr wrap="none" rtlCol="0">
+            <a:spAutoFit/>
+          </a:bodyPr>
+          <a:lstStyle/>
+          <a:p>
+            <a:r>
+              <a:rPr kumimoji="1" lang="ja-JP" altLang="en-US" sz="2800" dirty="0"/>
+              <a:t>元画像</a:t>
+            </a:r>
+          </a:p>
+        </p:txBody>
+      </p:sp>
+      <p:sp>
+        <p:nvSpPr>
+          <p:cNvPr id="11" name="テキスト ボックス 10">
+            <a:extLst>
+              <a:ext uri="{FF2B5EF4-FFF2-40B4-BE49-F238E27FC236}">
+                <a16:creationId xmlns:a16="http://schemas.microsoft.com/office/drawing/2014/main" id="{CBB1AC99-FCFE-4398-A58E-5D66AC3B7D47}"/>
+              </a:ext>
+            </a:extLst>
+          </p:cNvPr>
+          <p:cNvSpPr txBox="1"/>
+          <p:nvPr/>
+        </p:nvSpPr>
+        <p:spPr>
+          <a:xfrm>
+            <a:off x="6190822" y="1723413"/>
+            <a:ext cx="1620957" cy="523220"/>
+          </a:xfrm>
+          <a:prstGeom prst="rect">
+            <a:avLst/>
+          </a:prstGeom>
+          <a:noFill/>
+        </p:spPr>
+        <p:txBody>
+          <a:bodyPr wrap="none" rtlCol="0">
+            <a:spAutoFit/>
+          </a:bodyPr>
+          <a:lstStyle/>
+          <a:p>
+            <a:r>
+              <a:rPr kumimoji="1" lang="ja-JP" altLang="en-US" sz="2800" dirty="0"/>
+              <a:t>処理画像</a:t>
+            </a:r>
+          </a:p>
+        </p:txBody>
+      </p:sp>
     </p:spTree>
   </p:cSld>
   <p:clrMapOvr>

--- a/exp_c/slide/exp_C_refine.pptx
+++ b/exp_c/slide/exp_C_refine.pptx
@@ -5,7 +5,7 @@
     <p:sldMasterId id="2147483659" r:id="rId1"/>
   </p:sldMasterIdLst>
   <p:notesMasterIdLst>
-    <p:notesMasterId r:id="rId23"/>
+    <p:notesMasterId r:id="rId27"/>
   </p:notesMasterIdLst>
   <p:sldIdLst>
     <p:sldId id="269" r:id="rId2"/>
@@ -14,21 +14,25 @@
     <p:sldId id="272" r:id="rId5"/>
     <p:sldId id="257" r:id="rId6"/>
     <p:sldId id="258" r:id="rId7"/>
-    <p:sldId id="259" r:id="rId8"/>
-    <p:sldId id="268" r:id="rId9"/>
-    <p:sldId id="260" r:id="rId10"/>
-    <p:sldId id="261" r:id="rId11"/>
-    <p:sldId id="275" r:id="rId12"/>
-    <p:sldId id="262" r:id="rId13"/>
-    <p:sldId id="263" r:id="rId14"/>
-    <p:sldId id="276" r:id="rId15"/>
-    <p:sldId id="264" r:id="rId16"/>
-    <p:sldId id="265" r:id="rId17"/>
-    <p:sldId id="266" r:id="rId18"/>
-    <p:sldId id="277" r:id="rId19"/>
-    <p:sldId id="274" r:id="rId20"/>
-    <p:sldId id="278" r:id="rId21"/>
-    <p:sldId id="273" r:id="rId22"/>
+    <p:sldId id="279" r:id="rId8"/>
+    <p:sldId id="280" r:id="rId9"/>
+    <p:sldId id="259" r:id="rId10"/>
+    <p:sldId id="268" r:id="rId11"/>
+    <p:sldId id="260" r:id="rId12"/>
+    <p:sldId id="261" r:id="rId13"/>
+    <p:sldId id="281" r:id="rId14"/>
+    <p:sldId id="282" r:id="rId15"/>
+    <p:sldId id="275" r:id="rId16"/>
+    <p:sldId id="262" r:id="rId17"/>
+    <p:sldId id="263" r:id="rId18"/>
+    <p:sldId id="276" r:id="rId19"/>
+    <p:sldId id="264" r:id="rId20"/>
+    <p:sldId id="265" r:id="rId21"/>
+    <p:sldId id="266" r:id="rId22"/>
+    <p:sldId id="277" r:id="rId23"/>
+    <p:sldId id="274" r:id="rId24"/>
+    <p:sldId id="278" r:id="rId25"/>
+    <p:sldId id="273" r:id="rId26"/>
   </p:sldIdLst>
   <p:sldSz cx="9144000" cy="6858000" type="screen4x3"/>
   <p:notesSz cx="6858000" cy="9144000"/>
@@ -19622,6 +19626,664 @@
   <p:cSld>
     <p:spTree>
       <p:nvGrpSpPr>
+        <p:cNvPr id="1" name="Shape 109"/>
+        <p:cNvGrpSpPr/>
+        <p:nvPr/>
+      </p:nvGrpSpPr>
+      <p:grpSpPr>
+        <a:xfrm>
+          <a:off x="0" y="0"/>
+          <a:ext cx="0" cy="0"/>
+          <a:chOff x="0" y="0"/>
+          <a:chExt cx="0" cy="0"/>
+        </a:xfrm>
+      </p:grpSpPr>
+      <p:sp>
+        <p:nvSpPr>
+          <p:cNvPr id="110" name="Google Shape;110;p16"/>
+          <p:cNvSpPr txBox="1">
+            <a:spLocks noGrp="1"/>
+          </p:cNvSpPr>
+          <p:nvPr>
+            <p:ph type="title"/>
+          </p:nvPr>
+        </p:nvSpPr>
+        <p:spPr>
+          <a:prstGeom prst="rect">
+            <a:avLst/>
+          </a:prstGeom>
+          <a:noFill/>
+          <a:ln>
+            <a:noFill/>
+          </a:ln>
+        </p:spPr>
+        <p:txBody>
+          <a:bodyPr spcFirstLastPara="1" wrap="square" lIns="91425" tIns="45700" rIns="91425" bIns="45700" anchor="ctr" anchorCtr="0">
+            <a:noAutofit/>
+          </a:bodyPr>
+          <a:lstStyle/>
+          <a:p>
+            <a:pPr marL="0" lvl="0" indent="0" algn="l" rtl="0">
+              <a:lnSpc>
+                <a:spcPct val="90000"/>
+              </a:lnSpc>
+              <a:spcBef>
+                <a:spcPts val="0"/>
+              </a:spcBef>
+              <a:spcAft>
+                <a:spcPts val="0"/>
+              </a:spcAft>
+              <a:buClr>
+                <a:schemeClr val="dk1"/>
+              </a:buClr>
+              <a:buSzPts val="4400"/>
+              <a:buFont typeface="MS PGothic"/>
+              <a:buNone/>
+            </a:pPr>
+            <a:r>
+              <a:rPr lang="ja-JP" dirty="0">
+                <a:latin typeface="MS PGothic"/>
+                <a:ea typeface="MS PGothic"/>
+                <a:cs typeface="MS PGothic"/>
+                <a:sym typeface="MS PGothic"/>
+              </a:rPr>
+              <a:t>実行結果（平均値フィルタ）</a:t>
+            </a:r>
+            <a:endParaRPr dirty="0"/>
+          </a:p>
+        </p:txBody>
+      </p:sp>
+      <p:sp>
+        <p:nvSpPr>
+          <p:cNvPr id="113" name="Google Shape;113;p16"/>
+          <p:cNvSpPr txBox="1">
+            <a:spLocks noGrp="1"/>
+          </p:cNvSpPr>
+          <p:nvPr>
+            <p:ph type="sldNum" idx="12"/>
+          </p:nvPr>
+        </p:nvSpPr>
+        <p:spPr>
+          <a:prstGeom prst="rect">
+            <a:avLst/>
+          </a:prstGeom>
+          <a:noFill/>
+          <a:ln>
+            <a:noFill/>
+          </a:ln>
+        </p:spPr>
+        <p:txBody>
+          <a:bodyPr spcFirstLastPara="1" wrap="square" lIns="91425" tIns="45700" rIns="91425" bIns="45700" anchor="ctr" anchorCtr="0">
+            <a:noAutofit/>
+          </a:bodyPr>
+          <a:lstStyle/>
+          <a:p>
+            <a:pPr marL="0" lvl="0" indent="0" algn="r" rtl="0">
+              <a:spcBef>
+                <a:spcPts val="0"/>
+              </a:spcBef>
+              <a:spcAft>
+                <a:spcPts val="0"/>
+              </a:spcAft>
+              <a:buNone/>
+            </a:pPr>
+            <a:fld id="{00000000-1234-1234-1234-123412341234}" type="slidenum">
+              <a:rPr lang="en-US" altLang="ja-JP"/>
+              <a:pPr marL="0" lvl="0" indent="0" algn="r" rtl="0">
+                <a:spcBef>
+                  <a:spcPts val="0"/>
+                </a:spcBef>
+                <a:spcAft>
+                  <a:spcPts val="0"/>
+                </a:spcAft>
+                <a:buNone/>
+              </a:pPr>
+              <a:t>10</a:t>
+            </a:fld>
+            <a:endParaRPr/>
+          </a:p>
+        </p:txBody>
+      </p:sp>
+      <p:graphicFrame>
+        <p:nvGraphicFramePr>
+          <p:cNvPr id="8" name="グラフ 7"/>
+          <p:cNvGraphicFramePr/>
+          <p:nvPr>
+            <p:extLst>
+              <p:ext uri="{D42A27DB-BD31-4B8C-83A1-F6EECF244321}">
+                <p14:modId xmlns:p14="http://schemas.microsoft.com/office/powerpoint/2010/main" val="922535448"/>
+              </p:ext>
+            </p:extLst>
+          </p:nvPr>
+        </p:nvGraphicFramePr>
+        <p:xfrm>
+          <a:off x="66675" y="2257246"/>
+          <a:ext cx="4505325" cy="3810000"/>
+        </p:xfrm>
+        <a:graphic>
+          <a:graphicData uri="http://schemas.openxmlformats.org/drawingml/2006/chart">
+            <c:chart xmlns:c="http://schemas.openxmlformats.org/drawingml/2006/chart" xmlns:r="http://schemas.openxmlformats.org/officeDocument/2006/relationships" r:id="rId3"/>
+          </a:graphicData>
+        </a:graphic>
+      </p:graphicFrame>
+      <p:graphicFrame>
+        <p:nvGraphicFramePr>
+          <p:cNvPr id="24" name="グラフ 23"/>
+          <p:cNvGraphicFramePr/>
+          <p:nvPr>
+            <p:extLst>
+              <p:ext uri="{D42A27DB-BD31-4B8C-83A1-F6EECF244321}">
+                <p14:modId xmlns:p14="http://schemas.microsoft.com/office/powerpoint/2010/main" val="1829283508"/>
+              </p:ext>
+            </p:extLst>
+          </p:nvPr>
+        </p:nvGraphicFramePr>
+        <p:xfrm>
+          <a:off x="4730752" y="2257246"/>
+          <a:ext cx="4320484" cy="3810000"/>
+        </p:xfrm>
+        <a:graphic>
+          <a:graphicData uri="http://schemas.openxmlformats.org/drawingml/2006/chart">
+            <c:chart xmlns:c="http://schemas.openxmlformats.org/drawingml/2006/chart" xmlns:r="http://schemas.openxmlformats.org/officeDocument/2006/relationships" r:id="rId4"/>
+          </a:graphicData>
+        </a:graphic>
+      </p:graphicFrame>
+      <p:pic>
+        <p:nvPicPr>
+          <p:cNvPr id="2" name="図 1">
+            <a:extLst>
+              <a:ext uri="{FF2B5EF4-FFF2-40B4-BE49-F238E27FC236}">
+                <a16:creationId xmlns:a16="http://schemas.microsoft.com/office/drawing/2014/main" id="{7AFDD117-A68F-4539-8F2A-E5EC0D452EDE}"/>
+              </a:ext>
+            </a:extLst>
+          </p:cNvPr>
+          <p:cNvPicPr>
+            <a:picLocks noChangeAspect="1"/>
+          </p:cNvPicPr>
+          <p:nvPr/>
+        </p:nvPicPr>
+        <p:blipFill>
+          <a:blip r:embed="rId5"/>
+          <a:stretch>
+            <a:fillRect/>
+          </a:stretch>
+        </p:blipFill>
+        <p:spPr>
+          <a:xfrm>
+            <a:off x="66675" y="2257246"/>
+            <a:ext cx="4517528" cy="3816427"/>
+          </a:xfrm>
+          <a:prstGeom prst="rect">
+            <a:avLst/>
+          </a:prstGeom>
+        </p:spPr>
+      </p:pic>
+      <p:pic>
+        <p:nvPicPr>
+          <p:cNvPr id="3" name="図 2">
+            <a:extLst>
+              <a:ext uri="{FF2B5EF4-FFF2-40B4-BE49-F238E27FC236}">
+                <a16:creationId xmlns:a16="http://schemas.microsoft.com/office/drawing/2014/main" id="{72612DB9-33C4-4993-AD81-B4AF4791601A}"/>
+              </a:ext>
+            </a:extLst>
+          </p:cNvPr>
+          <p:cNvPicPr>
+            <a:picLocks noChangeAspect="1"/>
+          </p:cNvPicPr>
+          <p:nvPr/>
+        </p:nvPicPr>
+        <p:blipFill>
+          <a:blip r:embed="rId6"/>
+          <a:stretch>
+            <a:fillRect/>
+          </a:stretch>
+        </p:blipFill>
+        <p:spPr>
+          <a:xfrm>
+            <a:off x="4730752" y="2257246"/>
+            <a:ext cx="4320484" cy="3822523"/>
+          </a:xfrm>
+          <a:prstGeom prst="rect">
+            <a:avLst/>
+          </a:prstGeom>
+        </p:spPr>
+      </p:pic>
+      <p:pic>
+        <p:nvPicPr>
+          <p:cNvPr id="9" name="Google Shape;112;p16" descr="mini.jpg">
+            <a:extLst>
+              <a:ext uri="{FF2B5EF4-FFF2-40B4-BE49-F238E27FC236}">
+                <a16:creationId xmlns:a16="http://schemas.microsoft.com/office/drawing/2014/main" id="{E30AFDD9-6676-43AA-B92F-436F67371552}"/>
+              </a:ext>
+            </a:extLst>
+          </p:cNvPr>
+          <p:cNvPicPr preferRelativeResize="0">
+            <a:picLocks/>
+          </p:cNvPicPr>
+          <p:nvPr/>
+        </p:nvPicPr>
+        <p:blipFill rotWithShape="1">
+          <a:blip r:embed="rId7">
+            <a:alphaModFix/>
+          </a:blip>
+          <a:srcRect t="5" b="95825"/>
+          <a:stretch/>
+        </p:blipFill>
+        <p:spPr>
+          <a:xfrm>
+            <a:off x="468376" y="2063599"/>
+            <a:ext cx="3960000" cy="180000"/>
+          </a:xfrm>
+          <a:prstGeom prst="rect">
+            <a:avLst/>
+          </a:prstGeom>
+          <a:noFill/>
+          <a:ln w="9525" cap="flat" cmpd="sng">
+            <a:solidFill>
+              <a:schemeClr val="accent1"/>
+            </a:solidFill>
+            <a:prstDash val="solid"/>
+            <a:round/>
+            <a:headEnd type="none" w="sm" len="sm"/>
+            <a:tailEnd type="none" w="sm" len="sm"/>
+          </a:ln>
+        </p:spPr>
+      </p:pic>
+      <p:pic>
+        <p:nvPicPr>
+          <p:cNvPr id="10" name="Google Shape;111;p16" descr="smooth_mini.jpg">
+            <a:extLst>
+              <a:ext uri="{FF2B5EF4-FFF2-40B4-BE49-F238E27FC236}">
+                <a16:creationId xmlns:a16="http://schemas.microsoft.com/office/drawing/2014/main" id="{BA28FBAA-DFDE-4006-A578-1696F6245C7A}"/>
+              </a:ext>
+            </a:extLst>
+          </p:cNvPr>
+          <p:cNvPicPr preferRelativeResize="0">
+            <a:picLocks/>
+          </p:cNvPicPr>
+          <p:nvPr/>
+        </p:nvPicPr>
+        <p:blipFill rotWithShape="1">
+          <a:blip r:embed="rId8">
+            <a:alphaModFix/>
+          </a:blip>
+          <a:srcRect l="9488" t="14529" r="10609" b="82257"/>
+          <a:stretch/>
+        </p:blipFill>
+        <p:spPr>
+          <a:xfrm>
+            <a:off x="5131558" y="2044493"/>
+            <a:ext cx="3739487" cy="199105"/>
+          </a:xfrm>
+          <a:prstGeom prst="rect">
+            <a:avLst/>
+          </a:prstGeom>
+          <a:noFill/>
+          <a:ln>
+            <a:solidFill>
+              <a:schemeClr val="accent1"/>
+            </a:solidFill>
+          </a:ln>
+        </p:spPr>
+      </p:pic>
+      <p:sp>
+        <p:nvSpPr>
+          <p:cNvPr id="4" name="テキスト ボックス 3">
+            <a:extLst>
+              <a:ext uri="{FF2B5EF4-FFF2-40B4-BE49-F238E27FC236}">
+                <a16:creationId xmlns:a16="http://schemas.microsoft.com/office/drawing/2014/main" id="{D70E0121-6E95-400F-9030-9BD97220BDAC}"/>
+              </a:ext>
+            </a:extLst>
+          </p:cNvPr>
+          <p:cNvSpPr txBox="1"/>
+          <p:nvPr/>
+        </p:nvSpPr>
+        <p:spPr>
+          <a:xfrm>
+            <a:off x="1817434" y="6073673"/>
+            <a:ext cx="1261884" cy="523220"/>
+          </a:xfrm>
+          <a:prstGeom prst="rect">
+            <a:avLst/>
+          </a:prstGeom>
+          <a:noFill/>
+        </p:spPr>
+        <p:txBody>
+          <a:bodyPr wrap="none" rtlCol="0">
+            <a:spAutoFit/>
+          </a:bodyPr>
+          <a:lstStyle/>
+          <a:p>
+            <a:r>
+              <a:rPr kumimoji="1" lang="ja-JP" altLang="en-US" sz="2800" dirty="0"/>
+              <a:t>元画像</a:t>
+            </a:r>
+          </a:p>
+        </p:txBody>
+      </p:sp>
+      <p:sp>
+        <p:nvSpPr>
+          <p:cNvPr id="11" name="テキスト ボックス 10">
+            <a:extLst>
+              <a:ext uri="{FF2B5EF4-FFF2-40B4-BE49-F238E27FC236}">
+                <a16:creationId xmlns:a16="http://schemas.microsoft.com/office/drawing/2014/main" id="{CBB1AC99-FCFE-4398-A58E-5D66AC3B7D47}"/>
+              </a:ext>
+            </a:extLst>
+          </p:cNvPr>
+          <p:cNvSpPr txBox="1"/>
+          <p:nvPr/>
+        </p:nvSpPr>
+        <p:spPr>
+          <a:xfrm>
+            <a:off x="6218118" y="6076708"/>
+            <a:ext cx="1620957" cy="523220"/>
+          </a:xfrm>
+          <a:prstGeom prst="rect">
+            <a:avLst/>
+          </a:prstGeom>
+          <a:noFill/>
+        </p:spPr>
+        <p:txBody>
+          <a:bodyPr wrap="none" rtlCol="0">
+            <a:spAutoFit/>
+          </a:bodyPr>
+          <a:lstStyle/>
+          <a:p>
+            <a:r>
+              <a:rPr kumimoji="1" lang="ja-JP" altLang="en-US" sz="2800" dirty="0"/>
+              <a:t>処理画像</a:t>
+            </a:r>
+          </a:p>
+        </p:txBody>
+      </p:sp>
+    </p:spTree>
+  </p:cSld>
+  <p:clrMapOvr>
+    <a:masterClrMapping/>
+  </p:clrMapOvr>
+</p:sld>
+</file>
+
+<file path=ppt/slides/slide11.xml><?xml version="1.0" encoding="utf-8"?>
+<p:sld xmlns:a="http://schemas.openxmlformats.org/drawingml/2006/main" xmlns:r="http://schemas.openxmlformats.org/officeDocument/2006/relationships" xmlns:p="http://schemas.openxmlformats.org/presentationml/2006/main">
+  <p:cSld>
+    <p:spTree>
+      <p:nvGrpSpPr>
+        <p:cNvPr id="1" name="Shape 117"/>
+        <p:cNvGrpSpPr/>
+        <p:nvPr/>
+      </p:nvGrpSpPr>
+      <p:grpSpPr>
+        <a:xfrm>
+          <a:off x="0" y="0"/>
+          <a:ext cx="0" cy="0"/>
+          <a:chOff x="0" y="0"/>
+          <a:chExt cx="0" cy="0"/>
+        </a:xfrm>
+      </p:grpSpPr>
+      <p:sp>
+        <p:nvSpPr>
+          <p:cNvPr id="118" name="Google Shape;118;p17"/>
+          <p:cNvSpPr txBox="1">
+            <a:spLocks noGrp="1"/>
+          </p:cNvSpPr>
+          <p:nvPr>
+            <p:ph type="title"/>
+          </p:nvPr>
+        </p:nvSpPr>
+        <p:spPr>
+          <a:xfrm>
+            <a:off x="628650" y="365127"/>
+            <a:ext cx="7886700" cy="1325700"/>
+          </a:xfrm>
+          <a:prstGeom prst="rect">
+            <a:avLst/>
+          </a:prstGeom>
+          <a:noFill/>
+          <a:ln>
+            <a:noFill/>
+          </a:ln>
+        </p:spPr>
+        <p:txBody>
+          <a:bodyPr spcFirstLastPara="1" wrap="square" lIns="91425" tIns="45700" rIns="91425" bIns="45700" anchor="ctr" anchorCtr="0">
+            <a:noAutofit/>
+          </a:bodyPr>
+          <a:lstStyle/>
+          <a:p>
+            <a:pPr marL="0" lvl="0" indent="0" algn="l" rtl="0">
+              <a:lnSpc>
+                <a:spcPct val="90000"/>
+              </a:lnSpc>
+              <a:spcBef>
+                <a:spcPts val="0"/>
+              </a:spcBef>
+              <a:spcAft>
+                <a:spcPts val="0"/>
+              </a:spcAft>
+              <a:buClr>
+                <a:schemeClr val="dk1"/>
+              </a:buClr>
+              <a:buSzPts val="4400"/>
+              <a:buFont typeface="MS PGothic"/>
+              <a:buNone/>
+            </a:pPr>
+            <a:r>
+              <a:rPr lang="ja-JP">
+                <a:latin typeface="MS PGothic"/>
+                <a:ea typeface="MS PGothic"/>
+                <a:cs typeface="MS PGothic"/>
+                <a:sym typeface="MS PGothic"/>
+              </a:rPr>
+              <a:t>微分フィルタ</a:t>
+            </a:r>
+            <a:endParaRPr>
+              <a:latin typeface="MS PGothic"/>
+              <a:ea typeface="MS PGothic"/>
+              <a:cs typeface="MS PGothic"/>
+              <a:sym typeface="MS PGothic"/>
+            </a:endParaRPr>
+          </a:p>
+        </p:txBody>
+      </p:sp>
+      <p:sp>
+        <p:nvSpPr>
+          <p:cNvPr id="119" name="Google Shape;119;p17"/>
+          <p:cNvSpPr txBox="1">
+            <a:spLocks noGrp="1"/>
+          </p:cNvSpPr>
+          <p:nvPr>
+            <p:ph type="body" idx="1"/>
+          </p:nvPr>
+        </p:nvSpPr>
+        <p:spPr>
+          <a:xfrm>
+            <a:off x="628650" y="1825625"/>
+            <a:ext cx="7886700" cy="4351200"/>
+          </a:xfrm>
+          <a:prstGeom prst="rect">
+            <a:avLst/>
+          </a:prstGeom>
+          <a:noFill/>
+          <a:ln>
+            <a:noFill/>
+          </a:ln>
+        </p:spPr>
+        <p:txBody>
+          <a:bodyPr spcFirstLastPara="1" wrap="square" lIns="91425" tIns="45700" rIns="91425" bIns="45700" anchor="t" anchorCtr="0">
+            <a:noAutofit/>
+          </a:bodyPr>
+          <a:lstStyle/>
+          <a:p>
+            <a:pPr marL="228600" lvl="0" indent="-228600" algn="l" rtl="0">
+              <a:lnSpc>
+                <a:spcPct val="90000"/>
+              </a:lnSpc>
+              <a:spcBef>
+                <a:spcPts val="0"/>
+              </a:spcBef>
+              <a:spcAft>
+                <a:spcPts val="0"/>
+              </a:spcAft>
+              <a:buClr>
+                <a:schemeClr val="dk1"/>
+              </a:buClr>
+              <a:buSzPts val="2800"/>
+              <a:buChar char="•"/>
+            </a:pPr>
+            <a:r>
+              <a:rPr lang="ja-JP" dirty="0">
+                <a:latin typeface="MS PGothic"/>
+                <a:ea typeface="MS PGothic"/>
+                <a:cs typeface="MS PGothic"/>
+                <a:sym typeface="MS PGothic"/>
+              </a:rPr>
+              <a:t>輪郭線や濃度が急激に変化するエッジ部などを</a:t>
+            </a:r>
+            <a:br>
+              <a:rPr lang="en-US" altLang="ja-JP" dirty="0">
+                <a:latin typeface="MS PGothic"/>
+                <a:ea typeface="MS PGothic"/>
+                <a:cs typeface="MS PGothic"/>
+                <a:sym typeface="MS PGothic"/>
+              </a:rPr>
+            </a:br>
+            <a:r>
+              <a:rPr lang="ja-JP" dirty="0">
+                <a:latin typeface="MS PGothic"/>
+                <a:ea typeface="MS PGothic"/>
+                <a:cs typeface="MS PGothic"/>
+                <a:sym typeface="MS PGothic"/>
+              </a:rPr>
+              <a:t>強調するフィルタ</a:t>
+            </a:r>
+            <a:br>
+              <a:rPr lang="en-US" altLang="ja-JP" dirty="0">
+                <a:latin typeface="MS PGothic"/>
+                <a:ea typeface="MS PGothic"/>
+                <a:cs typeface="MS PGothic"/>
+                <a:sym typeface="MS PGothic"/>
+              </a:rPr>
+            </a:br>
+            <a:br>
+              <a:rPr lang="en-US" altLang="ja-JP" dirty="0">
+                <a:latin typeface="MS PGothic"/>
+                <a:ea typeface="MS PGothic"/>
+                <a:cs typeface="MS PGothic"/>
+                <a:sym typeface="MS PGothic"/>
+              </a:rPr>
+            </a:br>
+            <a:r>
+              <a:rPr lang="ja-JP" altLang="en-US" dirty="0">
+                <a:latin typeface="MS PGothic"/>
+                <a:ea typeface="MS PGothic"/>
+                <a:cs typeface="MS PGothic"/>
+                <a:sym typeface="MS PGothic"/>
+              </a:rPr>
+              <a:t>今回はラプラシアンフィルタ、</a:t>
+            </a:r>
+            <a:r>
+              <a:rPr lang="en-US" altLang="ja-JP" dirty="0">
+                <a:latin typeface="MS PGothic"/>
+                <a:ea typeface="MS PGothic"/>
+                <a:cs typeface="MS PGothic"/>
+                <a:sym typeface="MS PGothic"/>
+              </a:rPr>
+              <a:t>Prewitt</a:t>
+            </a:r>
+            <a:r>
+              <a:rPr lang="ja-JP" altLang="en-US" dirty="0">
+                <a:latin typeface="MS PGothic"/>
+                <a:ea typeface="MS PGothic"/>
+                <a:cs typeface="MS PGothic"/>
+                <a:sym typeface="MS PGothic"/>
+              </a:rPr>
+              <a:t>のオペレータを使用</a:t>
+            </a:r>
+            <a:br>
+              <a:rPr lang="ja-JP" dirty="0">
+                <a:latin typeface="MS PGothic"/>
+                <a:ea typeface="MS PGothic"/>
+                <a:cs typeface="MS PGothic"/>
+                <a:sym typeface="MS PGothic"/>
+              </a:rPr>
+            </a:br>
+            <a:endParaRPr dirty="0">
+              <a:latin typeface="MS PGothic"/>
+              <a:ea typeface="MS PGothic"/>
+              <a:cs typeface="MS PGothic"/>
+              <a:sym typeface="MS PGothic"/>
+            </a:endParaRPr>
+          </a:p>
+        </p:txBody>
+      </p:sp>
+      <p:sp>
+        <p:nvSpPr>
+          <p:cNvPr id="120" name="Google Shape;120;p17"/>
+          <p:cNvSpPr txBox="1">
+            <a:spLocks noGrp="1"/>
+          </p:cNvSpPr>
+          <p:nvPr>
+            <p:ph type="sldNum" idx="12"/>
+          </p:nvPr>
+        </p:nvSpPr>
+        <p:spPr>
+          <a:xfrm>
+            <a:off x="6457951" y="6356352"/>
+            <a:ext cx="2057400" cy="365100"/>
+          </a:xfrm>
+          <a:prstGeom prst="rect">
+            <a:avLst/>
+          </a:prstGeom>
+          <a:noFill/>
+          <a:ln>
+            <a:noFill/>
+          </a:ln>
+        </p:spPr>
+        <p:txBody>
+          <a:bodyPr spcFirstLastPara="1" wrap="square" lIns="91425" tIns="45700" rIns="91425" bIns="45700" anchor="ctr" anchorCtr="0">
+            <a:noAutofit/>
+          </a:bodyPr>
+          <a:lstStyle/>
+          <a:p>
+            <a:pPr marL="0" lvl="0" indent="0" algn="r" rtl="0">
+              <a:spcBef>
+                <a:spcPts val="0"/>
+              </a:spcBef>
+              <a:spcAft>
+                <a:spcPts val="0"/>
+              </a:spcAft>
+              <a:buNone/>
+            </a:pPr>
+            <a:fld id="{00000000-1234-1234-1234-123412341234}" type="slidenum">
+              <a:rPr lang="en-US" altLang="ja-JP"/>
+              <a:pPr marL="0" lvl="0" indent="0" algn="r" rtl="0">
+                <a:spcBef>
+                  <a:spcPts val="0"/>
+                </a:spcBef>
+                <a:spcAft>
+                  <a:spcPts val="0"/>
+                </a:spcAft>
+                <a:buNone/>
+              </a:pPr>
+              <a:t>11</a:t>
+            </a:fld>
+            <a:endParaRPr/>
+          </a:p>
+        </p:txBody>
+      </p:sp>
+    </p:spTree>
+  </p:cSld>
+  <p:clrMapOvr>
+    <a:masterClrMapping/>
+  </p:clrMapOvr>
+</p:sld>
+</file>
+
+<file path=ppt/slides/slide12.xml><?xml version="1.0" encoding="utf-8"?>
+<p:sld xmlns:a="http://schemas.openxmlformats.org/drawingml/2006/main" xmlns:r="http://schemas.openxmlformats.org/officeDocument/2006/relationships" xmlns:p="http://schemas.openxmlformats.org/presentationml/2006/main">
+  <p:cSld>
+    <p:spTree>
+      <p:nvGrpSpPr>
         <p:cNvPr id="1" name="Shape 124"/>
         <p:cNvGrpSpPr/>
         <p:nvPr/>
@@ -19778,7 +20440,7 @@
                 </a:spcAft>
                 <a:buNone/>
               </a:pPr>
-              <a:t>10</a:t>
+              <a:t>12</a:t>
             </a:fld>
             <a:endParaRPr/>
           </a:p>
@@ -19816,7 +20478,1734 @@
 </p:sld>
 </file>
 
-<file path=ppt/slides/slide11.xml><?xml version="1.0" encoding="utf-8"?>
+<file path=ppt/slides/slide13.xml><?xml version="1.0" encoding="utf-8"?>
+<p:sld xmlns:a="http://schemas.openxmlformats.org/drawingml/2006/main" xmlns:r="http://schemas.openxmlformats.org/officeDocument/2006/relationships" xmlns:p="http://schemas.openxmlformats.org/presentationml/2006/main">
+  <p:cSld>
+    <p:spTree>
+      <p:nvGrpSpPr>
+        <p:cNvPr id="1" name=""/>
+        <p:cNvGrpSpPr/>
+        <p:nvPr/>
+      </p:nvGrpSpPr>
+      <p:grpSpPr>
+        <a:xfrm>
+          <a:off x="0" y="0"/>
+          <a:ext cx="0" cy="0"/>
+          <a:chOff x="0" y="0"/>
+          <a:chExt cx="0" cy="0"/>
+        </a:xfrm>
+      </p:grpSpPr>
+      <p:sp>
+        <p:nvSpPr>
+          <p:cNvPr id="2" name="タイトル 1">
+            <a:extLst>
+              <a:ext uri="{FF2B5EF4-FFF2-40B4-BE49-F238E27FC236}">
+                <a16:creationId xmlns:a16="http://schemas.microsoft.com/office/drawing/2014/main" id="{250D3755-8729-492D-8A2D-F7D583E880B3}"/>
+              </a:ext>
+            </a:extLst>
+          </p:cNvPr>
+          <p:cNvSpPr>
+            <a:spLocks noGrp="1"/>
+          </p:cNvSpPr>
+          <p:nvPr>
+            <p:ph type="title"/>
+          </p:nvPr>
+        </p:nvSpPr>
+        <p:spPr/>
+        <p:txBody>
+          <a:bodyPr/>
+          <a:lstStyle/>
+          <a:p>
+            <a:r>
+              <a:rPr lang="ja-JP" altLang="ja-JP" dirty="0">
+                <a:latin typeface="MS PGothic"/>
+                <a:ea typeface="MS PGothic"/>
+                <a:cs typeface="MS PGothic"/>
+                <a:sym typeface="MS PGothic"/>
+              </a:rPr>
+              <a:t>実行結果（</a:t>
+            </a:r>
+            <a:r>
+              <a:rPr lang="en-US" altLang="ja-JP" dirty="0">
+                <a:latin typeface="MS PGothic"/>
+                <a:ea typeface="MS PGothic"/>
+                <a:cs typeface="MS PGothic"/>
+                <a:sym typeface="MS PGothic"/>
+              </a:rPr>
+              <a:t>Prewitt</a:t>
+            </a:r>
+            <a:r>
+              <a:rPr lang="ja-JP" altLang="en-US" dirty="0">
+                <a:latin typeface="MS PGothic"/>
+                <a:ea typeface="MS PGothic"/>
+                <a:cs typeface="MS PGothic"/>
+                <a:sym typeface="MS PGothic"/>
+              </a:rPr>
+              <a:t>のオペレータ</a:t>
+            </a:r>
+            <a:r>
+              <a:rPr lang="ja-JP" altLang="ja-JP" dirty="0">
+                <a:latin typeface="MS PGothic"/>
+                <a:ea typeface="MS PGothic"/>
+                <a:cs typeface="MS PGothic"/>
+                <a:sym typeface="MS PGothic"/>
+              </a:rPr>
+              <a:t>）</a:t>
+            </a:r>
+            <a:endParaRPr kumimoji="1" lang="ja-JP" altLang="en-US" dirty="0"/>
+          </a:p>
+        </p:txBody>
+      </p:sp>
+      <p:sp>
+        <p:nvSpPr>
+          <p:cNvPr id="5" name="スライド番号プレースホルダー 4">
+            <a:extLst>
+              <a:ext uri="{FF2B5EF4-FFF2-40B4-BE49-F238E27FC236}">
+                <a16:creationId xmlns:a16="http://schemas.microsoft.com/office/drawing/2014/main" id="{85D82F13-F395-45C9-BE5B-7B18A1DEEA7F}"/>
+              </a:ext>
+            </a:extLst>
+          </p:cNvPr>
+          <p:cNvSpPr>
+            <a:spLocks noGrp="1"/>
+          </p:cNvSpPr>
+          <p:nvPr>
+            <p:ph type="sldNum" idx="12"/>
+          </p:nvPr>
+        </p:nvSpPr>
+        <p:spPr/>
+        <p:txBody>
+          <a:bodyPr/>
+          <a:lstStyle/>
+          <a:p>
+            <a:pPr marL="0" lvl="0" indent="0" algn="r" rtl="0">
+              <a:spcBef>
+                <a:spcPts val="0"/>
+              </a:spcBef>
+              <a:spcAft>
+                <a:spcPts val="0"/>
+              </a:spcAft>
+              <a:buNone/>
+            </a:pPr>
+            <a:fld id="{00000000-1234-1234-1234-123412341234}" type="slidenum">
+              <a:rPr lang="en-US" altLang="ja-JP" smtClean="0"/>
+              <a:pPr marL="0" lvl="0" indent="0" algn="r" rtl="0">
+                <a:spcBef>
+                  <a:spcPts val="0"/>
+                </a:spcBef>
+                <a:spcAft>
+                  <a:spcPts val="0"/>
+                </a:spcAft>
+                <a:buNone/>
+              </a:pPr>
+              <a:t>13</a:t>
+            </a:fld>
+            <a:endParaRPr lang="en-US"/>
+          </a:p>
+        </p:txBody>
+      </p:sp>
+      <p:pic>
+        <p:nvPicPr>
+          <p:cNvPr id="11" name="図 10">
+            <a:extLst>
+              <a:ext uri="{FF2B5EF4-FFF2-40B4-BE49-F238E27FC236}">
+                <a16:creationId xmlns:a16="http://schemas.microsoft.com/office/drawing/2014/main" id="{424C7D7F-7659-4973-ABBE-8BC3669341D5}"/>
+              </a:ext>
+            </a:extLst>
+          </p:cNvPr>
+          <p:cNvPicPr>
+            <a:picLocks noChangeAspect="1"/>
+          </p:cNvPicPr>
+          <p:nvPr/>
+        </p:nvPicPr>
+        <p:blipFill>
+          <a:blip r:embed="rId2"/>
+          <a:stretch>
+            <a:fillRect/>
+          </a:stretch>
+        </p:blipFill>
+        <p:spPr>
+          <a:xfrm>
+            <a:off x="332095" y="1769232"/>
+            <a:ext cx="2099480" cy="2099480"/>
+          </a:xfrm>
+          <a:prstGeom prst="rect">
+            <a:avLst/>
+          </a:prstGeom>
+        </p:spPr>
+      </p:pic>
+      <p:sp>
+        <p:nvSpPr>
+          <p:cNvPr id="12" name="正方形/長方形 11">
+            <a:extLst>
+              <a:ext uri="{FF2B5EF4-FFF2-40B4-BE49-F238E27FC236}">
+                <a16:creationId xmlns:a16="http://schemas.microsoft.com/office/drawing/2014/main" id="{FB815B27-DFCC-4695-8714-AC755F79EA8A}"/>
+              </a:ext>
+            </a:extLst>
+          </p:cNvPr>
+          <p:cNvSpPr/>
+          <p:nvPr/>
+        </p:nvSpPr>
+        <p:spPr>
+          <a:xfrm>
+            <a:off x="332095" y="5670849"/>
+            <a:ext cx="3390672" cy="369332"/>
+          </a:xfrm>
+          <a:prstGeom prst="rect">
+            <a:avLst/>
+          </a:prstGeom>
+          <a:solidFill>
+            <a:schemeClr val="bg2">
+              <a:lumMod val="20000"/>
+              <a:lumOff val="80000"/>
+            </a:schemeClr>
+          </a:solidFill>
+          <a:ln>
+            <a:solidFill>
+              <a:schemeClr val="tx1"/>
+            </a:solidFill>
+          </a:ln>
+        </p:spPr>
+        <p:txBody>
+          <a:bodyPr wrap="none">
+            <a:spAutoFit/>
+          </a:bodyPr>
+          <a:lstStyle/>
+          <a:p>
+            <a:r>
+              <a:rPr lang="en-US" altLang="ja-JP" sz="1800" dirty="0">
+                <a:latin typeface="Yu Gothic" panose="020B0400000000000000" pitchFamily="50" charset="-128"/>
+                <a:ea typeface="Yu Gothic" panose="020B0400000000000000" pitchFamily="50" charset="-128"/>
+              </a:rPr>
+              <a:t>219</a:t>
+            </a:r>
+            <a:r>
+              <a:rPr lang="ja-JP" altLang="en-US" sz="1800" dirty="0"/>
+              <a:t> </a:t>
+            </a:r>
+            <a:r>
+              <a:rPr lang="en-US" altLang="ja-JP" sz="1800" dirty="0">
+                <a:latin typeface="Yu Gothic" panose="020B0400000000000000" pitchFamily="50" charset="-128"/>
+                <a:ea typeface="Yu Gothic" panose="020B0400000000000000" pitchFamily="50" charset="-128"/>
+              </a:rPr>
+              <a:t>215</a:t>
+            </a:r>
+            <a:r>
+              <a:rPr lang="ja-JP" altLang="en-US" sz="1800" dirty="0"/>
+              <a:t> </a:t>
+            </a:r>
+            <a:r>
+              <a:rPr lang="en-US" altLang="ja-JP" sz="1800" dirty="0">
+                <a:latin typeface="Yu Gothic" panose="020B0400000000000000" pitchFamily="50" charset="-128"/>
+                <a:ea typeface="Yu Gothic" panose="020B0400000000000000" pitchFamily="50" charset="-128"/>
+              </a:rPr>
+              <a:t>197</a:t>
+            </a:r>
+            <a:r>
+              <a:rPr lang="ja-JP" altLang="en-US" sz="1800" dirty="0"/>
+              <a:t> </a:t>
+            </a:r>
+            <a:r>
+              <a:rPr lang="en-US" altLang="ja-JP" sz="1800" dirty="0">
+                <a:latin typeface="Yu Gothic" panose="020B0400000000000000" pitchFamily="50" charset="-128"/>
+                <a:ea typeface="Yu Gothic" panose="020B0400000000000000" pitchFamily="50" charset="-128"/>
+              </a:rPr>
+              <a:t>159</a:t>
+            </a:r>
+            <a:r>
+              <a:rPr lang="ja-JP" altLang="en-US" sz="1800" dirty="0"/>
+              <a:t> </a:t>
+            </a:r>
+            <a:r>
+              <a:rPr lang="en-US" altLang="ja-JP" sz="1800" dirty="0">
+                <a:latin typeface="Yu Gothic" panose="020B0400000000000000" pitchFamily="50" charset="-128"/>
+                <a:ea typeface="Yu Gothic" panose="020B0400000000000000" pitchFamily="50" charset="-128"/>
+              </a:rPr>
+              <a:t>114</a:t>
+            </a:r>
+            <a:r>
+              <a:rPr lang="ja-JP" altLang="en-US" sz="1800" dirty="0"/>
+              <a:t> </a:t>
+            </a:r>
+            <a:r>
+              <a:rPr lang="en-US" altLang="ja-JP" sz="1800" dirty="0">
+                <a:latin typeface="Yu Gothic" panose="020B0400000000000000" pitchFamily="50" charset="-128"/>
+                <a:ea typeface="Yu Gothic" panose="020B0400000000000000" pitchFamily="50" charset="-128"/>
+              </a:rPr>
+              <a:t>77</a:t>
+            </a:r>
+            <a:r>
+              <a:rPr lang="ja-JP" altLang="en-US" sz="1800" dirty="0"/>
+              <a:t> </a:t>
+            </a:r>
+            <a:r>
+              <a:rPr lang="en-US" altLang="ja-JP" sz="1800" dirty="0">
+                <a:latin typeface="Yu Gothic" panose="020B0400000000000000" pitchFamily="50" charset="-128"/>
+                <a:ea typeface="Yu Gothic" panose="020B0400000000000000" pitchFamily="50" charset="-128"/>
+              </a:rPr>
+              <a:t>45</a:t>
+            </a:r>
+            <a:r>
+              <a:rPr lang="ja-JP" altLang="en-US" sz="1800" dirty="0"/>
+              <a:t> </a:t>
+            </a:r>
+            <a:r>
+              <a:rPr lang="en-US" altLang="ja-JP" sz="1800" dirty="0">
+                <a:latin typeface="Yu Gothic" panose="020B0400000000000000" pitchFamily="50" charset="-128"/>
+                <a:ea typeface="Yu Gothic" panose="020B0400000000000000" pitchFamily="50" charset="-128"/>
+              </a:rPr>
+              <a:t>43</a:t>
+            </a:r>
+            <a:r>
+              <a:rPr lang="ja-JP" altLang="en-US" sz="1800" dirty="0"/>
+              <a:t> </a:t>
+            </a:r>
+          </a:p>
+        </p:txBody>
+      </p:sp>
+      <p:sp>
+        <p:nvSpPr>
+          <p:cNvPr id="13" name="正方形/長方形 12">
+            <a:extLst>
+              <a:ext uri="{FF2B5EF4-FFF2-40B4-BE49-F238E27FC236}">
+                <a16:creationId xmlns:a16="http://schemas.microsoft.com/office/drawing/2014/main" id="{87E80D71-0DE1-4028-A118-0CA1B743AC97}"/>
+              </a:ext>
+            </a:extLst>
+          </p:cNvPr>
+          <p:cNvSpPr/>
+          <p:nvPr/>
+        </p:nvSpPr>
+        <p:spPr>
+          <a:xfrm>
+            <a:off x="332095" y="4822771"/>
+            <a:ext cx="3390672" cy="369332"/>
+          </a:xfrm>
+          <a:prstGeom prst="rect">
+            <a:avLst/>
+          </a:prstGeom>
+          <a:solidFill>
+            <a:schemeClr val="tx2">
+              <a:lumMod val="90000"/>
+            </a:schemeClr>
+          </a:solidFill>
+          <a:ln>
+            <a:solidFill>
+              <a:schemeClr val="tx1"/>
+            </a:solidFill>
+          </a:ln>
+        </p:spPr>
+        <p:txBody>
+          <a:bodyPr wrap="none">
+            <a:spAutoFit/>
+          </a:bodyPr>
+          <a:lstStyle/>
+          <a:p>
+            <a:r>
+              <a:rPr lang="en-US" altLang="ja-JP" sz="1800" dirty="0">
+                <a:latin typeface="Yu Gothic" panose="020B0400000000000000" pitchFamily="50" charset="-128"/>
+                <a:ea typeface="Yu Gothic" panose="020B0400000000000000" pitchFamily="50" charset="-128"/>
+              </a:rPr>
+              <a:t>211</a:t>
+            </a:r>
+            <a:r>
+              <a:rPr lang="ja-JP" altLang="en-US" sz="1800" dirty="0"/>
+              <a:t> </a:t>
+            </a:r>
+            <a:r>
+              <a:rPr lang="en-US" altLang="ja-JP" sz="1800" dirty="0">
+                <a:latin typeface="Yu Gothic" panose="020B0400000000000000" pitchFamily="50" charset="-128"/>
+                <a:ea typeface="Yu Gothic" panose="020B0400000000000000" pitchFamily="50" charset="-128"/>
+              </a:rPr>
+              <a:t>200</a:t>
+            </a:r>
+            <a:r>
+              <a:rPr lang="ja-JP" altLang="en-US" sz="1800" dirty="0"/>
+              <a:t> </a:t>
+            </a:r>
+            <a:r>
+              <a:rPr lang="en-US" altLang="ja-JP" sz="1800" dirty="0">
+                <a:latin typeface="Yu Gothic" panose="020B0400000000000000" pitchFamily="50" charset="-128"/>
+                <a:ea typeface="Yu Gothic" panose="020B0400000000000000" pitchFamily="50" charset="-128"/>
+              </a:rPr>
+              <a:t>180</a:t>
+            </a:r>
+            <a:r>
+              <a:rPr lang="ja-JP" altLang="en-US" sz="1800" dirty="0"/>
+              <a:t> </a:t>
+            </a:r>
+            <a:r>
+              <a:rPr lang="en-US" altLang="ja-JP" sz="1800" dirty="0">
+                <a:latin typeface="Yu Gothic" panose="020B0400000000000000" pitchFamily="50" charset="-128"/>
+                <a:ea typeface="Yu Gothic" panose="020B0400000000000000" pitchFamily="50" charset="-128"/>
+              </a:rPr>
+              <a:t>151</a:t>
+            </a:r>
+            <a:r>
+              <a:rPr lang="ja-JP" altLang="en-US" sz="1800" dirty="0"/>
+              <a:t> </a:t>
+            </a:r>
+            <a:r>
+              <a:rPr lang="en-US" altLang="ja-JP" sz="1800" dirty="0">
+                <a:latin typeface="Yu Gothic" panose="020B0400000000000000" pitchFamily="50" charset="-128"/>
+                <a:ea typeface="Yu Gothic" panose="020B0400000000000000" pitchFamily="50" charset="-128"/>
+              </a:rPr>
+              <a:t>119</a:t>
+            </a:r>
+            <a:r>
+              <a:rPr lang="ja-JP" altLang="en-US" sz="1800" dirty="0"/>
+              <a:t> </a:t>
+            </a:r>
+            <a:r>
+              <a:rPr lang="en-US" altLang="ja-JP" sz="1800" dirty="0">
+                <a:latin typeface="Yu Gothic" panose="020B0400000000000000" pitchFamily="50" charset="-128"/>
+                <a:ea typeface="Yu Gothic" panose="020B0400000000000000" pitchFamily="50" charset="-128"/>
+              </a:rPr>
+              <a:t>87</a:t>
+            </a:r>
+            <a:r>
+              <a:rPr lang="ja-JP" altLang="en-US" sz="1800" dirty="0"/>
+              <a:t> </a:t>
+            </a:r>
+            <a:r>
+              <a:rPr lang="en-US" altLang="ja-JP" sz="1800" dirty="0">
+                <a:latin typeface="Yu Gothic" panose="020B0400000000000000" pitchFamily="50" charset="-128"/>
+                <a:ea typeface="Yu Gothic" panose="020B0400000000000000" pitchFamily="50" charset="-128"/>
+              </a:rPr>
+              <a:t>63</a:t>
+            </a:r>
+            <a:r>
+              <a:rPr lang="ja-JP" altLang="en-US" sz="1800" dirty="0"/>
+              <a:t> </a:t>
+            </a:r>
+            <a:r>
+              <a:rPr lang="en-US" altLang="ja-JP" sz="1800" dirty="0">
+                <a:latin typeface="Yu Gothic" panose="020B0400000000000000" pitchFamily="50" charset="-128"/>
+                <a:ea typeface="Yu Gothic" panose="020B0400000000000000" pitchFamily="50" charset="-128"/>
+              </a:rPr>
+              <a:t>47</a:t>
+            </a:r>
+            <a:r>
+              <a:rPr lang="ja-JP" altLang="en-US" sz="1800" dirty="0"/>
+              <a:t> </a:t>
+            </a:r>
+          </a:p>
+        </p:txBody>
+      </p:sp>
+      <p:sp>
+        <p:nvSpPr>
+          <p:cNvPr id="14" name="テキスト ボックス 13">
+            <a:extLst>
+              <a:ext uri="{FF2B5EF4-FFF2-40B4-BE49-F238E27FC236}">
+                <a16:creationId xmlns:a16="http://schemas.microsoft.com/office/drawing/2014/main" id="{6138A02E-4A6A-4FE3-ABF4-F079440FAE81}"/>
+              </a:ext>
+            </a:extLst>
+          </p:cNvPr>
+          <p:cNvSpPr txBox="1"/>
+          <p:nvPr/>
+        </p:nvSpPr>
+        <p:spPr>
+          <a:xfrm>
+            <a:off x="332095" y="4347458"/>
+            <a:ext cx="2544286" cy="461665"/>
+          </a:xfrm>
+          <a:prstGeom prst="rect">
+            <a:avLst/>
+          </a:prstGeom>
+          <a:noFill/>
+        </p:spPr>
+        <p:txBody>
+          <a:bodyPr wrap="none" rtlCol="0">
+            <a:spAutoFit/>
+          </a:bodyPr>
+          <a:lstStyle/>
+          <a:p>
+            <a:r>
+              <a:rPr kumimoji="1" lang="ja-JP" altLang="en-US" sz="2400" dirty="0"/>
+              <a:t>実行結果</a:t>
+            </a:r>
+            <a:r>
+              <a:rPr kumimoji="1" lang="en-US" altLang="ja-JP" sz="2400" dirty="0"/>
+              <a:t>(</a:t>
+            </a:r>
+            <a:r>
+              <a:rPr kumimoji="1" lang="ja-JP" altLang="en-US" sz="2400" dirty="0"/>
+              <a:t>右図青</a:t>
+            </a:r>
+            <a:r>
+              <a:rPr kumimoji="1" lang="en-US" altLang="ja-JP" sz="2400" dirty="0"/>
+              <a:t>)</a:t>
+            </a:r>
+            <a:endParaRPr kumimoji="1" lang="ja-JP" altLang="en-US" sz="2400" dirty="0"/>
+          </a:p>
+        </p:txBody>
+      </p:sp>
+      <p:sp>
+        <p:nvSpPr>
+          <p:cNvPr id="15" name="テキスト ボックス 14">
+            <a:extLst>
+              <a:ext uri="{FF2B5EF4-FFF2-40B4-BE49-F238E27FC236}">
+                <a16:creationId xmlns:a16="http://schemas.microsoft.com/office/drawing/2014/main" id="{4B59CDCF-4469-4200-94D2-897B3B89FB39}"/>
+              </a:ext>
+            </a:extLst>
+          </p:cNvPr>
+          <p:cNvSpPr txBox="1"/>
+          <p:nvPr/>
+        </p:nvSpPr>
+        <p:spPr>
+          <a:xfrm>
+            <a:off x="332095" y="5241220"/>
+            <a:ext cx="2236510" cy="461665"/>
+          </a:xfrm>
+          <a:prstGeom prst="rect">
+            <a:avLst/>
+          </a:prstGeom>
+          <a:noFill/>
+        </p:spPr>
+        <p:txBody>
+          <a:bodyPr wrap="none" rtlCol="0">
+            <a:spAutoFit/>
+          </a:bodyPr>
+          <a:lstStyle/>
+          <a:p>
+            <a:r>
+              <a:rPr kumimoji="1" lang="ja-JP" altLang="en-US" sz="2400" dirty="0"/>
+              <a:t>元画像</a:t>
+            </a:r>
+            <a:r>
+              <a:rPr kumimoji="1" lang="en-US" altLang="ja-JP" sz="2400" dirty="0"/>
+              <a:t>(</a:t>
+            </a:r>
+            <a:r>
+              <a:rPr kumimoji="1" lang="ja-JP" altLang="en-US" sz="2400" dirty="0"/>
+              <a:t>右図赤</a:t>
+            </a:r>
+            <a:r>
+              <a:rPr kumimoji="1" lang="en-US" altLang="ja-JP" sz="2400" dirty="0"/>
+              <a:t>)</a:t>
+            </a:r>
+            <a:endParaRPr kumimoji="1" lang="ja-JP" altLang="en-US" sz="2400" dirty="0"/>
+          </a:p>
+        </p:txBody>
+      </p:sp>
+      <p:pic>
+        <p:nvPicPr>
+          <p:cNvPr id="18" name="図 17">
+            <a:extLst>
+              <a:ext uri="{FF2B5EF4-FFF2-40B4-BE49-F238E27FC236}">
+                <a16:creationId xmlns:a16="http://schemas.microsoft.com/office/drawing/2014/main" id="{2DC7DA35-8140-4E7A-8332-F48B5ECFF04B}"/>
+              </a:ext>
+            </a:extLst>
+          </p:cNvPr>
+          <p:cNvPicPr>
+            <a:picLocks noChangeAspect="1"/>
+          </p:cNvPicPr>
+          <p:nvPr/>
+        </p:nvPicPr>
+        <p:blipFill>
+          <a:blip r:embed="rId3"/>
+          <a:stretch>
+            <a:fillRect/>
+          </a:stretch>
+        </p:blipFill>
+        <p:spPr>
+          <a:xfrm>
+            <a:off x="4806486" y="1769232"/>
+            <a:ext cx="4005419" cy="3359187"/>
+          </a:xfrm>
+          <a:prstGeom prst="rect">
+            <a:avLst/>
+          </a:prstGeom>
+        </p:spPr>
+      </p:pic>
+      <p:sp>
+        <p:nvSpPr>
+          <p:cNvPr id="19" name="テキスト ボックス 18">
+            <a:extLst>
+              <a:ext uri="{FF2B5EF4-FFF2-40B4-BE49-F238E27FC236}">
+                <a16:creationId xmlns:a16="http://schemas.microsoft.com/office/drawing/2014/main" id="{B4E4CFFA-7DCA-41F7-AC70-FEE5A62CAC6D}"/>
+              </a:ext>
+            </a:extLst>
+          </p:cNvPr>
+          <p:cNvSpPr txBox="1"/>
+          <p:nvPr/>
+        </p:nvSpPr>
+        <p:spPr>
+          <a:xfrm>
+            <a:off x="4806486" y="5624682"/>
+            <a:ext cx="2954655" cy="461665"/>
+          </a:xfrm>
+          <a:prstGeom prst="rect">
+            <a:avLst/>
+          </a:prstGeom>
+          <a:noFill/>
+        </p:spPr>
+        <p:txBody>
+          <a:bodyPr wrap="none" rtlCol="0">
+            <a:spAutoFit/>
+          </a:bodyPr>
+          <a:lstStyle/>
+          <a:p>
+            <a:r>
+              <a:rPr kumimoji="1" lang="ja-JP" altLang="en-US" sz="2400" dirty="0"/>
+              <a:t>平滑化が確認できる</a:t>
+            </a:r>
+          </a:p>
+        </p:txBody>
+      </p:sp>
+      <p:pic>
+        <p:nvPicPr>
+          <p:cNvPr id="7" name="図 6">
+            <a:extLst>
+              <a:ext uri="{FF2B5EF4-FFF2-40B4-BE49-F238E27FC236}">
+                <a16:creationId xmlns:a16="http://schemas.microsoft.com/office/drawing/2014/main" id="{0A36FEB1-505A-4234-97EC-C04CAD8DF4B5}"/>
+              </a:ext>
+            </a:extLst>
+          </p:cNvPr>
+          <p:cNvPicPr>
+            <a:picLocks noChangeAspect="1"/>
+          </p:cNvPicPr>
+          <p:nvPr/>
+        </p:nvPicPr>
+        <p:blipFill>
+          <a:blip r:embed="rId4"/>
+          <a:stretch>
+            <a:fillRect/>
+          </a:stretch>
+        </p:blipFill>
+        <p:spPr>
+          <a:xfrm>
+            <a:off x="2568605" y="1769232"/>
+            <a:ext cx="2099480" cy="2099480"/>
+          </a:xfrm>
+          <a:prstGeom prst="rect">
+            <a:avLst/>
+          </a:prstGeom>
+        </p:spPr>
+      </p:pic>
+    </p:spTree>
+    <p:extLst>
+      <p:ext uri="{BB962C8B-B14F-4D97-AF65-F5344CB8AC3E}">
+        <p14:creationId xmlns:p14="http://schemas.microsoft.com/office/powerpoint/2010/main" val="3169615933"/>
+      </p:ext>
+    </p:extLst>
+  </p:cSld>
+  <p:clrMapOvr>
+    <a:masterClrMapping/>
+  </p:clrMapOvr>
+</p:sld>
+</file>
+
+<file path=ppt/slides/slide14.xml><?xml version="1.0" encoding="utf-8"?>
+<p:sld xmlns:a="http://schemas.openxmlformats.org/drawingml/2006/main" xmlns:r="http://schemas.openxmlformats.org/officeDocument/2006/relationships" xmlns:p="http://schemas.openxmlformats.org/presentationml/2006/main">
+  <p:cSld>
+    <p:spTree>
+      <p:nvGrpSpPr>
+        <p:cNvPr id="1" name=""/>
+        <p:cNvGrpSpPr/>
+        <p:nvPr/>
+      </p:nvGrpSpPr>
+      <p:grpSpPr>
+        <a:xfrm>
+          <a:off x="0" y="0"/>
+          <a:ext cx="0" cy="0"/>
+          <a:chOff x="0" y="0"/>
+          <a:chExt cx="0" cy="0"/>
+        </a:xfrm>
+      </p:grpSpPr>
+      <p:sp>
+        <p:nvSpPr>
+          <p:cNvPr id="2" name="タイトル 1">
+            <a:extLst>
+              <a:ext uri="{FF2B5EF4-FFF2-40B4-BE49-F238E27FC236}">
+                <a16:creationId xmlns:a16="http://schemas.microsoft.com/office/drawing/2014/main" id="{250D3755-8729-492D-8A2D-F7D583E880B3}"/>
+              </a:ext>
+            </a:extLst>
+          </p:cNvPr>
+          <p:cNvSpPr>
+            <a:spLocks noGrp="1"/>
+          </p:cNvSpPr>
+          <p:nvPr>
+            <p:ph type="title"/>
+          </p:nvPr>
+        </p:nvSpPr>
+        <p:spPr/>
+        <p:txBody>
+          <a:bodyPr/>
+          <a:lstStyle/>
+          <a:p>
+            <a:r>
+              <a:rPr lang="ja-JP" altLang="ja-JP" dirty="0">
+                <a:latin typeface="MS PGothic"/>
+                <a:ea typeface="MS PGothic"/>
+                <a:cs typeface="MS PGothic"/>
+                <a:sym typeface="MS PGothic"/>
+              </a:rPr>
+              <a:t>実行結果（平均値フィルタ）</a:t>
+            </a:r>
+            <a:endParaRPr kumimoji="1" lang="ja-JP" altLang="en-US" dirty="0"/>
+          </a:p>
+        </p:txBody>
+      </p:sp>
+      <p:sp>
+        <p:nvSpPr>
+          <p:cNvPr id="5" name="スライド番号プレースホルダー 4">
+            <a:extLst>
+              <a:ext uri="{FF2B5EF4-FFF2-40B4-BE49-F238E27FC236}">
+                <a16:creationId xmlns:a16="http://schemas.microsoft.com/office/drawing/2014/main" id="{85D82F13-F395-45C9-BE5B-7B18A1DEEA7F}"/>
+              </a:ext>
+            </a:extLst>
+          </p:cNvPr>
+          <p:cNvSpPr>
+            <a:spLocks noGrp="1"/>
+          </p:cNvSpPr>
+          <p:nvPr>
+            <p:ph type="sldNum" idx="12"/>
+          </p:nvPr>
+        </p:nvSpPr>
+        <p:spPr/>
+        <p:txBody>
+          <a:bodyPr/>
+          <a:lstStyle/>
+          <a:p>
+            <a:pPr marL="0" lvl="0" indent="0" algn="r" rtl="0">
+              <a:spcBef>
+                <a:spcPts val="0"/>
+              </a:spcBef>
+              <a:spcAft>
+                <a:spcPts val="0"/>
+              </a:spcAft>
+              <a:buNone/>
+            </a:pPr>
+            <a:fld id="{00000000-1234-1234-1234-123412341234}" type="slidenum">
+              <a:rPr lang="en-US" altLang="ja-JP" smtClean="0"/>
+              <a:pPr marL="0" lvl="0" indent="0" algn="r" rtl="0">
+                <a:spcBef>
+                  <a:spcPts val="0"/>
+                </a:spcBef>
+                <a:spcAft>
+                  <a:spcPts val="0"/>
+                </a:spcAft>
+                <a:buNone/>
+              </a:pPr>
+              <a:t>14</a:t>
+            </a:fld>
+            <a:endParaRPr lang="en-US"/>
+          </a:p>
+        </p:txBody>
+      </p:sp>
+      <p:pic>
+        <p:nvPicPr>
+          <p:cNvPr id="9" name="図 8">
+            <a:extLst>
+              <a:ext uri="{FF2B5EF4-FFF2-40B4-BE49-F238E27FC236}">
+                <a16:creationId xmlns:a16="http://schemas.microsoft.com/office/drawing/2014/main" id="{DB870A65-FE3E-4259-8BCB-5417707F7D01}"/>
+              </a:ext>
+            </a:extLst>
+          </p:cNvPr>
+          <p:cNvPicPr>
+            <a:picLocks noChangeAspect="1"/>
+          </p:cNvPicPr>
+          <p:nvPr/>
+        </p:nvPicPr>
+        <p:blipFill>
+          <a:blip r:embed="rId2"/>
+          <a:stretch>
+            <a:fillRect/>
+          </a:stretch>
+        </p:blipFill>
+        <p:spPr>
+          <a:xfrm>
+            <a:off x="2472519" y="1769232"/>
+            <a:ext cx="2099481" cy="2099481"/>
+          </a:xfrm>
+          <a:prstGeom prst="rect">
+            <a:avLst/>
+          </a:prstGeom>
+        </p:spPr>
+      </p:pic>
+      <p:pic>
+        <p:nvPicPr>
+          <p:cNvPr id="11" name="図 10">
+            <a:extLst>
+              <a:ext uri="{FF2B5EF4-FFF2-40B4-BE49-F238E27FC236}">
+                <a16:creationId xmlns:a16="http://schemas.microsoft.com/office/drawing/2014/main" id="{424C7D7F-7659-4973-ABBE-8BC3669341D5}"/>
+              </a:ext>
+            </a:extLst>
+          </p:cNvPr>
+          <p:cNvPicPr>
+            <a:picLocks noChangeAspect="1"/>
+          </p:cNvPicPr>
+          <p:nvPr/>
+        </p:nvPicPr>
+        <p:blipFill>
+          <a:blip r:embed="rId3"/>
+          <a:stretch>
+            <a:fillRect/>
+          </a:stretch>
+        </p:blipFill>
+        <p:spPr>
+          <a:xfrm>
+            <a:off x="332095" y="1769232"/>
+            <a:ext cx="2099480" cy="2099480"/>
+          </a:xfrm>
+          <a:prstGeom prst="rect">
+            <a:avLst/>
+          </a:prstGeom>
+        </p:spPr>
+      </p:pic>
+      <p:sp>
+        <p:nvSpPr>
+          <p:cNvPr id="14" name="テキスト ボックス 13">
+            <a:extLst>
+              <a:ext uri="{FF2B5EF4-FFF2-40B4-BE49-F238E27FC236}">
+                <a16:creationId xmlns:a16="http://schemas.microsoft.com/office/drawing/2014/main" id="{6138A02E-4A6A-4FE3-ABF4-F079440FAE81}"/>
+              </a:ext>
+            </a:extLst>
+          </p:cNvPr>
+          <p:cNvSpPr txBox="1"/>
+          <p:nvPr/>
+        </p:nvSpPr>
+        <p:spPr>
+          <a:xfrm>
+            <a:off x="332095" y="3947117"/>
+            <a:ext cx="2544286" cy="461665"/>
+          </a:xfrm>
+          <a:prstGeom prst="rect">
+            <a:avLst/>
+          </a:prstGeom>
+          <a:noFill/>
+        </p:spPr>
+        <p:txBody>
+          <a:bodyPr wrap="none" rtlCol="0">
+            <a:spAutoFit/>
+          </a:bodyPr>
+          <a:lstStyle/>
+          <a:p>
+            <a:r>
+              <a:rPr kumimoji="1" lang="ja-JP" altLang="en-US" sz="2400" dirty="0"/>
+              <a:t>実行結果</a:t>
+            </a:r>
+            <a:r>
+              <a:rPr kumimoji="1" lang="en-US" altLang="ja-JP" sz="2400" dirty="0"/>
+              <a:t>(</a:t>
+            </a:r>
+            <a:r>
+              <a:rPr kumimoji="1" lang="ja-JP" altLang="en-US" sz="2400" dirty="0"/>
+              <a:t>右図青</a:t>
+            </a:r>
+            <a:r>
+              <a:rPr kumimoji="1" lang="en-US" altLang="ja-JP" sz="2400" dirty="0"/>
+              <a:t>)</a:t>
+            </a:r>
+            <a:endParaRPr kumimoji="1" lang="ja-JP" altLang="en-US" sz="2400" dirty="0"/>
+          </a:p>
+        </p:txBody>
+      </p:sp>
+      <p:sp>
+        <p:nvSpPr>
+          <p:cNvPr id="15" name="テキスト ボックス 14">
+            <a:extLst>
+              <a:ext uri="{FF2B5EF4-FFF2-40B4-BE49-F238E27FC236}">
+                <a16:creationId xmlns:a16="http://schemas.microsoft.com/office/drawing/2014/main" id="{4B59CDCF-4469-4200-94D2-897B3B89FB39}"/>
+              </a:ext>
+            </a:extLst>
+          </p:cNvPr>
+          <p:cNvSpPr txBox="1"/>
+          <p:nvPr/>
+        </p:nvSpPr>
+        <p:spPr>
+          <a:xfrm>
+            <a:off x="332095" y="5271849"/>
+            <a:ext cx="2236510" cy="461665"/>
+          </a:xfrm>
+          <a:prstGeom prst="rect">
+            <a:avLst/>
+          </a:prstGeom>
+          <a:noFill/>
+        </p:spPr>
+        <p:txBody>
+          <a:bodyPr wrap="none" rtlCol="0">
+            <a:spAutoFit/>
+          </a:bodyPr>
+          <a:lstStyle/>
+          <a:p>
+            <a:r>
+              <a:rPr kumimoji="1" lang="ja-JP" altLang="en-US" sz="2400" dirty="0"/>
+              <a:t>元画像</a:t>
+            </a:r>
+            <a:r>
+              <a:rPr kumimoji="1" lang="en-US" altLang="ja-JP" sz="2400" dirty="0"/>
+              <a:t>(</a:t>
+            </a:r>
+            <a:r>
+              <a:rPr kumimoji="1" lang="ja-JP" altLang="en-US" sz="2400" dirty="0"/>
+              <a:t>右図赤</a:t>
+            </a:r>
+            <a:r>
+              <a:rPr kumimoji="1" lang="en-US" altLang="ja-JP" sz="2400" dirty="0"/>
+              <a:t>)</a:t>
+            </a:r>
+            <a:endParaRPr kumimoji="1" lang="ja-JP" altLang="en-US" sz="2400" dirty="0"/>
+          </a:p>
+        </p:txBody>
+      </p:sp>
+      <p:sp>
+        <p:nvSpPr>
+          <p:cNvPr id="19" name="テキスト ボックス 18">
+            <a:extLst>
+              <a:ext uri="{FF2B5EF4-FFF2-40B4-BE49-F238E27FC236}">
+                <a16:creationId xmlns:a16="http://schemas.microsoft.com/office/drawing/2014/main" id="{B4E4CFFA-7DCA-41F7-AC70-FEE5A62CAC6D}"/>
+              </a:ext>
+            </a:extLst>
+          </p:cNvPr>
+          <p:cNvSpPr txBox="1"/>
+          <p:nvPr/>
+        </p:nvSpPr>
+        <p:spPr>
+          <a:xfrm>
+            <a:off x="4806486" y="5624682"/>
+            <a:ext cx="3570208" cy="461665"/>
+          </a:xfrm>
+          <a:prstGeom prst="rect">
+            <a:avLst/>
+          </a:prstGeom>
+          <a:noFill/>
+        </p:spPr>
+        <p:txBody>
+          <a:bodyPr wrap="none" rtlCol="0">
+            <a:spAutoFit/>
+          </a:bodyPr>
+          <a:lstStyle/>
+          <a:p>
+            <a:r>
+              <a:rPr kumimoji="1" lang="ja-JP" altLang="en-US" sz="2400" dirty="0"/>
+              <a:t>正常な処理が確認できる</a:t>
+            </a:r>
+          </a:p>
+        </p:txBody>
+      </p:sp>
+      <p:graphicFrame>
+        <p:nvGraphicFramePr>
+          <p:cNvPr id="3" name="表 2">
+            <a:extLst>
+              <a:ext uri="{FF2B5EF4-FFF2-40B4-BE49-F238E27FC236}">
+                <a16:creationId xmlns:a16="http://schemas.microsoft.com/office/drawing/2014/main" id="{572BACDC-7A62-4F6C-8A68-BC4156E4ACD1}"/>
+              </a:ext>
+            </a:extLst>
+          </p:cNvPr>
+          <p:cNvGraphicFramePr>
+            <a:graphicFrameLocks noGrp="1"/>
+          </p:cNvGraphicFramePr>
+          <p:nvPr/>
+        </p:nvGraphicFramePr>
+        <p:xfrm>
+          <a:off x="332095" y="5734882"/>
+          <a:ext cx="1756011" cy="794238"/>
+        </p:xfrm>
+        <a:graphic>
+          <a:graphicData uri="http://schemas.openxmlformats.org/drawingml/2006/table">
+            <a:tbl>
+              <a:tblPr>
+                <a:tableStyleId>{5C22544A-7EE6-4342-B048-85BDC9FD1C3A}</a:tableStyleId>
+              </a:tblPr>
+              <a:tblGrid>
+                <a:gridCol w="585337">
+                  <a:extLst>
+                    <a:ext uri="{9D8B030D-6E8A-4147-A177-3AD203B41FA5}">
+                      <a16:colId xmlns:a16="http://schemas.microsoft.com/office/drawing/2014/main" val="3580736296"/>
+                    </a:ext>
+                  </a:extLst>
+                </a:gridCol>
+                <a:gridCol w="585337">
+                  <a:extLst>
+                    <a:ext uri="{9D8B030D-6E8A-4147-A177-3AD203B41FA5}">
+                      <a16:colId xmlns:a16="http://schemas.microsoft.com/office/drawing/2014/main" val="1650809283"/>
+                    </a:ext>
+                  </a:extLst>
+                </a:gridCol>
+                <a:gridCol w="585337">
+                  <a:extLst>
+                    <a:ext uri="{9D8B030D-6E8A-4147-A177-3AD203B41FA5}">
+                      <a16:colId xmlns:a16="http://schemas.microsoft.com/office/drawing/2014/main" val="180492871"/>
+                    </a:ext>
+                  </a:extLst>
+                </a:gridCol>
+              </a:tblGrid>
+              <a:tr h="264746">
+                <a:tc>
+                  <a:txBody>
+                    <a:bodyPr/>
+                    <a:lstStyle/>
+                    <a:p>
+                      <a:pPr algn="r" fontAlgn="ctr"/>
+                      <a:r>
+                        <a:rPr lang="en-US" altLang="ja-JP" sz="1600" u="none" strike="noStrike" dirty="0">
+                          <a:solidFill>
+                            <a:srgbClr val="002060"/>
+                          </a:solidFill>
+                          <a:effectLst/>
+                        </a:rPr>
+                        <a:t>96</a:t>
+                      </a:r>
+                      <a:endParaRPr lang="en-US" altLang="ja-JP" sz="1600" b="0" i="0" u="none" strike="noStrike" dirty="0">
+                        <a:solidFill>
+                          <a:srgbClr val="002060"/>
+                        </a:solidFill>
+                        <a:effectLst/>
+                        <a:latin typeface="Yu Gothic" panose="020B0400000000000000" pitchFamily="50" charset="-128"/>
+                        <a:ea typeface="Yu Gothic" panose="020B0400000000000000" pitchFamily="50" charset="-128"/>
+                      </a:endParaRPr>
+                    </a:p>
+                  </a:txBody>
+                  <a:tcPr marL="9525" marR="9525" marT="9525" marB="0" anchor="ctr"/>
+                </a:tc>
+                <a:tc>
+                  <a:txBody>
+                    <a:bodyPr/>
+                    <a:lstStyle/>
+                    <a:p>
+                      <a:pPr algn="r" fontAlgn="ctr"/>
+                      <a:r>
+                        <a:rPr lang="en-US" altLang="ja-JP" sz="1600" u="none" strike="noStrike" dirty="0">
+                          <a:solidFill>
+                            <a:srgbClr val="002060"/>
+                          </a:solidFill>
+                          <a:effectLst/>
+                        </a:rPr>
+                        <a:t>56</a:t>
+                      </a:r>
+                      <a:endParaRPr lang="en-US" altLang="ja-JP" sz="1600" b="0" i="0" u="none" strike="noStrike" dirty="0">
+                        <a:solidFill>
+                          <a:srgbClr val="002060"/>
+                        </a:solidFill>
+                        <a:effectLst/>
+                        <a:latin typeface="Yu Gothic" panose="020B0400000000000000" pitchFamily="50" charset="-128"/>
+                        <a:ea typeface="Yu Gothic" panose="020B0400000000000000" pitchFamily="50" charset="-128"/>
+                      </a:endParaRPr>
+                    </a:p>
+                  </a:txBody>
+                  <a:tcPr marL="9525" marR="9525" marT="9525" marB="0" anchor="ctr"/>
+                </a:tc>
+                <a:tc>
+                  <a:txBody>
+                    <a:bodyPr/>
+                    <a:lstStyle/>
+                    <a:p>
+                      <a:pPr algn="r" fontAlgn="ctr"/>
+                      <a:r>
+                        <a:rPr lang="en-US" altLang="ja-JP" sz="1600" u="none" strike="noStrike">
+                          <a:solidFill>
+                            <a:srgbClr val="002060"/>
+                          </a:solidFill>
+                          <a:effectLst/>
+                        </a:rPr>
+                        <a:t>51</a:t>
+                      </a:r>
+                      <a:endParaRPr lang="en-US" altLang="ja-JP" sz="1600" b="0" i="0" u="none" strike="noStrike">
+                        <a:solidFill>
+                          <a:srgbClr val="002060"/>
+                        </a:solidFill>
+                        <a:effectLst/>
+                        <a:latin typeface="Yu Gothic" panose="020B0400000000000000" pitchFamily="50" charset="-128"/>
+                        <a:ea typeface="Yu Gothic" panose="020B0400000000000000" pitchFamily="50" charset="-128"/>
+                      </a:endParaRPr>
+                    </a:p>
+                  </a:txBody>
+                  <a:tcPr marL="9525" marR="9525" marT="9525" marB="0" anchor="ctr"/>
+                </a:tc>
+                <a:extLst>
+                  <a:ext uri="{0D108BD9-81ED-4DB2-BD59-A6C34878D82A}">
+                    <a16:rowId xmlns:a16="http://schemas.microsoft.com/office/drawing/2014/main" val="1551100369"/>
+                  </a:ext>
+                </a:extLst>
+              </a:tr>
+              <a:tr h="264746">
+                <a:tc>
+                  <a:txBody>
+                    <a:bodyPr/>
+                    <a:lstStyle/>
+                    <a:p>
+                      <a:pPr algn="r" fontAlgn="ctr"/>
+                      <a:r>
+                        <a:rPr lang="en-US" altLang="ja-JP" sz="1600" u="none" strike="noStrike">
+                          <a:solidFill>
+                            <a:srgbClr val="002060"/>
+                          </a:solidFill>
+                          <a:effectLst/>
+                        </a:rPr>
+                        <a:t>159</a:t>
+                      </a:r>
+                      <a:endParaRPr lang="en-US" altLang="ja-JP" sz="1600" b="0" i="0" u="none" strike="noStrike">
+                        <a:solidFill>
+                          <a:srgbClr val="002060"/>
+                        </a:solidFill>
+                        <a:effectLst/>
+                        <a:latin typeface="Yu Gothic" panose="020B0400000000000000" pitchFamily="50" charset="-128"/>
+                        <a:ea typeface="Yu Gothic" panose="020B0400000000000000" pitchFamily="50" charset="-128"/>
+                      </a:endParaRPr>
+                    </a:p>
+                  </a:txBody>
+                  <a:tcPr marL="9525" marR="9525" marT="9525" marB="0" anchor="ctr"/>
+                </a:tc>
+                <a:tc>
+                  <a:txBody>
+                    <a:bodyPr/>
+                    <a:lstStyle/>
+                    <a:p>
+                      <a:pPr algn="r" fontAlgn="ctr"/>
+                      <a:r>
+                        <a:rPr lang="en-US" altLang="ja-JP" sz="1600" u="none" strike="noStrike" dirty="0">
+                          <a:solidFill>
+                            <a:srgbClr val="002060"/>
+                          </a:solidFill>
+                          <a:effectLst/>
+                        </a:rPr>
+                        <a:t>114</a:t>
+                      </a:r>
+                      <a:endParaRPr lang="en-US" altLang="ja-JP" sz="1600" b="0" i="0" u="none" strike="noStrike" dirty="0">
+                        <a:solidFill>
+                          <a:srgbClr val="002060"/>
+                        </a:solidFill>
+                        <a:effectLst/>
+                        <a:latin typeface="Yu Gothic" panose="020B0400000000000000" pitchFamily="50" charset="-128"/>
+                        <a:ea typeface="Yu Gothic" panose="020B0400000000000000" pitchFamily="50" charset="-128"/>
+                      </a:endParaRPr>
+                    </a:p>
+                  </a:txBody>
+                  <a:tcPr marL="9525" marR="9525" marT="9525" marB="0" anchor="ctr"/>
+                </a:tc>
+                <a:tc>
+                  <a:txBody>
+                    <a:bodyPr/>
+                    <a:lstStyle/>
+                    <a:p>
+                      <a:pPr algn="r" fontAlgn="ctr"/>
+                      <a:r>
+                        <a:rPr lang="en-US" altLang="ja-JP" sz="1600" u="none" strike="noStrike" dirty="0">
+                          <a:solidFill>
+                            <a:srgbClr val="002060"/>
+                          </a:solidFill>
+                          <a:effectLst/>
+                        </a:rPr>
+                        <a:t>77</a:t>
+                      </a:r>
+                      <a:endParaRPr lang="en-US" altLang="ja-JP" sz="1600" b="0" i="0" u="none" strike="noStrike" dirty="0">
+                        <a:solidFill>
+                          <a:srgbClr val="002060"/>
+                        </a:solidFill>
+                        <a:effectLst/>
+                        <a:latin typeface="Yu Gothic" panose="020B0400000000000000" pitchFamily="50" charset="-128"/>
+                        <a:ea typeface="Yu Gothic" panose="020B0400000000000000" pitchFamily="50" charset="-128"/>
+                      </a:endParaRPr>
+                    </a:p>
+                  </a:txBody>
+                  <a:tcPr marL="9525" marR="9525" marT="9525" marB="0" anchor="ctr"/>
+                </a:tc>
+                <a:extLst>
+                  <a:ext uri="{0D108BD9-81ED-4DB2-BD59-A6C34878D82A}">
+                    <a16:rowId xmlns:a16="http://schemas.microsoft.com/office/drawing/2014/main" val="2299150442"/>
+                  </a:ext>
+                </a:extLst>
+              </a:tr>
+              <a:tr h="264746">
+                <a:tc>
+                  <a:txBody>
+                    <a:bodyPr/>
+                    <a:lstStyle/>
+                    <a:p>
+                      <a:pPr algn="r" fontAlgn="ctr"/>
+                      <a:r>
+                        <a:rPr lang="en-US" altLang="ja-JP" sz="1600" u="none" strike="noStrike">
+                          <a:solidFill>
+                            <a:srgbClr val="002060"/>
+                          </a:solidFill>
+                          <a:effectLst/>
+                        </a:rPr>
+                        <a:t>206</a:t>
+                      </a:r>
+                      <a:endParaRPr lang="en-US" altLang="ja-JP" sz="1600" b="0" i="0" u="none" strike="noStrike">
+                        <a:solidFill>
+                          <a:srgbClr val="002060"/>
+                        </a:solidFill>
+                        <a:effectLst/>
+                        <a:latin typeface="Yu Gothic" panose="020B0400000000000000" pitchFamily="50" charset="-128"/>
+                        <a:ea typeface="Yu Gothic" panose="020B0400000000000000" pitchFamily="50" charset="-128"/>
+                      </a:endParaRPr>
+                    </a:p>
+                  </a:txBody>
+                  <a:tcPr marL="9525" marR="9525" marT="9525" marB="0" anchor="ctr"/>
+                </a:tc>
+                <a:tc>
+                  <a:txBody>
+                    <a:bodyPr/>
+                    <a:lstStyle/>
+                    <a:p>
+                      <a:pPr algn="r" fontAlgn="ctr"/>
+                      <a:r>
+                        <a:rPr lang="en-US" altLang="ja-JP" sz="1600" u="none" strike="noStrike">
+                          <a:solidFill>
+                            <a:srgbClr val="002060"/>
+                          </a:solidFill>
+                          <a:effectLst/>
+                        </a:rPr>
+                        <a:t>177</a:t>
+                      </a:r>
+                      <a:endParaRPr lang="en-US" altLang="ja-JP" sz="1600" b="0" i="0" u="none" strike="noStrike">
+                        <a:solidFill>
+                          <a:srgbClr val="002060"/>
+                        </a:solidFill>
+                        <a:effectLst/>
+                        <a:latin typeface="Yu Gothic" panose="020B0400000000000000" pitchFamily="50" charset="-128"/>
+                        <a:ea typeface="Yu Gothic" panose="020B0400000000000000" pitchFamily="50" charset="-128"/>
+                      </a:endParaRPr>
+                    </a:p>
+                  </a:txBody>
+                  <a:tcPr marL="9525" marR="9525" marT="9525" marB="0" anchor="ctr"/>
+                </a:tc>
+                <a:tc>
+                  <a:txBody>
+                    <a:bodyPr/>
+                    <a:lstStyle/>
+                    <a:p>
+                      <a:pPr algn="r" fontAlgn="ctr"/>
+                      <a:r>
+                        <a:rPr lang="en-US" altLang="ja-JP" sz="1600" u="none" strike="noStrike" dirty="0">
+                          <a:solidFill>
+                            <a:srgbClr val="002060"/>
+                          </a:solidFill>
+                          <a:effectLst/>
+                        </a:rPr>
+                        <a:t>140</a:t>
+                      </a:r>
+                      <a:endParaRPr lang="en-US" altLang="ja-JP" sz="1600" b="0" i="0" u="none" strike="noStrike" dirty="0">
+                        <a:solidFill>
+                          <a:srgbClr val="002060"/>
+                        </a:solidFill>
+                        <a:effectLst/>
+                        <a:latin typeface="Yu Gothic" panose="020B0400000000000000" pitchFamily="50" charset="-128"/>
+                        <a:ea typeface="Yu Gothic" panose="020B0400000000000000" pitchFamily="50" charset="-128"/>
+                      </a:endParaRPr>
+                    </a:p>
+                  </a:txBody>
+                  <a:tcPr marL="9525" marR="9525" marT="9525" marB="0" anchor="ctr"/>
+                </a:tc>
+                <a:extLst>
+                  <a:ext uri="{0D108BD9-81ED-4DB2-BD59-A6C34878D82A}">
+                    <a16:rowId xmlns:a16="http://schemas.microsoft.com/office/drawing/2014/main" val="3444382181"/>
+                  </a:ext>
+                </a:extLst>
+              </a:tr>
+            </a:tbl>
+          </a:graphicData>
+        </a:graphic>
+      </p:graphicFrame>
+      <p:graphicFrame>
+        <p:nvGraphicFramePr>
+          <p:cNvPr id="4" name="表 3">
+            <a:extLst>
+              <a:ext uri="{FF2B5EF4-FFF2-40B4-BE49-F238E27FC236}">
+                <a16:creationId xmlns:a16="http://schemas.microsoft.com/office/drawing/2014/main" id="{7CF96438-1781-4A0C-B008-62BBBDC08B2D}"/>
+              </a:ext>
+            </a:extLst>
+          </p:cNvPr>
+          <p:cNvGraphicFramePr>
+            <a:graphicFrameLocks noGrp="1"/>
+          </p:cNvGraphicFramePr>
+          <p:nvPr/>
+        </p:nvGraphicFramePr>
+        <p:xfrm>
+          <a:off x="335134" y="4408782"/>
+          <a:ext cx="1752972" cy="790797"/>
+        </p:xfrm>
+        <a:graphic>
+          <a:graphicData uri="http://schemas.openxmlformats.org/drawingml/2006/table">
+            <a:tbl>
+              <a:tblPr>
+                <a:tableStyleId>{5C22544A-7EE6-4342-B048-85BDC9FD1C3A}</a:tableStyleId>
+              </a:tblPr>
+              <a:tblGrid>
+                <a:gridCol w="584324">
+                  <a:extLst>
+                    <a:ext uri="{9D8B030D-6E8A-4147-A177-3AD203B41FA5}">
+                      <a16:colId xmlns:a16="http://schemas.microsoft.com/office/drawing/2014/main" val="3974635734"/>
+                    </a:ext>
+                  </a:extLst>
+                </a:gridCol>
+                <a:gridCol w="584324">
+                  <a:extLst>
+                    <a:ext uri="{9D8B030D-6E8A-4147-A177-3AD203B41FA5}">
+                      <a16:colId xmlns:a16="http://schemas.microsoft.com/office/drawing/2014/main" val="2169841945"/>
+                    </a:ext>
+                  </a:extLst>
+                </a:gridCol>
+                <a:gridCol w="584324">
+                  <a:extLst>
+                    <a:ext uri="{9D8B030D-6E8A-4147-A177-3AD203B41FA5}">
+                      <a16:colId xmlns:a16="http://schemas.microsoft.com/office/drawing/2014/main" val="1276072065"/>
+                    </a:ext>
+                  </a:extLst>
+                </a:gridCol>
+              </a:tblGrid>
+              <a:tr h="263599">
+                <a:tc>
+                  <a:txBody>
+                    <a:bodyPr/>
+                    <a:lstStyle/>
+                    <a:p>
+                      <a:pPr algn="r" fontAlgn="ctr"/>
+                      <a:r>
+                        <a:rPr lang="en-US" altLang="ja-JP" sz="1600" u="none" strike="noStrike" dirty="0">
+                          <a:effectLst/>
+                        </a:rPr>
+                        <a:t>103</a:t>
+                      </a:r>
+                      <a:endParaRPr lang="en-US" altLang="ja-JP" sz="1600" b="0" i="0" u="none" strike="noStrike" dirty="0">
+                        <a:solidFill>
+                          <a:srgbClr val="000000"/>
+                        </a:solidFill>
+                        <a:effectLst/>
+                        <a:latin typeface="Yu Gothic" panose="020B0400000000000000" pitchFamily="50" charset="-128"/>
+                        <a:ea typeface="Yu Gothic" panose="020B0400000000000000" pitchFamily="50" charset="-128"/>
+                      </a:endParaRPr>
+                    </a:p>
+                  </a:txBody>
+                  <a:tcPr marL="9525" marR="9525" marT="9525" marB="0" anchor="ctr"/>
+                </a:tc>
+                <a:tc>
+                  <a:txBody>
+                    <a:bodyPr/>
+                    <a:lstStyle/>
+                    <a:p>
+                      <a:pPr algn="r" fontAlgn="ctr"/>
+                      <a:r>
+                        <a:rPr lang="en-US" altLang="ja-JP" sz="1600" u="none" strike="noStrike" dirty="0">
+                          <a:effectLst/>
+                        </a:rPr>
+                        <a:t>76</a:t>
+                      </a:r>
+                      <a:endParaRPr lang="en-US" altLang="ja-JP" sz="1600" b="0" i="0" u="none" strike="noStrike" dirty="0">
+                        <a:solidFill>
+                          <a:srgbClr val="000000"/>
+                        </a:solidFill>
+                        <a:effectLst/>
+                        <a:latin typeface="Yu Gothic" panose="020B0400000000000000" pitchFamily="50" charset="-128"/>
+                        <a:ea typeface="Yu Gothic" panose="020B0400000000000000" pitchFamily="50" charset="-128"/>
+                      </a:endParaRPr>
+                    </a:p>
+                  </a:txBody>
+                  <a:tcPr marL="9525" marR="9525" marT="9525" marB="0" anchor="ctr"/>
+                </a:tc>
+                <a:tc>
+                  <a:txBody>
+                    <a:bodyPr/>
+                    <a:lstStyle/>
+                    <a:p>
+                      <a:pPr algn="r" fontAlgn="ctr"/>
+                      <a:r>
+                        <a:rPr lang="en-US" altLang="ja-JP" sz="1600" u="none" strike="noStrike">
+                          <a:effectLst/>
+                        </a:rPr>
+                        <a:t>56</a:t>
+                      </a:r>
+                      <a:endParaRPr lang="en-US" altLang="ja-JP" sz="1600" b="0" i="0" u="none" strike="noStrike">
+                        <a:solidFill>
+                          <a:srgbClr val="000000"/>
+                        </a:solidFill>
+                        <a:effectLst/>
+                        <a:latin typeface="Yu Gothic" panose="020B0400000000000000" pitchFamily="50" charset="-128"/>
+                        <a:ea typeface="Yu Gothic" panose="020B0400000000000000" pitchFamily="50" charset="-128"/>
+                      </a:endParaRPr>
+                    </a:p>
+                  </a:txBody>
+                  <a:tcPr marL="9525" marR="9525" marT="9525" marB="0" anchor="ctr"/>
+                </a:tc>
+                <a:extLst>
+                  <a:ext uri="{0D108BD9-81ED-4DB2-BD59-A6C34878D82A}">
+                    <a16:rowId xmlns:a16="http://schemas.microsoft.com/office/drawing/2014/main" val="1158533776"/>
+                  </a:ext>
+                </a:extLst>
+              </a:tr>
+              <a:tr h="263599">
+                <a:tc>
+                  <a:txBody>
+                    <a:bodyPr/>
+                    <a:lstStyle/>
+                    <a:p>
+                      <a:pPr algn="r" fontAlgn="ctr"/>
+                      <a:r>
+                        <a:rPr lang="en-US" altLang="ja-JP" sz="1600" u="none" strike="noStrike">
+                          <a:effectLst/>
+                        </a:rPr>
+                        <a:t>151</a:t>
+                      </a:r>
+                      <a:endParaRPr lang="en-US" altLang="ja-JP" sz="1600" b="0" i="0" u="none" strike="noStrike">
+                        <a:solidFill>
+                          <a:srgbClr val="000000"/>
+                        </a:solidFill>
+                        <a:effectLst/>
+                        <a:latin typeface="Yu Gothic" panose="020B0400000000000000" pitchFamily="50" charset="-128"/>
+                        <a:ea typeface="Yu Gothic" panose="020B0400000000000000" pitchFamily="50" charset="-128"/>
+                      </a:endParaRPr>
+                    </a:p>
+                  </a:txBody>
+                  <a:tcPr marL="9525" marR="9525" marT="9525" marB="0" anchor="ctr"/>
+                </a:tc>
+                <a:tc>
+                  <a:txBody>
+                    <a:bodyPr/>
+                    <a:lstStyle/>
+                    <a:p>
+                      <a:pPr algn="r" fontAlgn="ctr"/>
+                      <a:r>
+                        <a:rPr lang="en-US" altLang="ja-JP" sz="1600" u="none" strike="noStrike" dirty="0">
+                          <a:solidFill>
+                            <a:srgbClr val="FF0000"/>
+                          </a:solidFill>
+                          <a:effectLst/>
+                        </a:rPr>
+                        <a:t>119</a:t>
+                      </a:r>
+                      <a:endParaRPr lang="en-US" altLang="ja-JP" sz="1600" b="0" i="0" u="none" strike="noStrike" dirty="0">
+                        <a:solidFill>
+                          <a:srgbClr val="FF0000"/>
+                        </a:solidFill>
+                        <a:effectLst/>
+                        <a:latin typeface="Yu Gothic" panose="020B0400000000000000" pitchFamily="50" charset="-128"/>
+                        <a:ea typeface="Yu Gothic" panose="020B0400000000000000" pitchFamily="50" charset="-128"/>
+                      </a:endParaRPr>
+                    </a:p>
+                  </a:txBody>
+                  <a:tcPr marL="9525" marR="9525" marT="9525" marB="0" anchor="ctr"/>
+                </a:tc>
+                <a:tc>
+                  <a:txBody>
+                    <a:bodyPr/>
+                    <a:lstStyle/>
+                    <a:p>
+                      <a:pPr algn="r" fontAlgn="ctr"/>
+                      <a:r>
+                        <a:rPr lang="en-US" altLang="ja-JP" sz="1600" u="none" strike="noStrike" dirty="0">
+                          <a:effectLst/>
+                        </a:rPr>
+                        <a:t>87</a:t>
+                      </a:r>
+                      <a:endParaRPr lang="en-US" altLang="ja-JP" sz="1600" b="0" i="0" u="none" strike="noStrike" dirty="0">
+                        <a:solidFill>
+                          <a:srgbClr val="000000"/>
+                        </a:solidFill>
+                        <a:effectLst/>
+                        <a:latin typeface="Yu Gothic" panose="020B0400000000000000" pitchFamily="50" charset="-128"/>
+                        <a:ea typeface="Yu Gothic" panose="020B0400000000000000" pitchFamily="50" charset="-128"/>
+                      </a:endParaRPr>
+                    </a:p>
+                  </a:txBody>
+                  <a:tcPr marL="9525" marR="9525" marT="9525" marB="0" anchor="ctr"/>
+                </a:tc>
+                <a:extLst>
+                  <a:ext uri="{0D108BD9-81ED-4DB2-BD59-A6C34878D82A}">
+                    <a16:rowId xmlns:a16="http://schemas.microsoft.com/office/drawing/2014/main" val="2247878251"/>
+                  </a:ext>
+                </a:extLst>
+              </a:tr>
+              <a:tr h="263599">
+                <a:tc>
+                  <a:txBody>
+                    <a:bodyPr/>
+                    <a:lstStyle/>
+                    <a:p>
+                      <a:pPr algn="r" fontAlgn="ctr"/>
+                      <a:r>
+                        <a:rPr lang="en-US" altLang="ja-JP" sz="1600" u="none" strike="noStrike">
+                          <a:effectLst/>
+                        </a:rPr>
+                        <a:t>191</a:t>
+                      </a:r>
+                      <a:endParaRPr lang="en-US" altLang="ja-JP" sz="1600" b="0" i="0" u="none" strike="noStrike">
+                        <a:solidFill>
+                          <a:srgbClr val="000000"/>
+                        </a:solidFill>
+                        <a:effectLst/>
+                        <a:latin typeface="Yu Gothic" panose="020B0400000000000000" pitchFamily="50" charset="-128"/>
+                        <a:ea typeface="Yu Gothic" panose="020B0400000000000000" pitchFamily="50" charset="-128"/>
+                      </a:endParaRPr>
+                    </a:p>
+                  </a:txBody>
+                  <a:tcPr marL="9525" marR="9525" marT="9525" marB="0" anchor="ctr"/>
+                </a:tc>
+                <a:tc>
+                  <a:txBody>
+                    <a:bodyPr/>
+                    <a:lstStyle/>
+                    <a:p>
+                      <a:pPr algn="r" fontAlgn="ctr"/>
+                      <a:r>
+                        <a:rPr lang="en-US" altLang="ja-JP" sz="1600" u="none" strike="noStrike">
+                          <a:effectLst/>
+                        </a:rPr>
+                        <a:t>166</a:t>
+                      </a:r>
+                      <a:endParaRPr lang="en-US" altLang="ja-JP" sz="1600" b="0" i="0" u="none" strike="noStrike">
+                        <a:solidFill>
+                          <a:srgbClr val="000000"/>
+                        </a:solidFill>
+                        <a:effectLst/>
+                        <a:latin typeface="Yu Gothic" panose="020B0400000000000000" pitchFamily="50" charset="-128"/>
+                        <a:ea typeface="Yu Gothic" panose="020B0400000000000000" pitchFamily="50" charset="-128"/>
+                      </a:endParaRPr>
+                    </a:p>
+                  </a:txBody>
+                  <a:tcPr marL="9525" marR="9525" marT="9525" marB="0" anchor="ctr"/>
+                </a:tc>
+                <a:tc>
+                  <a:txBody>
+                    <a:bodyPr/>
+                    <a:lstStyle/>
+                    <a:p>
+                      <a:pPr algn="r" fontAlgn="ctr"/>
+                      <a:r>
+                        <a:rPr lang="en-US" altLang="ja-JP" sz="1600" u="none" strike="noStrike" dirty="0">
+                          <a:effectLst/>
+                        </a:rPr>
+                        <a:t>132</a:t>
+                      </a:r>
+                      <a:endParaRPr lang="en-US" altLang="ja-JP" sz="1600" b="0" i="0" u="none" strike="noStrike" dirty="0">
+                        <a:solidFill>
+                          <a:srgbClr val="000000"/>
+                        </a:solidFill>
+                        <a:effectLst/>
+                        <a:latin typeface="Yu Gothic" panose="020B0400000000000000" pitchFamily="50" charset="-128"/>
+                        <a:ea typeface="Yu Gothic" panose="020B0400000000000000" pitchFamily="50" charset="-128"/>
+                      </a:endParaRPr>
+                    </a:p>
+                  </a:txBody>
+                  <a:tcPr marL="9525" marR="9525" marT="9525" marB="0" anchor="ctr"/>
+                </a:tc>
+                <a:extLst>
+                  <a:ext uri="{0D108BD9-81ED-4DB2-BD59-A6C34878D82A}">
+                    <a16:rowId xmlns:a16="http://schemas.microsoft.com/office/drawing/2014/main" val="3769546715"/>
+                  </a:ext>
+                </a:extLst>
+              </a:tr>
+            </a:tbl>
+          </a:graphicData>
+        </a:graphic>
+      </p:graphicFrame>
+      <p:sp>
+        <p:nvSpPr>
+          <p:cNvPr id="6" name="テキスト ボックス 5">
+            <a:extLst>
+              <a:ext uri="{FF2B5EF4-FFF2-40B4-BE49-F238E27FC236}">
+                <a16:creationId xmlns:a16="http://schemas.microsoft.com/office/drawing/2014/main" id="{7E1E2359-C6D9-4E3E-98B1-F0686D25B388}"/>
+              </a:ext>
+            </a:extLst>
+          </p:cNvPr>
+          <p:cNvSpPr txBox="1"/>
+          <p:nvPr/>
+        </p:nvSpPr>
+        <p:spPr>
+          <a:xfrm>
+            <a:off x="4612944" y="1685850"/>
+            <a:ext cx="4374916" cy="2308324"/>
+          </a:xfrm>
+          <a:prstGeom prst="rect">
+            <a:avLst/>
+          </a:prstGeom>
+          <a:noFill/>
+        </p:spPr>
+        <p:txBody>
+          <a:bodyPr wrap="none" rtlCol="0">
+            <a:spAutoFit/>
+          </a:bodyPr>
+          <a:lstStyle/>
+          <a:p>
+            <a:r>
+              <a:rPr kumimoji="1" lang="ja-JP" altLang="en-US" sz="2400" dirty="0"/>
+              <a:t>元画像の画素</a:t>
+            </a:r>
+            <a:r>
+              <a:rPr kumimoji="1" lang="en-US" altLang="ja-JP" sz="2400" dirty="0"/>
+              <a:t>3x3</a:t>
+            </a:r>
+            <a:r>
+              <a:rPr kumimoji="1" lang="ja-JP" altLang="en-US" sz="2400" dirty="0"/>
+              <a:t>を処理すると</a:t>
+            </a:r>
+            <a:endParaRPr kumimoji="1" lang="en-US" altLang="ja-JP" sz="2400" dirty="0"/>
+          </a:p>
+          <a:p>
+            <a:r>
+              <a:rPr kumimoji="1" lang="en-US" altLang="ja-JP" sz="2400" dirty="0">
+                <a:latin typeface="Cambria Math" panose="02040503050406030204" pitchFamily="18" charset="0"/>
+              </a:rPr>
+              <a:t>(  96  +56  +51</a:t>
+            </a:r>
+          </a:p>
+          <a:p>
+            <a:r>
+              <a:rPr kumimoji="1" lang="en-US" altLang="ja-JP" sz="2400" dirty="0">
+                <a:latin typeface="Cambria Math" panose="02040503050406030204" pitchFamily="18" charset="0"/>
+              </a:rPr>
+              <a:t>+159+114+77</a:t>
+            </a:r>
+          </a:p>
+          <a:p>
+            <a:r>
+              <a:rPr kumimoji="1" lang="en-US" altLang="ja-JP" sz="2400" dirty="0">
+                <a:latin typeface="Cambria Math" panose="02040503050406030204" pitchFamily="18" charset="0"/>
+              </a:rPr>
+              <a:t>+206+177+140)/9</a:t>
+            </a:r>
+          </a:p>
+          <a:p>
+            <a:r>
+              <a:rPr kumimoji="1" lang="en-US" altLang="ja-JP" sz="2400" dirty="0">
+                <a:latin typeface="Cambria Math" panose="02040503050406030204" pitchFamily="18" charset="0"/>
+              </a:rPr>
+              <a:t>=1076/9</a:t>
+            </a:r>
+          </a:p>
+          <a:p>
+            <a:r>
+              <a:rPr kumimoji="1" lang="en-US" altLang="ja-JP" sz="2400" dirty="0">
+                <a:latin typeface="Cambria Math" panose="02040503050406030204" pitchFamily="18" charset="0"/>
+              </a:rPr>
+              <a:t>=</a:t>
+            </a:r>
+            <a:r>
+              <a:rPr kumimoji="1" lang="en-US" altLang="ja-JP" sz="2400" dirty="0">
+                <a:solidFill>
+                  <a:srgbClr val="FF0000"/>
+                </a:solidFill>
+                <a:latin typeface="Cambria Math" panose="02040503050406030204" pitchFamily="18" charset="0"/>
+              </a:rPr>
+              <a:t>119</a:t>
+            </a:r>
+            <a:r>
+              <a:rPr kumimoji="1" lang="en-US" altLang="ja-JP" sz="2400" dirty="0">
+                <a:latin typeface="Cambria Math" panose="02040503050406030204" pitchFamily="18" charset="0"/>
+              </a:rPr>
+              <a:t>.55555…</a:t>
+            </a:r>
+          </a:p>
+        </p:txBody>
+      </p:sp>
+      <p:sp>
+        <p:nvSpPr>
+          <p:cNvPr id="7" name="正方形/長方形 6">
+            <a:extLst>
+              <a:ext uri="{FF2B5EF4-FFF2-40B4-BE49-F238E27FC236}">
+                <a16:creationId xmlns:a16="http://schemas.microsoft.com/office/drawing/2014/main" id="{610C71DC-FD2D-48A3-A350-1555076550BB}"/>
+              </a:ext>
+            </a:extLst>
+          </p:cNvPr>
+          <p:cNvSpPr/>
+          <p:nvPr/>
+        </p:nvSpPr>
+        <p:spPr>
+          <a:xfrm>
+            <a:off x="941696" y="2415310"/>
+            <a:ext cx="668740" cy="668740"/>
+          </a:xfrm>
+          <a:prstGeom prst="rect">
+            <a:avLst/>
+          </a:prstGeom>
+          <a:noFill/>
+          <a:ln>
+            <a:solidFill>
+              <a:srgbClr val="FF0000"/>
+            </a:solidFill>
+          </a:ln>
+        </p:spPr>
+        <p:style>
+          <a:lnRef idx="2">
+            <a:schemeClr val="accent1">
+              <a:shade val="50000"/>
+            </a:schemeClr>
+          </a:lnRef>
+          <a:fillRef idx="1">
+            <a:schemeClr val="accent1"/>
+          </a:fillRef>
+          <a:effectRef idx="0">
+            <a:schemeClr val="accent1"/>
+          </a:effectRef>
+          <a:fontRef idx="minor">
+            <a:schemeClr val="lt1"/>
+          </a:fontRef>
+        </p:style>
+        <p:txBody>
+          <a:bodyPr rtlCol="0" anchor="ctr"/>
+          <a:lstStyle/>
+          <a:p>
+            <a:pPr algn="ctr"/>
+            <a:endParaRPr kumimoji="1" lang="ja-JP" altLang="en-US"/>
+          </a:p>
+        </p:txBody>
+      </p:sp>
+      <p:sp>
+        <p:nvSpPr>
+          <p:cNvPr id="16" name="正方形/長方形 15">
+            <a:extLst>
+              <a:ext uri="{FF2B5EF4-FFF2-40B4-BE49-F238E27FC236}">
+                <a16:creationId xmlns:a16="http://schemas.microsoft.com/office/drawing/2014/main" id="{2C0A0B32-9EB9-4B74-9B03-9BCDDD2DBA2E}"/>
+              </a:ext>
+            </a:extLst>
+          </p:cNvPr>
+          <p:cNvSpPr/>
+          <p:nvPr/>
+        </p:nvSpPr>
+        <p:spPr>
+          <a:xfrm>
+            <a:off x="3278759" y="2583192"/>
+            <a:ext cx="271076" cy="259308"/>
+          </a:xfrm>
+          <a:prstGeom prst="rect">
+            <a:avLst/>
+          </a:prstGeom>
+          <a:noFill/>
+          <a:ln>
+            <a:solidFill>
+              <a:srgbClr val="FF0000"/>
+            </a:solidFill>
+          </a:ln>
+        </p:spPr>
+        <p:style>
+          <a:lnRef idx="2">
+            <a:schemeClr val="accent1">
+              <a:shade val="50000"/>
+            </a:schemeClr>
+          </a:lnRef>
+          <a:fillRef idx="1">
+            <a:schemeClr val="accent1"/>
+          </a:fillRef>
+          <a:effectRef idx="0">
+            <a:schemeClr val="accent1"/>
+          </a:effectRef>
+          <a:fontRef idx="minor">
+            <a:schemeClr val="lt1"/>
+          </a:fontRef>
+        </p:style>
+        <p:txBody>
+          <a:bodyPr rtlCol="0" anchor="ctr"/>
+          <a:lstStyle/>
+          <a:p>
+            <a:pPr algn="ctr"/>
+            <a:endParaRPr kumimoji="1" lang="ja-JP" altLang="en-US"/>
+          </a:p>
+        </p:txBody>
+      </p:sp>
+    </p:spTree>
+    <p:extLst>
+      <p:ext uri="{BB962C8B-B14F-4D97-AF65-F5344CB8AC3E}">
+        <p14:creationId xmlns:p14="http://schemas.microsoft.com/office/powerpoint/2010/main" val="362230498"/>
+      </p:ext>
+    </p:extLst>
+  </p:cSld>
+  <p:clrMapOvr>
+    <a:masterClrMapping/>
+  </p:clrMapOvr>
+</p:sld>
+</file>
+
+<file path=ppt/slides/slide15.xml><?xml version="1.0" encoding="utf-8"?>
 <p:sld xmlns:a="http://schemas.openxmlformats.org/drawingml/2006/main" xmlns:r="http://schemas.openxmlformats.org/officeDocument/2006/relationships" xmlns:p="http://schemas.openxmlformats.org/presentationml/2006/main">
   <p:cSld>
     <p:spTree>
@@ -19946,7 +22335,7 @@
                 </a:spcAft>
                 <a:buNone/>
               </a:pPr>
-              <a:t>11</a:t>
+              <a:t>15</a:t>
             </a:fld>
             <a:endParaRPr/>
           </a:p>
@@ -20040,7 +22429,7 @@
 </p:sld>
 </file>
 
-<file path=ppt/slides/slide12.xml><?xml version="1.0" encoding="utf-8"?>
+<file path=ppt/slides/slide16.xml><?xml version="1.0" encoding="utf-8"?>
 <p:sld xmlns:a="http://schemas.openxmlformats.org/drawingml/2006/main" xmlns:r="http://schemas.openxmlformats.org/officeDocument/2006/relationships" xmlns:p="http://schemas.openxmlformats.org/presentationml/2006/main">
   <p:cSld>
     <p:spTree>
@@ -20170,7 +22559,7 @@
                 </a:spcAft>
                 <a:buNone/>
               </a:pPr>
-              <a:t>12</a:t>
+              <a:t>16</a:t>
             </a:fld>
             <a:endParaRPr/>
           </a:p>
@@ -20303,7 +22692,7 @@
         </p:blipFill>
         <p:spPr>
           <a:xfrm>
-            <a:off x="454728" y="6004464"/>
+            <a:off x="413784" y="1979025"/>
             <a:ext cx="3960000" cy="180000"/>
           </a:xfrm>
           <a:prstGeom prst="rect">
@@ -20342,7 +22731,7 @@
         </p:blipFill>
         <p:spPr>
           <a:xfrm>
-            <a:off x="5036023" y="5989608"/>
+            <a:off x="4995079" y="1964169"/>
             <a:ext cx="3960000" cy="197000"/>
           </a:xfrm>
           <a:prstGeom prst="rect">
@@ -20369,7 +22758,7 @@
         </p:nvSpPr>
         <p:spPr>
           <a:xfrm>
-            <a:off x="1817434" y="1637949"/>
+            <a:off x="1776490" y="5992823"/>
             <a:ext cx="1261884" cy="523220"/>
           </a:xfrm>
           <a:prstGeom prst="rect">
@@ -20404,7 +22793,7 @@
         </p:nvSpPr>
         <p:spPr>
           <a:xfrm>
-            <a:off x="6190822" y="1640984"/>
+            <a:off x="6218118" y="5995858"/>
             <a:ext cx="1620957" cy="523220"/>
           </a:xfrm>
           <a:prstGeom prst="rect">
@@ -20433,7 +22822,7 @@
 </p:sld>
 </file>
 
-<file path=ppt/slides/slide13.xml><?xml version="1.0" encoding="utf-8"?>
+<file path=ppt/slides/slide17.xml><?xml version="1.0" encoding="utf-8"?>
 <p:sld xmlns:a="http://schemas.openxmlformats.org/drawingml/2006/main" xmlns:r="http://schemas.openxmlformats.org/officeDocument/2006/relationships" xmlns:p="http://schemas.openxmlformats.org/presentationml/2006/main">
   <p:cSld>
     <p:spTree>
@@ -20594,7 +22983,7 @@
                 </a:spcAft>
                 <a:buNone/>
               </a:pPr>
-              <a:t>13</a:t>
+              <a:t>17</a:t>
             </a:fld>
             <a:endParaRPr/>
           </a:p>
@@ -20632,7 +23021,7 @@
 </p:sld>
 </file>
 
-<file path=ppt/slides/slide14.xml><?xml version="1.0" encoding="utf-8"?>
+<file path=ppt/slides/slide18.xml><?xml version="1.0" encoding="utf-8"?>
 <p:sld xmlns:a="http://schemas.openxmlformats.org/drawingml/2006/main" xmlns:r="http://schemas.openxmlformats.org/officeDocument/2006/relationships" xmlns:p="http://schemas.openxmlformats.org/presentationml/2006/main">
   <p:cSld>
     <p:spTree>
@@ -20794,7 +23183,7 @@
                 </a:spcAft>
                 <a:buNone/>
               </a:pPr>
-              <a:t>14</a:t>
+              <a:t>18</a:t>
             </a:fld>
             <a:endParaRPr/>
           </a:p>
@@ -20837,7 +23226,7 @@
 </p:sld>
 </file>
 
-<file path=ppt/slides/slide15.xml><?xml version="1.0" encoding="utf-8"?>
+<file path=ppt/slides/slide19.xml><?xml version="1.0" encoding="utf-8"?>
 <p:sld xmlns:a="http://schemas.openxmlformats.org/drawingml/2006/main" xmlns:r="http://schemas.openxmlformats.org/officeDocument/2006/relationships" xmlns:p="http://schemas.openxmlformats.org/presentationml/2006/main">
   <p:cSld>
     <p:spTree>
@@ -20967,7 +23356,7 @@
                 </a:spcAft>
                 <a:buNone/>
               </a:pPr>
-              <a:t>15</a:t>
+              <a:t>19</a:t>
             </a:fld>
             <a:endParaRPr/>
           </a:p>
@@ -21100,7 +23489,7 @@
         </p:blipFill>
         <p:spPr>
           <a:xfrm>
-            <a:off x="468376" y="5730816"/>
+            <a:off x="470936" y="1730288"/>
             <a:ext cx="3960000" cy="180000"/>
           </a:xfrm>
           <a:prstGeom prst="rect">
@@ -21139,7 +23528,7 @@
         </p:blipFill>
         <p:spPr>
           <a:xfrm>
-            <a:off x="5187165" y="5744464"/>
+            <a:off x="5189725" y="1743936"/>
             <a:ext cx="3708000" cy="180000"/>
           </a:xfrm>
           <a:prstGeom prst="rect">
@@ -21166,7 +23555,7 @@
         </p:nvSpPr>
         <p:spPr>
           <a:xfrm>
-            <a:off x="1817434" y="1405933"/>
+            <a:off x="1817434" y="5733534"/>
             <a:ext cx="1261884" cy="523220"/>
           </a:xfrm>
           <a:prstGeom prst="rect">
@@ -21201,7 +23590,7 @@
         </p:nvSpPr>
         <p:spPr>
           <a:xfrm>
-            <a:off x="6190822" y="1408968"/>
+            <a:off x="6245414" y="5736569"/>
             <a:ext cx="1620957" cy="523220"/>
           </a:xfrm>
           <a:prstGeom prst="rect">
@@ -21230,7 +23619,410 @@
 </p:sld>
 </file>
 
-<file path=ppt/slides/slide16.xml><?xml version="1.0" encoding="utf-8"?>
+<file path=ppt/slides/slide2.xml><?xml version="1.0" encoding="utf-8"?>
+<p:sld xmlns:a="http://schemas.openxmlformats.org/drawingml/2006/main" xmlns:r="http://schemas.openxmlformats.org/officeDocument/2006/relationships" xmlns:p="http://schemas.openxmlformats.org/presentationml/2006/main">
+  <p:cSld>
+    <p:spTree>
+      <p:nvGrpSpPr>
+        <p:cNvPr id="1" name="Shape 89"/>
+        <p:cNvGrpSpPr/>
+        <p:nvPr/>
+      </p:nvGrpSpPr>
+      <p:grpSpPr>
+        <a:xfrm>
+          <a:off x="0" y="0"/>
+          <a:ext cx="0" cy="0"/>
+          <a:chOff x="0" y="0"/>
+          <a:chExt cx="0" cy="0"/>
+        </a:xfrm>
+      </p:grpSpPr>
+      <p:sp>
+        <p:nvSpPr>
+          <p:cNvPr id="90" name="Google Shape;90;p14"/>
+          <p:cNvSpPr txBox="1">
+            <a:spLocks noGrp="1"/>
+          </p:cNvSpPr>
+          <p:nvPr>
+            <p:ph type="title"/>
+          </p:nvPr>
+        </p:nvSpPr>
+        <p:spPr>
+          <a:xfrm>
+            <a:off x="628650" y="365125"/>
+            <a:ext cx="7886700" cy="1325700"/>
+          </a:xfrm>
+          <a:prstGeom prst="rect">
+            <a:avLst/>
+          </a:prstGeom>
+          <a:noFill/>
+          <a:ln>
+            <a:noFill/>
+          </a:ln>
+        </p:spPr>
+        <p:txBody>
+          <a:bodyPr spcFirstLastPara="1" wrap="square" lIns="91425" tIns="45700" rIns="91425" bIns="45700" anchor="ctr" anchorCtr="0">
+            <a:noAutofit/>
+          </a:bodyPr>
+          <a:lstStyle/>
+          <a:p>
+            <a:pPr marL="0" lvl="0" indent="0" algn="l" rtl="0">
+              <a:lnSpc>
+                <a:spcPct val="90000"/>
+              </a:lnSpc>
+              <a:spcBef>
+                <a:spcPts val="0"/>
+              </a:spcBef>
+              <a:spcAft>
+                <a:spcPts val="0"/>
+              </a:spcAft>
+              <a:buClr>
+                <a:schemeClr val="dk1"/>
+              </a:buClr>
+              <a:buSzPts val="4400"/>
+              <a:buFont typeface="Arial"/>
+              <a:buNone/>
+            </a:pPr>
+            <a:r>
+              <a:rPr lang="ja-JP" dirty="0">
+                <a:latin typeface="+mj-ea"/>
+                <a:ea typeface="+mj-ea"/>
+              </a:rPr>
+              <a:t>発表の流れ</a:t>
+            </a:r>
+            <a:endParaRPr dirty="0">
+              <a:latin typeface="+mj-ea"/>
+              <a:ea typeface="+mj-ea"/>
+            </a:endParaRPr>
+          </a:p>
+        </p:txBody>
+      </p:sp>
+      <p:sp>
+        <p:nvSpPr>
+          <p:cNvPr id="91" name="Google Shape;91;p14"/>
+          <p:cNvSpPr txBox="1">
+            <a:spLocks noGrp="1"/>
+          </p:cNvSpPr>
+          <p:nvPr>
+            <p:ph type="body" idx="1"/>
+          </p:nvPr>
+        </p:nvSpPr>
+        <p:spPr>
+          <a:xfrm>
+            <a:off x="628650" y="1825625"/>
+            <a:ext cx="7886700" cy="4351200"/>
+          </a:xfrm>
+          <a:prstGeom prst="rect">
+            <a:avLst/>
+          </a:prstGeom>
+          <a:noFill/>
+          <a:ln>
+            <a:noFill/>
+          </a:ln>
+        </p:spPr>
+        <p:txBody>
+          <a:bodyPr spcFirstLastPara="1" wrap="square" lIns="91425" tIns="45700" rIns="91425" bIns="45700" anchor="t" anchorCtr="0">
+            <a:noAutofit/>
+          </a:bodyPr>
+          <a:lstStyle/>
+          <a:p>
+            <a:pPr marL="228600" lvl="0" indent="-228600" algn="l" rtl="0">
+              <a:lnSpc>
+                <a:spcPct val="100000"/>
+              </a:lnSpc>
+              <a:spcBef>
+                <a:spcPts val="0"/>
+              </a:spcBef>
+              <a:spcAft>
+                <a:spcPts val="0"/>
+              </a:spcAft>
+              <a:buClr>
+                <a:schemeClr val="dk1"/>
+              </a:buClr>
+              <a:buSzPts val="2800"/>
+              <a:buChar char="•"/>
+            </a:pPr>
+            <a:r>
+              <a:rPr lang="ja-JP" dirty="0">
+                <a:latin typeface="+mn-ea"/>
+                <a:ea typeface="+mn-ea"/>
+              </a:rPr>
+              <a:t>今回の課題の概要</a:t>
+            </a:r>
+            <a:endParaRPr dirty="0">
+              <a:latin typeface="+mn-ea"/>
+              <a:ea typeface="+mn-ea"/>
+            </a:endParaRPr>
+          </a:p>
+          <a:p>
+            <a:pPr marL="228600" lvl="0" indent="-228600" algn="l" rtl="0">
+              <a:lnSpc>
+                <a:spcPct val="100000"/>
+              </a:lnSpc>
+              <a:spcBef>
+                <a:spcPts val="1000"/>
+              </a:spcBef>
+              <a:spcAft>
+                <a:spcPts val="0"/>
+              </a:spcAft>
+              <a:buClr>
+                <a:schemeClr val="dk1"/>
+              </a:buClr>
+              <a:buSzPts val="2800"/>
+              <a:buChar char="•"/>
+            </a:pPr>
+            <a:r>
+              <a:rPr lang="ja-JP" dirty="0">
+                <a:latin typeface="+mn-ea"/>
+                <a:ea typeface="+mn-ea"/>
+              </a:rPr>
+              <a:t>平滑化フィルタ</a:t>
+            </a:r>
+            <a:endParaRPr dirty="0">
+              <a:latin typeface="+mn-ea"/>
+              <a:ea typeface="+mn-ea"/>
+            </a:endParaRPr>
+          </a:p>
+          <a:p>
+            <a:pPr marL="228600" lvl="0" indent="-228600" algn="l" rtl="0">
+              <a:lnSpc>
+                <a:spcPct val="100000"/>
+              </a:lnSpc>
+              <a:spcBef>
+                <a:spcPts val="1000"/>
+              </a:spcBef>
+              <a:spcAft>
+                <a:spcPts val="0"/>
+              </a:spcAft>
+              <a:buClr>
+                <a:schemeClr val="dk1"/>
+              </a:buClr>
+              <a:buSzPts val="2800"/>
+              <a:buChar char="•"/>
+            </a:pPr>
+            <a:r>
+              <a:rPr lang="ja-JP" dirty="0">
+                <a:latin typeface="+mn-ea"/>
+                <a:ea typeface="+mn-ea"/>
+              </a:rPr>
+              <a:t>微分フィルタ</a:t>
+            </a:r>
+            <a:endParaRPr dirty="0">
+              <a:latin typeface="+mn-ea"/>
+              <a:ea typeface="+mn-ea"/>
+            </a:endParaRPr>
+          </a:p>
+          <a:p>
+            <a:pPr marL="685800" lvl="1" indent="-228600" algn="l" rtl="0">
+              <a:lnSpc>
+                <a:spcPct val="100000"/>
+              </a:lnSpc>
+              <a:spcBef>
+                <a:spcPts val="500"/>
+              </a:spcBef>
+              <a:spcAft>
+                <a:spcPts val="0"/>
+              </a:spcAft>
+              <a:buClr>
+                <a:schemeClr val="dk1"/>
+              </a:buClr>
+              <a:buSzPts val="2400"/>
+              <a:buChar char="•"/>
+            </a:pPr>
+            <a:r>
+              <a:rPr lang="ja-JP" dirty="0">
+                <a:latin typeface="+mn-ea"/>
+                <a:ea typeface="+mn-ea"/>
+              </a:rPr>
+              <a:t>Prewitt</a:t>
+            </a:r>
+            <a:endParaRPr dirty="0">
+              <a:latin typeface="+mn-ea"/>
+              <a:ea typeface="+mn-ea"/>
+            </a:endParaRPr>
+          </a:p>
+          <a:p>
+            <a:pPr marL="685800" lvl="1" indent="-228600" algn="l" rtl="0">
+              <a:lnSpc>
+                <a:spcPct val="100000"/>
+              </a:lnSpc>
+              <a:spcBef>
+                <a:spcPts val="500"/>
+              </a:spcBef>
+              <a:spcAft>
+                <a:spcPts val="0"/>
+              </a:spcAft>
+              <a:buClr>
+                <a:schemeClr val="dk1"/>
+              </a:buClr>
+              <a:buSzPts val="2400"/>
+              <a:buChar char="•"/>
+            </a:pPr>
+            <a:r>
+              <a:rPr lang="ja-JP" dirty="0">
+                <a:latin typeface="+mn-ea"/>
+                <a:ea typeface="+mn-ea"/>
+              </a:rPr>
+              <a:t>ラプラシアンフィルタ</a:t>
+            </a:r>
+            <a:endParaRPr dirty="0">
+              <a:latin typeface="+mn-ea"/>
+              <a:ea typeface="+mn-ea"/>
+            </a:endParaRPr>
+          </a:p>
+          <a:p>
+            <a:pPr marL="228600" lvl="0" indent="-228600" algn="l" rtl="0">
+              <a:lnSpc>
+                <a:spcPct val="100000"/>
+              </a:lnSpc>
+              <a:spcBef>
+                <a:spcPts val="1000"/>
+              </a:spcBef>
+              <a:spcAft>
+                <a:spcPts val="0"/>
+              </a:spcAft>
+              <a:buClr>
+                <a:schemeClr val="dk1"/>
+              </a:buClr>
+              <a:buSzPts val="2800"/>
+              <a:buChar char="•"/>
+            </a:pPr>
+            <a:r>
+              <a:rPr lang="ja-JP" dirty="0">
+                <a:latin typeface="+mn-ea"/>
+                <a:ea typeface="+mn-ea"/>
+              </a:rPr>
+              <a:t>鮮鋭化フィルタ</a:t>
+            </a:r>
+            <a:endParaRPr dirty="0">
+              <a:latin typeface="+mn-ea"/>
+              <a:ea typeface="+mn-ea"/>
+            </a:endParaRPr>
+          </a:p>
+          <a:p>
+            <a:pPr marL="228600" lvl="0" indent="-228600" algn="l" rtl="0">
+              <a:lnSpc>
+                <a:spcPct val="100000"/>
+              </a:lnSpc>
+              <a:spcBef>
+                <a:spcPts val="1000"/>
+              </a:spcBef>
+              <a:spcAft>
+                <a:spcPts val="0"/>
+              </a:spcAft>
+              <a:buClr>
+                <a:schemeClr val="dk1"/>
+              </a:buClr>
+              <a:buSzPts val="2800"/>
+              <a:buChar char="•"/>
+            </a:pPr>
+            <a:r>
+              <a:rPr lang="ja-JP" dirty="0">
+                <a:latin typeface="+mn-ea"/>
+                <a:ea typeface="+mn-ea"/>
+              </a:rPr>
+              <a:t>所感</a:t>
+            </a:r>
+            <a:endParaRPr dirty="0">
+              <a:latin typeface="+mn-ea"/>
+              <a:ea typeface="+mn-ea"/>
+            </a:endParaRPr>
+          </a:p>
+          <a:p>
+            <a:pPr marL="228600" lvl="0" indent="-50800" algn="l" rtl="0">
+              <a:lnSpc>
+                <a:spcPct val="90000"/>
+              </a:lnSpc>
+              <a:spcBef>
+                <a:spcPts val="1000"/>
+              </a:spcBef>
+              <a:spcAft>
+                <a:spcPts val="0"/>
+              </a:spcAft>
+              <a:buClr>
+                <a:schemeClr val="dk1"/>
+              </a:buClr>
+              <a:buSzPts val="2800"/>
+              <a:buNone/>
+            </a:pPr>
+            <a:endParaRPr dirty="0"/>
+          </a:p>
+          <a:p>
+            <a:pPr marL="228600" lvl="0" indent="-50800" algn="l" rtl="0">
+              <a:lnSpc>
+                <a:spcPct val="90000"/>
+              </a:lnSpc>
+              <a:spcBef>
+                <a:spcPts val="1000"/>
+              </a:spcBef>
+              <a:spcAft>
+                <a:spcPts val="0"/>
+              </a:spcAft>
+              <a:buClr>
+                <a:schemeClr val="dk1"/>
+              </a:buClr>
+              <a:buSzPts val="2800"/>
+              <a:buNone/>
+            </a:pPr>
+            <a:endParaRPr dirty="0"/>
+          </a:p>
+        </p:txBody>
+      </p:sp>
+      <p:sp>
+        <p:nvSpPr>
+          <p:cNvPr id="2" name="スライド番号プレースホルダー 1">
+            <a:extLst>
+              <a:ext uri="{FF2B5EF4-FFF2-40B4-BE49-F238E27FC236}">
+                <a16:creationId xmlns:a16="http://schemas.microsoft.com/office/drawing/2014/main" id="{1B9E2C00-AD86-46DF-B086-2DFDCB9E2A90}"/>
+              </a:ext>
+            </a:extLst>
+          </p:cNvPr>
+          <p:cNvSpPr>
+            <a:spLocks noGrp="1"/>
+          </p:cNvSpPr>
+          <p:nvPr>
+            <p:ph type="sldNum" idx="12"/>
+          </p:nvPr>
+        </p:nvSpPr>
+        <p:spPr/>
+        <p:txBody>
+          <a:bodyPr/>
+          <a:lstStyle/>
+          <a:p>
+            <a:pPr marL="0" lvl="0" indent="0" algn="r" rtl="0">
+              <a:spcBef>
+                <a:spcPts val="0"/>
+              </a:spcBef>
+              <a:spcAft>
+                <a:spcPts val="0"/>
+              </a:spcAft>
+              <a:buNone/>
+            </a:pPr>
+            <a:fld id="{00000000-1234-1234-1234-123412341234}" type="slidenum">
+              <a:rPr lang="en-US" altLang="ja-JP" smtClean="0"/>
+              <a:pPr marL="0" lvl="0" indent="0" algn="r" rtl="0">
+                <a:spcBef>
+                  <a:spcPts val="0"/>
+                </a:spcBef>
+                <a:spcAft>
+                  <a:spcPts val="0"/>
+                </a:spcAft>
+                <a:buNone/>
+              </a:pPr>
+              <a:t>2</a:t>
+            </a:fld>
+            <a:endParaRPr lang="en-US"/>
+          </a:p>
+        </p:txBody>
+      </p:sp>
+    </p:spTree>
+  </p:cSld>
+  <p:clrMapOvr>
+    <a:masterClrMapping/>
+  </p:clrMapOvr>
+</p:sld>
+</file>
+
+<file path=ppt/slides/slide20.xml><?xml version="1.0" encoding="utf-8"?>
 <p:sld xmlns:a="http://schemas.openxmlformats.org/drawingml/2006/main" xmlns:r="http://schemas.openxmlformats.org/officeDocument/2006/relationships" xmlns:p="http://schemas.openxmlformats.org/presentationml/2006/main">
   <p:cSld>
     <p:spTree>
@@ -21455,7 +24247,7 @@
                 </a:spcAft>
                 <a:buNone/>
               </a:pPr>
-              <a:t>16</a:t>
+              <a:t>20</a:t>
             </a:fld>
             <a:endParaRPr/>
           </a:p>
@@ -21469,7 +24261,7 @@
 </p:sld>
 </file>
 
-<file path=ppt/slides/slide17.xml><?xml version="1.0" encoding="utf-8"?>
+<file path=ppt/slides/slide21.xml><?xml version="1.0" encoding="utf-8"?>
 <p:sld xmlns:a="http://schemas.openxmlformats.org/drawingml/2006/main" xmlns:r="http://schemas.openxmlformats.org/officeDocument/2006/relationships" xmlns:p="http://schemas.openxmlformats.org/presentationml/2006/main">
   <p:cSld>
     <p:spTree>
@@ -21630,7 +24422,7 @@
                 </a:spcAft>
                 <a:buNone/>
               </a:pPr>
-              <a:t>17</a:t>
+              <a:t>21</a:t>
             </a:fld>
             <a:endParaRPr/>
           </a:p>
@@ -21668,7 +24460,7 @@
 </p:sld>
 </file>
 
-<file path=ppt/slides/slide18.xml><?xml version="1.0" encoding="utf-8"?>
+<file path=ppt/slides/slide22.xml><?xml version="1.0" encoding="utf-8"?>
 <p:sld xmlns:a="http://schemas.openxmlformats.org/drawingml/2006/main" xmlns:r="http://schemas.openxmlformats.org/officeDocument/2006/relationships" xmlns:p="http://schemas.openxmlformats.org/presentationml/2006/main">
   <p:cSld>
     <p:spTree>
@@ -21828,7 +24620,7 @@
                 </a:spcAft>
                 <a:buNone/>
               </a:pPr>
-              <a:t>18</a:t>
+              <a:t>22</a:t>
             </a:fld>
             <a:endParaRPr/>
           </a:p>
@@ -21866,7 +24658,7 @@
 </p:sld>
 </file>
 
-<file path=ppt/slides/slide19.xml><?xml version="1.0" encoding="utf-8"?>
+<file path=ppt/slides/slide23.xml><?xml version="1.0" encoding="utf-8"?>
 <p:sld xmlns:a="http://schemas.openxmlformats.org/drawingml/2006/main" xmlns:r="http://schemas.openxmlformats.org/officeDocument/2006/relationships" xmlns:p="http://schemas.openxmlformats.org/presentationml/2006/main">
   <p:cSld>
     <p:spTree>
@@ -21996,7 +24788,7 @@
                 </a:spcAft>
                 <a:buNone/>
               </a:pPr>
-              <a:t>19</a:t>
+              <a:t>23</a:t>
             </a:fld>
             <a:endParaRPr/>
           </a:p>
@@ -22137,7 +24929,7 @@
         </p:blipFill>
         <p:spPr>
           <a:xfrm>
-            <a:off x="395784" y="5764454"/>
+            <a:off x="395784" y="1753929"/>
             <a:ext cx="3998913" cy="180000"/>
           </a:xfrm>
           <a:prstGeom prst="rect">
@@ -22170,7 +24962,7 @@
         </p:blipFill>
         <p:spPr>
           <a:xfrm>
-            <a:off x="5090615" y="5758192"/>
+            <a:off x="5090615" y="1747667"/>
             <a:ext cx="3807725" cy="180000"/>
           </a:xfrm>
           <a:prstGeom prst="rect">
@@ -22198,7 +24990,7 @@
         </p:nvSpPr>
         <p:spPr>
           <a:xfrm>
-            <a:off x="1790138" y="1405933"/>
+            <a:off x="1776490" y="5747486"/>
             <a:ext cx="1261884" cy="523220"/>
           </a:xfrm>
           <a:prstGeom prst="rect">
@@ -22233,7 +25025,7 @@
         </p:nvSpPr>
         <p:spPr>
           <a:xfrm>
-            <a:off x="6163526" y="1408968"/>
+            <a:off x="6204470" y="5750521"/>
             <a:ext cx="1620957" cy="523220"/>
           </a:xfrm>
           <a:prstGeom prst="rect">
@@ -22262,410 +25054,7 @@
 </p:sld>
 </file>
 
-<file path=ppt/slides/slide2.xml><?xml version="1.0" encoding="utf-8"?>
-<p:sld xmlns:a="http://schemas.openxmlformats.org/drawingml/2006/main" xmlns:r="http://schemas.openxmlformats.org/officeDocument/2006/relationships" xmlns:p="http://schemas.openxmlformats.org/presentationml/2006/main">
-  <p:cSld>
-    <p:spTree>
-      <p:nvGrpSpPr>
-        <p:cNvPr id="1" name="Shape 89"/>
-        <p:cNvGrpSpPr/>
-        <p:nvPr/>
-      </p:nvGrpSpPr>
-      <p:grpSpPr>
-        <a:xfrm>
-          <a:off x="0" y="0"/>
-          <a:ext cx="0" cy="0"/>
-          <a:chOff x="0" y="0"/>
-          <a:chExt cx="0" cy="0"/>
-        </a:xfrm>
-      </p:grpSpPr>
-      <p:sp>
-        <p:nvSpPr>
-          <p:cNvPr id="90" name="Google Shape;90;p14"/>
-          <p:cNvSpPr txBox="1">
-            <a:spLocks noGrp="1"/>
-          </p:cNvSpPr>
-          <p:nvPr>
-            <p:ph type="title"/>
-          </p:nvPr>
-        </p:nvSpPr>
-        <p:spPr>
-          <a:xfrm>
-            <a:off x="628650" y="365125"/>
-            <a:ext cx="7886700" cy="1325700"/>
-          </a:xfrm>
-          <a:prstGeom prst="rect">
-            <a:avLst/>
-          </a:prstGeom>
-          <a:noFill/>
-          <a:ln>
-            <a:noFill/>
-          </a:ln>
-        </p:spPr>
-        <p:txBody>
-          <a:bodyPr spcFirstLastPara="1" wrap="square" lIns="91425" tIns="45700" rIns="91425" bIns="45700" anchor="ctr" anchorCtr="0">
-            <a:noAutofit/>
-          </a:bodyPr>
-          <a:lstStyle/>
-          <a:p>
-            <a:pPr marL="0" lvl="0" indent="0" algn="l" rtl="0">
-              <a:lnSpc>
-                <a:spcPct val="90000"/>
-              </a:lnSpc>
-              <a:spcBef>
-                <a:spcPts val="0"/>
-              </a:spcBef>
-              <a:spcAft>
-                <a:spcPts val="0"/>
-              </a:spcAft>
-              <a:buClr>
-                <a:schemeClr val="dk1"/>
-              </a:buClr>
-              <a:buSzPts val="4400"/>
-              <a:buFont typeface="Arial"/>
-              <a:buNone/>
-            </a:pPr>
-            <a:r>
-              <a:rPr lang="ja-JP" dirty="0">
-                <a:latin typeface="+mj-ea"/>
-                <a:ea typeface="+mj-ea"/>
-              </a:rPr>
-              <a:t>発表の流れ</a:t>
-            </a:r>
-            <a:endParaRPr dirty="0">
-              <a:latin typeface="+mj-ea"/>
-              <a:ea typeface="+mj-ea"/>
-            </a:endParaRPr>
-          </a:p>
-        </p:txBody>
-      </p:sp>
-      <p:sp>
-        <p:nvSpPr>
-          <p:cNvPr id="91" name="Google Shape;91;p14"/>
-          <p:cNvSpPr txBox="1">
-            <a:spLocks noGrp="1"/>
-          </p:cNvSpPr>
-          <p:nvPr>
-            <p:ph type="body" idx="1"/>
-          </p:nvPr>
-        </p:nvSpPr>
-        <p:spPr>
-          <a:xfrm>
-            <a:off x="628650" y="1825625"/>
-            <a:ext cx="7886700" cy="4351200"/>
-          </a:xfrm>
-          <a:prstGeom prst="rect">
-            <a:avLst/>
-          </a:prstGeom>
-          <a:noFill/>
-          <a:ln>
-            <a:noFill/>
-          </a:ln>
-        </p:spPr>
-        <p:txBody>
-          <a:bodyPr spcFirstLastPara="1" wrap="square" lIns="91425" tIns="45700" rIns="91425" bIns="45700" anchor="t" anchorCtr="0">
-            <a:noAutofit/>
-          </a:bodyPr>
-          <a:lstStyle/>
-          <a:p>
-            <a:pPr marL="228600" lvl="0" indent="-228600" algn="l" rtl="0">
-              <a:lnSpc>
-                <a:spcPct val="100000"/>
-              </a:lnSpc>
-              <a:spcBef>
-                <a:spcPts val="0"/>
-              </a:spcBef>
-              <a:spcAft>
-                <a:spcPts val="0"/>
-              </a:spcAft>
-              <a:buClr>
-                <a:schemeClr val="dk1"/>
-              </a:buClr>
-              <a:buSzPts val="2800"/>
-              <a:buChar char="•"/>
-            </a:pPr>
-            <a:r>
-              <a:rPr lang="ja-JP" dirty="0">
-                <a:latin typeface="+mn-ea"/>
-                <a:ea typeface="+mn-ea"/>
-              </a:rPr>
-              <a:t>今回の課題の概要</a:t>
-            </a:r>
-            <a:endParaRPr dirty="0">
-              <a:latin typeface="+mn-ea"/>
-              <a:ea typeface="+mn-ea"/>
-            </a:endParaRPr>
-          </a:p>
-          <a:p>
-            <a:pPr marL="228600" lvl="0" indent="-228600" algn="l" rtl="0">
-              <a:lnSpc>
-                <a:spcPct val="100000"/>
-              </a:lnSpc>
-              <a:spcBef>
-                <a:spcPts val="1000"/>
-              </a:spcBef>
-              <a:spcAft>
-                <a:spcPts val="0"/>
-              </a:spcAft>
-              <a:buClr>
-                <a:schemeClr val="dk1"/>
-              </a:buClr>
-              <a:buSzPts val="2800"/>
-              <a:buChar char="•"/>
-            </a:pPr>
-            <a:r>
-              <a:rPr lang="ja-JP" dirty="0">
-                <a:latin typeface="+mn-ea"/>
-                <a:ea typeface="+mn-ea"/>
-              </a:rPr>
-              <a:t>平滑化フィルタ</a:t>
-            </a:r>
-            <a:endParaRPr dirty="0">
-              <a:latin typeface="+mn-ea"/>
-              <a:ea typeface="+mn-ea"/>
-            </a:endParaRPr>
-          </a:p>
-          <a:p>
-            <a:pPr marL="228600" lvl="0" indent="-228600" algn="l" rtl="0">
-              <a:lnSpc>
-                <a:spcPct val="100000"/>
-              </a:lnSpc>
-              <a:spcBef>
-                <a:spcPts val="1000"/>
-              </a:spcBef>
-              <a:spcAft>
-                <a:spcPts val="0"/>
-              </a:spcAft>
-              <a:buClr>
-                <a:schemeClr val="dk1"/>
-              </a:buClr>
-              <a:buSzPts val="2800"/>
-              <a:buChar char="•"/>
-            </a:pPr>
-            <a:r>
-              <a:rPr lang="ja-JP" dirty="0">
-                <a:latin typeface="+mn-ea"/>
-                <a:ea typeface="+mn-ea"/>
-              </a:rPr>
-              <a:t>微分フィルタ</a:t>
-            </a:r>
-            <a:endParaRPr dirty="0">
-              <a:latin typeface="+mn-ea"/>
-              <a:ea typeface="+mn-ea"/>
-            </a:endParaRPr>
-          </a:p>
-          <a:p>
-            <a:pPr marL="685800" lvl="1" indent="-228600" algn="l" rtl="0">
-              <a:lnSpc>
-                <a:spcPct val="100000"/>
-              </a:lnSpc>
-              <a:spcBef>
-                <a:spcPts val="500"/>
-              </a:spcBef>
-              <a:spcAft>
-                <a:spcPts val="0"/>
-              </a:spcAft>
-              <a:buClr>
-                <a:schemeClr val="dk1"/>
-              </a:buClr>
-              <a:buSzPts val="2400"/>
-              <a:buChar char="•"/>
-            </a:pPr>
-            <a:r>
-              <a:rPr lang="ja-JP" dirty="0">
-                <a:latin typeface="+mn-ea"/>
-                <a:ea typeface="+mn-ea"/>
-              </a:rPr>
-              <a:t>Prewitt</a:t>
-            </a:r>
-            <a:endParaRPr dirty="0">
-              <a:latin typeface="+mn-ea"/>
-              <a:ea typeface="+mn-ea"/>
-            </a:endParaRPr>
-          </a:p>
-          <a:p>
-            <a:pPr marL="685800" lvl="1" indent="-228600" algn="l" rtl="0">
-              <a:lnSpc>
-                <a:spcPct val="100000"/>
-              </a:lnSpc>
-              <a:spcBef>
-                <a:spcPts val="500"/>
-              </a:spcBef>
-              <a:spcAft>
-                <a:spcPts val="0"/>
-              </a:spcAft>
-              <a:buClr>
-                <a:schemeClr val="dk1"/>
-              </a:buClr>
-              <a:buSzPts val="2400"/>
-              <a:buChar char="•"/>
-            </a:pPr>
-            <a:r>
-              <a:rPr lang="ja-JP" dirty="0">
-                <a:latin typeface="+mn-ea"/>
-                <a:ea typeface="+mn-ea"/>
-              </a:rPr>
-              <a:t>ラプラシアンフィルタ</a:t>
-            </a:r>
-            <a:endParaRPr dirty="0">
-              <a:latin typeface="+mn-ea"/>
-              <a:ea typeface="+mn-ea"/>
-            </a:endParaRPr>
-          </a:p>
-          <a:p>
-            <a:pPr marL="228600" lvl="0" indent="-228600" algn="l" rtl="0">
-              <a:lnSpc>
-                <a:spcPct val="100000"/>
-              </a:lnSpc>
-              <a:spcBef>
-                <a:spcPts val="1000"/>
-              </a:spcBef>
-              <a:spcAft>
-                <a:spcPts val="0"/>
-              </a:spcAft>
-              <a:buClr>
-                <a:schemeClr val="dk1"/>
-              </a:buClr>
-              <a:buSzPts val="2800"/>
-              <a:buChar char="•"/>
-            </a:pPr>
-            <a:r>
-              <a:rPr lang="ja-JP" dirty="0">
-                <a:latin typeface="+mn-ea"/>
-                <a:ea typeface="+mn-ea"/>
-              </a:rPr>
-              <a:t>鮮鋭化フィルタ</a:t>
-            </a:r>
-            <a:endParaRPr dirty="0">
-              <a:latin typeface="+mn-ea"/>
-              <a:ea typeface="+mn-ea"/>
-            </a:endParaRPr>
-          </a:p>
-          <a:p>
-            <a:pPr marL="228600" lvl="0" indent="-228600" algn="l" rtl="0">
-              <a:lnSpc>
-                <a:spcPct val="100000"/>
-              </a:lnSpc>
-              <a:spcBef>
-                <a:spcPts val="1000"/>
-              </a:spcBef>
-              <a:spcAft>
-                <a:spcPts val="0"/>
-              </a:spcAft>
-              <a:buClr>
-                <a:schemeClr val="dk1"/>
-              </a:buClr>
-              <a:buSzPts val="2800"/>
-              <a:buChar char="•"/>
-            </a:pPr>
-            <a:r>
-              <a:rPr lang="ja-JP" dirty="0">
-                <a:latin typeface="+mn-ea"/>
-                <a:ea typeface="+mn-ea"/>
-              </a:rPr>
-              <a:t>所感</a:t>
-            </a:r>
-            <a:endParaRPr dirty="0">
-              <a:latin typeface="+mn-ea"/>
-              <a:ea typeface="+mn-ea"/>
-            </a:endParaRPr>
-          </a:p>
-          <a:p>
-            <a:pPr marL="228600" lvl="0" indent="-50800" algn="l" rtl="0">
-              <a:lnSpc>
-                <a:spcPct val="90000"/>
-              </a:lnSpc>
-              <a:spcBef>
-                <a:spcPts val="1000"/>
-              </a:spcBef>
-              <a:spcAft>
-                <a:spcPts val="0"/>
-              </a:spcAft>
-              <a:buClr>
-                <a:schemeClr val="dk1"/>
-              </a:buClr>
-              <a:buSzPts val="2800"/>
-              <a:buNone/>
-            </a:pPr>
-            <a:endParaRPr dirty="0"/>
-          </a:p>
-          <a:p>
-            <a:pPr marL="228600" lvl="0" indent="-50800" algn="l" rtl="0">
-              <a:lnSpc>
-                <a:spcPct val="90000"/>
-              </a:lnSpc>
-              <a:spcBef>
-                <a:spcPts val="1000"/>
-              </a:spcBef>
-              <a:spcAft>
-                <a:spcPts val="0"/>
-              </a:spcAft>
-              <a:buClr>
-                <a:schemeClr val="dk1"/>
-              </a:buClr>
-              <a:buSzPts val="2800"/>
-              <a:buNone/>
-            </a:pPr>
-            <a:endParaRPr dirty="0"/>
-          </a:p>
-        </p:txBody>
-      </p:sp>
-      <p:sp>
-        <p:nvSpPr>
-          <p:cNvPr id="2" name="スライド番号プレースホルダー 1">
-            <a:extLst>
-              <a:ext uri="{FF2B5EF4-FFF2-40B4-BE49-F238E27FC236}">
-                <a16:creationId xmlns:a16="http://schemas.microsoft.com/office/drawing/2014/main" id="{1B9E2C00-AD86-46DF-B086-2DFDCB9E2A90}"/>
-              </a:ext>
-            </a:extLst>
-          </p:cNvPr>
-          <p:cNvSpPr>
-            <a:spLocks noGrp="1"/>
-          </p:cNvSpPr>
-          <p:nvPr>
-            <p:ph type="sldNum" idx="12"/>
-          </p:nvPr>
-        </p:nvSpPr>
-        <p:spPr/>
-        <p:txBody>
-          <a:bodyPr/>
-          <a:lstStyle/>
-          <a:p>
-            <a:pPr marL="0" lvl="0" indent="0" algn="r" rtl="0">
-              <a:spcBef>
-                <a:spcPts val="0"/>
-              </a:spcBef>
-              <a:spcAft>
-                <a:spcPts val="0"/>
-              </a:spcAft>
-              <a:buNone/>
-            </a:pPr>
-            <a:fld id="{00000000-1234-1234-1234-123412341234}" type="slidenum">
-              <a:rPr lang="en-US" altLang="ja-JP" smtClean="0"/>
-              <a:pPr marL="0" lvl="0" indent="0" algn="r" rtl="0">
-                <a:spcBef>
-                  <a:spcPts val="0"/>
-                </a:spcBef>
-                <a:spcAft>
-                  <a:spcPts val="0"/>
-                </a:spcAft>
-                <a:buNone/>
-              </a:pPr>
-              <a:t>2</a:t>
-            </a:fld>
-            <a:endParaRPr lang="en-US"/>
-          </a:p>
-        </p:txBody>
-      </p:sp>
-    </p:spTree>
-  </p:cSld>
-  <p:clrMapOvr>
-    <a:masterClrMapping/>
-  </p:clrMapOvr>
-</p:sld>
-</file>
-
-<file path=ppt/slides/slide20.xml><?xml version="1.0" encoding="utf-8"?>
+<file path=ppt/slides/slide24.xml><?xml version="1.0" encoding="utf-8"?>
 <p:sld xmlns:a="http://schemas.openxmlformats.org/drawingml/2006/main" xmlns:r="http://schemas.openxmlformats.org/officeDocument/2006/relationships" xmlns:p="http://schemas.openxmlformats.org/presentationml/2006/main">
   <p:cSld>
     <p:spTree>
@@ -22779,7 +25168,7 @@
                 </a:spcAft>
                 <a:buNone/>
               </a:pPr>
-              <a:t>20</a:t>
+              <a:t>24</a:t>
             </a:fld>
             <a:endParaRPr/>
           </a:p>
@@ -22888,7 +25277,7 @@
         </p:blipFill>
         <p:spPr>
           <a:xfrm>
-            <a:off x="5090615" y="5758192"/>
+            <a:off x="5090615" y="1748239"/>
             <a:ext cx="3807725" cy="180000"/>
           </a:xfrm>
           <a:prstGeom prst="rect">
@@ -22923,7 +25312,7 @@
         </p:blipFill>
         <p:spPr>
           <a:xfrm>
-            <a:off x="419478" y="5750762"/>
+            <a:off x="419478" y="1740809"/>
             <a:ext cx="3993773" cy="180000"/>
           </a:xfrm>
           <a:prstGeom prst="rect">
@@ -22945,7 +25334,7 @@
         </p:nvSpPr>
         <p:spPr>
           <a:xfrm>
-            <a:off x="1251530" y="1405933"/>
+            <a:off x="1243587" y="5747727"/>
             <a:ext cx="2339102" cy="523220"/>
           </a:xfrm>
           <a:prstGeom prst="rect">
@@ -22981,7 +25370,7 @@
         </p:nvSpPr>
         <p:spPr>
           <a:xfrm>
-            <a:off x="6343062" y="1408968"/>
+            <a:off x="6376063" y="5750762"/>
             <a:ext cx="1261885" cy="523220"/>
           </a:xfrm>
           <a:prstGeom prst="rect">
@@ -23011,7 +25400,7 @@
 </p:sld>
 </file>
 
-<file path=ppt/slides/slide21.xml><?xml version="1.0" encoding="utf-8"?>
+<file path=ppt/slides/slide25.xml><?xml version="1.0" encoding="utf-8"?>
 <p:sld xmlns:a="http://schemas.openxmlformats.org/drawingml/2006/main" xmlns:r="http://schemas.openxmlformats.org/officeDocument/2006/relationships" xmlns:p="http://schemas.openxmlformats.org/presentationml/2006/main">
   <p:cSld>
     <p:spTree>
@@ -23239,7 +25628,7 @@
                 </a:spcAft>
                 <a:buNone/>
               </a:pPr>
-              <a:t>21</a:t>
+              <a:t>25</a:t>
             </a:fld>
             <a:endParaRPr lang="en-US"/>
           </a:p>
@@ -24281,6 +26670,1718 @@
   <p:cSld>
     <p:spTree>
       <p:nvGrpSpPr>
+        <p:cNvPr id="1" name=""/>
+        <p:cNvGrpSpPr/>
+        <p:nvPr/>
+      </p:nvGrpSpPr>
+      <p:grpSpPr>
+        <a:xfrm>
+          <a:off x="0" y="0"/>
+          <a:ext cx="0" cy="0"/>
+          <a:chOff x="0" y="0"/>
+          <a:chExt cx="0" cy="0"/>
+        </a:xfrm>
+      </p:grpSpPr>
+      <p:sp>
+        <p:nvSpPr>
+          <p:cNvPr id="2" name="タイトル 1">
+            <a:extLst>
+              <a:ext uri="{FF2B5EF4-FFF2-40B4-BE49-F238E27FC236}">
+                <a16:creationId xmlns:a16="http://schemas.microsoft.com/office/drawing/2014/main" id="{250D3755-8729-492D-8A2D-F7D583E880B3}"/>
+              </a:ext>
+            </a:extLst>
+          </p:cNvPr>
+          <p:cNvSpPr>
+            <a:spLocks noGrp="1"/>
+          </p:cNvSpPr>
+          <p:nvPr>
+            <p:ph type="title"/>
+          </p:nvPr>
+        </p:nvSpPr>
+        <p:spPr/>
+        <p:txBody>
+          <a:bodyPr/>
+          <a:lstStyle/>
+          <a:p>
+            <a:r>
+              <a:rPr lang="ja-JP" altLang="ja-JP" dirty="0">
+                <a:latin typeface="MS PGothic"/>
+                <a:ea typeface="MS PGothic"/>
+                <a:cs typeface="MS PGothic"/>
+                <a:sym typeface="MS PGothic"/>
+              </a:rPr>
+              <a:t>実行結果（平均値フィルタ）</a:t>
+            </a:r>
+            <a:endParaRPr kumimoji="1" lang="ja-JP" altLang="en-US" dirty="0"/>
+          </a:p>
+        </p:txBody>
+      </p:sp>
+      <p:sp>
+        <p:nvSpPr>
+          <p:cNvPr id="5" name="スライド番号プレースホルダー 4">
+            <a:extLst>
+              <a:ext uri="{FF2B5EF4-FFF2-40B4-BE49-F238E27FC236}">
+                <a16:creationId xmlns:a16="http://schemas.microsoft.com/office/drawing/2014/main" id="{85D82F13-F395-45C9-BE5B-7B18A1DEEA7F}"/>
+              </a:ext>
+            </a:extLst>
+          </p:cNvPr>
+          <p:cNvSpPr>
+            <a:spLocks noGrp="1"/>
+          </p:cNvSpPr>
+          <p:nvPr>
+            <p:ph type="sldNum" idx="12"/>
+          </p:nvPr>
+        </p:nvSpPr>
+        <p:spPr/>
+        <p:txBody>
+          <a:bodyPr/>
+          <a:lstStyle/>
+          <a:p>
+            <a:pPr marL="0" lvl="0" indent="0" algn="r" rtl="0">
+              <a:spcBef>
+                <a:spcPts val="0"/>
+              </a:spcBef>
+              <a:spcAft>
+                <a:spcPts val="0"/>
+              </a:spcAft>
+              <a:buNone/>
+            </a:pPr>
+            <a:fld id="{00000000-1234-1234-1234-123412341234}" type="slidenum">
+              <a:rPr lang="en-US" altLang="ja-JP" smtClean="0"/>
+              <a:pPr marL="0" lvl="0" indent="0" algn="r" rtl="0">
+                <a:spcBef>
+                  <a:spcPts val="0"/>
+                </a:spcBef>
+                <a:spcAft>
+                  <a:spcPts val="0"/>
+                </a:spcAft>
+                <a:buNone/>
+              </a:pPr>
+              <a:t>7</a:t>
+            </a:fld>
+            <a:endParaRPr lang="en-US"/>
+          </a:p>
+        </p:txBody>
+      </p:sp>
+      <p:pic>
+        <p:nvPicPr>
+          <p:cNvPr id="9" name="図 8">
+            <a:extLst>
+              <a:ext uri="{FF2B5EF4-FFF2-40B4-BE49-F238E27FC236}">
+                <a16:creationId xmlns:a16="http://schemas.microsoft.com/office/drawing/2014/main" id="{DB870A65-FE3E-4259-8BCB-5417707F7D01}"/>
+              </a:ext>
+            </a:extLst>
+          </p:cNvPr>
+          <p:cNvPicPr>
+            <a:picLocks noChangeAspect="1"/>
+          </p:cNvPicPr>
+          <p:nvPr/>
+        </p:nvPicPr>
+        <p:blipFill>
+          <a:blip r:embed="rId2"/>
+          <a:stretch>
+            <a:fillRect/>
+          </a:stretch>
+        </p:blipFill>
+        <p:spPr>
+          <a:xfrm>
+            <a:off x="2472519" y="1769232"/>
+            <a:ext cx="2099481" cy="2099481"/>
+          </a:xfrm>
+          <a:prstGeom prst="rect">
+            <a:avLst/>
+          </a:prstGeom>
+        </p:spPr>
+      </p:pic>
+      <p:pic>
+        <p:nvPicPr>
+          <p:cNvPr id="11" name="図 10">
+            <a:extLst>
+              <a:ext uri="{FF2B5EF4-FFF2-40B4-BE49-F238E27FC236}">
+                <a16:creationId xmlns:a16="http://schemas.microsoft.com/office/drawing/2014/main" id="{424C7D7F-7659-4973-ABBE-8BC3669341D5}"/>
+              </a:ext>
+            </a:extLst>
+          </p:cNvPr>
+          <p:cNvPicPr>
+            <a:picLocks noChangeAspect="1"/>
+          </p:cNvPicPr>
+          <p:nvPr/>
+        </p:nvPicPr>
+        <p:blipFill>
+          <a:blip r:embed="rId3"/>
+          <a:stretch>
+            <a:fillRect/>
+          </a:stretch>
+        </p:blipFill>
+        <p:spPr>
+          <a:xfrm>
+            <a:off x="332095" y="1769232"/>
+            <a:ext cx="2099480" cy="2099480"/>
+          </a:xfrm>
+          <a:prstGeom prst="rect">
+            <a:avLst/>
+          </a:prstGeom>
+        </p:spPr>
+      </p:pic>
+      <p:sp>
+        <p:nvSpPr>
+          <p:cNvPr id="12" name="正方形/長方形 11">
+            <a:extLst>
+              <a:ext uri="{FF2B5EF4-FFF2-40B4-BE49-F238E27FC236}">
+                <a16:creationId xmlns:a16="http://schemas.microsoft.com/office/drawing/2014/main" id="{FB815B27-DFCC-4695-8714-AC755F79EA8A}"/>
+              </a:ext>
+            </a:extLst>
+          </p:cNvPr>
+          <p:cNvSpPr/>
+          <p:nvPr/>
+        </p:nvSpPr>
+        <p:spPr>
+          <a:xfrm>
+            <a:off x="332095" y="5670849"/>
+            <a:ext cx="3390672" cy="369332"/>
+          </a:xfrm>
+          <a:prstGeom prst="rect">
+            <a:avLst/>
+          </a:prstGeom>
+          <a:solidFill>
+            <a:schemeClr val="bg2">
+              <a:lumMod val="20000"/>
+              <a:lumOff val="80000"/>
+            </a:schemeClr>
+          </a:solidFill>
+          <a:ln>
+            <a:solidFill>
+              <a:schemeClr val="tx1"/>
+            </a:solidFill>
+          </a:ln>
+        </p:spPr>
+        <p:txBody>
+          <a:bodyPr wrap="none">
+            <a:spAutoFit/>
+          </a:bodyPr>
+          <a:lstStyle/>
+          <a:p>
+            <a:r>
+              <a:rPr lang="en-US" altLang="ja-JP" sz="1800" dirty="0">
+                <a:latin typeface="Yu Gothic" panose="020B0400000000000000" pitchFamily="50" charset="-128"/>
+                <a:ea typeface="Yu Gothic" panose="020B0400000000000000" pitchFamily="50" charset="-128"/>
+              </a:rPr>
+              <a:t>219</a:t>
+            </a:r>
+            <a:r>
+              <a:rPr lang="ja-JP" altLang="en-US" sz="1800" dirty="0"/>
+              <a:t> </a:t>
+            </a:r>
+            <a:r>
+              <a:rPr lang="en-US" altLang="ja-JP" sz="1800" dirty="0">
+                <a:latin typeface="Yu Gothic" panose="020B0400000000000000" pitchFamily="50" charset="-128"/>
+                <a:ea typeface="Yu Gothic" panose="020B0400000000000000" pitchFamily="50" charset="-128"/>
+              </a:rPr>
+              <a:t>215</a:t>
+            </a:r>
+            <a:r>
+              <a:rPr lang="ja-JP" altLang="en-US" sz="1800" dirty="0"/>
+              <a:t> </a:t>
+            </a:r>
+            <a:r>
+              <a:rPr lang="en-US" altLang="ja-JP" sz="1800" dirty="0">
+                <a:latin typeface="Yu Gothic" panose="020B0400000000000000" pitchFamily="50" charset="-128"/>
+                <a:ea typeface="Yu Gothic" panose="020B0400000000000000" pitchFamily="50" charset="-128"/>
+              </a:rPr>
+              <a:t>197</a:t>
+            </a:r>
+            <a:r>
+              <a:rPr lang="ja-JP" altLang="en-US" sz="1800" dirty="0"/>
+              <a:t> </a:t>
+            </a:r>
+            <a:r>
+              <a:rPr lang="en-US" altLang="ja-JP" sz="1800" dirty="0">
+                <a:latin typeface="Yu Gothic" panose="020B0400000000000000" pitchFamily="50" charset="-128"/>
+                <a:ea typeface="Yu Gothic" panose="020B0400000000000000" pitchFamily="50" charset="-128"/>
+              </a:rPr>
+              <a:t>159</a:t>
+            </a:r>
+            <a:r>
+              <a:rPr lang="ja-JP" altLang="en-US" sz="1800" dirty="0"/>
+              <a:t> </a:t>
+            </a:r>
+            <a:r>
+              <a:rPr lang="en-US" altLang="ja-JP" sz="1800" dirty="0">
+                <a:latin typeface="Yu Gothic" panose="020B0400000000000000" pitchFamily="50" charset="-128"/>
+                <a:ea typeface="Yu Gothic" panose="020B0400000000000000" pitchFamily="50" charset="-128"/>
+              </a:rPr>
+              <a:t>114</a:t>
+            </a:r>
+            <a:r>
+              <a:rPr lang="ja-JP" altLang="en-US" sz="1800" dirty="0"/>
+              <a:t> </a:t>
+            </a:r>
+            <a:r>
+              <a:rPr lang="en-US" altLang="ja-JP" sz="1800" dirty="0">
+                <a:latin typeface="Yu Gothic" panose="020B0400000000000000" pitchFamily="50" charset="-128"/>
+                <a:ea typeface="Yu Gothic" panose="020B0400000000000000" pitchFamily="50" charset="-128"/>
+              </a:rPr>
+              <a:t>77</a:t>
+            </a:r>
+            <a:r>
+              <a:rPr lang="ja-JP" altLang="en-US" sz="1800" dirty="0"/>
+              <a:t> </a:t>
+            </a:r>
+            <a:r>
+              <a:rPr lang="en-US" altLang="ja-JP" sz="1800" dirty="0">
+                <a:latin typeface="Yu Gothic" panose="020B0400000000000000" pitchFamily="50" charset="-128"/>
+                <a:ea typeface="Yu Gothic" panose="020B0400000000000000" pitchFamily="50" charset="-128"/>
+              </a:rPr>
+              <a:t>45</a:t>
+            </a:r>
+            <a:r>
+              <a:rPr lang="ja-JP" altLang="en-US" sz="1800" dirty="0"/>
+              <a:t> </a:t>
+            </a:r>
+            <a:r>
+              <a:rPr lang="en-US" altLang="ja-JP" sz="1800" dirty="0">
+                <a:latin typeface="Yu Gothic" panose="020B0400000000000000" pitchFamily="50" charset="-128"/>
+                <a:ea typeface="Yu Gothic" panose="020B0400000000000000" pitchFamily="50" charset="-128"/>
+              </a:rPr>
+              <a:t>43</a:t>
+            </a:r>
+            <a:r>
+              <a:rPr lang="ja-JP" altLang="en-US" sz="1800" dirty="0"/>
+              <a:t> </a:t>
+            </a:r>
+          </a:p>
+        </p:txBody>
+      </p:sp>
+      <p:sp>
+        <p:nvSpPr>
+          <p:cNvPr id="13" name="正方形/長方形 12">
+            <a:extLst>
+              <a:ext uri="{FF2B5EF4-FFF2-40B4-BE49-F238E27FC236}">
+                <a16:creationId xmlns:a16="http://schemas.microsoft.com/office/drawing/2014/main" id="{87E80D71-0DE1-4028-A118-0CA1B743AC97}"/>
+              </a:ext>
+            </a:extLst>
+          </p:cNvPr>
+          <p:cNvSpPr/>
+          <p:nvPr/>
+        </p:nvSpPr>
+        <p:spPr>
+          <a:xfrm>
+            <a:off x="332095" y="4822771"/>
+            <a:ext cx="3390672" cy="369332"/>
+          </a:xfrm>
+          <a:prstGeom prst="rect">
+            <a:avLst/>
+          </a:prstGeom>
+          <a:solidFill>
+            <a:schemeClr val="tx2">
+              <a:lumMod val="90000"/>
+            </a:schemeClr>
+          </a:solidFill>
+          <a:ln>
+            <a:solidFill>
+              <a:schemeClr val="tx1"/>
+            </a:solidFill>
+          </a:ln>
+        </p:spPr>
+        <p:txBody>
+          <a:bodyPr wrap="none">
+            <a:spAutoFit/>
+          </a:bodyPr>
+          <a:lstStyle/>
+          <a:p>
+            <a:r>
+              <a:rPr lang="en-US" altLang="ja-JP" sz="1800" dirty="0">
+                <a:latin typeface="Yu Gothic" panose="020B0400000000000000" pitchFamily="50" charset="-128"/>
+                <a:ea typeface="Yu Gothic" panose="020B0400000000000000" pitchFamily="50" charset="-128"/>
+              </a:rPr>
+              <a:t>211</a:t>
+            </a:r>
+            <a:r>
+              <a:rPr lang="ja-JP" altLang="en-US" sz="1800" dirty="0"/>
+              <a:t> </a:t>
+            </a:r>
+            <a:r>
+              <a:rPr lang="en-US" altLang="ja-JP" sz="1800" dirty="0">
+                <a:latin typeface="Yu Gothic" panose="020B0400000000000000" pitchFamily="50" charset="-128"/>
+                <a:ea typeface="Yu Gothic" panose="020B0400000000000000" pitchFamily="50" charset="-128"/>
+              </a:rPr>
+              <a:t>200</a:t>
+            </a:r>
+            <a:r>
+              <a:rPr lang="ja-JP" altLang="en-US" sz="1800" dirty="0"/>
+              <a:t> </a:t>
+            </a:r>
+            <a:r>
+              <a:rPr lang="en-US" altLang="ja-JP" sz="1800" dirty="0">
+                <a:latin typeface="Yu Gothic" panose="020B0400000000000000" pitchFamily="50" charset="-128"/>
+                <a:ea typeface="Yu Gothic" panose="020B0400000000000000" pitchFamily="50" charset="-128"/>
+              </a:rPr>
+              <a:t>180</a:t>
+            </a:r>
+            <a:r>
+              <a:rPr lang="ja-JP" altLang="en-US" sz="1800" dirty="0"/>
+              <a:t> </a:t>
+            </a:r>
+            <a:r>
+              <a:rPr lang="en-US" altLang="ja-JP" sz="1800" dirty="0">
+                <a:latin typeface="Yu Gothic" panose="020B0400000000000000" pitchFamily="50" charset="-128"/>
+                <a:ea typeface="Yu Gothic" panose="020B0400000000000000" pitchFamily="50" charset="-128"/>
+              </a:rPr>
+              <a:t>151</a:t>
+            </a:r>
+            <a:r>
+              <a:rPr lang="ja-JP" altLang="en-US" sz="1800" dirty="0"/>
+              <a:t> </a:t>
+            </a:r>
+            <a:r>
+              <a:rPr lang="en-US" altLang="ja-JP" sz="1800" dirty="0">
+                <a:latin typeface="Yu Gothic" panose="020B0400000000000000" pitchFamily="50" charset="-128"/>
+                <a:ea typeface="Yu Gothic" panose="020B0400000000000000" pitchFamily="50" charset="-128"/>
+              </a:rPr>
+              <a:t>119</a:t>
+            </a:r>
+            <a:r>
+              <a:rPr lang="ja-JP" altLang="en-US" sz="1800" dirty="0"/>
+              <a:t> </a:t>
+            </a:r>
+            <a:r>
+              <a:rPr lang="en-US" altLang="ja-JP" sz="1800" dirty="0">
+                <a:latin typeface="Yu Gothic" panose="020B0400000000000000" pitchFamily="50" charset="-128"/>
+                <a:ea typeface="Yu Gothic" panose="020B0400000000000000" pitchFamily="50" charset="-128"/>
+              </a:rPr>
+              <a:t>87</a:t>
+            </a:r>
+            <a:r>
+              <a:rPr lang="ja-JP" altLang="en-US" sz="1800" dirty="0"/>
+              <a:t> </a:t>
+            </a:r>
+            <a:r>
+              <a:rPr lang="en-US" altLang="ja-JP" sz="1800" dirty="0">
+                <a:latin typeface="Yu Gothic" panose="020B0400000000000000" pitchFamily="50" charset="-128"/>
+                <a:ea typeface="Yu Gothic" panose="020B0400000000000000" pitchFamily="50" charset="-128"/>
+              </a:rPr>
+              <a:t>63</a:t>
+            </a:r>
+            <a:r>
+              <a:rPr lang="ja-JP" altLang="en-US" sz="1800" dirty="0"/>
+              <a:t> </a:t>
+            </a:r>
+            <a:r>
+              <a:rPr lang="en-US" altLang="ja-JP" sz="1800" dirty="0">
+                <a:latin typeface="Yu Gothic" panose="020B0400000000000000" pitchFamily="50" charset="-128"/>
+                <a:ea typeface="Yu Gothic" panose="020B0400000000000000" pitchFamily="50" charset="-128"/>
+              </a:rPr>
+              <a:t>47</a:t>
+            </a:r>
+            <a:r>
+              <a:rPr lang="ja-JP" altLang="en-US" sz="1800" dirty="0"/>
+              <a:t> </a:t>
+            </a:r>
+          </a:p>
+        </p:txBody>
+      </p:sp>
+      <p:sp>
+        <p:nvSpPr>
+          <p:cNvPr id="14" name="テキスト ボックス 13">
+            <a:extLst>
+              <a:ext uri="{FF2B5EF4-FFF2-40B4-BE49-F238E27FC236}">
+                <a16:creationId xmlns:a16="http://schemas.microsoft.com/office/drawing/2014/main" id="{6138A02E-4A6A-4FE3-ABF4-F079440FAE81}"/>
+              </a:ext>
+            </a:extLst>
+          </p:cNvPr>
+          <p:cNvSpPr txBox="1"/>
+          <p:nvPr/>
+        </p:nvSpPr>
+        <p:spPr>
+          <a:xfrm>
+            <a:off x="332095" y="4347458"/>
+            <a:ext cx="2544286" cy="461665"/>
+          </a:xfrm>
+          <a:prstGeom prst="rect">
+            <a:avLst/>
+          </a:prstGeom>
+          <a:noFill/>
+        </p:spPr>
+        <p:txBody>
+          <a:bodyPr wrap="none" rtlCol="0">
+            <a:spAutoFit/>
+          </a:bodyPr>
+          <a:lstStyle/>
+          <a:p>
+            <a:r>
+              <a:rPr kumimoji="1" lang="ja-JP" altLang="en-US" sz="2400" dirty="0"/>
+              <a:t>実行結果</a:t>
+            </a:r>
+            <a:r>
+              <a:rPr kumimoji="1" lang="en-US" altLang="ja-JP" sz="2400" dirty="0"/>
+              <a:t>(</a:t>
+            </a:r>
+            <a:r>
+              <a:rPr kumimoji="1" lang="ja-JP" altLang="en-US" sz="2400" dirty="0"/>
+              <a:t>右図青</a:t>
+            </a:r>
+            <a:r>
+              <a:rPr kumimoji="1" lang="en-US" altLang="ja-JP" sz="2400" dirty="0"/>
+              <a:t>)</a:t>
+            </a:r>
+            <a:endParaRPr kumimoji="1" lang="ja-JP" altLang="en-US" sz="2400" dirty="0"/>
+          </a:p>
+        </p:txBody>
+      </p:sp>
+      <p:sp>
+        <p:nvSpPr>
+          <p:cNvPr id="15" name="テキスト ボックス 14">
+            <a:extLst>
+              <a:ext uri="{FF2B5EF4-FFF2-40B4-BE49-F238E27FC236}">
+                <a16:creationId xmlns:a16="http://schemas.microsoft.com/office/drawing/2014/main" id="{4B59CDCF-4469-4200-94D2-897B3B89FB39}"/>
+              </a:ext>
+            </a:extLst>
+          </p:cNvPr>
+          <p:cNvSpPr txBox="1"/>
+          <p:nvPr/>
+        </p:nvSpPr>
+        <p:spPr>
+          <a:xfrm>
+            <a:off x="332095" y="5241220"/>
+            <a:ext cx="2236510" cy="461665"/>
+          </a:xfrm>
+          <a:prstGeom prst="rect">
+            <a:avLst/>
+          </a:prstGeom>
+          <a:noFill/>
+        </p:spPr>
+        <p:txBody>
+          <a:bodyPr wrap="none" rtlCol="0">
+            <a:spAutoFit/>
+          </a:bodyPr>
+          <a:lstStyle/>
+          <a:p>
+            <a:r>
+              <a:rPr kumimoji="1" lang="ja-JP" altLang="en-US" sz="2400" dirty="0"/>
+              <a:t>元画像</a:t>
+            </a:r>
+            <a:r>
+              <a:rPr kumimoji="1" lang="en-US" altLang="ja-JP" sz="2400" dirty="0"/>
+              <a:t>(</a:t>
+            </a:r>
+            <a:r>
+              <a:rPr kumimoji="1" lang="ja-JP" altLang="en-US" sz="2400" dirty="0"/>
+              <a:t>右図赤</a:t>
+            </a:r>
+            <a:r>
+              <a:rPr kumimoji="1" lang="en-US" altLang="ja-JP" sz="2400" dirty="0"/>
+              <a:t>)</a:t>
+            </a:r>
+            <a:endParaRPr kumimoji="1" lang="ja-JP" altLang="en-US" sz="2400" dirty="0"/>
+          </a:p>
+        </p:txBody>
+      </p:sp>
+      <p:pic>
+        <p:nvPicPr>
+          <p:cNvPr id="18" name="図 17">
+            <a:extLst>
+              <a:ext uri="{FF2B5EF4-FFF2-40B4-BE49-F238E27FC236}">
+                <a16:creationId xmlns:a16="http://schemas.microsoft.com/office/drawing/2014/main" id="{2DC7DA35-8140-4E7A-8332-F48B5ECFF04B}"/>
+              </a:ext>
+            </a:extLst>
+          </p:cNvPr>
+          <p:cNvPicPr>
+            <a:picLocks noChangeAspect="1"/>
+          </p:cNvPicPr>
+          <p:nvPr/>
+        </p:nvPicPr>
+        <p:blipFill>
+          <a:blip r:embed="rId4"/>
+          <a:stretch>
+            <a:fillRect/>
+          </a:stretch>
+        </p:blipFill>
+        <p:spPr>
+          <a:xfrm>
+            <a:off x="4806486" y="1769232"/>
+            <a:ext cx="4005419" cy="3359187"/>
+          </a:xfrm>
+          <a:prstGeom prst="rect">
+            <a:avLst/>
+          </a:prstGeom>
+        </p:spPr>
+      </p:pic>
+      <p:sp>
+        <p:nvSpPr>
+          <p:cNvPr id="19" name="テキスト ボックス 18">
+            <a:extLst>
+              <a:ext uri="{FF2B5EF4-FFF2-40B4-BE49-F238E27FC236}">
+                <a16:creationId xmlns:a16="http://schemas.microsoft.com/office/drawing/2014/main" id="{B4E4CFFA-7DCA-41F7-AC70-FEE5A62CAC6D}"/>
+              </a:ext>
+            </a:extLst>
+          </p:cNvPr>
+          <p:cNvSpPr txBox="1"/>
+          <p:nvPr/>
+        </p:nvSpPr>
+        <p:spPr>
+          <a:xfrm>
+            <a:off x="4806486" y="5624682"/>
+            <a:ext cx="2954655" cy="461665"/>
+          </a:xfrm>
+          <a:prstGeom prst="rect">
+            <a:avLst/>
+          </a:prstGeom>
+          <a:noFill/>
+        </p:spPr>
+        <p:txBody>
+          <a:bodyPr wrap="none" rtlCol="0">
+            <a:spAutoFit/>
+          </a:bodyPr>
+          <a:lstStyle/>
+          <a:p>
+            <a:r>
+              <a:rPr kumimoji="1" lang="ja-JP" altLang="en-US" sz="2400" dirty="0"/>
+              <a:t>平滑化が確認できる</a:t>
+            </a:r>
+          </a:p>
+        </p:txBody>
+      </p:sp>
+    </p:spTree>
+    <p:extLst>
+      <p:ext uri="{BB962C8B-B14F-4D97-AF65-F5344CB8AC3E}">
+        <p14:creationId xmlns:p14="http://schemas.microsoft.com/office/powerpoint/2010/main" val="3367303561"/>
+      </p:ext>
+    </p:extLst>
+  </p:cSld>
+  <p:clrMapOvr>
+    <a:masterClrMapping/>
+  </p:clrMapOvr>
+</p:sld>
+</file>
+
+<file path=ppt/slides/slide8.xml><?xml version="1.0" encoding="utf-8"?>
+<p:sld xmlns:a="http://schemas.openxmlformats.org/drawingml/2006/main" xmlns:r="http://schemas.openxmlformats.org/officeDocument/2006/relationships" xmlns:p="http://schemas.openxmlformats.org/presentationml/2006/main">
+  <p:cSld>
+    <p:spTree>
+      <p:nvGrpSpPr>
+        <p:cNvPr id="1" name=""/>
+        <p:cNvGrpSpPr/>
+        <p:nvPr/>
+      </p:nvGrpSpPr>
+      <p:grpSpPr>
+        <a:xfrm>
+          <a:off x="0" y="0"/>
+          <a:ext cx="0" cy="0"/>
+          <a:chOff x="0" y="0"/>
+          <a:chExt cx="0" cy="0"/>
+        </a:xfrm>
+      </p:grpSpPr>
+      <p:sp>
+        <p:nvSpPr>
+          <p:cNvPr id="2" name="タイトル 1">
+            <a:extLst>
+              <a:ext uri="{FF2B5EF4-FFF2-40B4-BE49-F238E27FC236}">
+                <a16:creationId xmlns:a16="http://schemas.microsoft.com/office/drawing/2014/main" id="{250D3755-8729-492D-8A2D-F7D583E880B3}"/>
+              </a:ext>
+            </a:extLst>
+          </p:cNvPr>
+          <p:cNvSpPr>
+            <a:spLocks noGrp="1"/>
+          </p:cNvSpPr>
+          <p:nvPr>
+            <p:ph type="title"/>
+          </p:nvPr>
+        </p:nvSpPr>
+        <p:spPr/>
+        <p:txBody>
+          <a:bodyPr/>
+          <a:lstStyle/>
+          <a:p>
+            <a:r>
+              <a:rPr lang="ja-JP" altLang="ja-JP" dirty="0">
+                <a:latin typeface="MS PGothic"/>
+                <a:ea typeface="MS PGothic"/>
+                <a:cs typeface="MS PGothic"/>
+                <a:sym typeface="MS PGothic"/>
+              </a:rPr>
+              <a:t>実行結果（平均値フィルタ）</a:t>
+            </a:r>
+            <a:endParaRPr kumimoji="1" lang="ja-JP" altLang="en-US" dirty="0"/>
+          </a:p>
+        </p:txBody>
+      </p:sp>
+      <p:sp>
+        <p:nvSpPr>
+          <p:cNvPr id="5" name="スライド番号プレースホルダー 4">
+            <a:extLst>
+              <a:ext uri="{FF2B5EF4-FFF2-40B4-BE49-F238E27FC236}">
+                <a16:creationId xmlns:a16="http://schemas.microsoft.com/office/drawing/2014/main" id="{85D82F13-F395-45C9-BE5B-7B18A1DEEA7F}"/>
+              </a:ext>
+            </a:extLst>
+          </p:cNvPr>
+          <p:cNvSpPr>
+            <a:spLocks noGrp="1"/>
+          </p:cNvSpPr>
+          <p:nvPr>
+            <p:ph type="sldNum" idx="12"/>
+          </p:nvPr>
+        </p:nvSpPr>
+        <p:spPr/>
+        <p:txBody>
+          <a:bodyPr/>
+          <a:lstStyle/>
+          <a:p>
+            <a:pPr marL="0" lvl="0" indent="0" algn="r" rtl="0">
+              <a:spcBef>
+                <a:spcPts val="0"/>
+              </a:spcBef>
+              <a:spcAft>
+                <a:spcPts val="0"/>
+              </a:spcAft>
+              <a:buNone/>
+            </a:pPr>
+            <a:fld id="{00000000-1234-1234-1234-123412341234}" type="slidenum">
+              <a:rPr lang="en-US" altLang="ja-JP" smtClean="0"/>
+              <a:pPr marL="0" lvl="0" indent="0" algn="r" rtl="0">
+                <a:spcBef>
+                  <a:spcPts val="0"/>
+                </a:spcBef>
+                <a:spcAft>
+                  <a:spcPts val="0"/>
+                </a:spcAft>
+                <a:buNone/>
+              </a:pPr>
+              <a:t>8</a:t>
+            </a:fld>
+            <a:endParaRPr lang="en-US"/>
+          </a:p>
+        </p:txBody>
+      </p:sp>
+      <p:pic>
+        <p:nvPicPr>
+          <p:cNvPr id="9" name="図 8">
+            <a:extLst>
+              <a:ext uri="{FF2B5EF4-FFF2-40B4-BE49-F238E27FC236}">
+                <a16:creationId xmlns:a16="http://schemas.microsoft.com/office/drawing/2014/main" id="{DB870A65-FE3E-4259-8BCB-5417707F7D01}"/>
+              </a:ext>
+            </a:extLst>
+          </p:cNvPr>
+          <p:cNvPicPr>
+            <a:picLocks noChangeAspect="1"/>
+          </p:cNvPicPr>
+          <p:nvPr/>
+        </p:nvPicPr>
+        <p:blipFill>
+          <a:blip r:embed="rId2"/>
+          <a:stretch>
+            <a:fillRect/>
+          </a:stretch>
+        </p:blipFill>
+        <p:spPr>
+          <a:xfrm>
+            <a:off x="2472519" y="1769232"/>
+            <a:ext cx="2099481" cy="2099481"/>
+          </a:xfrm>
+          <a:prstGeom prst="rect">
+            <a:avLst/>
+          </a:prstGeom>
+        </p:spPr>
+      </p:pic>
+      <p:pic>
+        <p:nvPicPr>
+          <p:cNvPr id="11" name="図 10">
+            <a:extLst>
+              <a:ext uri="{FF2B5EF4-FFF2-40B4-BE49-F238E27FC236}">
+                <a16:creationId xmlns:a16="http://schemas.microsoft.com/office/drawing/2014/main" id="{424C7D7F-7659-4973-ABBE-8BC3669341D5}"/>
+              </a:ext>
+            </a:extLst>
+          </p:cNvPr>
+          <p:cNvPicPr>
+            <a:picLocks noChangeAspect="1"/>
+          </p:cNvPicPr>
+          <p:nvPr/>
+        </p:nvPicPr>
+        <p:blipFill>
+          <a:blip r:embed="rId3"/>
+          <a:stretch>
+            <a:fillRect/>
+          </a:stretch>
+        </p:blipFill>
+        <p:spPr>
+          <a:xfrm>
+            <a:off x="332095" y="1769232"/>
+            <a:ext cx="2099480" cy="2099480"/>
+          </a:xfrm>
+          <a:prstGeom prst="rect">
+            <a:avLst/>
+          </a:prstGeom>
+        </p:spPr>
+      </p:pic>
+      <p:sp>
+        <p:nvSpPr>
+          <p:cNvPr id="14" name="テキスト ボックス 13">
+            <a:extLst>
+              <a:ext uri="{FF2B5EF4-FFF2-40B4-BE49-F238E27FC236}">
+                <a16:creationId xmlns:a16="http://schemas.microsoft.com/office/drawing/2014/main" id="{6138A02E-4A6A-4FE3-ABF4-F079440FAE81}"/>
+              </a:ext>
+            </a:extLst>
+          </p:cNvPr>
+          <p:cNvSpPr txBox="1"/>
+          <p:nvPr/>
+        </p:nvSpPr>
+        <p:spPr>
+          <a:xfrm>
+            <a:off x="332095" y="3947117"/>
+            <a:ext cx="2544286" cy="461665"/>
+          </a:xfrm>
+          <a:prstGeom prst="rect">
+            <a:avLst/>
+          </a:prstGeom>
+          <a:noFill/>
+        </p:spPr>
+        <p:txBody>
+          <a:bodyPr wrap="none" rtlCol="0">
+            <a:spAutoFit/>
+          </a:bodyPr>
+          <a:lstStyle/>
+          <a:p>
+            <a:r>
+              <a:rPr kumimoji="1" lang="ja-JP" altLang="en-US" sz="2400" dirty="0"/>
+              <a:t>実行結果</a:t>
+            </a:r>
+            <a:r>
+              <a:rPr kumimoji="1" lang="en-US" altLang="ja-JP" sz="2400" dirty="0"/>
+              <a:t>(</a:t>
+            </a:r>
+            <a:r>
+              <a:rPr kumimoji="1" lang="ja-JP" altLang="en-US" sz="2400" dirty="0"/>
+              <a:t>右図青</a:t>
+            </a:r>
+            <a:r>
+              <a:rPr kumimoji="1" lang="en-US" altLang="ja-JP" sz="2400" dirty="0"/>
+              <a:t>)</a:t>
+            </a:r>
+            <a:endParaRPr kumimoji="1" lang="ja-JP" altLang="en-US" sz="2400" dirty="0"/>
+          </a:p>
+        </p:txBody>
+      </p:sp>
+      <p:sp>
+        <p:nvSpPr>
+          <p:cNvPr id="15" name="テキスト ボックス 14">
+            <a:extLst>
+              <a:ext uri="{FF2B5EF4-FFF2-40B4-BE49-F238E27FC236}">
+                <a16:creationId xmlns:a16="http://schemas.microsoft.com/office/drawing/2014/main" id="{4B59CDCF-4469-4200-94D2-897B3B89FB39}"/>
+              </a:ext>
+            </a:extLst>
+          </p:cNvPr>
+          <p:cNvSpPr txBox="1"/>
+          <p:nvPr/>
+        </p:nvSpPr>
+        <p:spPr>
+          <a:xfrm>
+            <a:off x="332095" y="5271849"/>
+            <a:ext cx="2236510" cy="461665"/>
+          </a:xfrm>
+          <a:prstGeom prst="rect">
+            <a:avLst/>
+          </a:prstGeom>
+          <a:noFill/>
+        </p:spPr>
+        <p:txBody>
+          <a:bodyPr wrap="none" rtlCol="0">
+            <a:spAutoFit/>
+          </a:bodyPr>
+          <a:lstStyle/>
+          <a:p>
+            <a:r>
+              <a:rPr kumimoji="1" lang="ja-JP" altLang="en-US" sz="2400" dirty="0"/>
+              <a:t>元画像</a:t>
+            </a:r>
+            <a:r>
+              <a:rPr kumimoji="1" lang="en-US" altLang="ja-JP" sz="2400" dirty="0"/>
+              <a:t>(</a:t>
+            </a:r>
+            <a:r>
+              <a:rPr kumimoji="1" lang="ja-JP" altLang="en-US" sz="2400" dirty="0"/>
+              <a:t>右図赤</a:t>
+            </a:r>
+            <a:r>
+              <a:rPr kumimoji="1" lang="en-US" altLang="ja-JP" sz="2400" dirty="0"/>
+              <a:t>)</a:t>
+            </a:r>
+            <a:endParaRPr kumimoji="1" lang="ja-JP" altLang="en-US" sz="2400" dirty="0"/>
+          </a:p>
+        </p:txBody>
+      </p:sp>
+      <p:sp>
+        <p:nvSpPr>
+          <p:cNvPr id="19" name="テキスト ボックス 18">
+            <a:extLst>
+              <a:ext uri="{FF2B5EF4-FFF2-40B4-BE49-F238E27FC236}">
+                <a16:creationId xmlns:a16="http://schemas.microsoft.com/office/drawing/2014/main" id="{B4E4CFFA-7DCA-41F7-AC70-FEE5A62CAC6D}"/>
+              </a:ext>
+            </a:extLst>
+          </p:cNvPr>
+          <p:cNvSpPr txBox="1"/>
+          <p:nvPr/>
+        </p:nvSpPr>
+        <p:spPr>
+          <a:xfrm>
+            <a:off x="4806486" y="5624682"/>
+            <a:ext cx="3570208" cy="461665"/>
+          </a:xfrm>
+          <a:prstGeom prst="rect">
+            <a:avLst/>
+          </a:prstGeom>
+          <a:noFill/>
+        </p:spPr>
+        <p:txBody>
+          <a:bodyPr wrap="none" rtlCol="0">
+            <a:spAutoFit/>
+          </a:bodyPr>
+          <a:lstStyle/>
+          <a:p>
+            <a:r>
+              <a:rPr kumimoji="1" lang="ja-JP" altLang="en-US" sz="2400" dirty="0"/>
+              <a:t>正常な処理が確認できる</a:t>
+            </a:r>
+          </a:p>
+        </p:txBody>
+      </p:sp>
+      <p:graphicFrame>
+        <p:nvGraphicFramePr>
+          <p:cNvPr id="3" name="表 2">
+            <a:extLst>
+              <a:ext uri="{FF2B5EF4-FFF2-40B4-BE49-F238E27FC236}">
+                <a16:creationId xmlns:a16="http://schemas.microsoft.com/office/drawing/2014/main" id="{572BACDC-7A62-4F6C-8A68-BC4156E4ACD1}"/>
+              </a:ext>
+            </a:extLst>
+          </p:cNvPr>
+          <p:cNvGraphicFramePr>
+            <a:graphicFrameLocks noGrp="1"/>
+          </p:cNvGraphicFramePr>
+          <p:nvPr>
+            <p:extLst>
+              <p:ext uri="{D42A27DB-BD31-4B8C-83A1-F6EECF244321}">
+                <p14:modId xmlns:p14="http://schemas.microsoft.com/office/powerpoint/2010/main" val="1810661362"/>
+              </p:ext>
+            </p:extLst>
+          </p:nvPr>
+        </p:nvGraphicFramePr>
+        <p:xfrm>
+          <a:off x="332095" y="5734882"/>
+          <a:ext cx="1756011" cy="794238"/>
+        </p:xfrm>
+        <a:graphic>
+          <a:graphicData uri="http://schemas.openxmlformats.org/drawingml/2006/table">
+            <a:tbl>
+              <a:tblPr>
+                <a:tableStyleId>{5C22544A-7EE6-4342-B048-85BDC9FD1C3A}</a:tableStyleId>
+              </a:tblPr>
+              <a:tblGrid>
+                <a:gridCol w="585337">
+                  <a:extLst>
+                    <a:ext uri="{9D8B030D-6E8A-4147-A177-3AD203B41FA5}">
+                      <a16:colId xmlns:a16="http://schemas.microsoft.com/office/drawing/2014/main" val="3580736296"/>
+                    </a:ext>
+                  </a:extLst>
+                </a:gridCol>
+                <a:gridCol w="585337">
+                  <a:extLst>
+                    <a:ext uri="{9D8B030D-6E8A-4147-A177-3AD203B41FA5}">
+                      <a16:colId xmlns:a16="http://schemas.microsoft.com/office/drawing/2014/main" val="1650809283"/>
+                    </a:ext>
+                  </a:extLst>
+                </a:gridCol>
+                <a:gridCol w="585337">
+                  <a:extLst>
+                    <a:ext uri="{9D8B030D-6E8A-4147-A177-3AD203B41FA5}">
+                      <a16:colId xmlns:a16="http://schemas.microsoft.com/office/drawing/2014/main" val="180492871"/>
+                    </a:ext>
+                  </a:extLst>
+                </a:gridCol>
+              </a:tblGrid>
+              <a:tr h="264746">
+                <a:tc>
+                  <a:txBody>
+                    <a:bodyPr/>
+                    <a:lstStyle/>
+                    <a:p>
+                      <a:pPr algn="r" fontAlgn="ctr"/>
+                      <a:r>
+                        <a:rPr lang="en-US" altLang="ja-JP" sz="1600" u="none" strike="noStrike" dirty="0">
+                          <a:solidFill>
+                            <a:srgbClr val="002060"/>
+                          </a:solidFill>
+                          <a:effectLst/>
+                        </a:rPr>
+                        <a:t>96</a:t>
+                      </a:r>
+                      <a:endParaRPr lang="en-US" altLang="ja-JP" sz="1600" b="0" i="0" u="none" strike="noStrike" dirty="0">
+                        <a:solidFill>
+                          <a:srgbClr val="002060"/>
+                        </a:solidFill>
+                        <a:effectLst/>
+                        <a:latin typeface="Yu Gothic" panose="020B0400000000000000" pitchFamily="50" charset="-128"/>
+                        <a:ea typeface="Yu Gothic" panose="020B0400000000000000" pitchFamily="50" charset="-128"/>
+                      </a:endParaRPr>
+                    </a:p>
+                  </a:txBody>
+                  <a:tcPr marL="9525" marR="9525" marT="9525" marB="0" anchor="ctr"/>
+                </a:tc>
+                <a:tc>
+                  <a:txBody>
+                    <a:bodyPr/>
+                    <a:lstStyle/>
+                    <a:p>
+                      <a:pPr algn="r" fontAlgn="ctr"/>
+                      <a:r>
+                        <a:rPr lang="en-US" altLang="ja-JP" sz="1600" u="none" strike="noStrike" dirty="0">
+                          <a:solidFill>
+                            <a:srgbClr val="002060"/>
+                          </a:solidFill>
+                          <a:effectLst/>
+                        </a:rPr>
+                        <a:t>56</a:t>
+                      </a:r>
+                      <a:endParaRPr lang="en-US" altLang="ja-JP" sz="1600" b="0" i="0" u="none" strike="noStrike" dirty="0">
+                        <a:solidFill>
+                          <a:srgbClr val="002060"/>
+                        </a:solidFill>
+                        <a:effectLst/>
+                        <a:latin typeface="Yu Gothic" panose="020B0400000000000000" pitchFamily="50" charset="-128"/>
+                        <a:ea typeface="Yu Gothic" panose="020B0400000000000000" pitchFamily="50" charset="-128"/>
+                      </a:endParaRPr>
+                    </a:p>
+                  </a:txBody>
+                  <a:tcPr marL="9525" marR="9525" marT="9525" marB="0" anchor="ctr"/>
+                </a:tc>
+                <a:tc>
+                  <a:txBody>
+                    <a:bodyPr/>
+                    <a:lstStyle/>
+                    <a:p>
+                      <a:pPr algn="r" fontAlgn="ctr"/>
+                      <a:r>
+                        <a:rPr lang="en-US" altLang="ja-JP" sz="1600" u="none" strike="noStrike">
+                          <a:solidFill>
+                            <a:srgbClr val="002060"/>
+                          </a:solidFill>
+                          <a:effectLst/>
+                        </a:rPr>
+                        <a:t>51</a:t>
+                      </a:r>
+                      <a:endParaRPr lang="en-US" altLang="ja-JP" sz="1600" b="0" i="0" u="none" strike="noStrike">
+                        <a:solidFill>
+                          <a:srgbClr val="002060"/>
+                        </a:solidFill>
+                        <a:effectLst/>
+                        <a:latin typeface="Yu Gothic" panose="020B0400000000000000" pitchFamily="50" charset="-128"/>
+                        <a:ea typeface="Yu Gothic" panose="020B0400000000000000" pitchFamily="50" charset="-128"/>
+                      </a:endParaRPr>
+                    </a:p>
+                  </a:txBody>
+                  <a:tcPr marL="9525" marR="9525" marT="9525" marB="0" anchor="ctr"/>
+                </a:tc>
+                <a:extLst>
+                  <a:ext uri="{0D108BD9-81ED-4DB2-BD59-A6C34878D82A}">
+                    <a16:rowId xmlns:a16="http://schemas.microsoft.com/office/drawing/2014/main" val="1551100369"/>
+                  </a:ext>
+                </a:extLst>
+              </a:tr>
+              <a:tr h="264746">
+                <a:tc>
+                  <a:txBody>
+                    <a:bodyPr/>
+                    <a:lstStyle/>
+                    <a:p>
+                      <a:pPr algn="r" fontAlgn="ctr"/>
+                      <a:r>
+                        <a:rPr lang="en-US" altLang="ja-JP" sz="1600" u="none" strike="noStrike">
+                          <a:solidFill>
+                            <a:srgbClr val="002060"/>
+                          </a:solidFill>
+                          <a:effectLst/>
+                        </a:rPr>
+                        <a:t>159</a:t>
+                      </a:r>
+                      <a:endParaRPr lang="en-US" altLang="ja-JP" sz="1600" b="0" i="0" u="none" strike="noStrike">
+                        <a:solidFill>
+                          <a:srgbClr val="002060"/>
+                        </a:solidFill>
+                        <a:effectLst/>
+                        <a:latin typeface="Yu Gothic" panose="020B0400000000000000" pitchFamily="50" charset="-128"/>
+                        <a:ea typeface="Yu Gothic" panose="020B0400000000000000" pitchFamily="50" charset="-128"/>
+                      </a:endParaRPr>
+                    </a:p>
+                  </a:txBody>
+                  <a:tcPr marL="9525" marR="9525" marT="9525" marB="0" anchor="ctr"/>
+                </a:tc>
+                <a:tc>
+                  <a:txBody>
+                    <a:bodyPr/>
+                    <a:lstStyle/>
+                    <a:p>
+                      <a:pPr algn="r" fontAlgn="ctr"/>
+                      <a:r>
+                        <a:rPr lang="en-US" altLang="ja-JP" sz="1600" u="none" strike="noStrike" dirty="0">
+                          <a:solidFill>
+                            <a:srgbClr val="002060"/>
+                          </a:solidFill>
+                          <a:effectLst/>
+                        </a:rPr>
+                        <a:t>114</a:t>
+                      </a:r>
+                      <a:endParaRPr lang="en-US" altLang="ja-JP" sz="1600" b="0" i="0" u="none" strike="noStrike" dirty="0">
+                        <a:solidFill>
+                          <a:srgbClr val="002060"/>
+                        </a:solidFill>
+                        <a:effectLst/>
+                        <a:latin typeface="Yu Gothic" panose="020B0400000000000000" pitchFamily="50" charset="-128"/>
+                        <a:ea typeface="Yu Gothic" panose="020B0400000000000000" pitchFamily="50" charset="-128"/>
+                      </a:endParaRPr>
+                    </a:p>
+                  </a:txBody>
+                  <a:tcPr marL="9525" marR="9525" marT="9525" marB="0" anchor="ctr"/>
+                </a:tc>
+                <a:tc>
+                  <a:txBody>
+                    <a:bodyPr/>
+                    <a:lstStyle/>
+                    <a:p>
+                      <a:pPr algn="r" fontAlgn="ctr"/>
+                      <a:r>
+                        <a:rPr lang="en-US" altLang="ja-JP" sz="1600" u="none" strike="noStrike" dirty="0">
+                          <a:solidFill>
+                            <a:srgbClr val="002060"/>
+                          </a:solidFill>
+                          <a:effectLst/>
+                        </a:rPr>
+                        <a:t>77</a:t>
+                      </a:r>
+                      <a:endParaRPr lang="en-US" altLang="ja-JP" sz="1600" b="0" i="0" u="none" strike="noStrike" dirty="0">
+                        <a:solidFill>
+                          <a:srgbClr val="002060"/>
+                        </a:solidFill>
+                        <a:effectLst/>
+                        <a:latin typeface="Yu Gothic" panose="020B0400000000000000" pitchFamily="50" charset="-128"/>
+                        <a:ea typeface="Yu Gothic" panose="020B0400000000000000" pitchFamily="50" charset="-128"/>
+                      </a:endParaRPr>
+                    </a:p>
+                  </a:txBody>
+                  <a:tcPr marL="9525" marR="9525" marT="9525" marB="0" anchor="ctr"/>
+                </a:tc>
+                <a:extLst>
+                  <a:ext uri="{0D108BD9-81ED-4DB2-BD59-A6C34878D82A}">
+                    <a16:rowId xmlns:a16="http://schemas.microsoft.com/office/drawing/2014/main" val="2299150442"/>
+                  </a:ext>
+                </a:extLst>
+              </a:tr>
+              <a:tr h="264746">
+                <a:tc>
+                  <a:txBody>
+                    <a:bodyPr/>
+                    <a:lstStyle/>
+                    <a:p>
+                      <a:pPr algn="r" fontAlgn="ctr"/>
+                      <a:r>
+                        <a:rPr lang="en-US" altLang="ja-JP" sz="1600" u="none" strike="noStrike">
+                          <a:solidFill>
+                            <a:srgbClr val="002060"/>
+                          </a:solidFill>
+                          <a:effectLst/>
+                        </a:rPr>
+                        <a:t>206</a:t>
+                      </a:r>
+                      <a:endParaRPr lang="en-US" altLang="ja-JP" sz="1600" b="0" i="0" u="none" strike="noStrike">
+                        <a:solidFill>
+                          <a:srgbClr val="002060"/>
+                        </a:solidFill>
+                        <a:effectLst/>
+                        <a:latin typeface="Yu Gothic" panose="020B0400000000000000" pitchFamily="50" charset="-128"/>
+                        <a:ea typeface="Yu Gothic" panose="020B0400000000000000" pitchFamily="50" charset="-128"/>
+                      </a:endParaRPr>
+                    </a:p>
+                  </a:txBody>
+                  <a:tcPr marL="9525" marR="9525" marT="9525" marB="0" anchor="ctr"/>
+                </a:tc>
+                <a:tc>
+                  <a:txBody>
+                    <a:bodyPr/>
+                    <a:lstStyle/>
+                    <a:p>
+                      <a:pPr algn="r" fontAlgn="ctr"/>
+                      <a:r>
+                        <a:rPr lang="en-US" altLang="ja-JP" sz="1600" u="none" strike="noStrike">
+                          <a:solidFill>
+                            <a:srgbClr val="002060"/>
+                          </a:solidFill>
+                          <a:effectLst/>
+                        </a:rPr>
+                        <a:t>177</a:t>
+                      </a:r>
+                      <a:endParaRPr lang="en-US" altLang="ja-JP" sz="1600" b="0" i="0" u="none" strike="noStrike">
+                        <a:solidFill>
+                          <a:srgbClr val="002060"/>
+                        </a:solidFill>
+                        <a:effectLst/>
+                        <a:latin typeface="Yu Gothic" panose="020B0400000000000000" pitchFamily="50" charset="-128"/>
+                        <a:ea typeface="Yu Gothic" panose="020B0400000000000000" pitchFamily="50" charset="-128"/>
+                      </a:endParaRPr>
+                    </a:p>
+                  </a:txBody>
+                  <a:tcPr marL="9525" marR="9525" marT="9525" marB="0" anchor="ctr"/>
+                </a:tc>
+                <a:tc>
+                  <a:txBody>
+                    <a:bodyPr/>
+                    <a:lstStyle/>
+                    <a:p>
+                      <a:pPr algn="r" fontAlgn="ctr"/>
+                      <a:r>
+                        <a:rPr lang="en-US" altLang="ja-JP" sz="1600" u="none" strike="noStrike" dirty="0">
+                          <a:solidFill>
+                            <a:srgbClr val="002060"/>
+                          </a:solidFill>
+                          <a:effectLst/>
+                        </a:rPr>
+                        <a:t>140</a:t>
+                      </a:r>
+                      <a:endParaRPr lang="en-US" altLang="ja-JP" sz="1600" b="0" i="0" u="none" strike="noStrike" dirty="0">
+                        <a:solidFill>
+                          <a:srgbClr val="002060"/>
+                        </a:solidFill>
+                        <a:effectLst/>
+                        <a:latin typeface="Yu Gothic" panose="020B0400000000000000" pitchFamily="50" charset="-128"/>
+                        <a:ea typeface="Yu Gothic" panose="020B0400000000000000" pitchFamily="50" charset="-128"/>
+                      </a:endParaRPr>
+                    </a:p>
+                  </a:txBody>
+                  <a:tcPr marL="9525" marR="9525" marT="9525" marB="0" anchor="ctr"/>
+                </a:tc>
+                <a:extLst>
+                  <a:ext uri="{0D108BD9-81ED-4DB2-BD59-A6C34878D82A}">
+                    <a16:rowId xmlns:a16="http://schemas.microsoft.com/office/drawing/2014/main" val="3444382181"/>
+                  </a:ext>
+                </a:extLst>
+              </a:tr>
+            </a:tbl>
+          </a:graphicData>
+        </a:graphic>
+      </p:graphicFrame>
+      <p:graphicFrame>
+        <p:nvGraphicFramePr>
+          <p:cNvPr id="4" name="表 3">
+            <a:extLst>
+              <a:ext uri="{FF2B5EF4-FFF2-40B4-BE49-F238E27FC236}">
+                <a16:creationId xmlns:a16="http://schemas.microsoft.com/office/drawing/2014/main" id="{7CF96438-1781-4A0C-B008-62BBBDC08B2D}"/>
+              </a:ext>
+            </a:extLst>
+          </p:cNvPr>
+          <p:cNvGraphicFramePr>
+            <a:graphicFrameLocks noGrp="1"/>
+          </p:cNvGraphicFramePr>
+          <p:nvPr>
+            <p:extLst>
+              <p:ext uri="{D42A27DB-BD31-4B8C-83A1-F6EECF244321}">
+                <p14:modId xmlns:p14="http://schemas.microsoft.com/office/powerpoint/2010/main" val="1003239186"/>
+              </p:ext>
+            </p:extLst>
+          </p:nvPr>
+        </p:nvGraphicFramePr>
+        <p:xfrm>
+          <a:off x="335134" y="4408782"/>
+          <a:ext cx="1752972" cy="790797"/>
+        </p:xfrm>
+        <a:graphic>
+          <a:graphicData uri="http://schemas.openxmlformats.org/drawingml/2006/table">
+            <a:tbl>
+              <a:tblPr>
+                <a:tableStyleId>{5C22544A-7EE6-4342-B048-85BDC9FD1C3A}</a:tableStyleId>
+              </a:tblPr>
+              <a:tblGrid>
+                <a:gridCol w="584324">
+                  <a:extLst>
+                    <a:ext uri="{9D8B030D-6E8A-4147-A177-3AD203B41FA5}">
+                      <a16:colId xmlns:a16="http://schemas.microsoft.com/office/drawing/2014/main" val="3974635734"/>
+                    </a:ext>
+                  </a:extLst>
+                </a:gridCol>
+                <a:gridCol w="584324">
+                  <a:extLst>
+                    <a:ext uri="{9D8B030D-6E8A-4147-A177-3AD203B41FA5}">
+                      <a16:colId xmlns:a16="http://schemas.microsoft.com/office/drawing/2014/main" val="2169841945"/>
+                    </a:ext>
+                  </a:extLst>
+                </a:gridCol>
+                <a:gridCol w="584324">
+                  <a:extLst>
+                    <a:ext uri="{9D8B030D-6E8A-4147-A177-3AD203B41FA5}">
+                      <a16:colId xmlns:a16="http://schemas.microsoft.com/office/drawing/2014/main" val="1276072065"/>
+                    </a:ext>
+                  </a:extLst>
+                </a:gridCol>
+              </a:tblGrid>
+              <a:tr h="263599">
+                <a:tc>
+                  <a:txBody>
+                    <a:bodyPr/>
+                    <a:lstStyle/>
+                    <a:p>
+                      <a:pPr algn="r" fontAlgn="ctr"/>
+                      <a:r>
+                        <a:rPr lang="en-US" altLang="ja-JP" sz="1600" u="none" strike="noStrike" dirty="0">
+                          <a:effectLst/>
+                        </a:rPr>
+                        <a:t>103</a:t>
+                      </a:r>
+                      <a:endParaRPr lang="en-US" altLang="ja-JP" sz="1600" b="0" i="0" u="none" strike="noStrike" dirty="0">
+                        <a:solidFill>
+                          <a:srgbClr val="000000"/>
+                        </a:solidFill>
+                        <a:effectLst/>
+                        <a:latin typeface="Yu Gothic" panose="020B0400000000000000" pitchFamily="50" charset="-128"/>
+                        <a:ea typeface="Yu Gothic" panose="020B0400000000000000" pitchFamily="50" charset="-128"/>
+                      </a:endParaRPr>
+                    </a:p>
+                  </a:txBody>
+                  <a:tcPr marL="9525" marR="9525" marT="9525" marB="0" anchor="ctr"/>
+                </a:tc>
+                <a:tc>
+                  <a:txBody>
+                    <a:bodyPr/>
+                    <a:lstStyle/>
+                    <a:p>
+                      <a:pPr algn="r" fontAlgn="ctr"/>
+                      <a:r>
+                        <a:rPr lang="en-US" altLang="ja-JP" sz="1600" u="none" strike="noStrike" dirty="0">
+                          <a:effectLst/>
+                        </a:rPr>
+                        <a:t>76</a:t>
+                      </a:r>
+                      <a:endParaRPr lang="en-US" altLang="ja-JP" sz="1600" b="0" i="0" u="none" strike="noStrike" dirty="0">
+                        <a:solidFill>
+                          <a:srgbClr val="000000"/>
+                        </a:solidFill>
+                        <a:effectLst/>
+                        <a:latin typeface="Yu Gothic" panose="020B0400000000000000" pitchFamily="50" charset="-128"/>
+                        <a:ea typeface="Yu Gothic" panose="020B0400000000000000" pitchFamily="50" charset="-128"/>
+                      </a:endParaRPr>
+                    </a:p>
+                  </a:txBody>
+                  <a:tcPr marL="9525" marR="9525" marT="9525" marB="0" anchor="ctr"/>
+                </a:tc>
+                <a:tc>
+                  <a:txBody>
+                    <a:bodyPr/>
+                    <a:lstStyle/>
+                    <a:p>
+                      <a:pPr algn="r" fontAlgn="ctr"/>
+                      <a:r>
+                        <a:rPr lang="en-US" altLang="ja-JP" sz="1600" u="none" strike="noStrike">
+                          <a:effectLst/>
+                        </a:rPr>
+                        <a:t>56</a:t>
+                      </a:r>
+                      <a:endParaRPr lang="en-US" altLang="ja-JP" sz="1600" b="0" i="0" u="none" strike="noStrike">
+                        <a:solidFill>
+                          <a:srgbClr val="000000"/>
+                        </a:solidFill>
+                        <a:effectLst/>
+                        <a:latin typeface="Yu Gothic" panose="020B0400000000000000" pitchFamily="50" charset="-128"/>
+                        <a:ea typeface="Yu Gothic" panose="020B0400000000000000" pitchFamily="50" charset="-128"/>
+                      </a:endParaRPr>
+                    </a:p>
+                  </a:txBody>
+                  <a:tcPr marL="9525" marR="9525" marT="9525" marB="0" anchor="ctr"/>
+                </a:tc>
+                <a:extLst>
+                  <a:ext uri="{0D108BD9-81ED-4DB2-BD59-A6C34878D82A}">
+                    <a16:rowId xmlns:a16="http://schemas.microsoft.com/office/drawing/2014/main" val="1158533776"/>
+                  </a:ext>
+                </a:extLst>
+              </a:tr>
+              <a:tr h="263599">
+                <a:tc>
+                  <a:txBody>
+                    <a:bodyPr/>
+                    <a:lstStyle/>
+                    <a:p>
+                      <a:pPr algn="r" fontAlgn="ctr"/>
+                      <a:r>
+                        <a:rPr lang="en-US" altLang="ja-JP" sz="1600" u="none" strike="noStrike">
+                          <a:effectLst/>
+                        </a:rPr>
+                        <a:t>151</a:t>
+                      </a:r>
+                      <a:endParaRPr lang="en-US" altLang="ja-JP" sz="1600" b="0" i="0" u="none" strike="noStrike">
+                        <a:solidFill>
+                          <a:srgbClr val="000000"/>
+                        </a:solidFill>
+                        <a:effectLst/>
+                        <a:latin typeface="Yu Gothic" panose="020B0400000000000000" pitchFamily="50" charset="-128"/>
+                        <a:ea typeface="Yu Gothic" panose="020B0400000000000000" pitchFamily="50" charset="-128"/>
+                      </a:endParaRPr>
+                    </a:p>
+                  </a:txBody>
+                  <a:tcPr marL="9525" marR="9525" marT="9525" marB="0" anchor="ctr"/>
+                </a:tc>
+                <a:tc>
+                  <a:txBody>
+                    <a:bodyPr/>
+                    <a:lstStyle/>
+                    <a:p>
+                      <a:pPr algn="r" fontAlgn="ctr"/>
+                      <a:r>
+                        <a:rPr lang="en-US" altLang="ja-JP" sz="1600" u="none" strike="noStrike" dirty="0">
+                          <a:solidFill>
+                            <a:srgbClr val="FF0000"/>
+                          </a:solidFill>
+                          <a:effectLst/>
+                        </a:rPr>
+                        <a:t>119</a:t>
+                      </a:r>
+                      <a:endParaRPr lang="en-US" altLang="ja-JP" sz="1600" b="0" i="0" u="none" strike="noStrike" dirty="0">
+                        <a:solidFill>
+                          <a:srgbClr val="FF0000"/>
+                        </a:solidFill>
+                        <a:effectLst/>
+                        <a:latin typeface="Yu Gothic" panose="020B0400000000000000" pitchFamily="50" charset="-128"/>
+                        <a:ea typeface="Yu Gothic" panose="020B0400000000000000" pitchFamily="50" charset="-128"/>
+                      </a:endParaRPr>
+                    </a:p>
+                  </a:txBody>
+                  <a:tcPr marL="9525" marR="9525" marT="9525" marB="0" anchor="ctr"/>
+                </a:tc>
+                <a:tc>
+                  <a:txBody>
+                    <a:bodyPr/>
+                    <a:lstStyle/>
+                    <a:p>
+                      <a:pPr algn="r" fontAlgn="ctr"/>
+                      <a:r>
+                        <a:rPr lang="en-US" altLang="ja-JP" sz="1600" u="none" strike="noStrike" dirty="0">
+                          <a:effectLst/>
+                        </a:rPr>
+                        <a:t>87</a:t>
+                      </a:r>
+                      <a:endParaRPr lang="en-US" altLang="ja-JP" sz="1600" b="0" i="0" u="none" strike="noStrike" dirty="0">
+                        <a:solidFill>
+                          <a:srgbClr val="000000"/>
+                        </a:solidFill>
+                        <a:effectLst/>
+                        <a:latin typeface="Yu Gothic" panose="020B0400000000000000" pitchFamily="50" charset="-128"/>
+                        <a:ea typeface="Yu Gothic" panose="020B0400000000000000" pitchFamily="50" charset="-128"/>
+                      </a:endParaRPr>
+                    </a:p>
+                  </a:txBody>
+                  <a:tcPr marL="9525" marR="9525" marT="9525" marB="0" anchor="ctr"/>
+                </a:tc>
+                <a:extLst>
+                  <a:ext uri="{0D108BD9-81ED-4DB2-BD59-A6C34878D82A}">
+                    <a16:rowId xmlns:a16="http://schemas.microsoft.com/office/drawing/2014/main" val="2247878251"/>
+                  </a:ext>
+                </a:extLst>
+              </a:tr>
+              <a:tr h="263599">
+                <a:tc>
+                  <a:txBody>
+                    <a:bodyPr/>
+                    <a:lstStyle/>
+                    <a:p>
+                      <a:pPr algn="r" fontAlgn="ctr"/>
+                      <a:r>
+                        <a:rPr lang="en-US" altLang="ja-JP" sz="1600" u="none" strike="noStrike">
+                          <a:effectLst/>
+                        </a:rPr>
+                        <a:t>191</a:t>
+                      </a:r>
+                      <a:endParaRPr lang="en-US" altLang="ja-JP" sz="1600" b="0" i="0" u="none" strike="noStrike">
+                        <a:solidFill>
+                          <a:srgbClr val="000000"/>
+                        </a:solidFill>
+                        <a:effectLst/>
+                        <a:latin typeface="Yu Gothic" panose="020B0400000000000000" pitchFamily="50" charset="-128"/>
+                        <a:ea typeface="Yu Gothic" panose="020B0400000000000000" pitchFamily="50" charset="-128"/>
+                      </a:endParaRPr>
+                    </a:p>
+                  </a:txBody>
+                  <a:tcPr marL="9525" marR="9525" marT="9525" marB="0" anchor="ctr"/>
+                </a:tc>
+                <a:tc>
+                  <a:txBody>
+                    <a:bodyPr/>
+                    <a:lstStyle/>
+                    <a:p>
+                      <a:pPr algn="r" fontAlgn="ctr"/>
+                      <a:r>
+                        <a:rPr lang="en-US" altLang="ja-JP" sz="1600" u="none" strike="noStrike">
+                          <a:effectLst/>
+                        </a:rPr>
+                        <a:t>166</a:t>
+                      </a:r>
+                      <a:endParaRPr lang="en-US" altLang="ja-JP" sz="1600" b="0" i="0" u="none" strike="noStrike">
+                        <a:solidFill>
+                          <a:srgbClr val="000000"/>
+                        </a:solidFill>
+                        <a:effectLst/>
+                        <a:latin typeface="Yu Gothic" panose="020B0400000000000000" pitchFamily="50" charset="-128"/>
+                        <a:ea typeface="Yu Gothic" panose="020B0400000000000000" pitchFamily="50" charset="-128"/>
+                      </a:endParaRPr>
+                    </a:p>
+                  </a:txBody>
+                  <a:tcPr marL="9525" marR="9525" marT="9525" marB="0" anchor="ctr"/>
+                </a:tc>
+                <a:tc>
+                  <a:txBody>
+                    <a:bodyPr/>
+                    <a:lstStyle/>
+                    <a:p>
+                      <a:pPr algn="r" fontAlgn="ctr"/>
+                      <a:r>
+                        <a:rPr lang="en-US" altLang="ja-JP" sz="1600" u="none" strike="noStrike" dirty="0">
+                          <a:effectLst/>
+                        </a:rPr>
+                        <a:t>132</a:t>
+                      </a:r>
+                      <a:endParaRPr lang="en-US" altLang="ja-JP" sz="1600" b="0" i="0" u="none" strike="noStrike" dirty="0">
+                        <a:solidFill>
+                          <a:srgbClr val="000000"/>
+                        </a:solidFill>
+                        <a:effectLst/>
+                        <a:latin typeface="Yu Gothic" panose="020B0400000000000000" pitchFamily="50" charset="-128"/>
+                        <a:ea typeface="Yu Gothic" panose="020B0400000000000000" pitchFamily="50" charset="-128"/>
+                      </a:endParaRPr>
+                    </a:p>
+                  </a:txBody>
+                  <a:tcPr marL="9525" marR="9525" marT="9525" marB="0" anchor="ctr"/>
+                </a:tc>
+                <a:extLst>
+                  <a:ext uri="{0D108BD9-81ED-4DB2-BD59-A6C34878D82A}">
+                    <a16:rowId xmlns:a16="http://schemas.microsoft.com/office/drawing/2014/main" val="3769546715"/>
+                  </a:ext>
+                </a:extLst>
+              </a:tr>
+            </a:tbl>
+          </a:graphicData>
+        </a:graphic>
+      </p:graphicFrame>
+      <p:sp>
+        <p:nvSpPr>
+          <p:cNvPr id="6" name="テキスト ボックス 5">
+            <a:extLst>
+              <a:ext uri="{FF2B5EF4-FFF2-40B4-BE49-F238E27FC236}">
+                <a16:creationId xmlns:a16="http://schemas.microsoft.com/office/drawing/2014/main" id="{7E1E2359-C6D9-4E3E-98B1-F0686D25B388}"/>
+              </a:ext>
+            </a:extLst>
+          </p:cNvPr>
+          <p:cNvSpPr txBox="1"/>
+          <p:nvPr/>
+        </p:nvSpPr>
+        <p:spPr>
+          <a:xfrm>
+            <a:off x="4612944" y="1685850"/>
+            <a:ext cx="4374916" cy="2308324"/>
+          </a:xfrm>
+          <a:prstGeom prst="rect">
+            <a:avLst/>
+          </a:prstGeom>
+          <a:noFill/>
+        </p:spPr>
+        <p:txBody>
+          <a:bodyPr wrap="none" rtlCol="0">
+            <a:spAutoFit/>
+          </a:bodyPr>
+          <a:lstStyle/>
+          <a:p>
+            <a:r>
+              <a:rPr kumimoji="1" lang="ja-JP" altLang="en-US" sz="2400" dirty="0"/>
+              <a:t>元画像の画素</a:t>
+            </a:r>
+            <a:r>
+              <a:rPr kumimoji="1" lang="en-US" altLang="ja-JP" sz="2400" dirty="0"/>
+              <a:t>3x3</a:t>
+            </a:r>
+            <a:r>
+              <a:rPr kumimoji="1" lang="ja-JP" altLang="en-US" sz="2400" dirty="0"/>
+              <a:t>を処理すると</a:t>
+            </a:r>
+            <a:endParaRPr kumimoji="1" lang="en-US" altLang="ja-JP" sz="2400" dirty="0"/>
+          </a:p>
+          <a:p>
+            <a:r>
+              <a:rPr kumimoji="1" lang="en-US" altLang="ja-JP" sz="2400" dirty="0">
+                <a:latin typeface="Cambria Math" panose="02040503050406030204" pitchFamily="18" charset="0"/>
+              </a:rPr>
+              <a:t>(  96  +56  +51</a:t>
+            </a:r>
+          </a:p>
+          <a:p>
+            <a:r>
+              <a:rPr kumimoji="1" lang="en-US" altLang="ja-JP" sz="2400" dirty="0">
+                <a:latin typeface="Cambria Math" panose="02040503050406030204" pitchFamily="18" charset="0"/>
+              </a:rPr>
+              <a:t>+159+114+77</a:t>
+            </a:r>
+          </a:p>
+          <a:p>
+            <a:r>
+              <a:rPr kumimoji="1" lang="en-US" altLang="ja-JP" sz="2400" dirty="0">
+                <a:latin typeface="Cambria Math" panose="02040503050406030204" pitchFamily="18" charset="0"/>
+              </a:rPr>
+              <a:t>+206+177+140)/9</a:t>
+            </a:r>
+          </a:p>
+          <a:p>
+            <a:r>
+              <a:rPr kumimoji="1" lang="en-US" altLang="ja-JP" sz="2400" dirty="0">
+                <a:latin typeface="Cambria Math" panose="02040503050406030204" pitchFamily="18" charset="0"/>
+              </a:rPr>
+              <a:t>=1076/9</a:t>
+            </a:r>
+          </a:p>
+          <a:p>
+            <a:r>
+              <a:rPr kumimoji="1" lang="en-US" altLang="ja-JP" sz="2400" dirty="0">
+                <a:latin typeface="Cambria Math" panose="02040503050406030204" pitchFamily="18" charset="0"/>
+              </a:rPr>
+              <a:t>=</a:t>
+            </a:r>
+            <a:r>
+              <a:rPr kumimoji="1" lang="en-US" altLang="ja-JP" sz="2400" dirty="0">
+                <a:solidFill>
+                  <a:srgbClr val="FF0000"/>
+                </a:solidFill>
+                <a:latin typeface="Cambria Math" panose="02040503050406030204" pitchFamily="18" charset="0"/>
+              </a:rPr>
+              <a:t>119</a:t>
+            </a:r>
+            <a:r>
+              <a:rPr kumimoji="1" lang="en-US" altLang="ja-JP" sz="2400" dirty="0">
+                <a:latin typeface="Cambria Math" panose="02040503050406030204" pitchFamily="18" charset="0"/>
+              </a:rPr>
+              <a:t>.55555…</a:t>
+            </a:r>
+          </a:p>
+        </p:txBody>
+      </p:sp>
+      <p:sp>
+        <p:nvSpPr>
+          <p:cNvPr id="7" name="正方形/長方形 6">
+            <a:extLst>
+              <a:ext uri="{FF2B5EF4-FFF2-40B4-BE49-F238E27FC236}">
+                <a16:creationId xmlns:a16="http://schemas.microsoft.com/office/drawing/2014/main" id="{610C71DC-FD2D-48A3-A350-1555076550BB}"/>
+              </a:ext>
+            </a:extLst>
+          </p:cNvPr>
+          <p:cNvSpPr/>
+          <p:nvPr/>
+        </p:nvSpPr>
+        <p:spPr>
+          <a:xfrm>
+            <a:off x="941696" y="2415310"/>
+            <a:ext cx="668740" cy="668740"/>
+          </a:xfrm>
+          <a:prstGeom prst="rect">
+            <a:avLst/>
+          </a:prstGeom>
+          <a:noFill/>
+          <a:ln>
+            <a:solidFill>
+              <a:srgbClr val="FF0000"/>
+            </a:solidFill>
+          </a:ln>
+        </p:spPr>
+        <p:style>
+          <a:lnRef idx="2">
+            <a:schemeClr val="accent1">
+              <a:shade val="50000"/>
+            </a:schemeClr>
+          </a:lnRef>
+          <a:fillRef idx="1">
+            <a:schemeClr val="accent1"/>
+          </a:fillRef>
+          <a:effectRef idx="0">
+            <a:schemeClr val="accent1"/>
+          </a:effectRef>
+          <a:fontRef idx="minor">
+            <a:schemeClr val="lt1"/>
+          </a:fontRef>
+        </p:style>
+        <p:txBody>
+          <a:bodyPr rtlCol="0" anchor="ctr"/>
+          <a:lstStyle/>
+          <a:p>
+            <a:pPr algn="ctr"/>
+            <a:endParaRPr kumimoji="1" lang="ja-JP" altLang="en-US"/>
+          </a:p>
+        </p:txBody>
+      </p:sp>
+      <p:sp>
+        <p:nvSpPr>
+          <p:cNvPr id="16" name="正方形/長方形 15">
+            <a:extLst>
+              <a:ext uri="{FF2B5EF4-FFF2-40B4-BE49-F238E27FC236}">
+                <a16:creationId xmlns:a16="http://schemas.microsoft.com/office/drawing/2014/main" id="{2C0A0B32-9EB9-4B74-9B03-9BCDDD2DBA2E}"/>
+              </a:ext>
+            </a:extLst>
+          </p:cNvPr>
+          <p:cNvSpPr/>
+          <p:nvPr/>
+        </p:nvSpPr>
+        <p:spPr>
+          <a:xfrm>
+            <a:off x="3278759" y="2583192"/>
+            <a:ext cx="271076" cy="259308"/>
+          </a:xfrm>
+          <a:prstGeom prst="rect">
+            <a:avLst/>
+          </a:prstGeom>
+          <a:noFill/>
+          <a:ln>
+            <a:solidFill>
+              <a:srgbClr val="FF0000"/>
+            </a:solidFill>
+          </a:ln>
+        </p:spPr>
+        <p:style>
+          <a:lnRef idx="2">
+            <a:schemeClr val="accent1">
+              <a:shade val="50000"/>
+            </a:schemeClr>
+          </a:lnRef>
+          <a:fillRef idx="1">
+            <a:schemeClr val="accent1"/>
+          </a:fillRef>
+          <a:effectRef idx="0">
+            <a:schemeClr val="accent1"/>
+          </a:effectRef>
+          <a:fontRef idx="minor">
+            <a:schemeClr val="lt1"/>
+          </a:fontRef>
+        </p:style>
+        <p:txBody>
+          <a:bodyPr rtlCol="0" anchor="ctr"/>
+          <a:lstStyle/>
+          <a:p>
+            <a:pPr algn="ctr"/>
+            <a:endParaRPr kumimoji="1" lang="ja-JP" altLang="en-US"/>
+          </a:p>
+        </p:txBody>
+      </p:sp>
+    </p:spTree>
+    <p:extLst>
+      <p:ext uri="{BB962C8B-B14F-4D97-AF65-F5344CB8AC3E}">
+        <p14:creationId xmlns:p14="http://schemas.microsoft.com/office/powerpoint/2010/main" val="469738740"/>
+      </p:ext>
+    </p:extLst>
+  </p:cSld>
+  <p:clrMapOvr>
+    <a:masterClrMapping/>
+  </p:clrMapOvr>
+</p:sld>
+</file>
+
+<file path=ppt/slides/slide9.xml><?xml version="1.0" encoding="utf-8"?>
+<p:sld xmlns:a="http://schemas.openxmlformats.org/drawingml/2006/main" xmlns:r="http://schemas.openxmlformats.org/officeDocument/2006/relationships" xmlns:p="http://schemas.openxmlformats.org/presentationml/2006/main">
+  <p:cSld>
+    <p:spTree>
+      <p:nvGrpSpPr>
         <p:cNvPr id="1" name="Shape 109"/>
         <p:cNvGrpSpPr/>
         <p:nvPr/>
@@ -24432,7 +28533,7 @@
                 </a:spcAft>
                 <a:buNone/>
               </a:pPr>
-              <a:t>7</a:t>
+              <a:t>9</a:t>
             </a:fld>
             <a:endParaRPr/>
           </a:p>
@@ -24492,664 +28593,6 @@
           </a:ln>
         </p:spPr>
       </p:pic>
-    </p:spTree>
-  </p:cSld>
-  <p:clrMapOvr>
-    <a:masterClrMapping/>
-  </p:clrMapOvr>
-</p:sld>
-</file>
-
-<file path=ppt/slides/slide8.xml><?xml version="1.0" encoding="utf-8"?>
-<p:sld xmlns:a="http://schemas.openxmlformats.org/drawingml/2006/main" xmlns:r="http://schemas.openxmlformats.org/officeDocument/2006/relationships" xmlns:p="http://schemas.openxmlformats.org/presentationml/2006/main">
-  <p:cSld>
-    <p:spTree>
-      <p:nvGrpSpPr>
-        <p:cNvPr id="1" name="Shape 109"/>
-        <p:cNvGrpSpPr/>
-        <p:nvPr/>
-      </p:nvGrpSpPr>
-      <p:grpSpPr>
-        <a:xfrm>
-          <a:off x="0" y="0"/>
-          <a:ext cx="0" cy="0"/>
-          <a:chOff x="0" y="0"/>
-          <a:chExt cx="0" cy="0"/>
-        </a:xfrm>
-      </p:grpSpPr>
-      <p:sp>
-        <p:nvSpPr>
-          <p:cNvPr id="110" name="Google Shape;110;p16"/>
-          <p:cNvSpPr txBox="1">
-            <a:spLocks noGrp="1"/>
-          </p:cNvSpPr>
-          <p:nvPr>
-            <p:ph type="title"/>
-          </p:nvPr>
-        </p:nvSpPr>
-        <p:spPr>
-          <a:prstGeom prst="rect">
-            <a:avLst/>
-          </a:prstGeom>
-          <a:noFill/>
-          <a:ln>
-            <a:noFill/>
-          </a:ln>
-        </p:spPr>
-        <p:txBody>
-          <a:bodyPr spcFirstLastPara="1" wrap="square" lIns="91425" tIns="45700" rIns="91425" bIns="45700" anchor="ctr" anchorCtr="0">
-            <a:noAutofit/>
-          </a:bodyPr>
-          <a:lstStyle/>
-          <a:p>
-            <a:pPr marL="0" lvl="0" indent="0" algn="l" rtl="0">
-              <a:lnSpc>
-                <a:spcPct val="90000"/>
-              </a:lnSpc>
-              <a:spcBef>
-                <a:spcPts val="0"/>
-              </a:spcBef>
-              <a:spcAft>
-                <a:spcPts val="0"/>
-              </a:spcAft>
-              <a:buClr>
-                <a:schemeClr val="dk1"/>
-              </a:buClr>
-              <a:buSzPts val="4400"/>
-              <a:buFont typeface="MS PGothic"/>
-              <a:buNone/>
-            </a:pPr>
-            <a:r>
-              <a:rPr lang="ja-JP" dirty="0">
-                <a:latin typeface="MS PGothic"/>
-                <a:ea typeface="MS PGothic"/>
-                <a:cs typeface="MS PGothic"/>
-                <a:sym typeface="MS PGothic"/>
-              </a:rPr>
-              <a:t>実行結果（平均値フィルタ）</a:t>
-            </a:r>
-            <a:endParaRPr dirty="0"/>
-          </a:p>
-        </p:txBody>
-      </p:sp>
-      <p:sp>
-        <p:nvSpPr>
-          <p:cNvPr id="113" name="Google Shape;113;p16"/>
-          <p:cNvSpPr txBox="1">
-            <a:spLocks noGrp="1"/>
-          </p:cNvSpPr>
-          <p:nvPr>
-            <p:ph type="sldNum" idx="12"/>
-          </p:nvPr>
-        </p:nvSpPr>
-        <p:spPr>
-          <a:prstGeom prst="rect">
-            <a:avLst/>
-          </a:prstGeom>
-          <a:noFill/>
-          <a:ln>
-            <a:noFill/>
-          </a:ln>
-        </p:spPr>
-        <p:txBody>
-          <a:bodyPr spcFirstLastPara="1" wrap="square" lIns="91425" tIns="45700" rIns="91425" bIns="45700" anchor="ctr" anchorCtr="0">
-            <a:noAutofit/>
-          </a:bodyPr>
-          <a:lstStyle/>
-          <a:p>
-            <a:pPr marL="0" lvl="0" indent="0" algn="r" rtl="0">
-              <a:spcBef>
-                <a:spcPts val="0"/>
-              </a:spcBef>
-              <a:spcAft>
-                <a:spcPts val="0"/>
-              </a:spcAft>
-              <a:buNone/>
-            </a:pPr>
-            <a:fld id="{00000000-1234-1234-1234-123412341234}" type="slidenum">
-              <a:rPr lang="en-US" altLang="ja-JP"/>
-              <a:pPr marL="0" lvl="0" indent="0" algn="r" rtl="0">
-                <a:spcBef>
-                  <a:spcPts val="0"/>
-                </a:spcBef>
-                <a:spcAft>
-                  <a:spcPts val="0"/>
-                </a:spcAft>
-                <a:buNone/>
-              </a:pPr>
-              <a:t>8</a:t>
-            </a:fld>
-            <a:endParaRPr/>
-          </a:p>
-        </p:txBody>
-      </p:sp>
-      <p:graphicFrame>
-        <p:nvGraphicFramePr>
-          <p:cNvPr id="8" name="グラフ 7"/>
-          <p:cNvGraphicFramePr/>
-          <p:nvPr>
-            <p:extLst>
-              <p:ext uri="{D42A27DB-BD31-4B8C-83A1-F6EECF244321}">
-                <p14:modId xmlns:p14="http://schemas.microsoft.com/office/powerpoint/2010/main" val="922535448"/>
-              </p:ext>
-            </p:extLst>
-          </p:nvPr>
-        </p:nvGraphicFramePr>
-        <p:xfrm>
-          <a:off x="66675" y="2257246"/>
-          <a:ext cx="4505325" cy="3810000"/>
-        </p:xfrm>
-        <a:graphic>
-          <a:graphicData uri="http://schemas.openxmlformats.org/drawingml/2006/chart">
-            <c:chart xmlns:c="http://schemas.openxmlformats.org/drawingml/2006/chart" xmlns:r="http://schemas.openxmlformats.org/officeDocument/2006/relationships" r:id="rId3"/>
-          </a:graphicData>
-        </a:graphic>
-      </p:graphicFrame>
-      <p:graphicFrame>
-        <p:nvGraphicFramePr>
-          <p:cNvPr id="24" name="グラフ 23"/>
-          <p:cNvGraphicFramePr/>
-          <p:nvPr>
-            <p:extLst>
-              <p:ext uri="{D42A27DB-BD31-4B8C-83A1-F6EECF244321}">
-                <p14:modId xmlns:p14="http://schemas.microsoft.com/office/powerpoint/2010/main" val="1829283508"/>
-              </p:ext>
-            </p:extLst>
-          </p:nvPr>
-        </p:nvGraphicFramePr>
-        <p:xfrm>
-          <a:off x="4730752" y="2257246"/>
-          <a:ext cx="4320484" cy="3810000"/>
-        </p:xfrm>
-        <a:graphic>
-          <a:graphicData uri="http://schemas.openxmlformats.org/drawingml/2006/chart">
-            <c:chart xmlns:c="http://schemas.openxmlformats.org/drawingml/2006/chart" xmlns:r="http://schemas.openxmlformats.org/officeDocument/2006/relationships" r:id="rId4"/>
-          </a:graphicData>
-        </a:graphic>
-      </p:graphicFrame>
-      <p:pic>
-        <p:nvPicPr>
-          <p:cNvPr id="2" name="図 1">
-            <a:extLst>
-              <a:ext uri="{FF2B5EF4-FFF2-40B4-BE49-F238E27FC236}">
-                <a16:creationId xmlns:a16="http://schemas.microsoft.com/office/drawing/2014/main" id="{7AFDD117-A68F-4539-8F2A-E5EC0D452EDE}"/>
-              </a:ext>
-            </a:extLst>
-          </p:cNvPr>
-          <p:cNvPicPr>
-            <a:picLocks noChangeAspect="1"/>
-          </p:cNvPicPr>
-          <p:nvPr/>
-        </p:nvPicPr>
-        <p:blipFill>
-          <a:blip r:embed="rId5"/>
-          <a:stretch>
-            <a:fillRect/>
-          </a:stretch>
-        </p:blipFill>
-        <p:spPr>
-          <a:xfrm>
-            <a:off x="66675" y="2257246"/>
-            <a:ext cx="4517528" cy="3816427"/>
-          </a:xfrm>
-          <a:prstGeom prst="rect">
-            <a:avLst/>
-          </a:prstGeom>
-        </p:spPr>
-      </p:pic>
-      <p:pic>
-        <p:nvPicPr>
-          <p:cNvPr id="3" name="図 2">
-            <a:extLst>
-              <a:ext uri="{FF2B5EF4-FFF2-40B4-BE49-F238E27FC236}">
-                <a16:creationId xmlns:a16="http://schemas.microsoft.com/office/drawing/2014/main" id="{72612DB9-33C4-4993-AD81-B4AF4791601A}"/>
-              </a:ext>
-            </a:extLst>
-          </p:cNvPr>
-          <p:cNvPicPr>
-            <a:picLocks noChangeAspect="1"/>
-          </p:cNvPicPr>
-          <p:nvPr/>
-        </p:nvPicPr>
-        <p:blipFill>
-          <a:blip r:embed="rId6"/>
-          <a:stretch>
-            <a:fillRect/>
-          </a:stretch>
-        </p:blipFill>
-        <p:spPr>
-          <a:xfrm>
-            <a:off x="4730752" y="2257246"/>
-            <a:ext cx="4320484" cy="3822523"/>
-          </a:xfrm>
-          <a:prstGeom prst="rect">
-            <a:avLst/>
-          </a:prstGeom>
-        </p:spPr>
-      </p:pic>
-      <p:pic>
-        <p:nvPicPr>
-          <p:cNvPr id="9" name="Google Shape;112;p16" descr="mini.jpg">
-            <a:extLst>
-              <a:ext uri="{FF2B5EF4-FFF2-40B4-BE49-F238E27FC236}">
-                <a16:creationId xmlns:a16="http://schemas.microsoft.com/office/drawing/2014/main" id="{E30AFDD9-6676-43AA-B92F-436F67371552}"/>
-              </a:ext>
-            </a:extLst>
-          </p:cNvPr>
-          <p:cNvPicPr preferRelativeResize="0">
-            <a:picLocks/>
-          </p:cNvPicPr>
-          <p:nvPr/>
-        </p:nvPicPr>
-        <p:blipFill rotWithShape="1">
-          <a:blip r:embed="rId7">
-            <a:alphaModFix/>
-          </a:blip>
-          <a:srcRect t="5" b="95825"/>
-          <a:stretch/>
-        </p:blipFill>
-        <p:spPr>
-          <a:xfrm>
-            <a:off x="468376" y="6086352"/>
-            <a:ext cx="3960000" cy="180000"/>
-          </a:xfrm>
-          <a:prstGeom prst="rect">
-            <a:avLst/>
-          </a:prstGeom>
-          <a:noFill/>
-          <a:ln w="9525" cap="flat" cmpd="sng">
-            <a:solidFill>
-              <a:schemeClr val="accent1"/>
-            </a:solidFill>
-            <a:prstDash val="solid"/>
-            <a:round/>
-            <a:headEnd type="none" w="sm" len="sm"/>
-            <a:tailEnd type="none" w="sm" len="sm"/>
-          </a:ln>
-        </p:spPr>
-      </p:pic>
-      <p:pic>
-        <p:nvPicPr>
-          <p:cNvPr id="10" name="Google Shape;111;p16" descr="smooth_mini.jpg">
-            <a:extLst>
-              <a:ext uri="{FF2B5EF4-FFF2-40B4-BE49-F238E27FC236}">
-                <a16:creationId xmlns:a16="http://schemas.microsoft.com/office/drawing/2014/main" id="{BA28FBAA-DFDE-4006-A578-1696F6245C7A}"/>
-              </a:ext>
-            </a:extLst>
-          </p:cNvPr>
-          <p:cNvPicPr preferRelativeResize="0">
-            <a:picLocks/>
-          </p:cNvPicPr>
-          <p:nvPr/>
-        </p:nvPicPr>
-        <p:blipFill rotWithShape="1">
-          <a:blip r:embed="rId8">
-            <a:alphaModFix/>
-          </a:blip>
-          <a:srcRect l="9488" t="14529" r="10609" b="82257"/>
-          <a:stretch/>
-        </p:blipFill>
-        <p:spPr>
-          <a:xfrm>
-            <a:off x="5131558" y="6067246"/>
-            <a:ext cx="3739487" cy="199105"/>
-          </a:xfrm>
-          <a:prstGeom prst="rect">
-            <a:avLst/>
-          </a:prstGeom>
-          <a:noFill/>
-          <a:ln>
-            <a:solidFill>
-              <a:schemeClr val="accent1"/>
-            </a:solidFill>
-          </a:ln>
-        </p:spPr>
-      </p:pic>
-      <p:sp>
-        <p:nvSpPr>
-          <p:cNvPr id="4" name="テキスト ボックス 3">
-            <a:extLst>
-              <a:ext uri="{FF2B5EF4-FFF2-40B4-BE49-F238E27FC236}">
-                <a16:creationId xmlns:a16="http://schemas.microsoft.com/office/drawing/2014/main" id="{D70E0121-6E95-400F-9030-9BD97220BDAC}"/>
-              </a:ext>
-            </a:extLst>
-          </p:cNvPr>
-          <p:cNvSpPr txBox="1"/>
-          <p:nvPr/>
-        </p:nvSpPr>
-        <p:spPr>
-          <a:xfrm>
-            <a:off x="1817434" y="1720378"/>
-            <a:ext cx="1261884" cy="523220"/>
-          </a:xfrm>
-          <a:prstGeom prst="rect">
-            <a:avLst/>
-          </a:prstGeom>
-          <a:noFill/>
-        </p:spPr>
-        <p:txBody>
-          <a:bodyPr wrap="none" rtlCol="0">
-            <a:spAutoFit/>
-          </a:bodyPr>
-          <a:lstStyle/>
-          <a:p>
-            <a:r>
-              <a:rPr kumimoji="1" lang="ja-JP" altLang="en-US" sz="2800" dirty="0"/>
-              <a:t>元画像</a:t>
-            </a:r>
-          </a:p>
-        </p:txBody>
-      </p:sp>
-      <p:sp>
-        <p:nvSpPr>
-          <p:cNvPr id="11" name="テキスト ボックス 10">
-            <a:extLst>
-              <a:ext uri="{FF2B5EF4-FFF2-40B4-BE49-F238E27FC236}">
-                <a16:creationId xmlns:a16="http://schemas.microsoft.com/office/drawing/2014/main" id="{CBB1AC99-FCFE-4398-A58E-5D66AC3B7D47}"/>
-              </a:ext>
-            </a:extLst>
-          </p:cNvPr>
-          <p:cNvSpPr txBox="1"/>
-          <p:nvPr/>
-        </p:nvSpPr>
-        <p:spPr>
-          <a:xfrm>
-            <a:off x="6190822" y="1723413"/>
-            <a:ext cx="1620957" cy="523220"/>
-          </a:xfrm>
-          <a:prstGeom prst="rect">
-            <a:avLst/>
-          </a:prstGeom>
-          <a:noFill/>
-        </p:spPr>
-        <p:txBody>
-          <a:bodyPr wrap="none" rtlCol="0">
-            <a:spAutoFit/>
-          </a:bodyPr>
-          <a:lstStyle/>
-          <a:p>
-            <a:r>
-              <a:rPr kumimoji="1" lang="ja-JP" altLang="en-US" sz="2800" dirty="0"/>
-              <a:t>処理画像</a:t>
-            </a:r>
-          </a:p>
-        </p:txBody>
-      </p:sp>
-    </p:spTree>
-  </p:cSld>
-  <p:clrMapOvr>
-    <a:masterClrMapping/>
-  </p:clrMapOvr>
-</p:sld>
-</file>
-
-<file path=ppt/slides/slide9.xml><?xml version="1.0" encoding="utf-8"?>
-<p:sld xmlns:a="http://schemas.openxmlformats.org/drawingml/2006/main" xmlns:r="http://schemas.openxmlformats.org/officeDocument/2006/relationships" xmlns:p="http://schemas.openxmlformats.org/presentationml/2006/main">
-  <p:cSld>
-    <p:spTree>
-      <p:nvGrpSpPr>
-        <p:cNvPr id="1" name="Shape 117"/>
-        <p:cNvGrpSpPr/>
-        <p:nvPr/>
-      </p:nvGrpSpPr>
-      <p:grpSpPr>
-        <a:xfrm>
-          <a:off x="0" y="0"/>
-          <a:ext cx="0" cy="0"/>
-          <a:chOff x="0" y="0"/>
-          <a:chExt cx="0" cy="0"/>
-        </a:xfrm>
-      </p:grpSpPr>
-      <p:sp>
-        <p:nvSpPr>
-          <p:cNvPr id="118" name="Google Shape;118;p17"/>
-          <p:cNvSpPr txBox="1">
-            <a:spLocks noGrp="1"/>
-          </p:cNvSpPr>
-          <p:nvPr>
-            <p:ph type="title"/>
-          </p:nvPr>
-        </p:nvSpPr>
-        <p:spPr>
-          <a:xfrm>
-            <a:off x="628650" y="365127"/>
-            <a:ext cx="7886700" cy="1325700"/>
-          </a:xfrm>
-          <a:prstGeom prst="rect">
-            <a:avLst/>
-          </a:prstGeom>
-          <a:noFill/>
-          <a:ln>
-            <a:noFill/>
-          </a:ln>
-        </p:spPr>
-        <p:txBody>
-          <a:bodyPr spcFirstLastPara="1" wrap="square" lIns="91425" tIns="45700" rIns="91425" bIns="45700" anchor="ctr" anchorCtr="0">
-            <a:noAutofit/>
-          </a:bodyPr>
-          <a:lstStyle/>
-          <a:p>
-            <a:pPr marL="0" lvl="0" indent="0" algn="l" rtl="0">
-              <a:lnSpc>
-                <a:spcPct val="90000"/>
-              </a:lnSpc>
-              <a:spcBef>
-                <a:spcPts val="0"/>
-              </a:spcBef>
-              <a:spcAft>
-                <a:spcPts val="0"/>
-              </a:spcAft>
-              <a:buClr>
-                <a:schemeClr val="dk1"/>
-              </a:buClr>
-              <a:buSzPts val="4400"/>
-              <a:buFont typeface="MS PGothic"/>
-              <a:buNone/>
-            </a:pPr>
-            <a:r>
-              <a:rPr lang="ja-JP">
-                <a:latin typeface="MS PGothic"/>
-                <a:ea typeface="MS PGothic"/>
-                <a:cs typeface="MS PGothic"/>
-                <a:sym typeface="MS PGothic"/>
-              </a:rPr>
-              <a:t>微分フィルタ</a:t>
-            </a:r>
-            <a:endParaRPr>
-              <a:latin typeface="MS PGothic"/>
-              <a:ea typeface="MS PGothic"/>
-              <a:cs typeface="MS PGothic"/>
-              <a:sym typeface="MS PGothic"/>
-            </a:endParaRPr>
-          </a:p>
-        </p:txBody>
-      </p:sp>
-      <p:sp>
-        <p:nvSpPr>
-          <p:cNvPr id="119" name="Google Shape;119;p17"/>
-          <p:cNvSpPr txBox="1">
-            <a:spLocks noGrp="1"/>
-          </p:cNvSpPr>
-          <p:nvPr>
-            <p:ph type="body" idx="1"/>
-          </p:nvPr>
-        </p:nvSpPr>
-        <p:spPr>
-          <a:xfrm>
-            <a:off x="628650" y="1825625"/>
-            <a:ext cx="7886700" cy="4351200"/>
-          </a:xfrm>
-          <a:prstGeom prst="rect">
-            <a:avLst/>
-          </a:prstGeom>
-          <a:noFill/>
-          <a:ln>
-            <a:noFill/>
-          </a:ln>
-        </p:spPr>
-        <p:txBody>
-          <a:bodyPr spcFirstLastPara="1" wrap="square" lIns="91425" tIns="45700" rIns="91425" bIns="45700" anchor="t" anchorCtr="0">
-            <a:noAutofit/>
-          </a:bodyPr>
-          <a:lstStyle/>
-          <a:p>
-            <a:pPr marL="228600" lvl="0" indent="-228600" algn="l" rtl="0">
-              <a:lnSpc>
-                <a:spcPct val="90000"/>
-              </a:lnSpc>
-              <a:spcBef>
-                <a:spcPts val="0"/>
-              </a:spcBef>
-              <a:spcAft>
-                <a:spcPts val="0"/>
-              </a:spcAft>
-              <a:buClr>
-                <a:schemeClr val="dk1"/>
-              </a:buClr>
-              <a:buSzPts val="2800"/>
-              <a:buChar char="•"/>
-            </a:pPr>
-            <a:r>
-              <a:rPr lang="ja-JP" dirty="0">
-                <a:latin typeface="MS PGothic"/>
-                <a:ea typeface="MS PGothic"/>
-                <a:cs typeface="MS PGothic"/>
-                <a:sym typeface="MS PGothic"/>
-              </a:rPr>
-              <a:t>輪郭線や濃度が急激に変化するエッジ部などを</a:t>
-            </a:r>
-            <a:br>
-              <a:rPr lang="en-US" altLang="ja-JP" dirty="0">
-                <a:latin typeface="MS PGothic"/>
-                <a:ea typeface="MS PGothic"/>
-                <a:cs typeface="MS PGothic"/>
-                <a:sym typeface="MS PGothic"/>
-              </a:rPr>
-            </a:br>
-            <a:r>
-              <a:rPr lang="ja-JP" dirty="0">
-                <a:latin typeface="MS PGothic"/>
-                <a:ea typeface="MS PGothic"/>
-                <a:cs typeface="MS PGothic"/>
-                <a:sym typeface="MS PGothic"/>
-              </a:rPr>
-              <a:t>強調するフィルタ</a:t>
-            </a:r>
-            <a:br>
-              <a:rPr lang="en-US" altLang="ja-JP" dirty="0">
-                <a:latin typeface="MS PGothic"/>
-                <a:ea typeface="MS PGothic"/>
-                <a:cs typeface="MS PGothic"/>
-                <a:sym typeface="MS PGothic"/>
-              </a:rPr>
-            </a:br>
-            <a:br>
-              <a:rPr lang="en-US" altLang="ja-JP" dirty="0">
-                <a:latin typeface="MS PGothic"/>
-                <a:ea typeface="MS PGothic"/>
-                <a:cs typeface="MS PGothic"/>
-                <a:sym typeface="MS PGothic"/>
-              </a:rPr>
-            </a:br>
-            <a:r>
-              <a:rPr lang="ja-JP" altLang="en-US" dirty="0">
-                <a:latin typeface="MS PGothic"/>
-                <a:ea typeface="MS PGothic"/>
-                <a:cs typeface="MS PGothic"/>
-                <a:sym typeface="MS PGothic"/>
-              </a:rPr>
-              <a:t>今回はラプラシアンフィルタ、</a:t>
-            </a:r>
-            <a:r>
-              <a:rPr lang="en-US" altLang="ja-JP" dirty="0">
-                <a:latin typeface="MS PGothic"/>
-                <a:ea typeface="MS PGothic"/>
-                <a:cs typeface="MS PGothic"/>
-                <a:sym typeface="MS PGothic"/>
-              </a:rPr>
-              <a:t>Prewitt</a:t>
-            </a:r>
-            <a:r>
-              <a:rPr lang="ja-JP" altLang="en-US" dirty="0">
-                <a:latin typeface="MS PGothic"/>
-                <a:ea typeface="MS PGothic"/>
-                <a:cs typeface="MS PGothic"/>
-                <a:sym typeface="MS PGothic"/>
-              </a:rPr>
-              <a:t>のオペレータを使用</a:t>
-            </a:r>
-            <a:br>
-              <a:rPr lang="ja-JP" dirty="0">
-                <a:latin typeface="MS PGothic"/>
-                <a:ea typeface="MS PGothic"/>
-                <a:cs typeface="MS PGothic"/>
-                <a:sym typeface="MS PGothic"/>
-              </a:rPr>
-            </a:br>
-            <a:endParaRPr dirty="0">
-              <a:latin typeface="MS PGothic"/>
-              <a:ea typeface="MS PGothic"/>
-              <a:cs typeface="MS PGothic"/>
-              <a:sym typeface="MS PGothic"/>
-            </a:endParaRPr>
-          </a:p>
-        </p:txBody>
-      </p:sp>
-      <p:sp>
-        <p:nvSpPr>
-          <p:cNvPr id="120" name="Google Shape;120;p17"/>
-          <p:cNvSpPr txBox="1">
-            <a:spLocks noGrp="1"/>
-          </p:cNvSpPr>
-          <p:nvPr>
-            <p:ph type="sldNum" idx="12"/>
-          </p:nvPr>
-        </p:nvSpPr>
-        <p:spPr>
-          <a:xfrm>
-            <a:off x="6457951" y="6356352"/>
-            <a:ext cx="2057400" cy="365100"/>
-          </a:xfrm>
-          <a:prstGeom prst="rect">
-            <a:avLst/>
-          </a:prstGeom>
-          <a:noFill/>
-          <a:ln>
-            <a:noFill/>
-          </a:ln>
-        </p:spPr>
-        <p:txBody>
-          <a:bodyPr spcFirstLastPara="1" wrap="square" lIns="91425" tIns="45700" rIns="91425" bIns="45700" anchor="ctr" anchorCtr="0">
-            <a:noAutofit/>
-          </a:bodyPr>
-          <a:lstStyle/>
-          <a:p>
-            <a:pPr marL="0" lvl="0" indent="0" algn="r" rtl="0">
-              <a:spcBef>
-                <a:spcPts val="0"/>
-              </a:spcBef>
-              <a:spcAft>
-                <a:spcPts val="0"/>
-              </a:spcAft>
-              <a:buNone/>
-            </a:pPr>
-            <a:fld id="{00000000-1234-1234-1234-123412341234}" type="slidenum">
-              <a:rPr lang="en-US" altLang="ja-JP"/>
-              <a:pPr marL="0" lvl="0" indent="0" algn="r" rtl="0">
-                <a:spcBef>
-                  <a:spcPts val="0"/>
-                </a:spcBef>
-                <a:spcAft>
-                  <a:spcPts val="0"/>
-                </a:spcAft>
-                <a:buNone/>
-              </a:pPr>
-              <a:t>9</a:t>
-            </a:fld>
-            <a:endParaRPr/>
-          </a:p>
-        </p:txBody>
-      </p:sp>
     </p:spTree>
   </p:cSld>
   <p:clrMapOvr>

--- a/exp_c/slide/exp_C_refine.pptx
+++ b/exp_c/slide/exp_C_refine.pptx
@@ -5,7 +5,7 @@
     <p:sldMasterId id="2147483659" r:id="rId1"/>
   </p:sldMasterIdLst>
   <p:notesMasterIdLst>
-    <p:notesMasterId r:id="rId27"/>
+    <p:notesMasterId r:id="rId28"/>
   </p:notesMasterIdLst>
   <p:sldIdLst>
     <p:sldId id="269" r:id="rId2"/>
@@ -21,18 +21,19 @@
     <p:sldId id="260" r:id="rId12"/>
     <p:sldId id="261" r:id="rId13"/>
     <p:sldId id="281" r:id="rId14"/>
-    <p:sldId id="282" r:id="rId15"/>
-    <p:sldId id="275" r:id="rId16"/>
-    <p:sldId id="262" r:id="rId17"/>
-    <p:sldId id="263" r:id="rId18"/>
+    <p:sldId id="275" r:id="rId15"/>
+    <p:sldId id="262" r:id="rId16"/>
+    <p:sldId id="263" r:id="rId17"/>
+    <p:sldId id="282" r:id="rId18"/>
     <p:sldId id="276" r:id="rId19"/>
     <p:sldId id="264" r:id="rId20"/>
     <p:sldId id="265" r:id="rId21"/>
     <p:sldId id="266" r:id="rId22"/>
-    <p:sldId id="277" r:id="rId23"/>
-    <p:sldId id="274" r:id="rId24"/>
-    <p:sldId id="278" r:id="rId25"/>
-    <p:sldId id="273" r:id="rId26"/>
+    <p:sldId id="283" r:id="rId23"/>
+    <p:sldId id="277" r:id="rId24"/>
+    <p:sldId id="274" r:id="rId25"/>
+    <p:sldId id="278" r:id="rId26"/>
+    <p:sldId id="273" r:id="rId27"/>
   </p:sldIdLst>
   <p:sldSz cx="9144000" cy="6858000" type="screen4x3"/>
   <p:notesSz cx="6858000" cy="9144000"/>
@@ -20777,7 +20778,7 @@
         <p:spPr>
           <a:xfrm>
             <a:off x="332095" y="4822771"/>
-            <a:ext cx="3390672" cy="369332"/>
+            <a:ext cx="3262432" cy="369332"/>
           </a:xfrm>
           <a:prstGeom prst="rect">
             <a:avLst/>
@@ -20804,7 +20805,7 @@
                 <a:latin typeface="Yu Gothic" panose="020B0400000000000000" pitchFamily="50" charset="-128"/>
                 <a:ea typeface="Yu Gothic" panose="020B0400000000000000" pitchFamily="50" charset="-128"/>
               </a:rPr>
-              <a:t>211</a:t>
+              <a:t>35</a:t>
             </a:r>
             <a:r>
               <a:rPr lang="ja-JP" altLang="en-US" sz="1800" dirty="0"/>
@@ -20815,7 +20816,7 @@
                 <a:latin typeface="Yu Gothic" panose="020B0400000000000000" pitchFamily="50" charset="-128"/>
                 <a:ea typeface="Yu Gothic" panose="020B0400000000000000" pitchFamily="50" charset="-128"/>
               </a:rPr>
-              <a:t>200</a:t>
+              <a:t>73</a:t>
             </a:r>
             <a:r>
               <a:rPr lang="ja-JP" altLang="en-US" sz="1800" dirty="0"/>
@@ -20826,7 +20827,7 @@
                 <a:latin typeface="Yu Gothic" panose="020B0400000000000000" pitchFamily="50" charset="-128"/>
                 <a:ea typeface="Yu Gothic" panose="020B0400000000000000" pitchFamily="50" charset="-128"/>
               </a:rPr>
-              <a:t>180</a:t>
+              <a:t>122</a:t>
             </a:r>
             <a:r>
               <a:rPr lang="ja-JP" altLang="en-US" sz="1800" dirty="0"/>
@@ -20837,7 +20838,7 @@
                 <a:latin typeface="Yu Gothic" panose="020B0400000000000000" pitchFamily="50" charset="-128"/>
                 <a:ea typeface="Yu Gothic" panose="020B0400000000000000" pitchFamily="50" charset="-128"/>
               </a:rPr>
-              <a:t>151</a:t>
+              <a:t>167</a:t>
             </a:r>
             <a:r>
               <a:rPr lang="ja-JP" altLang="en-US" sz="1800" dirty="0"/>
@@ -20848,7 +20849,7 @@
                 <a:latin typeface="Yu Gothic" panose="020B0400000000000000" pitchFamily="50" charset="-128"/>
                 <a:ea typeface="Yu Gothic" panose="020B0400000000000000" pitchFamily="50" charset="-128"/>
               </a:rPr>
-              <a:t>119</a:t>
+              <a:t>168</a:t>
             </a:r>
             <a:r>
               <a:rPr lang="ja-JP" altLang="en-US" sz="1800" dirty="0"/>
@@ -20859,7 +20860,7 @@
                 <a:latin typeface="Yu Gothic" panose="020B0400000000000000" pitchFamily="50" charset="-128"/>
                 <a:ea typeface="Yu Gothic" panose="020B0400000000000000" pitchFamily="50" charset="-128"/>
               </a:rPr>
-              <a:t>87</a:t>
+              <a:t>137</a:t>
             </a:r>
             <a:r>
               <a:rPr lang="ja-JP" altLang="en-US" sz="1800" dirty="0"/>
@@ -20870,7 +20871,7 @@
                 <a:latin typeface="Yu Gothic" panose="020B0400000000000000" pitchFamily="50" charset="-128"/>
                 <a:ea typeface="Yu Gothic" panose="020B0400000000000000" pitchFamily="50" charset="-128"/>
               </a:rPr>
-              <a:t>63</a:t>
+              <a:t>90</a:t>
             </a:r>
             <a:r>
               <a:rPr lang="ja-JP" altLang="en-US" sz="1800" dirty="0"/>
@@ -20881,7 +20882,7 @@
                 <a:latin typeface="Yu Gothic" panose="020B0400000000000000" pitchFamily="50" charset="-128"/>
                 <a:ea typeface="Yu Gothic" panose="020B0400000000000000" pitchFamily="50" charset="-128"/>
               </a:rPr>
-              <a:t>47</a:t>
+              <a:t>37</a:t>
             </a:r>
             <a:r>
               <a:rPr lang="ja-JP" altLang="en-US" sz="1800" dirty="0"/>
@@ -20986,12 +20987,69 @@
           </a:p>
         </p:txBody>
       </p:sp>
+      <p:sp>
+        <p:nvSpPr>
+          <p:cNvPr id="19" name="テキスト ボックス 18">
+            <a:extLst>
+              <a:ext uri="{FF2B5EF4-FFF2-40B4-BE49-F238E27FC236}">
+                <a16:creationId xmlns:a16="http://schemas.microsoft.com/office/drawing/2014/main" id="{B4E4CFFA-7DCA-41F7-AC70-FEE5A62CAC6D}"/>
+              </a:ext>
+            </a:extLst>
+          </p:cNvPr>
+          <p:cNvSpPr txBox="1"/>
+          <p:nvPr/>
+        </p:nvSpPr>
+        <p:spPr>
+          <a:xfrm>
+            <a:off x="4954144" y="5056553"/>
+            <a:ext cx="3775393" cy="830997"/>
+          </a:xfrm>
+          <a:prstGeom prst="rect">
+            <a:avLst/>
+          </a:prstGeom>
+          <a:noFill/>
+        </p:spPr>
+        <p:txBody>
+          <a:bodyPr wrap="none" rtlCol="0">
+            <a:spAutoFit/>
+          </a:bodyPr>
+          <a:lstStyle/>
+          <a:p>
+            <a:r>
+              <a:rPr kumimoji="1" lang="ja-JP" altLang="en-US" sz="2400" dirty="0"/>
+              <a:t>変化が大きい部分</a:t>
+            </a:r>
+            <a:r>
+              <a:rPr kumimoji="1" lang="en-US" altLang="ja-JP" sz="2400" dirty="0"/>
+              <a:t>(</a:t>
+            </a:r>
+            <a:r>
+              <a:rPr kumimoji="1" lang="ja-JP" altLang="en-US" sz="2400" dirty="0"/>
+              <a:t>エッジ</a:t>
+            </a:r>
+            <a:r>
+              <a:rPr kumimoji="1" lang="en-US" altLang="ja-JP" sz="2400" dirty="0"/>
+              <a:t>)</a:t>
+            </a:r>
+          </a:p>
+          <a:p>
+            <a:r>
+              <a:rPr kumimoji="1" lang="ja-JP" altLang="en-US" sz="2400" dirty="0" err="1"/>
+              <a:t>の抽</a:t>
+            </a:r>
+            <a:r>
+              <a:rPr kumimoji="1" lang="ja-JP" altLang="en-US" sz="2400" dirty="0"/>
+              <a:t>出を確認できる</a:t>
+            </a:r>
+          </a:p>
+        </p:txBody>
+      </p:sp>
       <p:pic>
         <p:nvPicPr>
-          <p:cNvPr id="18" name="図 17">
+          <p:cNvPr id="6" name="図 5">
             <a:extLst>
               <a:ext uri="{FF2B5EF4-FFF2-40B4-BE49-F238E27FC236}">
-                <a16:creationId xmlns:a16="http://schemas.microsoft.com/office/drawing/2014/main" id="{2DC7DA35-8140-4E7A-8332-F48B5ECFF04B}"/>
+                <a16:creationId xmlns:a16="http://schemas.microsoft.com/office/drawing/2014/main" id="{6CFD49F2-1D92-4407-B67D-424DBF3B0B09}"/>
               </a:ext>
             </a:extLst>
           </p:cNvPr>
@@ -21008,55 +21066,20 @@
         </p:blipFill>
         <p:spPr>
           <a:xfrm>
-            <a:off x="4806486" y="1769232"/>
-            <a:ext cx="4005419" cy="3359187"/>
+            <a:off x="2548578" y="1769232"/>
+            <a:ext cx="2099480" cy="2099480"/>
           </a:xfrm>
           <a:prstGeom prst="rect">
             <a:avLst/>
           </a:prstGeom>
         </p:spPr>
       </p:pic>
-      <p:sp>
-        <p:nvSpPr>
-          <p:cNvPr id="19" name="テキスト ボックス 18">
+      <p:pic>
+        <p:nvPicPr>
+          <p:cNvPr id="9" name="図 8">
             <a:extLst>
               <a:ext uri="{FF2B5EF4-FFF2-40B4-BE49-F238E27FC236}">
-                <a16:creationId xmlns:a16="http://schemas.microsoft.com/office/drawing/2014/main" id="{B4E4CFFA-7DCA-41F7-AC70-FEE5A62CAC6D}"/>
-              </a:ext>
-            </a:extLst>
-          </p:cNvPr>
-          <p:cNvSpPr txBox="1"/>
-          <p:nvPr/>
-        </p:nvSpPr>
-        <p:spPr>
-          <a:xfrm>
-            <a:off x="4806486" y="5624682"/>
-            <a:ext cx="2954655" cy="461665"/>
-          </a:xfrm>
-          <a:prstGeom prst="rect">
-            <a:avLst/>
-          </a:prstGeom>
-          <a:noFill/>
-        </p:spPr>
-        <p:txBody>
-          <a:bodyPr wrap="none" rtlCol="0">
-            <a:spAutoFit/>
-          </a:bodyPr>
-          <a:lstStyle/>
-          <a:p>
-            <a:r>
-              <a:rPr kumimoji="1" lang="ja-JP" altLang="en-US" sz="2400" dirty="0"/>
-              <a:t>平滑化が確認できる</a:t>
-            </a:r>
-          </a:p>
-        </p:txBody>
-      </p:sp>
-      <p:pic>
-        <p:nvPicPr>
-          <p:cNvPr id="7" name="図 6">
-            <a:extLst>
-              <a:ext uri="{FF2B5EF4-FFF2-40B4-BE49-F238E27FC236}">
-                <a16:creationId xmlns:a16="http://schemas.microsoft.com/office/drawing/2014/main" id="{0A36FEB1-505A-4234-97EC-C04CAD8DF4B5}"/>
+                <a16:creationId xmlns:a16="http://schemas.microsoft.com/office/drawing/2014/main" id="{77F6C74C-5EC2-4D92-A792-F6AE469B8DAA}"/>
               </a:ext>
             </a:extLst>
           </p:cNvPr>
@@ -21073,8 +21096,8 @@
         </p:blipFill>
         <p:spPr>
           <a:xfrm>
-            <a:off x="2568605" y="1769232"/>
-            <a:ext cx="2099480" cy="2099480"/>
+            <a:off x="4954144" y="1769232"/>
+            <a:ext cx="3901778" cy="3127519"/>
           </a:xfrm>
           <a:prstGeom prst="rect">
             <a:avLst/>
@@ -21095,1117 +21118,6 @@
 </file>
 
 <file path=ppt/slides/slide14.xml><?xml version="1.0" encoding="utf-8"?>
-<p:sld xmlns:a="http://schemas.openxmlformats.org/drawingml/2006/main" xmlns:r="http://schemas.openxmlformats.org/officeDocument/2006/relationships" xmlns:p="http://schemas.openxmlformats.org/presentationml/2006/main">
-  <p:cSld>
-    <p:spTree>
-      <p:nvGrpSpPr>
-        <p:cNvPr id="1" name=""/>
-        <p:cNvGrpSpPr/>
-        <p:nvPr/>
-      </p:nvGrpSpPr>
-      <p:grpSpPr>
-        <a:xfrm>
-          <a:off x="0" y="0"/>
-          <a:ext cx="0" cy="0"/>
-          <a:chOff x="0" y="0"/>
-          <a:chExt cx="0" cy="0"/>
-        </a:xfrm>
-      </p:grpSpPr>
-      <p:sp>
-        <p:nvSpPr>
-          <p:cNvPr id="2" name="タイトル 1">
-            <a:extLst>
-              <a:ext uri="{FF2B5EF4-FFF2-40B4-BE49-F238E27FC236}">
-                <a16:creationId xmlns:a16="http://schemas.microsoft.com/office/drawing/2014/main" id="{250D3755-8729-492D-8A2D-F7D583E880B3}"/>
-              </a:ext>
-            </a:extLst>
-          </p:cNvPr>
-          <p:cNvSpPr>
-            <a:spLocks noGrp="1"/>
-          </p:cNvSpPr>
-          <p:nvPr>
-            <p:ph type="title"/>
-          </p:nvPr>
-        </p:nvSpPr>
-        <p:spPr/>
-        <p:txBody>
-          <a:bodyPr/>
-          <a:lstStyle/>
-          <a:p>
-            <a:r>
-              <a:rPr lang="ja-JP" altLang="ja-JP" dirty="0">
-                <a:latin typeface="MS PGothic"/>
-                <a:ea typeface="MS PGothic"/>
-                <a:cs typeface="MS PGothic"/>
-                <a:sym typeface="MS PGothic"/>
-              </a:rPr>
-              <a:t>実行結果（平均値フィルタ）</a:t>
-            </a:r>
-            <a:endParaRPr kumimoji="1" lang="ja-JP" altLang="en-US" dirty="0"/>
-          </a:p>
-        </p:txBody>
-      </p:sp>
-      <p:sp>
-        <p:nvSpPr>
-          <p:cNvPr id="5" name="スライド番号プレースホルダー 4">
-            <a:extLst>
-              <a:ext uri="{FF2B5EF4-FFF2-40B4-BE49-F238E27FC236}">
-                <a16:creationId xmlns:a16="http://schemas.microsoft.com/office/drawing/2014/main" id="{85D82F13-F395-45C9-BE5B-7B18A1DEEA7F}"/>
-              </a:ext>
-            </a:extLst>
-          </p:cNvPr>
-          <p:cNvSpPr>
-            <a:spLocks noGrp="1"/>
-          </p:cNvSpPr>
-          <p:nvPr>
-            <p:ph type="sldNum" idx="12"/>
-          </p:nvPr>
-        </p:nvSpPr>
-        <p:spPr/>
-        <p:txBody>
-          <a:bodyPr/>
-          <a:lstStyle/>
-          <a:p>
-            <a:pPr marL="0" lvl="0" indent="0" algn="r" rtl="0">
-              <a:spcBef>
-                <a:spcPts val="0"/>
-              </a:spcBef>
-              <a:spcAft>
-                <a:spcPts val="0"/>
-              </a:spcAft>
-              <a:buNone/>
-            </a:pPr>
-            <a:fld id="{00000000-1234-1234-1234-123412341234}" type="slidenum">
-              <a:rPr lang="en-US" altLang="ja-JP" smtClean="0"/>
-              <a:pPr marL="0" lvl="0" indent="0" algn="r" rtl="0">
-                <a:spcBef>
-                  <a:spcPts val="0"/>
-                </a:spcBef>
-                <a:spcAft>
-                  <a:spcPts val="0"/>
-                </a:spcAft>
-                <a:buNone/>
-              </a:pPr>
-              <a:t>14</a:t>
-            </a:fld>
-            <a:endParaRPr lang="en-US"/>
-          </a:p>
-        </p:txBody>
-      </p:sp>
-      <p:pic>
-        <p:nvPicPr>
-          <p:cNvPr id="9" name="図 8">
-            <a:extLst>
-              <a:ext uri="{FF2B5EF4-FFF2-40B4-BE49-F238E27FC236}">
-                <a16:creationId xmlns:a16="http://schemas.microsoft.com/office/drawing/2014/main" id="{DB870A65-FE3E-4259-8BCB-5417707F7D01}"/>
-              </a:ext>
-            </a:extLst>
-          </p:cNvPr>
-          <p:cNvPicPr>
-            <a:picLocks noChangeAspect="1"/>
-          </p:cNvPicPr>
-          <p:nvPr/>
-        </p:nvPicPr>
-        <p:blipFill>
-          <a:blip r:embed="rId2"/>
-          <a:stretch>
-            <a:fillRect/>
-          </a:stretch>
-        </p:blipFill>
-        <p:spPr>
-          <a:xfrm>
-            <a:off x="2472519" y="1769232"/>
-            <a:ext cx="2099481" cy="2099481"/>
-          </a:xfrm>
-          <a:prstGeom prst="rect">
-            <a:avLst/>
-          </a:prstGeom>
-        </p:spPr>
-      </p:pic>
-      <p:pic>
-        <p:nvPicPr>
-          <p:cNvPr id="11" name="図 10">
-            <a:extLst>
-              <a:ext uri="{FF2B5EF4-FFF2-40B4-BE49-F238E27FC236}">
-                <a16:creationId xmlns:a16="http://schemas.microsoft.com/office/drawing/2014/main" id="{424C7D7F-7659-4973-ABBE-8BC3669341D5}"/>
-              </a:ext>
-            </a:extLst>
-          </p:cNvPr>
-          <p:cNvPicPr>
-            <a:picLocks noChangeAspect="1"/>
-          </p:cNvPicPr>
-          <p:nvPr/>
-        </p:nvPicPr>
-        <p:blipFill>
-          <a:blip r:embed="rId3"/>
-          <a:stretch>
-            <a:fillRect/>
-          </a:stretch>
-        </p:blipFill>
-        <p:spPr>
-          <a:xfrm>
-            <a:off x="332095" y="1769232"/>
-            <a:ext cx="2099480" cy="2099480"/>
-          </a:xfrm>
-          <a:prstGeom prst="rect">
-            <a:avLst/>
-          </a:prstGeom>
-        </p:spPr>
-      </p:pic>
-      <p:sp>
-        <p:nvSpPr>
-          <p:cNvPr id="14" name="テキスト ボックス 13">
-            <a:extLst>
-              <a:ext uri="{FF2B5EF4-FFF2-40B4-BE49-F238E27FC236}">
-                <a16:creationId xmlns:a16="http://schemas.microsoft.com/office/drawing/2014/main" id="{6138A02E-4A6A-4FE3-ABF4-F079440FAE81}"/>
-              </a:ext>
-            </a:extLst>
-          </p:cNvPr>
-          <p:cNvSpPr txBox="1"/>
-          <p:nvPr/>
-        </p:nvSpPr>
-        <p:spPr>
-          <a:xfrm>
-            <a:off x="332095" y="3947117"/>
-            <a:ext cx="2544286" cy="461665"/>
-          </a:xfrm>
-          <a:prstGeom prst="rect">
-            <a:avLst/>
-          </a:prstGeom>
-          <a:noFill/>
-        </p:spPr>
-        <p:txBody>
-          <a:bodyPr wrap="none" rtlCol="0">
-            <a:spAutoFit/>
-          </a:bodyPr>
-          <a:lstStyle/>
-          <a:p>
-            <a:r>
-              <a:rPr kumimoji="1" lang="ja-JP" altLang="en-US" sz="2400" dirty="0"/>
-              <a:t>実行結果</a:t>
-            </a:r>
-            <a:r>
-              <a:rPr kumimoji="1" lang="en-US" altLang="ja-JP" sz="2400" dirty="0"/>
-              <a:t>(</a:t>
-            </a:r>
-            <a:r>
-              <a:rPr kumimoji="1" lang="ja-JP" altLang="en-US" sz="2400" dirty="0"/>
-              <a:t>右図青</a:t>
-            </a:r>
-            <a:r>
-              <a:rPr kumimoji="1" lang="en-US" altLang="ja-JP" sz="2400" dirty="0"/>
-              <a:t>)</a:t>
-            </a:r>
-            <a:endParaRPr kumimoji="1" lang="ja-JP" altLang="en-US" sz="2400" dirty="0"/>
-          </a:p>
-        </p:txBody>
-      </p:sp>
-      <p:sp>
-        <p:nvSpPr>
-          <p:cNvPr id="15" name="テキスト ボックス 14">
-            <a:extLst>
-              <a:ext uri="{FF2B5EF4-FFF2-40B4-BE49-F238E27FC236}">
-                <a16:creationId xmlns:a16="http://schemas.microsoft.com/office/drawing/2014/main" id="{4B59CDCF-4469-4200-94D2-897B3B89FB39}"/>
-              </a:ext>
-            </a:extLst>
-          </p:cNvPr>
-          <p:cNvSpPr txBox="1"/>
-          <p:nvPr/>
-        </p:nvSpPr>
-        <p:spPr>
-          <a:xfrm>
-            <a:off x="332095" y="5271849"/>
-            <a:ext cx="2236510" cy="461665"/>
-          </a:xfrm>
-          <a:prstGeom prst="rect">
-            <a:avLst/>
-          </a:prstGeom>
-          <a:noFill/>
-        </p:spPr>
-        <p:txBody>
-          <a:bodyPr wrap="none" rtlCol="0">
-            <a:spAutoFit/>
-          </a:bodyPr>
-          <a:lstStyle/>
-          <a:p>
-            <a:r>
-              <a:rPr kumimoji="1" lang="ja-JP" altLang="en-US" sz="2400" dirty="0"/>
-              <a:t>元画像</a:t>
-            </a:r>
-            <a:r>
-              <a:rPr kumimoji="1" lang="en-US" altLang="ja-JP" sz="2400" dirty="0"/>
-              <a:t>(</a:t>
-            </a:r>
-            <a:r>
-              <a:rPr kumimoji="1" lang="ja-JP" altLang="en-US" sz="2400" dirty="0"/>
-              <a:t>右図赤</a:t>
-            </a:r>
-            <a:r>
-              <a:rPr kumimoji="1" lang="en-US" altLang="ja-JP" sz="2400" dirty="0"/>
-              <a:t>)</a:t>
-            </a:r>
-            <a:endParaRPr kumimoji="1" lang="ja-JP" altLang="en-US" sz="2400" dirty="0"/>
-          </a:p>
-        </p:txBody>
-      </p:sp>
-      <p:sp>
-        <p:nvSpPr>
-          <p:cNvPr id="19" name="テキスト ボックス 18">
-            <a:extLst>
-              <a:ext uri="{FF2B5EF4-FFF2-40B4-BE49-F238E27FC236}">
-                <a16:creationId xmlns:a16="http://schemas.microsoft.com/office/drawing/2014/main" id="{B4E4CFFA-7DCA-41F7-AC70-FEE5A62CAC6D}"/>
-              </a:ext>
-            </a:extLst>
-          </p:cNvPr>
-          <p:cNvSpPr txBox="1"/>
-          <p:nvPr/>
-        </p:nvSpPr>
-        <p:spPr>
-          <a:xfrm>
-            <a:off x="4806486" y="5624682"/>
-            <a:ext cx="3570208" cy="461665"/>
-          </a:xfrm>
-          <a:prstGeom prst="rect">
-            <a:avLst/>
-          </a:prstGeom>
-          <a:noFill/>
-        </p:spPr>
-        <p:txBody>
-          <a:bodyPr wrap="none" rtlCol="0">
-            <a:spAutoFit/>
-          </a:bodyPr>
-          <a:lstStyle/>
-          <a:p>
-            <a:r>
-              <a:rPr kumimoji="1" lang="ja-JP" altLang="en-US" sz="2400" dirty="0"/>
-              <a:t>正常な処理が確認できる</a:t>
-            </a:r>
-          </a:p>
-        </p:txBody>
-      </p:sp>
-      <p:graphicFrame>
-        <p:nvGraphicFramePr>
-          <p:cNvPr id="3" name="表 2">
-            <a:extLst>
-              <a:ext uri="{FF2B5EF4-FFF2-40B4-BE49-F238E27FC236}">
-                <a16:creationId xmlns:a16="http://schemas.microsoft.com/office/drawing/2014/main" id="{572BACDC-7A62-4F6C-8A68-BC4156E4ACD1}"/>
-              </a:ext>
-            </a:extLst>
-          </p:cNvPr>
-          <p:cNvGraphicFramePr>
-            <a:graphicFrameLocks noGrp="1"/>
-          </p:cNvGraphicFramePr>
-          <p:nvPr/>
-        </p:nvGraphicFramePr>
-        <p:xfrm>
-          <a:off x="332095" y="5734882"/>
-          <a:ext cx="1756011" cy="794238"/>
-        </p:xfrm>
-        <a:graphic>
-          <a:graphicData uri="http://schemas.openxmlformats.org/drawingml/2006/table">
-            <a:tbl>
-              <a:tblPr>
-                <a:tableStyleId>{5C22544A-7EE6-4342-B048-85BDC9FD1C3A}</a:tableStyleId>
-              </a:tblPr>
-              <a:tblGrid>
-                <a:gridCol w="585337">
-                  <a:extLst>
-                    <a:ext uri="{9D8B030D-6E8A-4147-A177-3AD203B41FA5}">
-                      <a16:colId xmlns:a16="http://schemas.microsoft.com/office/drawing/2014/main" val="3580736296"/>
-                    </a:ext>
-                  </a:extLst>
-                </a:gridCol>
-                <a:gridCol w="585337">
-                  <a:extLst>
-                    <a:ext uri="{9D8B030D-6E8A-4147-A177-3AD203B41FA5}">
-                      <a16:colId xmlns:a16="http://schemas.microsoft.com/office/drawing/2014/main" val="1650809283"/>
-                    </a:ext>
-                  </a:extLst>
-                </a:gridCol>
-                <a:gridCol w="585337">
-                  <a:extLst>
-                    <a:ext uri="{9D8B030D-6E8A-4147-A177-3AD203B41FA5}">
-                      <a16:colId xmlns:a16="http://schemas.microsoft.com/office/drawing/2014/main" val="180492871"/>
-                    </a:ext>
-                  </a:extLst>
-                </a:gridCol>
-              </a:tblGrid>
-              <a:tr h="264746">
-                <a:tc>
-                  <a:txBody>
-                    <a:bodyPr/>
-                    <a:lstStyle/>
-                    <a:p>
-                      <a:pPr algn="r" fontAlgn="ctr"/>
-                      <a:r>
-                        <a:rPr lang="en-US" altLang="ja-JP" sz="1600" u="none" strike="noStrike" dirty="0">
-                          <a:solidFill>
-                            <a:srgbClr val="002060"/>
-                          </a:solidFill>
-                          <a:effectLst/>
-                        </a:rPr>
-                        <a:t>96</a:t>
-                      </a:r>
-                      <a:endParaRPr lang="en-US" altLang="ja-JP" sz="1600" b="0" i="0" u="none" strike="noStrike" dirty="0">
-                        <a:solidFill>
-                          <a:srgbClr val="002060"/>
-                        </a:solidFill>
-                        <a:effectLst/>
-                        <a:latin typeface="Yu Gothic" panose="020B0400000000000000" pitchFamily="50" charset="-128"/>
-                        <a:ea typeface="Yu Gothic" panose="020B0400000000000000" pitchFamily="50" charset="-128"/>
-                      </a:endParaRPr>
-                    </a:p>
-                  </a:txBody>
-                  <a:tcPr marL="9525" marR="9525" marT="9525" marB="0" anchor="ctr"/>
-                </a:tc>
-                <a:tc>
-                  <a:txBody>
-                    <a:bodyPr/>
-                    <a:lstStyle/>
-                    <a:p>
-                      <a:pPr algn="r" fontAlgn="ctr"/>
-                      <a:r>
-                        <a:rPr lang="en-US" altLang="ja-JP" sz="1600" u="none" strike="noStrike" dirty="0">
-                          <a:solidFill>
-                            <a:srgbClr val="002060"/>
-                          </a:solidFill>
-                          <a:effectLst/>
-                        </a:rPr>
-                        <a:t>56</a:t>
-                      </a:r>
-                      <a:endParaRPr lang="en-US" altLang="ja-JP" sz="1600" b="0" i="0" u="none" strike="noStrike" dirty="0">
-                        <a:solidFill>
-                          <a:srgbClr val="002060"/>
-                        </a:solidFill>
-                        <a:effectLst/>
-                        <a:latin typeface="Yu Gothic" panose="020B0400000000000000" pitchFamily="50" charset="-128"/>
-                        <a:ea typeface="Yu Gothic" panose="020B0400000000000000" pitchFamily="50" charset="-128"/>
-                      </a:endParaRPr>
-                    </a:p>
-                  </a:txBody>
-                  <a:tcPr marL="9525" marR="9525" marT="9525" marB="0" anchor="ctr"/>
-                </a:tc>
-                <a:tc>
-                  <a:txBody>
-                    <a:bodyPr/>
-                    <a:lstStyle/>
-                    <a:p>
-                      <a:pPr algn="r" fontAlgn="ctr"/>
-                      <a:r>
-                        <a:rPr lang="en-US" altLang="ja-JP" sz="1600" u="none" strike="noStrike">
-                          <a:solidFill>
-                            <a:srgbClr val="002060"/>
-                          </a:solidFill>
-                          <a:effectLst/>
-                        </a:rPr>
-                        <a:t>51</a:t>
-                      </a:r>
-                      <a:endParaRPr lang="en-US" altLang="ja-JP" sz="1600" b="0" i="0" u="none" strike="noStrike">
-                        <a:solidFill>
-                          <a:srgbClr val="002060"/>
-                        </a:solidFill>
-                        <a:effectLst/>
-                        <a:latin typeface="Yu Gothic" panose="020B0400000000000000" pitchFamily="50" charset="-128"/>
-                        <a:ea typeface="Yu Gothic" panose="020B0400000000000000" pitchFamily="50" charset="-128"/>
-                      </a:endParaRPr>
-                    </a:p>
-                  </a:txBody>
-                  <a:tcPr marL="9525" marR="9525" marT="9525" marB="0" anchor="ctr"/>
-                </a:tc>
-                <a:extLst>
-                  <a:ext uri="{0D108BD9-81ED-4DB2-BD59-A6C34878D82A}">
-                    <a16:rowId xmlns:a16="http://schemas.microsoft.com/office/drawing/2014/main" val="1551100369"/>
-                  </a:ext>
-                </a:extLst>
-              </a:tr>
-              <a:tr h="264746">
-                <a:tc>
-                  <a:txBody>
-                    <a:bodyPr/>
-                    <a:lstStyle/>
-                    <a:p>
-                      <a:pPr algn="r" fontAlgn="ctr"/>
-                      <a:r>
-                        <a:rPr lang="en-US" altLang="ja-JP" sz="1600" u="none" strike="noStrike">
-                          <a:solidFill>
-                            <a:srgbClr val="002060"/>
-                          </a:solidFill>
-                          <a:effectLst/>
-                        </a:rPr>
-                        <a:t>159</a:t>
-                      </a:r>
-                      <a:endParaRPr lang="en-US" altLang="ja-JP" sz="1600" b="0" i="0" u="none" strike="noStrike">
-                        <a:solidFill>
-                          <a:srgbClr val="002060"/>
-                        </a:solidFill>
-                        <a:effectLst/>
-                        <a:latin typeface="Yu Gothic" panose="020B0400000000000000" pitchFamily="50" charset="-128"/>
-                        <a:ea typeface="Yu Gothic" panose="020B0400000000000000" pitchFamily="50" charset="-128"/>
-                      </a:endParaRPr>
-                    </a:p>
-                  </a:txBody>
-                  <a:tcPr marL="9525" marR="9525" marT="9525" marB="0" anchor="ctr"/>
-                </a:tc>
-                <a:tc>
-                  <a:txBody>
-                    <a:bodyPr/>
-                    <a:lstStyle/>
-                    <a:p>
-                      <a:pPr algn="r" fontAlgn="ctr"/>
-                      <a:r>
-                        <a:rPr lang="en-US" altLang="ja-JP" sz="1600" u="none" strike="noStrike" dirty="0">
-                          <a:solidFill>
-                            <a:srgbClr val="002060"/>
-                          </a:solidFill>
-                          <a:effectLst/>
-                        </a:rPr>
-                        <a:t>114</a:t>
-                      </a:r>
-                      <a:endParaRPr lang="en-US" altLang="ja-JP" sz="1600" b="0" i="0" u="none" strike="noStrike" dirty="0">
-                        <a:solidFill>
-                          <a:srgbClr val="002060"/>
-                        </a:solidFill>
-                        <a:effectLst/>
-                        <a:latin typeface="Yu Gothic" panose="020B0400000000000000" pitchFamily="50" charset="-128"/>
-                        <a:ea typeface="Yu Gothic" panose="020B0400000000000000" pitchFamily="50" charset="-128"/>
-                      </a:endParaRPr>
-                    </a:p>
-                  </a:txBody>
-                  <a:tcPr marL="9525" marR="9525" marT="9525" marB="0" anchor="ctr"/>
-                </a:tc>
-                <a:tc>
-                  <a:txBody>
-                    <a:bodyPr/>
-                    <a:lstStyle/>
-                    <a:p>
-                      <a:pPr algn="r" fontAlgn="ctr"/>
-                      <a:r>
-                        <a:rPr lang="en-US" altLang="ja-JP" sz="1600" u="none" strike="noStrike" dirty="0">
-                          <a:solidFill>
-                            <a:srgbClr val="002060"/>
-                          </a:solidFill>
-                          <a:effectLst/>
-                        </a:rPr>
-                        <a:t>77</a:t>
-                      </a:r>
-                      <a:endParaRPr lang="en-US" altLang="ja-JP" sz="1600" b="0" i="0" u="none" strike="noStrike" dirty="0">
-                        <a:solidFill>
-                          <a:srgbClr val="002060"/>
-                        </a:solidFill>
-                        <a:effectLst/>
-                        <a:latin typeface="Yu Gothic" panose="020B0400000000000000" pitchFamily="50" charset="-128"/>
-                        <a:ea typeface="Yu Gothic" panose="020B0400000000000000" pitchFamily="50" charset="-128"/>
-                      </a:endParaRPr>
-                    </a:p>
-                  </a:txBody>
-                  <a:tcPr marL="9525" marR="9525" marT="9525" marB="0" anchor="ctr"/>
-                </a:tc>
-                <a:extLst>
-                  <a:ext uri="{0D108BD9-81ED-4DB2-BD59-A6C34878D82A}">
-                    <a16:rowId xmlns:a16="http://schemas.microsoft.com/office/drawing/2014/main" val="2299150442"/>
-                  </a:ext>
-                </a:extLst>
-              </a:tr>
-              <a:tr h="264746">
-                <a:tc>
-                  <a:txBody>
-                    <a:bodyPr/>
-                    <a:lstStyle/>
-                    <a:p>
-                      <a:pPr algn="r" fontAlgn="ctr"/>
-                      <a:r>
-                        <a:rPr lang="en-US" altLang="ja-JP" sz="1600" u="none" strike="noStrike">
-                          <a:solidFill>
-                            <a:srgbClr val="002060"/>
-                          </a:solidFill>
-                          <a:effectLst/>
-                        </a:rPr>
-                        <a:t>206</a:t>
-                      </a:r>
-                      <a:endParaRPr lang="en-US" altLang="ja-JP" sz="1600" b="0" i="0" u="none" strike="noStrike">
-                        <a:solidFill>
-                          <a:srgbClr val="002060"/>
-                        </a:solidFill>
-                        <a:effectLst/>
-                        <a:latin typeface="Yu Gothic" panose="020B0400000000000000" pitchFamily="50" charset="-128"/>
-                        <a:ea typeface="Yu Gothic" panose="020B0400000000000000" pitchFamily="50" charset="-128"/>
-                      </a:endParaRPr>
-                    </a:p>
-                  </a:txBody>
-                  <a:tcPr marL="9525" marR="9525" marT="9525" marB="0" anchor="ctr"/>
-                </a:tc>
-                <a:tc>
-                  <a:txBody>
-                    <a:bodyPr/>
-                    <a:lstStyle/>
-                    <a:p>
-                      <a:pPr algn="r" fontAlgn="ctr"/>
-                      <a:r>
-                        <a:rPr lang="en-US" altLang="ja-JP" sz="1600" u="none" strike="noStrike">
-                          <a:solidFill>
-                            <a:srgbClr val="002060"/>
-                          </a:solidFill>
-                          <a:effectLst/>
-                        </a:rPr>
-                        <a:t>177</a:t>
-                      </a:r>
-                      <a:endParaRPr lang="en-US" altLang="ja-JP" sz="1600" b="0" i="0" u="none" strike="noStrike">
-                        <a:solidFill>
-                          <a:srgbClr val="002060"/>
-                        </a:solidFill>
-                        <a:effectLst/>
-                        <a:latin typeface="Yu Gothic" panose="020B0400000000000000" pitchFamily="50" charset="-128"/>
-                        <a:ea typeface="Yu Gothic" panose="020B0400000000000000" pitchFamily="50" charset="-128"/>
-                      </a:endParaRPr>
-                    </a:p>
-                  </a:txBody>
-                  <a:tcPr marL="9525" marR="9525" marT="9525" marB="0" anchor="ctr"/>
-                </a:tc>
-                <a:tc>
-                  <a:txBody>
-                    <a:bodyPr/>
-                    <a:lstStyle/>
-                    <a:p>
-                      <a:pPr algn="r" fontAlgn="ctr"/>
-                      <a:r>
-                        <a:rPr lang="en-US" altLang="ja-JP" sz="1600" u="none" strike="noStrike" dirty="0">
-                          <a:solidFill>
-                            <a:srgbClr val="002060"/>
-                          </a:solidFill>
-                          <a:effectLst/>
-                        </a:rPr>
-                        <a:t>140</a:t>
-                      </a:r>
-                      <a:endParaRPr lang="en-US" altLang="ja-JP" sz="1600" b="0" i="0" u="none" strike="noStrike" dirty="0">
-                        <a:solidFill>
-                          <a:srgbClr val="002060"/>
-                        </a:solidFill>
-                        <a:effectLst/>
-                        <a:latin typeface="Yu Gothic" panose="020B0400000000000000" pitchFamily="50" charset="-128"/>
-                        <a:ea typeface="Yu Gothic" panose="020B0400000000000000" pitchFamily="50" charset="-128"/>
-                      </a:endParaRPr>
-                    </a:p>
-                  </a:txBody>
-                  <a:tcPr marL="9525" marR="9525" marT="9525" marB="0" anchor="ctr"/>
-                </a:tc>
-                <a:extLst>
-                  <a:ext uri="{0D108BD9-81ED-4DB2-BD59-A6C34878D82A}">
-                    <a16:rowId xmlns:a16="http://schemas.microsoft.com/office/drawing/2014/main" val="3444382181"/>
-                  </a:ext>
-                </a:extLst>
-              </a:tr>
-            </a:tbl>
-          </a:graphicData>
-        </a:graphic>
-      </p:graphicFrame>
-      <p:graphicFrame>
-        <p:nvGraphicFramePr>
-          <p:cNvPr id="4" name="表 3">
-            <a:extLst>
-              <a:ext uri="{FF2B5EF4-FFF2-40B4-BE49-F238E27FC236}">
-                <a16:creationId xmlns:a16="http://schemas.microsoft.com/office/drawing/2014/main" id="{7CF96438-1781-4A0C-B008-62BBBDC08B2D}"/>
-              </a:ext>
-            </a:extLst>
-          </p:cNvPr>
-          <p:cNvGraphicFramePr>
-            <a:graphicFrameLocks noGrp="1"/>
-          </p:cNvGraphicFramePr>
-          <p:nvPr/>
-        </p:nvGraphicFramePr>
-        <p:xfrm>
-          <a:off x="335134" y="4408782"/>
-          <a:ext cx="1752972" cy="790797"/>
-        </p:xfrm>
-        <a:graphic>
-          <a:graphicData uri="http://schemas.openxmlformats.org/drawingml/2006/table">
-            <a:tbl>
-              <a:tblPr>
-                <a:tableStyleId>{5C22544A-7EE6-4342-B048-85BDC9FD1C3A}</a:tableStyleId>
-              </a:tblPr>
-              <a:tblGrid>
-                <a:gridCol w="584324">
-                  <a:extLst>
-                    <a:ext uri="{9D8B030D-6E8A-4147-A177-3AD203B41FA5}">
-                      <a16:colId xmlns:a16="http://schemas.microsoft.com/office/drawing/2014/main" val="3974635734"/>
-                    </a:ext>
-                  </a:extLst>
-                </a:gridCol>
-                <a:gridCol w="584324">
-                  <a:extLst>
-                    <a:ext uri="{9D8B030D-6E8A-4147-A177-3AD203B41FA5}">
-                      <a16:colId xmlns:a16="http://schemas.microsoft.com/office/drawing/2014/main" val="2169841945"/>
-                    </a:ext>
-                  </a:extLst>
-                </a:gridCol>
-                <a:gridCol w="584324">
-                  <a:extLst>
-                    <a:ext uri="{9D8B030D-6E8A-4147-A177-3AD203B41FA5}">
-                      <a16:colId xmlns:a16="http://schemas.microsoft.com/office/drawing/2014/main" val="1276072065"/>
-                    </a:ext>
-                  </a:extLst>
-                </a:gridCol>
-              </a:tblGrid>
-              <a:tr h="263599">
-                <a:tc>
-                  <a:txBody>
-                    <a:bodyPr/>
-                    <a:lstStyle/>
-                    <a:p>
-                      <a:pPr algn="r" fontAlgn="ctr"/>
-                      <a:r>
-                        <a:rPr lang="en-US" altLang="ja-JP" sz="1600" u="none" strike="noStrike" dirty="0">
-                          <a:effectLst/>
-                        </a:rPr>
-                        <a:t>103</a:t>
-                      </a:r>
-                      <a:endParaRPr lang="en-US" altLang="ja-JP" sz="1600" b="0" i="0" u="none" strike="noStrike" dirty="0">
-                        <a:solidFill>
-                          <a:srgbClr val="000000"/>
-                        </a:solidFill>
-                        <a:effectLst/>
-                        <a:latin typeface="Yu Gothic" panose="020B0400000000000000" pitchFamily="50" charset="-128"/>
-                        <a:ea typeface="Yu Gothic" panose="020B0400000000000000" pitchFamily="50" charset="-128"/>
-                      </a:endParaRPr>
-                    </a:p>
-                  </a:txBody>
-                  <a:tcPr marL="9525" marR="9525" marT="9525" marB="0" anchor="ctr"/>
-                </a:tc>
-                <a:tc>
-                  <a:txBody>
-                    <a:bodyPr/>
-                    <a:lstStyle/>
-                    <a:p>
-                      <a:pPr algn="r" fontAlgn="ctr"/>
-                      <a:r>
-                        <a:rPr lang="en-US" altLang="ja-JP" sz="1600" u="none" strike="noStrike" dirty="0">
-                          <a:effectLst/>
-                        </a:rPr>
-                        <a:t>76</a:t>
-                      </a:r>
-                      <a:endParaRPr lang="en-US" altLang="ja-JP" sz="1600" b="0" i="0" u="none" strike="noStrike" dirty="0">
-                        <a:solidFill>
-                          <a:srgbClr val="000000"/>
-                        </a:solidFill>
-                        <a:effectLst/>
-                        <a:latin typeface="Yu Gothic" panose="020B0400000000000000" pitchFamily="50" charset="-128"/>
-                        <a:ea typeface="Yu Gothic" panose="020B0400000000000000" pitchFamily="50" charset="-128"/>
-                      </a:endParaRPr>
-                    </a:p>
-                  </a:txBody>
-                  <a:tcPr marL="9525" marR="9525" marT="9525" marB="0" anchor="ctr"/>
-                </a:tc>
-                <a:tc>
-                  <a:txBody>
-                    <a:bodyPr/>
-                    <a:lstStyle/>
-                    <a:p>
-                      <a:pPr algn="r" fontAlgn="ctr"/>
-                      <a:r>
-                        <a:rPr lang="en-US" altLang="ja-JP" sz="1600" u="none" strike="noStrike">
-                          <a:effectLst/>
-                        </a:rPr>
-                        <a:t>56</a:t>
-                      </a:r>
-                      <a:endParaRPr lang="en-US" altLang="ja-JP" sz="1600" b="0" i="0" u="none" strike="noStrike">
-                        <a:solidFill>
-                          <a:srgbClr val="000000"/>
-                        </a:solidFill>
-                        <a:effectLst/>
-                        <a:latin typeface="Yu Gothic" panose="020B0400000000000000" pitchFamily="50" charset="-128"/>
-                        <a:ea typeface="Yu Gothic" panose="020B0400000000000000" pitchFamily="50" charset="-128"/>
-                      </a:endParaRPr>
-                    </a:p>
-                  </a:txBody>
-                  <a:tcPr marL="9525" marR="9525" marT="9525" marB="0" anchor="ctr"/>
-                </a:tc>
-                <a:extLst>
-                  <a:ext uri="{0D108BD9-81ED-4DB2-BD59-A6C34878D82A}">
-                    <a16:rowId xmlns:a16="http://schemas.microsoft.com/office/drawing/2014/main" val="1158533776"/>
-                  </a:ext>
-                </a:extLst>
-              </a:tr>
-              <a:tr h="263599">
-                <a:tc>
-                  <a:txBody>
-                    <a:bodyPr/>
-                    <a:lstStyle/>
-                    <a:p>
-                      <a:pPr algn="r" fontAlgn="ctr"/>
-                      <a:r>
-                        <a:rPr lang="en-US" altLang="ja-JP" sz="1600" u="none" strike="noStrike">
-                          <a:effectLst/>
-                        </a:rPr>
-                        <a:t>151</a:t>
-                      </a:r>
-                      <a:endParaRPr lang="en-US" altLang="ja-JP" sz="1600" b="0" i="0" u="none" strike="noStrike">
-                        <a:solidFill>
-                          <a:srgbClr val="000000"/>
-                        </a:solidFill>
-                        <a:effectLst/>
-                        <a:latin typeface="Yu Gothic" panose="020B0400000000000000" pitchFamily="50" charset="-128"/>
-                        <a:ea typeface="Yu Gothic" panose="020B0400000000000000" pitchFamily="50" charset="-128"/>
-                      </a:endParaRPr>
-                    </a:p>
-                  </a:txBody>
-                  <a:tcPr marL="9525" marR="9525" marT="9525" marB="0" anchor="ctr"/>
-                </a:tc>
-                <a:tc>
-                  <a:txBody>
-                    <a:bodyPr/>
-                    <a:lstStyle/>
-                    <a:p>
-                      <a:pPr algn="r" fontAlgn="ctr"/>
-                      <a:r>
-                        <a:rPr lang="en-US" altLang="ja-JP" sz="1600" u="none" strike="noStrike" dirty="0">
-                          <a:solidFill>
-                            <a:srgbClr val="FF0000"/>
-                          </a:solidFill>
-                          <a:effectLst/>
-                        </a:rPr>
-                        <a:t>119</a:t>
-                      </a:r>
-                      <a:endParaRPr lang="en-US" altLang="ja-JP" sz="1600" b="0" i="0" u="none" strike="noStrike" dirty="0">
-                        <a:solidFill>
-                          <a:srgbClr val="FF0000"/>
-                        </a:solidFill>
-                        <a:effectLst/>
-                        <a:latin typeface="Yu Gothic" panose="020B0400000000000000" pitchFamily="50" charset="-128"/>
-                        <a:ea typeface="Yu Gothic" panose="020B0400000000000000" pitchFamily="50" charset="-128"/>
-                      </a:endParaRPr>
-                    </a:p>
-                  </a:txBody>
-                  <a:tcPr marL="9525" marR="9525" marT="9525" marB="0" anchor="ctr"/>
-                </a:tc>
-                <a:tc>
-                  <a:txBody>
-                    <a:bodyPr/>
-                    <a:lstStyle/>
-                    <a:p>
-                      <a:pPr algn="r" fontAlgn="ctr"/>
-                      <a:r>
-                        <a:rPr lang="en-US" altLang="ja-JP" sz="1600" u="none" strike="noStrike" dirty="0">
-                          <a:effectLst/>
-                        </a:rPr>
-                        <a:t>87</a:t>
-                      </a:r>
-                      <a:endParaRPr lang="en-US" altLang="ja-JP" sz="1600" b="0" i="0" u="none" strike="noStrike" dirty="0">
-                        <a:solidFill>
-                          <a:srgbClr val="000000"/>
-                        </a:solidFill>
-                        <a:effectLst/>
-                        <a:latin typeface="Yu Gothic" panose="020B0400000000000000" pitchFamily="50" charset="-128"/>
-                        <a:ea typeface="Yu Gothic" panose="020B0400000000000000" pitchFamily="50" charset="-128"/>
-                      </a:endParaRPr>
-                    </a:p>
-                  </a:txBody>
-                  <a:tcPr marL="9525" marR="9525" marT="9525" marB="0" anchor="ctr"/>
-                </a:tc>
-                <a:extLst>
-                  <a:ext uri="{0D108BD9-81ED-4DB2-BD59-A6C34878D82A}">
-                    <a16:rowId xmlns:a16="http://schemas.microsoft.com/office/drawing/2014/main" val="2247878251"/>
-                  </a:ext>
-                </a:extLst>
-              </a:tr>
-              <a:tr h="263599">
-                <a:tc>
-                  <a:txBody>
-                    <a:bodyPr/>
-                    <a:lstStyle/>
-                    <a:p>
-                      <a:pPr algn="r" fontAlgn="ctr"/>
-                      <a:r>
-                        <a:rPr lang="en-US" altLang="ja-JP" sz="1600" u="none" strike="noStrike">
-                          <a:effectLst/>
-                        </a:rPr>
-                        <a:t>191</a:t>
-                      </a:r>
-                      <a:endParaRPr lang="en-US" altLang="ja-JP" sz="1600" b="0" i="0" u="none" strike="noStrike">
-                        <a:solidFill>
-                          <a:srgbClr val="000000"/>
-                        </a:solidFill>
-                        <a:effectLst/>
-                        <a:latin typeface="Yu Gothic" panose="020B0400000000000000" pitchFamily="50" charset="-128"/>
-                        <a:ea typeface="Yu Gothic" panose="020B0400000000000000" pitchFamily="50" charset="-128"/>
-                      </a:endParaRPr>
-                    </a:p>
-                  </a:txBody>
-                  <a:tcPr marL="9525" marR="9525" marT="9525" marB="0" anchor="ctr"/>
-                </a:tc>
-                <a:tc>
-                  <a:txBody>
-                    <a:bodyPr/>
-                    <a:lstStyle/>
-                    <a:p>
-                      <a:pPr algn="r" fontAlgn="ctr"/>
-                      <a:r>
-                        <a:rPr lang="en-US" altLang="ja-JP" sz="1600" u="none" strike="noStrike">
-                          <a:effectLst/>
-                        </a:rPr>
-                        <a:t>166</a:t>
-                      </a:r>
-                      <a:endParaRPr lang="en-US" altLang="ja-JP" sz="1600" b="0" i="0" u="none" strike="noStrike">
-                        <a:solidFill>
-                          <a:srgbClr val="000000"/>
-                        </a:solidFill>
-                        <a:effectLst/>
-                        <a:latin typeface="Yu Gothic" panose="020B0400000000000000" pitchFamily="50" charset="-128"/>
-                        <a:ea typeface="Yu Gothic" panose="020B0400000000000000" pitchFamily="50" charset="-128"/>
-                      </a:endParaRPr>
-                    </a:p>
-                  </a:txBody>
-                  <a:tcPr marL="9525" marR="9525" marT="9525" marB="0" anchor="ctr"/>
-                </a:tc>
-                <a:tc>
-                  <a:txBody>
-                    <a:bodyPr/>
-                    <a:lstStyle/>
-                    <a:p>
-                      <a:pPr algn="r" fontAlgn="ctr"/>
-                      <a:r>
-                        <a:rPr lang="en-US" altLang="ja-JP" sz="1600" u="none" strike="noStrike" dirty="0">
-                          <a:effectLst/>
-                        </a:rPr>
-                        <a:t>132</a:t>
-                      </a:r>
-                      <a:endParaRPr lang="en-US" altLang="ja-JP" sz="1600" b="0" i="0" u="none" strike="noStrike" dirty="0">
-                        <a:solidFill>
-                          <a:srgbClr val="000000"/>
-                        </a:solidFill>
-                        <a:effectLst/>
-                        <a:latin typeface="Yu Gothic" panose="020B0400000000000000" pitchFamily="50" charset="-128"/>
-                        <a:ea typeface="Yu Gothic" panose="020B0400000000000000" pitchFamily="50" charset="-128"/>
-                      </a:endParaRPr>
-                    </a:p>
-                  </a:txBody>
-                  <a:tcPr marL="9525" marR="9525" marT="9525" marB="0" anchor="ctr"/>
-                </a:tc>
-                <a:extLst>
-                  <a:ext uri="{0D108BD9-81ED-4DB2-BD59-A6C34878D82A}">
-                    <a16:rowId xmlns:a16="http://schemas.microsoft.com/office/drawing/2014/main" val="3769546715"/>
-                  </a:ext>
-                </a:extLst>
-              </a:tr>
-            </a:tbl>
-          </a:graphicData>
-        </a:graphic>
-      </p:graphicFrame>
-      <p:sp>
-        <p:nvSpPr>
-          <p:cNvPr id="6" name="テキスト ボックス 5">
-            <a:extLst>
-              <a:ext uri="{FF2B5EF4-FFF2-40B4-BE49-F238E27FC236}">
-                <a16:creationId xmlns:a16="http://schemas.microsoft.com/office/drawing/2014/main" id="{7E1E2359-C6D9-4E3E-98B1-F0686D25B388}"/>
-              </a:ext>
-            </a:extLst>
-          </p:cNvPr>
-          <p:cNvSpPr txBox="1"/>
-          <p:nvPr/>
-        </p:nvSpPr>
-        <p:spPr>
-          <a:xfrm>
-            <a:off x="4612944" y="1685850"/>
-            <a:ext cx="4374916" cy="2308324"/>
-          </a:xfrm>
-          <a:prstGeom prst="rect">
-            <a:avLst/>
-          </a:prstGeom>
-          <a:noFill/>
-        </p:spPr>
-        <p:txBody>
-          <a:bodyPr wrap="none" rtlCol="0">
-            <a:spAutoFit/>
-          </a:bodyPr>
-          <a:lstStyle/>
-          <a:p>
-            <a:r>
-              <a:rPr kumimoji="1" lang="ja-JP" altLang="en-US" sz="2400" dirty="0"/>
-              <a:t>元画像の画素</a:t>
-            </a:r>
-            <a:r>
-              <a:rPr kumimoji="1" lang="en-US" altLang="ja-JP" sz="2400" dirty="0"/>
-              <a:t>3x3</a:t>
-            </a:r>
-            <a:r>
-              <a:rPr kumimoji="1" lang="ja-JP" altLang="en-US" sz="2400" dirty="0"/>
-              <a:t>を処理すると</a:t>
-            </a:r>
-            <a:endParaRPr kumimoji="1" lang="en-US" altLang="ja-JP" sz="2400" dirty="0"/>
-          </a:p>
-          <a:p>
-            <a:r>
-              <a:rPr kumimoji="1" lang="en-US" altLang="ja-JP" sz="2400" dirty="0">
-                <a:latin typeface="Cambria Math" panose="02040503050406030204" pitchFamily="18" charset="0"/>
-              </a:rPr>
-              <a:t>(  96  +56  +51</a:t>
-            </a:r>
-          </a:p>
-          <a:p>
-            <a:r>
-              <a:rPr kumimoji="1" lang="en-US" altLang="ja-JP" sz="2400" dirty="0">
-                <a:latin typeface="Cambria Math" panose="02040503050406030204" pitchFamily="18" charset="0"/>
-              </a:rPr>
-              <a:t>+159+114+77</a:t>
-            </a:r>
-          </a:p>
-          <a:p>
-            <a:r>
-              <a:rPr kumimoji="1" lang="en-US" altLang="ja-JP" sz="2400" dirty="0">
-                <a:latin typeface="Cambria Math" panose="02040503050406030204" pitchFamily="18" charset="0"/>
-              </a:rPr>
-              <a:t>+206+177+140)/9</a:t>
-            </a:r>
-          </a:p>
-          <a:p>
-            <a:r>
-              <a:rPr kumimoji="1" lang="en-US" altLang="ja-JP" sz="2400" dirty="0">
-                <a:latin typeface="Cambria Math" panose="02040503050406030204" pitchFamily="18" charset="0"/>
-              </a:rPr>
-              <a:t>=1076/9</a:t>
-            </a:r>
-          </a:p>
-          <a:p>
-            <a:r>
-              <a:rPr kumimoji="1" lang="en-US" altLang="ja-JP" sz="2400" dirty="0">
-                <a:latin typeface="Cambria Math" panose="02040503050406030204" pitchFamily="18" charset="0"/>
-              </a:rPr>
-              <a:t>=</a:t>
-            </a:r>
-            <a:r>
-              <a:rPr kumimoji="1" lang="en-US" altLang="ja-JP" sz="2400" dirty="0">
-                <a:solidFill>
-                  <a:srgbClr val="FF0000"/>
-                </a:solidFill>
-                <a:latin typeface="Cambria Math" panose="02040503050406030204" pitchFamily="18" charset="0"/>
-              </a:rPr>
-              <a:t>119</a:t>
-            </a:r>
-            <a:r>
-              <a:rPr kumimoji="1" lang="en-US" altLang="ja-JP" sz="2400" dirty="0">
-                <a:latin typeface="Cambria Math" panose="02040503050406030204" pitchFamily="18" charset="0"/>
-              </a:rPr>
-              <a:t>.55555…</a:t>
-            </a:r>
-          </a:p>
-        </p:txBody>
-      </p:sp>
-      <p:sp>
-        <p:nvSpPr>
-          <p:cNvPr id="7" name="正方形/長方形 6">
-            <a:extLst>
-              <a:ext uri="{FF2B5EF4-FFF2-40B4-BE49-F238E27FC236}">
-                <a16:creationId xmlns:a16="http://schemas.microsoft.com/office/drawing/2014/main" id="{610C71DC-FD2D-48A3-A350-1555076550BB}"/>
-              </a:ext>
-            </a:extLst>
-          </p:cNvPr>
-          <p:cNvSpPr/>
-          <p:nvPr/>
-        </p:nvSpPr>
-        <p:spPr>
-          <a:xfrm>
-            <a:off x="941696" y="2415310"/>
-            <a:ext cx="668740" cy="668740"/>
-          </a:xfrm>
-          <a:prstGeom prst="rect">
-            <a:avLst/>
-          </a:prstGeom>
-          <a:noFill/>
-          <a:ln>
-            <a:solidFill>
-              <a:srgbClr val="FF0000"/>
-            </a:solidFill>
-          </a:ln>
-        </p:spPr>
-        <p:style>
-          <a:lnRef idx="2">
-            <a:schemeClr val="accent1">
-              <a:shade val="50000"/>
-            </a:schemeClr>
-          </a:lnRef>
-          <a:fillRef idx="1">
-            <a:schemeClr val="accent1"/>
-          </a:fillRef>
-          <a:effectRef idx="0">
-            <a:schemeClr val="accent1"/>
-          </a:effectRef>
-          <a:fontRef idx="minor">
-            <a:schemeClr val="lt1"/>
-          </a:fontRef>
-        </p:style>
-        <p:txBody>
-          <a:bodyPr rtlCol="0" anchor="ctr"/>
-          <a:lstStyle/>
-          <a:p>
-            <a:pPr algn="ctr"/>
-            <a:endParaRPr kumimoji="1" lang="ja-JP" altLang="en-US"/>
-          </a:p>
-        </p:txBody>
-      </p:sp>
-      <p:sp>
-        <p:nvSpPr>
-          <p:cNvPr id="16" name="正方形/長方形 15">
-            <a:extLst>
-              <a:ext uri="{FF2B5EF4-FFF2-40B4-BE49-F238E27FC236}">
-                <a16:creationId xmlns:a16="http://schemas.microsoft.com/office/drawing/2014/main" id="{2C0A0B32-9EB9-4B74-9B03-9BCDDD2DBA2E}"/>
-              </a:ext>
-            </a:extLst>
-          </p:cNvPr>
-          <p:cNvSpPr/>
-          <p:nvPr/>
-        </p:nvSpPr>
-        <p:spPr>
-          <a:xfrm>
-            <a:off x="3278759" y="2583192"/>
-            <a:ext cx="271076" cy="259308"/>
-          </a:xfrm>
-          <a:prstGeom prst="rect">
-            <a:avLst/>
-          </a:prstGeom>
-          <a:noFill/>
-          <a:ln>
-            <a:solidFill>
-              <a:srgbClr val="FF0000"/>
-            </a:solidFill>
-          </a:ln>
-        </p:spPr>
-        <p:style>
-          <a:lnRef idx="2">
-            <a:schemeClr val="accent1">
-              <a:shade val="50000"/>
-            </a:schemeClr>
-          </a:lnRef>
-          <a:fillRef idx="1">
-            <a:schemeClr val="accent1"/>
-          </a:fillRef>
-          <a:effectRef idx="0">
-            <a:schemeClr val="accent1"/>
-          </a:effectRef>
-          <a:fontRef idx="minor">
-            <a:schemeClr val="lt1"/>
-          </a:fontRef>
-        </p:style>
-        <p:txBody>
-          <a:bodyPr rtlCol="0" anchor="ctr"/>
-          <a:lstStyle/>
-          <a:p>
-            <a:pPr algn="ctr"/>
-            <a:endParaRPr kumimoji="1" lang="ja-JP" altLang="en-US"/>
-          </a:p>
-        </p:txBody>
-      </p:sp>
-    </p:spTree>
-    <p:extLst>
-      <p:ext uri="{BB962C8B-B14F-4D97-AF65-F5344CB8AC3E}">
-        <p14:creationId xmlns:p14="http://schemas.microsoft.com/office/powerpoint/2010/main" val="362230498"/>
-      </p:ext>
-    </p:extLst>
-  </p:cSld>
-  <p:clrMapOvr>
-    <a:masterClrMapping/>
-  </p:clrMapOvr>
-</p:sld>
-</file>
-
-<file path=ppt/slides/slide15.xml><?xml version="1.0" encoding="utf-8"?>
 <p:sld xmlns:a="http://schemas.openxmlformats.org/drawingml/2006/main" xmlns:r="http://schemas.openxmlformats.org/officeDocument/2006/relationships" xmlns:p="http://schemas.openxmlformats.org/presentationml/2006/main">
   <p:cSld>
     <p:spTree>
@@ -22335,7 +21247,7 @@
                 </a:spcAft>
                 <a:buNone/>
               </a:pPr>
-              <a:t>15</a:t>
+              <a:t>14</a:t>
             </a:fld>
             <a:endParaRPr/>
           </a:p>
@@ -22429,7 +21341,7 @@
 </p:sld>
 </file>
 
-<file path=ppt/slides/slide16.xml><?xml version="1.0" encoding="utf-8"?>
+<file path=ppt/slides/slide15.xml><?xml version="1.0" encoding="utf-8"?>
 <p:sld xmlns:a="http://schemas.openxmlformats.org/drawingml/2006/main" xmlns:r="http://schemas.openxmlformats.org/officeDocument/2006/relationships" xmlns:p="http://schemas.openxmlformats.org/presentationml/2006/main">
   <p:cSld>
     <p:spTree>
@@ -22559,7 +21471,7 @@
                 </a:spcAft>
                 <a:buNone/>
               </a:pPr>
-              <a:t>16</a:t>
+              <a:t>15</a:t>
             </a:fld>
             <a:endParaRPr/>
           </a:p>
@@ -22822,7 +21734,7 @@
 </p:sld>
 </file>
 
-<file path=ppt/slides/slide17.xml><?xml version="1.0" encoding="utf-8"?>
+<file path=ppt/slides/slide16.xml><?xml version="1.0" encoding="utf-8"?>
 <p:sld xmlns:a="http://schemas.openxmlformats.org/drawingml/2006/main" xmlns:r="http://schemas.openxmlformats.org/officeDocument/2006/relationships" xmlns:p="http://schemas.openxmlformats.org/presentationml/2006/main">
   <p:cSld>
     <p:spTree>
@@ -22983,7 +21895,7 @@
                 </a:spcAft>
                 <a:buNone/>
               </a:pPr>
-              <a:t>17</a:t>
+              <a:t>16</a:t>
             </a:fld>
             <a:endParaRPr/>
           </a:p>
@@ -23014,6 +21926,635 @@
         </p:spPr>
       </p:pic>
     </p:spTree>
+  </p:cSld>
+  <p:clrMapOvr>
+    <a:masterClrMapping/>
+  </p:clrMapOvr>
+</p:sld>
+</file>
+
+<file path=ppt/slides/slide17.xml><?xml version="1.0" encoding="utf-8"?>
+<p:sld xmlns:a="http://schemas.openxmlformats.org/drawingml/2006/main" xmlns:r="http://schemas.openxmlformats.org/officeDocument/2006/relationships" xmlns:p="http://schemas.openxmlformats.org/presentationml/2006/main">
+  <p:cSld>
+    <p:spTree>
+      <p:nvGrpSpPr>
+        <p:cNvPr id="1" name=""/>
+        <p:cNvGrpSpPr/>
+        <p:nvPr/>
+      </p:nvGrpSpPr>
+      <p:grpSpPr>
+        <a:xfrm>
+          <a:off x="0" y="0"/>
+          <a:ext cx="0" cy="0"/>
+          <a:chOff x="0" y="0"/>
+          <a:chExt cx="0" cy="0"/>
+        </a:xfrm>
+      </p:grpSpPr>
+      <p:sp>
+        <p:nvSpPr>
+          <p:cNvPr id="2" name="タイトル 1">
+            <a:extLst>
+              <a:ext uri="{FF2B5EF4-FFF2-40B4-BE49-F238E27FC236}">
+                <a16:creationId xmlns:a16="http://schemas.microsoft.com/office/drawing/2014/main" id="{250D3755-8729-492D-8A2D-F7D583E880B3}"/>
+              </a:ext>
+            </a:extLst>
+          </p:cNvPr>
+          <p:cNvSpPr>
+            <a:spLocks noGrp="1"/>
+          </p:cNvSpPr>
+          <p:nvPr>
+            <p:ph type="title"/>
+          </p:nvPr>
+        </p:nvSpPr>
+        <p:spPr/>
+        <p:txBody>
+          <a:bodyPr/>
+          <a:lstStyle/>
+          <a:p>
+            <a:r>
+              <a:rPr lang="ja-JP" altLang="ja-JP" dirty="0">
+                <a:latin typeface="MS PGothic"/>
+                <a:ea typeface="MS PGothic"/>
+                <a:cs typeface="MS PGothic"/>
+                <a:sym typeface="MS PGothic"/>
+              </a:rPr>
+              <a:t>実行結果（</a:t>
+            </a:r>
+            <a:r>
+              <a:rPr lang="ja-JP" altLang="en-US" dirty="0">
+                <a:latin typeface="MS PGothic"/>
+                <a:ea typeface="MS PGothic"/>
+                <a:cs typeface="MS PGothic"/>
+                <a:sym typeface="MS PGothic"/>
+              </a:rPr>
+              <a:t>ラプラシアンフィルタ</a:t>
+            </a:r>
+            <a:r>
+              <a:rPr lang="ja-JP" altLang="ja-JP" dirty="0">
+                <a:latin typeface="MS PGothic"/>
+                <a:ea typeface="MS PGothic"/>
+                <a:cs typeface="MS PGothic"/>
+                <a:sym typeface="MS PGothic"/>
+              </a:rPr>
+              <a:t>）</a:t>
+            </a:r>
+            <a:endParaRPr kumimoji="1" lang="ja-JP" altLang="en-US" dirty="0"/>
+          </a:p>
+        </p:txBody>
+      </p:sp>
+      <p:sp>
+        <p:nvSpPr>
+          <p:cNvPr id="5" name="スライド番号プレースホルダー 4">
+            <a:extLst>
+              <a:ext uri="{FF2B5EF4-FFF2-40B4-BE49-F238E27FC236}">
+                <a16:creationId xmlns:a16="http://schemas.microsoft.com/office/drawing/2014/main" id="{85D82F13-F395-45C9-BE5B-7B18A1DEEA7F}"/>
+              </a:ext>
+            </a:extLst>
+          </p:cNvPr>
+          <p:cNvSpPr>
+            <a:spLocks noGrp="1"/>
+          </p:cNvSpPr>
+          <p:nvPr>
+            <p:ph type="sldNum" idx="12"/>
+          </p:nvPr>
+        </p:nvSpPr>
+        <p:spPr/>
+        <p:txBody>
+          <a:bodyPr/>
+          <a:lstStyle/>
+          <a:p>
+            <a:pPr marL="0" lvl="0" indent="0" algn="r" rtl="0">
+              <a:spcBef>
+                <a:spcPts val="0"/>
+              </a:spcBef>
+              <a:spcAft>
+                <a:spcPts val="0"/>
+              </a:spcAft>
+              <a:buNone/>
+            </a:pPr>
+            <a:fld id="{00000000-1234-1234-1234-123412341234}" type="slidenum">
+              <a:rPr lang="en-US" altLang="ja-JP" smtClean="0"/>
+              <a:pPr marL="0" lvl="0" indent="0" algn="r" rtl="0">
+                <a:spcBef>
+                  <a:spcPts val="0"/>
+                </a:spcBef>
+                <a:spcAft>
+                  <a:spcPts val="0"/>
+                </a:spcAft>
+                <a:buNone/>
+              </a:pPr>
+              <a:t>17</a:t>
+            </a:fld>
+            <a:endParaRPr lang="en-US"/>
+          </a:p>
+        </p:txBody>
+      </p:sp>
+      <p:pic>
+        <p:nvPicPr>
+          <p:cNvPr id="11" name="図 10">
+            <a:extLst>
+              <a:ext uri="{FF2B5EF4-FFF2-40B4-BE49-F238E27FC236}">
+                <a16:creationId xmlns:a16="http://schemas.microsoft.com/office/drawing/2014/main" id="{424C7D7F-7659-4973-ABBE-8BC3669341D5}"/>
+              </a:ext>
+            </a:extLst>
+          </p:cNvPr>
+          <p:cNvPicPr>
+            <a:picLocks noChangeAspect="1"/>
+          </p:cNvPicPr>
+          <p:nvPr/>
+        </p:nvPicPr>
+        <p:blipFill>
+          <a:blip r:embed="rId2"/>
+          <a:stretch>
+            <a:fillRect/>
+          </a:stretch>
+        </p:blipFill>
+        <p:spPr>
+          <a:xfrm>
+            <a:off x="332095" y="1769232"/>
+            <a:ext cx="2099480" cy="2099480"/>
+          </a:xfrm>
+          <a:prstGeom prst="rect">
+            <a:avLst/>
+          </a:prstGeom>
+        </p:spPr>
+      </p:pic>
+      <p:sp>
+        <p:nvSpPr>
+          <p:cNvPr id="12" name="正方形/長方形 11">
+            <a:extLst>
+              <a:ext uri="{FF2B5EF4-FFF2-40B4-BE49-F238E27FC236}">
+                <a16:creationId xmlns:a16="http://schemas.microsoft.com/office/drawing/2014/main" id="{FB815B27-DFCC-4695-8714-AC755F79EA8A}"/>
+              </a:ext>
+            </a:extLst>
+          </p:cNvPr>
+          <p:cNvSpPr/>
+          <p:nvPr/>
+        </p:nvSpPr>
+        <p:spPr>
+          <a:xfrm>
+            <a:off x="332095" y="5670849"/>
+            <a:ext cx="3390672" cy="369332"/>
+          </a:xfrm>
+          <a:prstGeom prst="rect">
+            <a:avLst/>
+          </a:prstGeom>
+          <a:solidFill>
+            <a:schemeClr val="bg2">
+              <a:lumMod val="20000"/>
+              <a:lumOff val="80000"/>
+            </a:schemeClr>
+          </a:solidFill>
+          <a:ln>
+            <a:solidFill>
+              <a:schemeClr val="tx1"/>
+            </a:solidFill>
+          </a:ln>
+        </p:spPr>
+        <p:txBody>
+          <a:bodyPr wrap="none">
+            <a:spAutoFit/>
+          </a:bodyPr>
+          <a:lstStyle/>
+          <a:p>
+            <a:r>
+              <a:rPr lang="en-US" altLang="ja-JP" sz="1800" dirty="0">
+                <a:latin typeface="Yu Gothic" panose="020B0400000000000000" pitchFamily="50" charset="-128"/>
+                <a:ea typeface="Yu Gothic" panose="020B0400000000000000" pitchFamily="50" charset="-128"/>
+              </a:rPr>
+              <a:t>219</a:t>
+            </a:r>
+            <a:r>
+              <a:rPr lang="ja-JP" altLang="en-US" sz="1800" dirty="0"/>
+              <a:t> </a:t>
+            </a:r>
+            <a:r>
+              <a:rPr lang="en-US" altLang="ja-JP" sz="1800" dirty="0">
+                <a:latin typeface="Yu Gothic" panose="020B0400000000000000" pitchFamily="50" charset="-128"/>
+                <a:ea typeface="Yu Gothic" panose="020B0400000000000000" pitchFamily="50" charset="-128"/>
+              </a:rPr>
+              <a:t>215</a:t>
+            </a:r>
+            <a:r>
+              <a:rPr lang="ja-JP" altLang="en-US" sz="1800" dirty="0"/>
+              <a:t> </a:t>
+            </a:r>
+            <a:r>
+              <a:rPr lang="en-US" altLang="ja-JP" sz="1800" dirty="0">
+                <a:latin typeface="Yu Gothic" panose="020B0400000000000000" pitchFamily="50" charset="-128"/>
+                <a:ea typeface="Yu Gothic" panose="020B0400000000000000" pitchFamily="50" charset="-128"/>
+              </a:rPr>
+              <a:t>197</a:t>
+            </a:r>
+            <a:r>
+              <a:rPr lang="ja-JP" altLang="en-US" sz="1800" dirty="0"/>
+              <a:t> </a:t>
+            </a:r>
+            <a:r>
+              <a:rPr lang="en-US" altLang="ja-JP" sz="1800" dirty="0">
+                <a:latin typeface="Yu Gothic" panose="020B0400000000000000" pitchFamily="50" charset="-128"/>
+                <a:ea typeface="Yu Gothic" panose="020B0400000000000000" pitchFamily="50" charset="-128"/>
+              </a:rPr>
+              <a:t>159</a:t>
+            </a:r>
+            <a:r>
+              <a:rPr lang="ja-JP" altLang="en-US" sz="1800" dirty="0"/>
+              <a:t> </a:t>
+            </a:r>
+            <a:r>
+              <a:rPr lang="en-US" altLang="ja-JP" sz="1800" dirty="0">
+                <a:latin typeface="Yu Gothic" panose="020B0400000000000000" pitchFamily="50" charset="-128"/>
+                <a:ea typeface="Yu Gothic" panose="020B0400000000000000" pitchFamily="50" charset="-128"/>
+              </a:rPr>
+              <a:t>114</a:t>
+            </a:r>
+            <a:r>
+              <a:rPr lang="ja-JP" altLang="en-US" sz="1800" dirty="0"/>
+              <a:t> </a:t>
+            </a:r>
+            <a:r>
+              <a:rPr lang="en-US" altLang="ja-JP" sz="1800" dirty="0">
+                <a:latin typeface="Yu Gothic" panose="020B0400000000000000" pitchFamily="50" charset="-128"/>
+                <a:ea typeface="Yu Gothic" panose="020B0400000000000000" pitchFamily="50" charset="-128"/>
+              </a:rPr>
+              <a:t>77</a:t>
+            </a:r>
+            <a:r>
+              <a:rPr lang="ja-JP" altLang="en-US" sz="1800" dirty="0"/>
+              <a:t> </a:t>
+            </a:r>
+            <a:r>
+              <a:rPr lang="en-US" altLang="ja-JP" sz="1800" dirty="0">
+                <a:latin typeface="Yu Gothic" panose="020B0400000000000000" pitchFamily="50" charset="-128"/>
+                <a:ea typeface="Yu Gothic" panose="020B0400000000000000" pitchFamily="50" charset="-128"/>
+              </a:rPr>
+              <a:t>45</a:t>
+            </a:r>
+            <a:r>
+              <a:rPr lang="ja-JP" altLang="en-US" sz="1800" dirty="0"/>
+              <a:t> </a:t>
+            </a:r>
+            <a:r>
+              <a:rPr lang="en-US" altLang="ja-JP" sz="1800" dirty="0">
+                <a:latin typeface="Yu Gothic" panose="020B0400000000000000" pitchFamily="50" charset="-128"/>
+                <a:ea typeface="Yu Gothic" panose="020B0400000000000000" pitchFamily="50" charset="-128"/>
+              </a:rPr>
+              <a:t>43</a:t>
+            </a:r>
+            <a:r>
+              <a:rPr lang="ja-JP" altLang="en-US" sz="1800" dirty="0"/>
+              <a:t> </a:t>
+            </a:r>
+          </a:p>
+        </p:txBody>
+      </p:sp>
+      <p:sp>
+        <p:nvSpPr>
+          <p:cNvPr id="13" name="正方形/長方形 12">
+            <a:extLst>
+              <a:ext uri="{FF2B5EF4-FFF2-40B4-BE49-F238E27FC236}">
+                <a16:creationId xmlns:a16="http://schemas.microsoft.com/office/drawing/2014/main" id="{87E80D71-0DE1-4028-A118-0CA1B743AC97}"/>
+              </a:ext>
+            </a:extLst>
+          </p:cNvPr>
+          <p:cNvSpPr/>
+          <p:nvPr/>
+        </p:nvSpPr>
+        <p:spPr>
+          <a:xfrm>
+            <a:off x="332095" y="4822771"/>
+            <a:ext cx="3262432" cy="369332"/>
+          </a:xfrm>
+          <a:prstGeom prst="rect">
+            <a:avLst/>
+          </a:prstGeom>
+          <a:solidFill>
+            <a:schemeClr val="tx2">
+              <a:lumMod val="90000"/>
+            </a:schemeClr>
+          </a:solidFill>
+          <a:ln>
+            <a:solidFill>
+              <a:schemeClr val="tx1"/>
+            </a:solidFill>
+          </a:ln>
+        </p:spPr>
+        <p:txBody>
+          <a:bodyPr wrap="none">
+            <a:spAutoFit/>
+          </a:bodyPr>
+          <a:lstStyle/>
+          <a:p>
+            <a:r>
+              <a:rPr lang="en-US" altLang="ja-JP" sz="1800" dirty="0">
+                <a:latin typeface="Yu Gothic" panose="020B0400000000000000" pitchFamily="50" charset="-128"/>
+                <a:ea typeface="Yu Gothic" panose="020B0400000000000000" pitchFamily="50" charset="-128"/>
+              </a:rPr>
+              <a:t>207</a:t>
+            </a:r>
+            <a:r>
+              <a:rPr lang="ja-JP" altLang="en-US" sz="1800" dirty="0"/>
+              <a:t> </a:t>
+            </a:r>
+            <a:r>
+              <a:rPr lang="en-US" altLang="ja-JP" sz="1800" dirty="0">
+                <a:latin typeface="Yu Gothic" panose="020B0400000000000000" pitchFamily="50" charset="-128"/>
+                <a:ea typeface="Yu Gothic" panose="020B0400000000000000" pitchFamily="50" charset="-128"/>
+              </a:rPr>
+              <a:t>161</a:t>
+            </a:r>
+            <a:r>
+              <a:rPr lang="ja-JP" altLang="en-US" sz="1800" dirty="0"/>
+              <a:t> </a:t>
+            </a:r>
+            <a:r>
+              <a:rPr lang="en-US" altLang="ja-JP" sz="1800" dirty="0">
+                <a:latin typeface="Yu Gothic" panose="020B0400000000000000" pitchFamily="50" charset="-128"/>
+                <a:ea typeface="Yu Gothic" panose="020B0400000000000000" pitchFamily="50" charset="-128"/>
+              </a:rPr>
+              <a:t>90</a:t>
+            </a:r>
+            <a:r>
+              <a:rPr lang="ja-JP" altLang="en-US" sz="1800" dirty="0"/>
+              <a:t> </a:t>
+            </a:r>
+            <a:r>
+              <a:rPr lang="en-US" altLang="ja-JP" sz="1800" dirty="0">
+                <a:latin typeface="Yu Gothic" panose="020B0400000000000000" pitchFamily="50" charset="-128"/>
+                <a:ea typeface="Yu Gothic" panose="020B0400000000000000" pitchFamily="50" charset="-128"/>
+              </a:rPr>
+              <a:t>22</a:t>
+            </a:r>
+            <a:r>
+              <a:rPr lang="ja-JP" altLang="en-US" sz="1800" dirty="0"/>
+              <a:t> </a:t>
+            </a:r>
+            <a:r>
+              <a:rPr lang="en-US" altLang="ja-JP" sz="1800" dirty="0">
+                <a:latin typeface="Yu Gothic" panose="020B0400000000000000" pitchFamily="50" charset="-128"/>
+                <a:ea typeface="Yu Gothic" panose="020B0400000000000000" pitchFamily="50" charset="-128"/>
+              </a:rPr>
+              <a:t>33</a:t>
+            </a:r>
+            <a:r>
+              <a:rPr lang="ja-JP" altLang="en-US" sz="1800" dirty="0"/>
+              <a:t> </a:t>
+            </a:r>
+            <a:r>
+              <a:rPr lang="en-US" altLang="ja-JP" sz="1800" dirty="0">
+                <a:latin typeface="Yu Gothic" panose="020B0400000000000000" pitchFamily="50" charset="-128"/>
+                <a:ea typeface="Yu Gothic" panose="020B0400000000000000" pitchFamily="50" charset="-128"/>
+              </a:rPr>
+              <a:t>60</a:t>
+            </a:r>
+            <a:r>
+              <a:rPr lang="ja-JP" altLang="en-US" sz="1800" dirty="0"/>
+              <a:t> </a:t>
+            </a:r>
+            <a:r>
+              <a:rPr lang="en-US" altLang="ja-JP" sz="1800" dirty="0">
+                <a:latin typeface="Yu Gothic" panose="020B0400000000000000" pitchFamily="50" charset="-128"/>
+                <a:ea typeface="Yu Gothic" panose="020B0400000000000000" pitchFamily="50" charset="-128"/>
+              </a:rPr>
+              <a:t>114</a:t>
+            </a:r>
+            <a:r>
+              <a:rPr lang="ja-JP" altLang="en-US" sz="1800" dirty="0"/>
+              <a:t> </a:t>
+            </a:r>
+            <a:r>
+              <a:rPr lang="en-US" altLang="ja-JP" sz="1800" dirty="0">
+                <a:latin typeface="Yu Gothic" panose="020B0400000000000000" pitchFamily="50" charset="-128"/>
+                <a:ea typeface="Yu Gothic" panose="020B0400000000000000" pitchFamily="50" charset="-128"/>
+              </a:rPr>
+              <a:t>201</a:t>
+            </a:r>
+            <a:r>
+              <a:rPr lang="ja-JP" altLang="en-US" sz="1800" dirty="0"/>
+              <a:t> </a:t>
+            </a:r>
+          </a:p>
+        </p:txBody>
+      </p:sp>
+      <p:sp>
+        <p:nvSpPr>
+          <p:cNvPr id="14" name="テキスト ボックス 13">
+            <a:extLst>
+              <a:ext uri="{FF2B5EF4-FFF2-40B4-BE49-F238E27FC236}">
+                <a16:creationId xmlns:a16="http://schemas.microsoft.com/office/drawing/2014/main" id="{6138A02E-4A6A-4FE3-ABF4-F079440FAE81}"/>
+              </a:ext>
+            </a:extLst>
+          </p:cNvPr>
+          <p:cNvSpPr txBox="1"/>
+          <p:nvPr/>
+        </p:nvSpPr>
+        <p:spPr>
+          <a:xfrm>
+            <a:off x="332095" y="4347458"/>
+            <a:ext cx="2544286" cy="461665"/>
+          </a:xfrm>
+          <a:prstGeom prst="rect">
+            <a:avLst/>
+          </a:prstGeom>
+          <a:noFill/>
+        </p:spPr>
+        <p:txBody>
+          <a:bodyPr wrap="none" rtlCol="0">
+            <a:spAutoFit/>
+          </a:bodyPr>
+          <a:lstStyle/>
+          <a:p>
+            <a:r>
+              <a:rPr kumimoji="1" lang="ja-JP" altLang="en-US" sz="2400" dirty="0"/>
+              <a:t>実行結果</a:t>
+            </a:r>
+            <a:r>
+              <a:rPr kumimoji="1" lang="en-US" altLang="ja-JP" sz="2400" dirty="0"/>
+              <a:t>(</a:t>
+            </a:r>
+            <a:r>
+              <a:rPr kumimoji="1" lang="ja-JP" altLang="en-US" sz="2400" dirty="0"/>
+              <a:t>右図青</a:t>
+            </a:r>
+            <a:r>
+              <a:rPr kumimoji="1" lang="en-US" altLang="ja-JP" sz="2400" dirty="0"/>
+              <a:t>)</a:t>
+            </a:r>
+            <a:endParaRPr kumimoji="1" lang="ja-JP" altLang="en-US" sz="2400" dirty="0"/>
+          </a:p>
+        </p:txBody>
+      </p:sp>
+      <p:sp>
+        <p:nvSpPr>
+          <p:cNvPr id="15" name="テキスト ボックス 14">
+            <a:extLst>
+              <a:ext uri="{FF2B5EF4-FFF2-40B4-BE49-F238E27FC236}">
+                <a16:creationId xmlns:a16="http://schemas.microsoft.com/office/drawing/2014/main" id="{4B59CDCF-4469-4200-94D2-897B3B89FB39}"/>
+              </a:ext>
+            </a:extLst>
+          </p:cNvPr>
+          <p:cNvSpPr txBox="1"/>
+          <p:nvPr/>
+        </p:nvSpPr>
+        <p:spPr>
+          <a:xfrm>
+            <a:off x="332095" y="5241220"/>
+            <a:ext cx="2236510" cy="461665"/>
+          </a:xfrm>
+          <a:prstGeom prst="rect">
+            <a:avLst/>
+          </a:prstGeom>
+          <a:noFill/>
+        </p:spPr>
+        <p:txBody>
+          <a:bodyPr wrap="none" rtlCol="0">
+            <a:spAutoFit/>
+          </a:bodyPr>
+          <a:lstStyle/>
+          <a:p>
+            <a:r>
+              <a:rPr kumimoji="1" lang="ja-JP" altLang="en-US" sz="2400" dirty="0"/>
+              <a:t>元画像</a:t>
+            </a:r>
+            <a:r>
+              <a:rPr kumimoji="1" lang="en-US" altLang="ja-JP" sz="2400" dirty="0"/>
+              <a:t>(</a:t>
+            </a:r>
+            <a:r>
+              <a:rPr kumimoji="1" lang="ja-JP" altLang="en-US" sz="2400" dirty="0"/>
+              <a:t>右図赤</a:t>
+            </a:r>
+            <a:r>
+              <a:rPr kumimoji="1" lang="en-US" altLang="ja-JP" sz="2400" dirty="0"/>
+              <a:t>)</a:t>
+            </a:r>
+            <a:endParaRPr kumimoji="1" lang="ja-JP" altLang="en-US" sz="2400" dirty="0"/>
+          </a:p>
+        </p:txBody>
+      </p:sp>
+      <p:sp>
+        <p:nvSpPr>
+          <p:cNvPr id="19" name="テキスト ボックス 18">
+            <a:extLst>
+              <a:ext uri="{FF2B5EF4-FFF2-40B4-BE49-F238E27FC236}">
+                <a16:creationId xmlns:a16="http://schemas.microsoft.com/office/drawing/2014/main" id="{B4E4CFFA-7DCA-41F7-AC70-FEE5A62CAC6D}"/>
+              </a:ext>
+            </a:extLst>
+          </p:cNvPr>
+          <p:cNvSpPr txBox="1"/>
+          <p:nvPr/>
+        </p:nvSpPr>
+        <p:spPr>
+          <a:xfrm>
+            <a:off x="4954144" y="5056553"/>
+            <a:ext cx="3775393" cy="830997"/>
+          </a:xfrm>
+          <a:prstGeom prst="rect">
+            <a:avLst/>
+          </a:prstGeom>
+          <a:noFill/>
+        </p:spPr>
+        <p:txBody>
+          <a:bodyPr wrap="none" rtlCol="0">
+            <a:spAutoFit/>
+          </a:bodyPr>
+          <a:lstStyle/>
+          <a:p>
+            <a:r>
+              <a:rPr kumimoji="1" lang="ja-JP" altLang="en-US" sz="2400" dirty="0"/>
+              <a:t>変化が大きい部分</a:t>
+            </a:r>
+            <a:r>
+              <a:rPr kumimoji="1" lang="en-US" altLang="ja-JP" sz="2400" dirty="0"/>
+              <a:t>(</a:t>
+            </a:r>
+            <a:r>
+              <a:rPr kumimoji="1" lang="ja-JP" altLang="en-US" sz="2400" dirty="0"/>
+              <a:t>エッジ</a:t>
+            </a:r>
+            <a:r>
+              <a:rPr kumimoji="1" lang="en-US" altLang="ja-JP" sz="2400" dirty="0"/>
+              <a:t>)</a:t>
+            </a:r>
+          </a:p>
+          <a:p>
+            <a:r>
+              <a:rPr kumimoji="1" lang="ja-JP" altLang="en-US" sz="2400" dirty="0" err="1"/>
+              <a:t>の抽</a:t>
+            </a:r>
+            <a:r>
+              <a:rPr kumimoji="1" lang="ja-JP" altLang="en-US" sz="2400" dirty="0"/>
+              <a:t>出を確認できる</a:t>
+            </a:r>
+          </a:p>
+        </p:txBody>
+      </p:sp>
+      <p:pic>
+        <p:nvPicPr>
+          <p:cNvPr id="3" name="図 2">
+            <a:extLst>
+              <a:ext uri="{FF2B5EF4-FFF2-40B4-BE49-F238E27FC236}">
+                <a16:creationId xmlns:a16="http://schemas.microsoft.com/office/drawing/2014/main" id="{EC36D1A1-9582-446C-B8B8-C33C9976D478}"/>
+              </a:ext>
+            </a:extLst>
+          </p:cNvPr>
+          <p:cNvPicPr>
+            <a:picLocks noChangeAspect="1"/>
+          </p:cNvPicPr>
+          <p:nvPr/>
+        </p:nvPicPr>
+        <p:blipFill>
+          <a:blip r:embed="rId3"/>
+          <a:stretch>
+            <a:fillRect/>
+          </a:stretch>
+        </p:blipFill>
+        <p:spPr>
+          <a:xfrm>
+            <a:off x="4954144" y="1769232"/>
+            <a:ext cx="3901778" cy="3127519"/>
+          </a:xfrm>
+          <a:prstGeom prst="rect">
+            <a:avLst/>
+          </a:prstGeom>
+        </p:spPr>
+      </p:pic>
+      <p:pic>
+        <p:nvPicPr>
+          <p:cNvPr id="7" name="図 6">
+            <a:extLst>
+              <a:ext uri="{FF2B5EF4-FFF2-40B4-BE49-F238E27FC236}">
+                <a16:creationId xmlns:a16="http://schemas.microsoft.com/office/drawing/2014/main" id="{225729EE-BD5A-4DAD-956D-0828686E9DB4}"/>
+              </a:ext>
+            </a:extLst>
+          </p:cNvPr>
+          <p:cNvPicPr>
+            <a:picLocks noChangeAspect="1"/>
+          </p:cNvPicPr>
+          <p:nvPr/>
+        </p:nvPicPr>
+        <p:blipFill>
+          <a:blip r:embed="rId4"/>
+          <a:stretch>
+            <a:fillRect/>
+          </a:stretch>
+        </p:blipFill>
+        <p:spPr>
+          <a:xfrm>
+            <a:off x="2568605" y="1769232"/>
+            <a:ext cx="2099480" cy="2099480"/>
+          </a:xfrm>
+          <a:prstGeom prst="rect">
+            <a:avLst/>
+          </a:prstGeom>
+        </p:spPr>
+      </p:pic>
+    </p:spTree>
+    <p:extLst>
+      <p:ext uri="{BB962C8B-B14F-4D97-AF65-F5344CB8AC3E}">
+        <p14:creationId xmlns:p14="http://schemas.microsoft.com/office/powerpoint/2010/main" val="1871461137"/>
+      </p:ext>
+    </p:extLst>
   </p:cSld>
   <p:clrMapOvr>
     <a:masterClrMapping/>
@@ -24465,6 +24006,613 @@
   <p:cSld>
     <p:spTree>
       <p:nvGrpSpPr>
+        <p:cNvPr id="1" name=""/>
+        <p:cNvGrpSpPr/>
+        <p:nvPr/>
+      </p:nvGrpSpPr>
+      <p:grpSpPr>
+        <a:xfrm>
+          <a:off x="0" y="0"/>
+          <a:ext cx="0" cy="0"/>
+          <a:chOff x="0" y="0"/>
+          <a:chExt cx="0" cy="0"/>
+        </a:xfrm>
+      </p:grpSpPr>
+      <p:sp>
+        <p:nvSpPr>
+          <p:cNvPr id="2" name="タイトル 1">
+            <a:extLst>
+              <a:ext uri="{FF2B5EF4-FFF2-40B4-BE49-F238E27FC236}">
+                <a16:creationId xmlns:a16="http://schemas.microsoft.com/office/drawing/2014/main" id="{250D3755-8729-492D-8A2D-F7D583E880B3}"/>
+              </a:ext>
+            </a:extLst>
+          </p:cNvPr>
+          <p:cNvSpPr>
+            <a:spLocks noGrp="1"/>
+          </p:cNvSpPr>
+          <p:nvPr>
+            <p:ph type="title"/>
+          </p:nvPr>
+        </p:nvSpPr>
+        <p:spPr/>
+        <p:txBody>
+          <a:bodyPr/>
+          <a:lstStyle/>
+          <a:p>
+            <a:r>
+              <a:rPr lang="ja-JP" altLang="ja-JP" dirty="0">
+                <a:latin typeface="MS PGothic"/>
+                <a:ea typeface="MS PGothic"/>
+                <a:cs typeface="MS PGothic"/>
+                <a:sym typeface="MS PGothic"/>
+              </a:rPr>
+              <a:t>実行結果（</a:t>
+            </a:r>
+            <a:r>
+              <a:rPr lang="ja-JP" altLang="en-US" dirty="0">
+                <a:latin typeface="MS PGothic"/>
+                <a:ea typeface="MS PGothic"/>
+                <a:cs typeface="MS PGothic"/>
+                <a:sym typeface="MS PGothic"/>
+              </a:rPr>
+              <a:t>鮮鋭化フィルタ</a:t>
+            </a:r>
+            <a:r>
+              <a:rPr lang="ja-JP" altLang="ja-JP" dirty="0">
+                <a:latin typeface="MS PGothic"/>
+                <a:ea typeface="MS PGothic"/>
+                <a:cs typeface="MS PGothic"/>
+                <a:sym typeface="MS PGothic"/>
+              </a:rPr>
+              <a:t>）</a:t>
+            </a:r>
+            <a:endParaRPr kumimoji="1" lang="ja-JP" altLang="en-US" dirty="0"/>
+          </a:p>
+        </p:txBody>
+      </p:sp>
+      <p:sp>
+        <p:nvSpPr>
+          <p:cNvPr id="5" name="スライド番号プレースホルダー 4">
+            <a:extLst>
+              <a:ext uri="{FF2B5EF4-FFF2-40B4-BE49-F238E27FC236}">
+                <a16:creationId xmlns:a16="http://schemas.microsoft.com/office/drawing/2014/main" id="{85D82F13-F395-45C9-BE5B-7B18A1DEEA7F}"/>
+              </a:ext>
+            </a:extLst>
+          </p:cNvPr>
+          <p:cNvSpPr>
+            <a:spLocks noGrp="1"/>
+          </p:cNvSpPr>
+          <p:nvPr>
+            <p:ph type="sldNum" idx="12"/>
+          </p:nvPr>
+        </p:nvSpPr>
+        <p:spPr/>
+        <p:txBody>
+          <a:bodyPr/>
+          <a:lstStyle/>
+          <a:p>
+            <a:pPr marL="0" lvl="0" indent="0" algn="r" rtl="0">
+              <a:spcBef>
+                <a:spcPts val="0"/>
+              </a:spcBef>
+              <a:spcAft>
+                <a:spcPts val="0"/>
+              </a:spcAft>
+              <a:buNone/>
+            </a:pPr>
+            <a:fld id="{00000000-1234-1234-1234-123412341234}" type="slidenum">
+              <a:rPr lang="en-US" altLang="ja-JP" smtClean="0"/>
+              <a:pPr marL="0" lvl="0" indent="0" algn="r" rtl="0">
+                <a:spcBef>
+                  <a:spcPts val="0"/>
+                </a:spcBef>
+                <a:spcAft>
+                  <a:spcPts val="0"/>
+                </a:spcAft>
+                <a:buNone/>
+              </a:pPr>
+              <a:t>22</a:t>
+            </a:fld>
+            <a:endParaRPr lang="en-US"/>
+          </a:p>
+        </p:txBody>
+      </p:sp>
+      <p:pic>
+        <p:nvPicPr>
+          <p:cNvPr id="11" name="図 10">
+            <a:extLst>
+              <a:ext uri="{FF2B5EF4-FFF2-40B4-BE49-F238E27FC236}">
+                <a16:creationId xmlns:a16="http://schemas.microsoft.com/office/drawing/2014/main" id="{424C7D7F-7659-4973-ABBE-8BC3669341D5}"/>
+              </a:ext>
+            </a:extLst>
+          </p:cNvPr>
+          <p:cNvPicPr>
+            <a:picLocks noChangeAspect="1"/>
+          </p:cNvPicPr>
+          <p:nvPr/>
+        </p:nvPicPr>
+        <p:blipFill>
+          <a:blip r:embed="rId2"/>
+          <a:stretch>
+            <a:fillRect/>
+          </a:stretch>
+        </p:blipFill>
+        <p:spPr>
+          <a:xfrm>
+            <a:off x="332095" y="1769232"/>
+            <a:ext cx="2099480" cy="2099480"/>
+          </a:xfrm>
+          <a:prstGeom prst="rect">
+            <a:avLst/>
+          </a:prstGeom>
+        </p:spPr>
+      </p:pic>
+      <p:sp>
+        <p:nvSpPr>
+          <p:cNvPr id="12" name="正方形/長方形 11">
+            <a:extLst>
+              <a:ext uri="{FF2B5EF4-FFF2-40B4-BE49-F238E27FC236}">
+                <a16:creationId xmlns:a16="http://schemas.microsoft.com/office/drawing/2014/main" id="{FB815B27-DFCC-4695-8714-AC755F79EA8A}"/>
+              </a:ext>
+            </a:extLst>
+          </p:cNvPr>
+          <p:cNvSpPr/>
+          <p:nvPr/>
+        </p:nvSpPr>
+        <p:spPr>
+          <a:xfrm>
+            <a:off x="332095" y="5670849"/>
+            <a:ext cx="3390672" cy="369332"/>
+          </a:xfrm>
+          <a:prstGeom prst="rect">
+            <a:avLst/>
+          </a:prstGeom>
+          <a:solidFill>
+            <a:schemeClr val="bg2">
+              <a:lumMod val="20000"/>
+              <a:lumOff val="80000"/>
+            </a:schemeClr>
+          </a:solidFill>
+          <a:ln>
+            <a:solidFill>
+              <a:schemeClr val="tx1"/>
+            </a:solidFill>
+          </a:ln>
+        </p:spPr>
+        <p:txBody>
+          <a:bodyPr wrap="none">
+            <a:spAutoFit/>
+          </a:bodyPr>
+          <a:lstStyle/>
+          <a:p>
+            <a:r>
+              <a:rPr lang="en-US" altLang="ja-JP" sz="1800" dirty="0">
+                <a:latin typeface="Yu Gothic" panose="020B0400000000000000" pitchFamily="50" charset="-128"/>
+                <a:ea typeface="Yu Gothic" panose="020B0400000000000000" pitchFamily="50" charset="-128"/>
+              </a:rPr>
+              <a:t>219</a:t>
+            </a:r>
+            <a:r>
+              <a:rPr lang="ja-JP" altLang="en-US" sz="1800" dirty="0"/>
+              <a:t> </a:t>
+            </a:r>
+            <a:r>
+              <a:rPr lang="en-US" altLang="ja-JP" sz="1800" dirty="0">
+                <a:latin typeface="Yu Gothic" panose="020B0400000000000000" pitchFamily="50" charset="-128"/>
+                <a:ea typeface="Yu Gothic" panose="020B0400000000000000" pitchFamily="50" charset="-128"/>
+              </a:rPr>
+              <a:t>215</a:t>
+            </a:r>
+            <a:r>
+              <a:rPr lang="ja-JP" altLang="en-US" sz="1800" dirty="0"/>
+              <a:t> </a:t>
+            </a:r>
+            <a:r>
+              <a:rPr lang="en-US" altLang="ja-JP" sz="1800" dirty="0">
+                <a:latin typeface="Yu Gothic" panose="020B0400000000000000" pitchFamily="50" charset="-128"/>
+                <a:ea typeface="Yu Gothic" panose="020B0400000000000000" pitchFamily="50" charset="-128"/>
+              </a:rPr>
+              <a:t>197</a:t>
+            </a:r>
+            <a:r>
+              <a:rPr lang="ja-JP" altLang="en-US" sz="1800" dirty="0"/>
+              <a:t> </a:t>
+            </a:r>
+            <a:r>
+              <a:rPr lang="en-US" altLang="ja-JP" sz="1800" dirty="0">
+                <a:latin typeface="Yu Gothic" panose="020B0400000000000000" pitchFamily="50" charset="-128"/>
+                <a:ea typeface="Yu Gothic" panose="020B0400000000000000" pitchFamily="50" charset="-128"/>
+              </a:rPr>
+              <a:t>159</a:t>
+            </a:r>
+            <a:r>
+              <a:rPr lang="ja-JP" altLang="en-US" sz="1800" dirty="0"/>
+              <a:t> </a:t>
+            </a:r>
+            <a:r>
+              <a:rPr lang="en-US" altLang="ja-JP" sz="1800" dirty="0">
+                <a:latin typeface="Yu Gothic" panose="020B0400000000000000" pitchFamily="50" charset="-128"/>
+                <a:ea typeface="Yu Gothic" panose="020B0400000000000000" pitchFamily="50" charset="-128"/>
+              </a:rPr>
+              <a:t>114</a:t>
+            </a:r>
+            <a:r>
+              <a:rPr lang="ja-JP" altLang="en-US" sz="1800" dirty="0"/>
+              <a:t> </a:t>
+            </a:r>
+            <a:r>
+              <a:rPr lang="en-US" altLang="ja-JP" sz="1800" dirty="0">
+                <a:latin typeface="Yu Gothic" panose="020B0400000000000000" pitchFamily="50" charset="-128"/>
+                <a:ea typeface="Yu Gothic" panose="020B0400000000000000" pitchFamily="50" charset="-128"/>
+              </a:rPr>
+              <a:t>77</a:t>
+            </a:r>
+            <a:r>
+              <a:rPr lang="ja-JP" altLang="en-US" sz="1800" dirty="0"/>
+              <a:t> </a:t>
+            </a:r>
+            <a:r>
+              <a:rPr lang="en-US" altLang="ja-JP" sz="1800" dirty="0">
+                <a:latin typeface="Yu Gothic" panose="020B0400000000000000" pitchFamily="50" charset="-128"/>
+                <a:ea typeface="Yu Gothic" panose="020B0400000000000000" pitchFamily="50" charset="-128"/>
+              </a:rPr>
+              <a:t>45</a:t>
+            </a:r>
+            <a:r>
+              <a:rPr lang="ja-JP" altLang="en-US" sz="1800" dirty="0"/>
+              <a:t> </a:t>
+            </a:r>
+            <a:r>
+              <a:rPr lang="en-US" altLang="ja-JP" sz="1800" dirty="0">
+                <a:latin typeface="Yu Gothic" panose="020B0400000000000000" pitchFamily="50" charset="-128"/>
+                <a:ea typeface="Yu Gothic" panose="020B0400000000000000" pitchFamily="50" charset="-128"/>
+              </a:rPr>
+              <a:t>43</a:t>
+            </a:r>
+            <a:r>
+              <a:rPr lang="ja-JP" altLang="en-US" sz="1800" dirty="0"/>
+              <a:t> </a:t>
+            </a:r>
+          </a:p>
+        </p:txBody>
+      </p:sp>
+      <p:sp>
+        <p:nvSpPr>
+          <p:cNvPr id="13" name="正方形/長方形 12">
+            <a:extLst>
+              <a:ext uri="{FF2B5EF4-FFF2-40B4-BE49-F238E27FC236}">
+                <a16:creationId xmlns:a16="http://schemas.microsoft.com/office/drawing/2014/main" id="{87E80D71-0DE1-4028-A118-0CA1B743AC97}"/>
+              </a:ext>
+            </a:extLst>
+          </p:cNvPr>
+          <p:cNvSpPr/>
+          <p:nvPr/>
+        </p:nvSpPr>
+        <p:spPr>
+          <a:xfrm>
+            <a:off x="332095" y="4822771"/>
+            <a:ext cx="3262432" cy="369332"/>
+          </a:xfrm>
+          <a:prstGeom prst="rect">
+            <a:avLst/>
+          </a:prstGeom>
+          <a:solidFill>
+            <a:schemeClr val="tx2">
+              <a:lumMod val="90000"/>
+            </a:schemeClr>
+          </a:solidFill>
+          <a:ln>
+            <a:solidFill>
+              <a:schemeClr val="tx1"/>
+            </a:solidFill>
+          </a:ln>
+        </p:spPr>
+        <p:txBody>
+          <a:bodyPr wrap="none">
+            <a:spAutoFit/>
+          </a:bodyPr>
+          <a:lstStyle/>
+          <a:p>
+            <a:r>
+              <a:rPr lang="en-US" altLang="ja-JP" sz="1800" dirty="0">
+                <a:latin typeface="Yu Gothic" panose="020B0400000000000000" pitchFamily="50" charset="-128"/>
+                <a:ea typeface="Yu Gothic" panose="020B0400000000000000" pitchFamily="50" charset="-128"/>
+              </a:rPr>
+              <a:t>239</a:t>
+            </a:r>
+            <a:r>
+              <a:rPr lang="ja-JP" altLang="en-US" sz="1800" dirty="0"/>
+              <a:t> </a:t>
+            </a:r>
+            <a:r>
+              <a:rPr lang="en-US" altLang="ja-JP" sz="1800" dirty="0">
+                <a:latin typeface="Yu Gothic" panose="020B0400000000000000" pitchFamily="50" charset="-128"/>
+                <a:ea typeface="Yu Gothic" panose="020B0400000000000000" pitchFamily="50" charset="-128"/>
+              </a:rPr>
+              <a:t>255</a:t>
+            </a:r>
+            <a:r>
+              <a:rPr lang="ja-JP" altLang="en-US" sz="1800" dirty="0"/>
+              <a:t> </a:t>
+            </a:r>
+            <a:r>
+              <a:rPr lang="en-US" altLang="ja-JP" sz="1800" dirty="0">
+                <a:latin typeface="Yu Gothic" panose="020B0400000000000000" pitchFamily="50" charset="-128"/>
+                <a:ea typeface="Yu Gothic" panose="020B0400000000000000" pitchFamily="50" charset="-128"/>
+              </a:rPr>
+              <a:t>254</a:t>
+            </a:r>
+            <a:r>
+              <a:rPr lang="ja-JP" altLang="en-US" sz="1800" dirty="0"/>
+              <a:t> </a:t>
+            </a:r>
+            <a:r>
+              <a:rPr lang="en-US" altLang="ja-JP" sz="1800" dirty="0">
+                <a:latin typeface="Yu Gothic" panose="020B0400000000000000" pitchFamily="50" charset="-128"/>
+                <a:ea typeface="Yu Gothic" panose="020B0400000000000000" pitchFamily="50" charset="-128"/>
+              </a:rPr>
+              <a:t>182</a:t>
+            </a:r>
+            <a:r>
+              <a:rPr lang="ja-JP" altLang="en-US" sz="1800" dirty="0"/>
+              <a:t> </a:t>
+            </a:r>
+            <a:r>
+              <a:rPr lang="en-US" altLang="ja-JP" sz="1800" dirty="0">
+                <a:latin typeface="Yu Gothic" panose="020B0400000000000000" pitchFamily="50" charset="-128"/>
+                <a:ea typeface="Yu Gothic" panose="020B0400000000000000" pitchFamily="50" charset="-128"/>
+              </a:rPr>
+              <a:t>101</a:t>
+            </a:r>
+            <a:r>
+              <a:rPr lang="ja-JP" altLang="en-US" sz="1800" dirty="0"/>
+              <a:t> </a:t>
+            </a:r>
+            <a:r>
+              <a:rPr lang="en-US" altLang="ja-JP" sz="1800" dirty="0">
+                <a:latin typeface="Yu Gothic" panose="020B0400000000000000" pitchFamily="50" charset="-128"/>
+                <a:ea typeface="Yu Gothic" panose="020B0400000000000000" pitchFamily="50" charset="-128"/>
+              </a:rPr>
+              <a:t>35</a:t>
+            </a:r>
+            <a:r>
+              <a:rPr lang="ja-JP" altLang="en-US" sz="1800" dirty="0"/>
+              <a:t> </a:t>
+            </a:r>
+            <a:r>
+              <a:rPr lang="en-US" altLang="ja-JP" sz="1800" dirty="0">
+                <a:latin typeface="Yu Gothic" panose="020B0400000000000000" pitchFamily="50" charset="-128"/>
+                <a:ea typeface="Yu Gothic" panose="020B0400000000000000" pitchFamily="50" charset="-128"/>
+              </a:rPr>
+              <a:t>0</a:t>
+            </a:r>
+            <a:r>
+              <a:rPr lang="ja-JP" altLang="en-US" sz="1800" dirty="0"/>
+              <a:t> </a:t>
+            </a:r>
+            <a:r>
+              <a:rPr lang="en-US" altLang="ja-JP" sz="1800" dirty="0">
+                <a:latin typeface="Yu Gothic" panose="020B0400000000000000" pitchFamily="50" charset="-128"/>
+                <a:ea typeface="Yu Gothic" panose="020B0400000000000000" pitchFamily="50" charset="-128"/>
+              </a:rPr>
+              <a:t>40</a:t>
+            </a:r>
+            <a:r>
+              <a:rPr lang="ja-JP" altLang="en-US" sz="1800" dirty="0"/>
+              <a:t> </a:t>
+            </a:r>
+          </a:p>
+        </p:txBody>
+      </p:sp>
+      <p:sp>
+        <p:nvSpPr>
+          <p:cNvPr id="14" name="テキスト ボックス 13">
+            <a:extLst>
+              <a:ext uri="{FF2B5EF4-FFF2-40B4-BE49-F238E27FC236}">
+                <a16:creationId xmlns:a16="http://schemas.microsoft.com/office/drawing/2014/main" id="{6138A02E-4A6A-4FE3-ABF4-F079440FAE81}"/>
+              </a:ext>
+            </a:extLst>
+          </p:cNvPr>
+          <p:cNvSpPr txBox="1"/>
+          <p:nvPr/>
+        </p:nvSpPr>
+        <p:spPr>
+          <a:xfrm>
+            <a:off x="332095" y="4347458"/>
+            <a:ext cx="2544286" cy="461665"/>
+          </a:xfrm>
+          <a:prstGeom prst="rect">
+            <a:avLst/>
+          </a:prstGeom>
+          <a:noFill/>
+        </p:spPr>
+        <p:txBody>
+          <a:bodyPr wrap="none" rtlCol="0">
+            <a:spAutoFit/>
+          </a:bodyPr>
+          <a:lstStyle/>
+          <a:p>
+            <a:r>
+              <a:rPr kumimoji="1" lang="ja-JP" altLang="en-US" sz="2400" dirty="0"/>
+              <a:t>実行結果</a:t>
+            </a:r>
+            <a:r>
+              <a:rPr kumimoji="1" lang="en-US" altLang="ja-JP" sz="2400" dirty="0"/>
+              <a:t>(</a:t>
+            </a:r>
+            <a:r>
+              <a:rPr kumimoji="1" lang="ja-JP" altLang="en-US" sz="2400" dirty="0"/>
+              <a:t>右図青</a:t>
+            </a:r>
+            <a:r>
+              <a:rPr kumimoji="1" lang="en-US" altLang="ja-JP" sz="2400" dirty="0"/>
+              <a:t>)</a:t>
+            </a:r>
+            <a:endParaRPr kumimoji="1" lang="ja-JP" altLang="en-US" sz="2400" dirty="0"/>
+          </a:p>
+        </p:txBody>
+      </p:sp>
+      <p:sp>
+        <p:nvSpPr>
+          <p:cNvPr id="15" name="テキスト ボックス 14">
+            <a:extLst>
+              <a:ext uri="{FF2B5EF4-FFF2-40B4-BE49-F238E27FC236}">
+                <a16:creationId xmlns:a16="http://schemas.microsoft.com/office/drawing/2014/main" id="{4B59CDCF-4469-4200-94D2-897B3B89FB39}"/>
+              </a:ext>
+            </a:extLst>
+          </p:cNvPr>
+          <p:cNvSpPr txBox="1"/>
+          <p:nvPr/>
+        </p:nvSpPr>
+        <p:spPr>
+          <a:xfrm>
+            <a:off x="332095" y="5241220"/>
+            <a:ext cx="2236510" cy="461665"/>
+          </a:xfrm>
+          <a:prstGeom prst="rect">
+            <a:avLst/>
+          </a:prstGeom>
+          <a:noFill/>
+        </p:spPr>
+        <p:txBody>
+          <a:bodyPr wrap="none" rtlCol="0">
+            <a:spAutoFit/>
+          </a:bodyPr>
+          <a:lstStyle/>
+          <a:p>
+            <a:r>
+              <a:rPr kumimoji="1" lang="ja-JP" altLang="en-US" sz="2400" dirty="0"/>
+              <a:t>元画像</a:t>
+            </a:r>
+            <a:r>
+              <a:rPr kumimoji="1" lang="en-US" altLang="ja-JP" sz="2400" dirty="0"/>
+              <a:t>(</a:t>
+            </a:r>
+            <a:r>
+              <a:rPr kumimoji="1" lang="ja-JP" altLang="en-US" sz="2400" dirty="0"/>
+              <a:t>右図赤</a:t>
+            </a:r>
+            <a:r>
+              <a:rPr kumimoji="1" lang="en-US" altLang="ja-JP" sz="2400" dirty="0"/>
+              <a:t>)</a:t>
+            </a:r>
+            <a:endParaRPr kumimoji="1" lang="ja-JP" altLang="en-US" sz="2400" dirty="0"/>
+          </a:p>
+        </p:txBody>
+      </p:sp>
+      <p:sp>
+        <p:nvSpPr>
+          <p:cNvPr id="19" name="テキスト ボックス 18">
+            <a:extLst>
+              <a:ext uri="{FF2B5EF4-FFF2-40B4-BE49-F238E27FC236}">
+                <a16:creationId xmlns:a16="http://schemas.microsoft.com/office/drawing/2014/main" id="{B4E4CFFA-7DCA-41F7-AC70-FEE5A62CAC6D}"/>
+              </a:ext>
+            </a:extLst>
+          </p:cNvPr>
+          <p:cNvSpPr txBox="1"/>
+          <p:nvPr/>
+        </p:nvSpPr>
+        <p:spPr>
+          <a:xfrm>
+            <a:off x="4954144" y="5056553"/>
+            <a:ext cx="3570208" cy="461665"/>
+          </a:xfrm>
+          <a:prstGeom prst="rect">
+            <a:avLst/>
+          </a:prstGeom>
+          <a:noFill/>
+        </p:spPr>
+        <p:txBody>
+          <a:bodyPr wrap="none" rtlCol="0">
+            <a:spAutoFit/>
+          </a:bodyPr>
+          <a:lstStyle/>
+          <a:p>
+            <a:r>
+              <a:rPr kumimoji="1" lang="ja-JP" altLang="en-US" sz="2400" dirty="0"/>
+              <a:t>変化の強調が確認できる</a:t>
+            </a:r>
+          </a:p>
+        </p:txBody>
+      </p:sp>
+      <p:pic>
+        <p:nvPicPr>
+          <p:cNvPr id="4" name="図 3">
+            <a:extLst>
+              <a:ext uri="{FF2B5EF4-FFF2-40B4-BE49-F238E27FC236}">
+                <a16:creationId xmlns:a16="http://schemas.microsoft.com/office/drawing/2014/main" id="{DD98D5FE-684F-477D-92A3-E6349656C787}"/>
+              </a:ext>
+            </a:extLst>
+          </p:cNvPr>
+          <p:cNvPicPr>
+            <a:picLocks noChangeAspect="1"/>
+          </p:cNvPicPr>
+          <p:nvPr/>
+        </p:nvPicPr>
+        <p:blipFill>
+          <a:blip r:embed="rId3"/>
+          <a:stretch>
+            <a:fillRect/>
+          </a:stretch>
+        </p:blipFill>
+        <p:spPr>
+          <a:xfrm>
+            <a:off x="4954144" y="1769232"/>
+            <a:ext cx="3901778" cy="3127519"/>
+          </a:xfrm>
+          <a:prstGeom prst="rect">
+            <a:avLst/>
+          </a:prstGeom>
+        </p:spPr>
+      </p:pic>
+      <p:pic>
+        <p:nvPicPr>
+          <p:cNvPr id="8" name="図 7">
+            <a:extLst>
+              <a:ext uri="{FF2B5EF4-FFF2-40B4-BE49-F238E27FC236}">
+                <a16:creationId xmlns:a16="http://schemas.microsoft.com/office/drawing/2014/main" id="{7A9E2DA7-6158-4FAD-BB72-DFE7DBE72CAB}"/>
+              </a:ext>
+            </a:extLst>
+          </p:cNvPr>
+          <p:cNvPicPr>
+            <a:picLocks noChangeAspect="1"/>
+          </p:cNvPicPr>
+          <p:nvPr/>
+        </p:nvPicPr>
+        <p:blipFill>
+          <a:blip r:embed="rId4"/>
+          <a:stretch>
+            <a:fillRect/>
+          </a:stretch>
+        </p:blipFill>
+        <p:spPr>
+          <a:xfrm>
+            <a:off x="2644146" y="1769232"/>
+            <a:ext cx="2097427" cy="2097427"/>
+          </a:xfrm>
+          <a:prstGeom prst="rect">
+            <a:avLst/>
+          </a:prstGeom>
+        </p:spPr>
+      </p:pic>
+    </p:spTree>
+    <p:extLst>
+      <p:ext uri="{BB962C8B-B14F-4D97-AF65-F5344CB8AC3E}">
+        <p14:creationId xmlns:p14="http://schemas.microsoft.com/office/powerpoint/2010/main" val="791981843"/>
+      </p:ext>
+    </p:extLst>
+  </p:cSld>
+  <p:clrMapOvr>
+    <a:masterClrMapping/>
+  </p:clrMapOvr>
+</p:sld>
+</file>
+
+<file path=ppt/slides/slide23.xml><?xml version="1.0" encoding="utf-8"?>
+<p:sld xmlns:a="http://schemas.openxmlformats.org/drawingml/2006/main" xmlns:r="http://schemas.openxmlformats.org/officeDocument/2006/relationships" xmlns:p="http://schemas.openxmlformats.org/presentationml/2006/main">
+  <p:cSld>
+    <p:spTree>
+      <p:nvGrpSpPr>
         <p:cNvPr id="1" name="Shape 163"/>
         <p:cNvGrpSpPr/>
         <p:nvPr/>
@@ -24620,7 +24768,7 @@
                 </a:spcAft>
                 <a:buNone/>
               </a:pPr>
-              <a:t>22</a:t>
+              <a:t>23</a:t>
             </a:fld>
             <a:endParaRPr/>
           </a:p>
@@ -24658,7 +24806,7 @@
 </p:sld>
 </file>
 
-<file path=ppt/slides/slide23.xml><?xml version="1.0" encoding="utf-8"?>
+<file path=ppt/slides/slide24.xml><?xml version="1.0" encoding="utf-8"?>
 <p:sld xmlns:a="http://schemas.openxmlformats.org/drawingml/2006/main" xmlns:r="http://schemas.openxmlformats.org/officeDocument/2006/relationships" xmlns:p="http://schemas.openxmlformats.org/presentationml/2006/main">
   <p:cSld>
     <p:spTree>
@@ -24788,7 +24936,7 @@
                 </a:spcAft>
                 <a:buNone/>
               </a:pPr>
-              <a:t>23</a:t>
+              <a:t>24</a:t>
             </a:fld>
             <a:endParaRPr/>
           </a:p>
@@ -25054,7 +25202,7 @@
 </p:sld>
 </file>
 
-<file path=ppt/slides/slide24.xml><?xml version="1.0" encoding="utf-8"?>
+<file path=ppt/slides/slide25.xml><?xml version="1.0" encoding="utf-8"?>
 <p:sld xmlns:a="http://schemas.openxmlformats.org/drawingml/2006/main" xmlns:r="http://schemas.openxmlformats.org/officeDocument/2006/relationships" xmlns:p="http://schemas.openxmlformats.org/presentationml/2006/main">
   <p:cSld>
     <p:spTree>
@@ -25168,7 +25316,7 @@
                 </a:spcAft>
                 <a:buNone/>
               </a:pPr>
-              <a:t>24</a:t>
+              <a:t>25</a:t>
             </a:fld>
             <a:endParaRPr/>
           </a:p>
@@ -25400,7 +25548,7 @@
 </p:sld>
 </file>
 
-<file path=ppt/slides/slide25.xml><?xml version="1.0" encoding="utf-8"?>
+<file path=ppt/slides/slide26.xml><?xml version="1.0" encoding="utf-8"?>
 <p:sld xmlns:a="http://schemas.openxmlformats.org/drawingml/2006/main" xmlns:r="http://schemas.openxmlformats.org/officeDocument/2006/relationships" xmlns:p="http://schemas.openxmlformats.org/presentationml/2006/main">
   <p:cSld>
     <p:spTree>
@@ -25628,7 +25776,7 @@
                 </a:spcAft>
                 <a:buNone/>
               </a:pPr>
-              <a:t>25</a:t>
+              <a:t>26</a:t>
             </a:fld>
             <a:endParaRPr lang="en-US"/>
           </a:p>
@@ -28274,7 +28422,7 @@
         </p:nvSpPr>
         <p:spPr>
           <a:xfrm>
-            <a:off x="941696" y="2415310"/>
+            <a:off x="1144021" y="2388014"/>
             <a:ext cx="668740" cy="668740"/>
           </a:xfrm>
           <a:prstGeom prst="rect">
@@ -28326,7 +28474,7 @@
         </p:nvSpPr>
         <p:spPr>
           <a:xfrm>
-            <a:off x="3278759" y="2583192"/>
+            <a:off x="3497122" y="2583192"/>
             <a:ext cx="271076" cy="259308"/>
           </a:xfrm>
           <a:prstGeom prst="rect">

--- a/exp_c/slide/exp_C_refine.pptx
+++ b/exp_c/slide/exp_C_refine.pptx
@@ -22491,10 +22491,10 @@
       </p:sp>
       <p:pic>
         <p:nvPicPr>
-          <p:cNvPr id="3" name="図 2">
+          <p:cNvPr id="4" name="図 3">
             <a:extLst>
               <a:ext uri="{FF2B5EF4-FFF2-40B4-BE49-F238E27FC236}">
-                <a16:creationId xmlns:a16="http://schemas.microsoft.com/office/drawing/2014/main" id="{EC36D1A1-9582-446C-B8B8-C33C9976D478}"/>
+                <a16:creationId xmlns:a16="http://schemas.microsoft.com/office/drawing/2014/main" id="{4044EA72-51AD-44BC-A006-3D83174F1E97}"/>
               </a:ext>
             </a:extLst>
           </p:cNvPr>
@@ -22511,7 +22511,7 @@
         </p:blipFill>
         <p:spPr>
           <a:xfrm>
-            <a:off x="4954144" y="1769232"/>
+            <a:off x="4827759" y="1690827"/>
             <a:ext cx="3901778" cy="3127519"/>
           </a:xfrm>
           <a:prstGeom prst="rect">
@@ -22521,10 +22521,10 @@
       </p:pic>
       <p:pic>
         <p:nvPicPr>
-          <p:cNvPr id="7" name="図 6">
+          <p:cNvPr id="8" name="図 7">
             <a:extLst>
               <a:ext uri="{FF2B5EF4-FFF2-40B4-BE49-F238E27FC236}">
-                <a16:creationId xmlns:a16="http://schemas.microsoft.com/office/drawing/2014/main" id="{225729EE-BD5A-4DAD-956D-0828686E9DB4}"/>
+                <a16:creationId xmlns:a16="http://schemas.microsoft.com/office/drawing/2014/main" id="{384FF920-EDEE-47E7-9608-F5BAEDA83EC4}"/>
               </a:ext>
             </a:extLst>
           </p:cNvPr>
@@ -22541,7 +22541,7 @@
         </p:blipFill>
         <p:spPr>
           <a:xfrm>
-            <a:off x="2568605" y="1769232"/>
+            <a:off x="2579927" y="1769232"/>
             <a:ext cx="2099480" cy="2099480"/>
           </a:xfrm>
           <a:prstGeom prst="rect">

--- a/exp_c/slide/exp_C_refine.pptx
+++ b/exp_c/slide/exp_C_refine.pptx
@@ -20929,7 +20929,7 @@
             </a:r>
             <a:r>
               <a:rPr kumimoji="1" lang="ja-JP" altLang="en-US" sz="2400" dirty="0"/>
-              <a:t>右図青</a:t>
+              <a:t>右図赤</a:t>
             </a:r>
             <a:r>
               <a:rPr kumimoji="1" lang="en-US" altLang="ja-JP" sz="2400" dirty="0"/>
@@ -20977,7 +20977,7 @@
             </a:r>
             <a:r>
               <a:rPr kumimoji="1" lang="ja-JP" altLang="en-US" sz="2400" dirty="0"/>
-              <a:t>右図赤</a:t>
+              <a:t>右図青</a:t>
             </a:r>
             <a:r>
               <a:rPr kumimoji="1" lang="en-US" altLang="ja-JP" sz="2400" dirty="0"/>
@@ -22374,7 +22374,7 @@
             </a:r>
             <a:r>
               <a:rPr kumimoji="1" lang="ja-JP" altLang="en-US" sz="2400" dirty="0"/>
-              <a:t>右図青</a:t>
+              <a:t>右図赤</a:t>
             </a:r>
             <a:r>
               <a:rPr kumimoji="1" lang="en-US" altLang="ja-JP" sz="2400" dirty="0"/>
@@ -22422,7 +22422,7 @@
             </a:r>
             <a:r>
               <a:rPr kumimoji="1" lang="ja-JP" altLang="en-US" sz="2400" dirty="0"/>
-              <a:t>右図赤</a:t>
+              <a:t>右図青</a:t>
             </a:r>
             <a:r>
               <a:rPr kumimoji="1" lang="en-US" altLang="ja-JP" sz="2400" dirty="0"/>
@@ -24442,7 +24442,7 @@
             </a:r>
             <a:r>
               <a:rPr kumimoji="1" lang="ja-JP" altLang="en-US" sz="2400" dirty="0"/>
-              <a:t>右図青</a:t>
+              <a:t>右図赤</a:t>
             </a:r>
             <a:r>
               <a:rPr kumimoji="1" lang="en-US" altLang="ja-JP" sz="2400" dirty="0"/>
@@ -24490,7 +24490,7 @@
             </a:r>
             <a:r>
               <a:rPr kumimoji="1" lang="ja-JP" altLang="en-US" sz="2400" dirty="0"/>
-              <a:t>右図赤</a:t>
+              <a:t>右図青</a:t>
             </a:r>
             <a:r>
               <a:rPr kumimoji="1" lang="en-US" altLang="ja-JP" sz="2400" dirty="0"/>

--- a/exp_c/slide/exp_C_refine.pptx
+++ b/exp_c/slide/exp_C_refine.pptx
@@ -19997,6 +19997,66 @@
           </a:p>
         </p:txBody>
       </p:sp>
+      <p:pic>
+        <p:nvPicPr>
+          <p:cNvPr id="5" name="図 4">
+            <a:extLst>
+              <a:ext uri="{FF2B5EF4-FFF2-40B4-BE49-F238E27FC236}">
+                <a16:creationId xmlns:a16="http://schemas.microsoft.com/office/drawing/2014/main" id="{4616AB1C-B130-4207-A074-855EE538002F}"/>
+              </a:ext>
+            </a:extLst>
+          </p:cNvPr>
+          <p:cNvPicPr>
+            <a:picLocks noChangeAspect="1"/>
+          </p:cNvPicPr>
+          <p:nvPr/>
+        </p:nvPicPr>
+        <p:blipFill>
+          <a:blip r:embed="rId9"/>
+          <a:stretch>
+            <a:fillRect/>
+          </a:stretch>
+        </p:blipFill>
+        <p:spPr>
+          <a:xfrm>
+            <a:off x="64258" y="2257246"/>
+            <a:ext cx="4517528" cy="3816427"/>
+          </a:xfrm>
+          <a:prstGeom prst="rect">
+            <a:avLst/>
+          </a:prstGeom>
+        </p:spPr>
+      </p:pic>
+      <p:pic>
+        <p:nvPicPr>
+          <p:cNvPr id="6" name="図 5">
+            <a:extLst>
+              <a:ext uri="{FF2B5EF4-FFF2-40B4-BE49-F238E27FC236}">
+                <a16:creationId xmlns:a16="http://schemas.microsoft.com/office/drawing/2014/main" id="{22BEE4E6-CE64-40D6-A0F1-CA33421EE5C9}"/>
+              </a:ext>
+            </a:extLst>
+          </p:cNvPr>
+          <p:cNvPicPr>
+            <a:picLocks noChangeAspect="1"/>
+          </p:cNvPicPr>
+          <p:nvPr/>
+        </p:nvPicPr>
+        <p:blipFill>
+          <a:blip r:embed="rId10"/>
+          <a:stretch>
+            <a:fillRect/>
+          </a:stretch>
+        </p:blipFill>
+        <p:spPr>
+          <a:xfrm>
+            <a:off x="4742537" y="2266708"/>
+            <a:ext cx="4308699" cy="3822523"/>
+          </a:xfrm>
+          <a:prstGeom prst="rect">
+            <a:avLst/>
+          </a:prstGeom>
+        </p:spPr>
+      </p:pic>
     </p:spTree>
   </p:cSld>
   <p:clrMapOvr>
@@ -21104,6 +21164,36 @@
           </a:prstGeom>
         </p:spPr>
       </p:pic>
+      <p:pic>
+        <p:nvPicPr>
+          <p:cNvPr id="3" name="図 2">
+            <a:extLst>
+              <a:ext uri="{FF2B5EF4-FFF2-40B4-BE49-F238E27FC236}">
+                <a16:creationId xmlns:a16="http://schemas.microsoft.com/office/drawing/2014/main" id="{1CFD2740-0822-46CC-902D-DE70C8CE1545}"/>
+              </a:ext>
+            </a:extLst>
+          </p:cNvPr>
+          <p:cNvPicPr>
+            <a:picLocks noChangeAspect="1"/>
+          </p:cNvPicPr>
+          <p:nvPr/>
+        </p:nvPicPr>
+        <p:blipFill>
+          <a:blip r:embed="rId5"/>
+          <a:stretch>
+            <a:fillRect/>
+          </a:stretch>
+        </p:blipFill>
+        <p:spPr>
+          <a:xfrm>
+            <a:off x="4954144" y="1769231"/>
+            <a:ext cx="3901778" cy="3127519"/>
+          </a:xfrm>
+          <a:prstGeom prst="rect">
+            <a:avLst/>
+          </a:prstGeom>
+        </p:spPr>
+      </p:pic>
     </p:spTree>
     <p:extLst>
       <p:ext uri="{BB962C8B-B14F-4D97-AF65-F5344CB8AC3E}">
@@ -21726,6 +21816,66 @@
           </a:p>
         </p:txBody>
       </p:sp>
+      <p:pic>
+        <p:nvPicPr>
+          <p:cNvPr id="13" name="図 12">
+            <a:extLst>
+              <a:ext uri="{FF2B5EF4-FFF2-40B4-BE49-F238E27FC236}">
+                <a16:creationId xmlns:a16="http://schemas.microsoft.com/office/drawing/2014/main" id="{5B2D4D7D-2C40-4BCC-A5E9-1885E41B1CBF}"/>
+              </a:ext>
+            </a:extLst>
+          </p:cNvPr>
+          <p:cNvPicPr>
+            <a:picLocks noChangeAspect="1"/>
+          </p:cNvPicPr>
+          <p:nvPr/>
+        </p:nvPicPr>
+        <p:blipFill>
+          <a:blip r:embed="rId9"/>
+          <a:stretch>
+            <a:fillRect/>
+          </a:stretch>
+        </p:blipFill>
+        <p:spPr>
+          <a:xfrm>
+            <a:off x="26069" y="2159025"/>
+            <a:ext cx="4517528" cy="3816427"/>
+          </a:xfrm>
+          <a:prstGeom prst="rect">
+            <a:avLst/>
+          </a:prstGeom>
+        </p:spPr>
+      </p:pic>
+      <p:pic>
+        <p:nvPicPr>
+          <p:cNvPr id="3" name="図 2">
+            <a:extLst>
+              <a:ext uri="{FF2B5EF4-FFF2-40B4-BE49-F238E27FC236}">
+                <a16:creationId xmlns:a16="http://schemas.microsoft.com/office/drawing/2014/main" id="{D836CAD8-FDF8-412D-BA89-D7996F23AE83}"/>
+              </a:ext>
+            </a:extLst>
+          </p:cNvPr>
+          <p:cNvPicPr>
+            <a:picLocks noChangeAspect="1"/>
+          </p:cNvPicPr>
+          <p:nvPr/>
+        </p:nvPicPr>
+        <p:blipFill>
+          <a:blip r:embed="rId10"/>
+          <a:stretch>
+            <a:fillRect/>
+          </a:stretch>
+        </p:blipFill>
+        <p:spPr>
+          <a:xfrm>
+            <a:off x="4585867" y="2152929"/>
+            <a:ext cx="4517528" cy="3822523"/>
+          </a:xfrm>
+          <a:prstGeom prst="rect">
+            <a:avLst/>
+          </a:prstGeom>
+        </p:spPr>
+      </p:pic>
     </p:spTree>
   </p:cSld>
   <p:clrMapOvr>
@@ -22549,6 +22699,36 @@
           </a:prstGeom>
         </p:spPr>
       </p:pic>
+      <p:pic>
+        <p:nvPicPr>
+          <p:cNvPr id="3" name="図 2">
+            <a:extLst>
+              <a:ext uri="{FF2B5EF4-FFF2-40B4-BE49-F238E27FC236}">
+                <a16:creationId xmlns:a16="http://schemas.microsoft.com/office/drawing/2014/main" id="{CECDACB5-4997-41D3-A204-8D705724C834}"/>
+              </a:ext>
+            </a:extLst>
+          </p:cNvPr>
+          <p:cNvPicPr>
+            <a:picLocks noChangeAspect="1"/>
+          </p:cNvPicPr>
+          <p:nvPr/>
+        </p:nvPicPr>
+        <p:blipFill>
+          <a:blip r:embed="rId5"/>
+          <a:stretch>
+            <a:fillRect/>
+          </a:stretch>
+        </p:blipFill>
+        <p:spPr>
+          <a:xfrm>
+            <a:off x="4827759" y="1695252"/>
+            <a:ext cx="3901778" cy="3127519"/>
+          </a:xfrm>
+          <a:prstGeom prst="rect">
+            <a:avLst/>
+          </a:prstGeom>
+        </p:spPr>
+      </p:pic>
     </p:spTree>
     <p:extLst>
       <p:ext uri="{BB962C8B-B14F-4D97-AF65-F5344CB8AC3E}">
@@ -23152,6 +23332,66 @@
           </a:p>
         </p:txBody>
       </p:sp>
+      <p:pic>
+        <p:nvPicPr>
+          <p:cNvPr id="12" name="図 11">
+            <a:extLst>
+              <a:ext uri="{FF2B5EF4-FFF2-40B4-BE49-F238E27FC236}">
+                <a16:creationId xmlns:a16="http://schemas.microsoft.com/office/drawing/2014/main" id="{87D6327F-5C7E-4F68-902B-CF32DCD9CE22}"/>
+              </a:ext>
+            </a:extLst>
+          </p:cNvPr>
+          <p:cNvPicPr>
+            <a:picLocks noChangeAspect="1"/>
+          </p:cNvPicPr>
+          <p:nvPr/>
+        </p:nvPicPr>
+        <p:blipFill>
+          <a:blip r:embed="rId9"/>
+          <a:stretch>
+            <a:fillRect/>
+          </a:stretch>
+        </p:blipFill>
+        <p:spPr>
+          <a:xfrm>
+            <a:off x="66675" y="1917602"/>
+            <a:ext cx="4517528" cy="3816427"/>
+          </a:xfrm>
+          <a:prstGeom prst="rect">
+            <a:avLst/>
+          </a:prstGeom>
+        </p:spPr>
+      </p:pic>
+      <p:pic>
+        <p:nvPicPr>
+          <p:cNvPr id="3" name="図 2">
+            <a:extLst>
+              <a:ext uri="{FF2B5EF4-FFF2-40B4-BE49-F238E27FC236}">
+                <a16:creationId xmlns:a16="http://schemas.microsoft.com/office/drawing/2014/main" id="{863019DE-1FEE-4A40-A6B3-5B25895DB557}"/>
+              </a:ext>
+            </a:extLst>
+          </p:cNvPr>
+          <p:cNvPicPr>
+            <a:picLocks noChangeAspect="1"/>
+          </p:cNvPicPr>
+          <p:nvPr/>
+        </p:nvPicPr>
+        <p:blipFill>
+          <a:blip r:embed="rId10"/>
+          <a:stretch>
+            <a:fillRect/>
+          </a:stretch>
+        </p:blipFill>
+        <p:spPr>
+          <a:xfrm>
+            <a:off x="4756064" y="1924239"/>
+            <a:ext cx="4281919" cy="3822523"/>
+          </a:xfrm>
+          <a:prstGeom prst="rect">
+            <a:avLst/>
+          </a:prstGeom>
+        </p:spPr>
+      </p:pic>
     </p:spTree>
   </p:cSld>
   <p:clrMapOvr>
@@ -24595,6 +24835,36 @@
           </a:prstGeom>
         </p:spPr>
       </p:pic>
+      <p:pic>
+        <p:nvPicPr>
+          <p:cNvPr id="3" name="図 2">
+            <a:extLst>
+              <a:ext uri="{FF2B5EF4-FFF2-40B4-BE49-F238E27FC236}">
+                <a16:creationId xmlns:a16="http://schemas.microsoft.com/office/drawing/2014/main" id="{070DA9D4-341D-4BD6-85DC-5F279EFE7AB1}"/>
+              </a:ext>
+            </a:extLst>
+          </p:cNvPr>
+          <p:cNvPicPr>
+            <a:picLocks noChangeAspect="1"/>
+          </p:cNvPicPr>
+          <p:nvPr/>
+        </p:nvPicPr>
+        <p:blipFill>
+          <a:blip r:embed="rId5"/>
+          <a:stretch>
+            <a:fillRect/>
+          </a:stretch>
+        </p:blipFill>
+        <p:spPr>
+          <a:xfrm>
+            <a:off x="4954144" y="1759130"/>
+            <a:ext cx="3901778" cy="3127519"/>
+          </a:xfrm>
+          <a:prstGeom prst="rect">
+            <a:avLst/>
+          </a:prstGeom>
+        </p:spPr>
+      </p:pic>
     </p:spTree>
     <p:extLst>
       <p:ext uri="{BB962C8B-B14F-4D97-AF65-F5344CB8AC3E}">
@@ -25194,6 +25464,66 @@
           </a:p>
         </p:txBody>
       </p:sp>
+      <p:pic>
+        <p:nvPicPr>
+          <p:cNvPr id="5" name="図 4">
+            <a:extLst>
+              <a:ext uri="{FF2B5EF4-FFF2-40B4-BE49-F238E27FC236}">
+                <a16:creationId xmlns:a16="http://schemas.microsoft.com/office/drawing/2014/main" id="{ACF42AFC-29CC-4D3E-8152-3FE645CDA50D}"/>
+              </a:ext>
+            </a:extLst>
+          </p:cNvPr>
+          <p:cNvPicPr>
+            <a:picLocks noChangeAspect="1"/>
+          </p:cNvPicPr>
+          <p:nvPr/>
+        </p:nvPicPr>
+        <p:blipFill>
+          <a:blip r:embed="rId9"/>
+          <a:stretch>
+            <a:fillRect/>
+          </a:stretch>
+        </p:blipFill>
+        <p:spPr>
+          <a:xfrm>
+            <a:off x="26503" y="1935669"/>
+            <a:ext cx="4517528" cy="3822523"/>
+          </a:xfrm>
+          <a:prstGeom prst="rect">
+            <a:avLst/>
+          </a:prstGeom>
+        </p:spPr>
+      </p:pic>
+      <p:pic>
+        <p:nvPicPr>
+          <p:cNvPr id="6" name="図 5">
+            <a:extLst>
+              <a:ext uri="{FF2B5EF4-FFF2-40B4-BE49-F238E27FC236}">
+                <a16:creationId xmlns:a16="http://schemas.microsoft.com/office/drawing/2014/main" id="{9A561C51-7069-4879-B295-BEF9607C2841}"/>
+              </a:ext>
+            </a:extLst>
+          </p:cNvPr>
+          <p:cNvPicPr>
+            <a:picLocks noChangeAspect="1"/>
+          </p:cNvPicPr>
+          <p:nvPr/>
+        </p:nvPicPr>
+        <p:blipFill>
+          <a:blip r:embed="rId10"/>
+          <a:stretch>
+            <a:fillRect/>
+          </a:stretch>
+        </p:blipFill>
+        <p:spPr>
+          <a:xfrm>
+            <a:off x="4735713" y="1924963"/>
+            <a:ext cx="4315522" cy="3822523"/>
+          </a:xfrm>
+          <a:prstGeom prst="rect">
+            <a:avLst/>
+          </a:prstGeom>
+        </p:spPr>
+      </p:pic>
     </p:spTree>
   </p:cSld>
   <p:clrMapOvr>
@@ -25540,6 +25870,66 @@
           </a:p>
         </p:txBody>
       </p:sp>
+      <p:pic>
+        <p:nvPicPr>
+          <p:cNvPr id="11" name="図 10">
+            <a:extLst>
+              <a:ext uri="{FF2B5EF4-FFF2-40B4-BE49-F238E27FC236}">
+                <a16:creationId xmlns:a16="http://schemas.microsoft.com/office/drawing/2014/main" id="{F274DB09-92D2-42D3-9246-BA380B3CADB8}"/>
+              </a:ext>
+            </a:extLst>
+          </p:cNvPr>
+          <p:cNvPicPr>
+            <a:picLocks noChangeAspect="1"/>
+          </p:cNvPicPr>
+          <p:nvPr/>
+        </p:nvPicPr>
+        <p:blipFill>
+          <a:blip r:embed="rId8"/>
+          <a:stretch>
+            <a:fillRect/>
+          </a:stretch>
+        </p:blipFill>
+        <p:spPr>
+          <a:xfrm>
+            <a:off x="4735713" y="1924963"/>
+            <a:ext cx="4315522" cy="3822523"/>
+          </a:xfrm>
+          <a:prstGeom prst="rect">
+            <a:avLst/>
+          </a:prstGeom>
+        </p:spPr>
+      </p:pic>
+      <p:pic>
+        <p:nvPicPr>
+          <p:cNvPr id="2" name="図 1">
+            <a:extLst>
+              <a:ext uri="{FF2B5EF4-FFF2-40B4-BE49-F238E27FC236}">
+                <a16:creationId xmlns:a16="http://schemas.microsoft.com/office/drawing/2014/main" id="{85ABC6BF-16C1-4E31-8962-3BEE2C11601E}"/>
+              </a:ext>
+            </a:extLst>
+          </p:cNvPr>
+          <p:cNvPicPr>
+            <a:picLocks noChangeAspect="1"/>
+          </p:cNvPicPr>
+          <p:nvPr/>
+        </p:nvPicPr>
+        <p:blipFill>
+          <a:blip r:embed="rId9"/>
+          <a:stretch>
+            <a:fillRect/>
+          </a:stretch>
+        </p:blipFill>
+        <p:spPr>
+          <a:xfrm>
+            <a:off x="26504" y="1924963"/>
+            <a:ext cx="4517528" cy="3822523"/>
+          </a:xfrm>
+          <a:prstGeom prst="rect">
+            <a:avLst/>
+          </a:prstGeom>
+        </p:spPr>
+      </p:pic>
     </p:spTree>
   </p:cSld>
   <p:clrMapOvr>
@@ -27389,6 +27779,36 @@
           </a:p>
         </p:txBody>
       </p:sp>
+      <p:pic>
+        <p:nvPicPr>
+          <p:cNvPr id="3" name="図 2">
+            <a:extLst>
+              <a:ext uri="{FF2B5EF4-FFF2-40B4-BE49-F238E27FC236}">
+                <a16:creationId xmlns:a16="http://schemas.microsoft.com/office/drawing/2014/main" id="{D0262D86-7EDA-4B7C-806E-3AB6115E86AA}"/>
+              </a:ext>
+            </a:extLst>
+          </p:cNvPr>
+          <p:cNvPicPr>
+            <a:picLocks noChangeAspect="1"/>
+          </p:cNvPicPr>
+          <p:nvPr/>
+        </p:nvPicPr>
+        <p:blipFill>
+          <a:blip r:embed="rId5"/>
+          <a:stretch>
+            <a:fillRect/>
+          </a:stretch>
+        </p:blipFill>
+        <p:spPr>
+          <a:xfrm>
+            <a:off x="4806485" y="1768574"/>
+            <a:ext cx="4005419" cy="3359187"/>
+          </a:xfrm>
+          <a:prstGeom prst="rect">
+            <a:avLst/>
+          </a:prstGeom>
+        </p:spPr>
+      </p:pic>
     </p:spTree>
     <p:extLst>
       <p:ext uri="{BB962C8B-B14F-4D97-AF65-F5344CB8AC3E}">
